--- a/Documentation/MsSqlRecoveryTester.Concepts.pptx
+++ b/Documentation/MsSqlRecoveryTester.Concepts.pptx
@@ -6,6 +6,14 @@
   </p:sldMasterIdLst>
   <p:sldIdLst>
     <p:sldId id="256" r:id="rId2"/>
+    <p:sldId id="257" r:id="rId3"/>
+    <p:sldId id="258" r:id="rId4"/>
+    <p:sldId id="259" r:id="rId5"/>
+    <p:sldId id="260" r:id="rId6"/>
+    <p:sldId id="261" r:id="rId7"/>
+    <p:sldId id="262" r:id="rId8"/>
+    <p:sldId id="263" r:id="rId9"/>
+    <p:sldId id="264" r:id="rId10"/>
   </p:sldIdLst>
   <p:sldSz cx="9144000" cy="6858000" type="screen4x3"/>
   <p:notesSz cx="6858000" cy="9144000"/>
@@ -125,6 +133,4626 @@
 
 <file path=ppt/revisionInfo.xml><?xml version="1.0" encoding="utf-8"?>
 <p1510:revInfo xmlns:a="http://schemas.openxmlformats.org/drawingml/2006/main" xmlns:r="http://schemas.openxmlformats.org/officeDocument/2006/relationships" xmlns:p1510="http://schemas.microsoft.com/office/powerpoint/2015/10/main"/>
+</file>
+
+<file path=ppt/diagrams/colors1.xml><?xml version="1.0" encoding="utf-8"?>
+<dgm:colorsDef xmlns:dgm="http://schemas.openxmlformats.org/drawingml/2006/diagram" xmlns:a="http://schemas.openxmlformats.org/drawingml/2006/main" uniqueId="urn:microsoft.com/office/officeart/2005/8/colors/accent1_2">
+  <dgm:title val=""/>
+  <dgm:desc val=""/>
+  <dgm:catLst>
+    <dgm:cat type="accent1" pri="11200"/>
+  </dgm:catLst>
+  <dgm:styleLbl name="node0">
+    <dgm:fillClrLst meth="repeat">
+      <a:schemeClr val="accent1"/>
+    </dgm:fillClrLst>
+    <dgm:linClrLst meth="repeat">
+      <a:schemeClr val="lt1"/>
+    </dgm:linClrLst>
+    <dgm:effectClrLst/>
+    <dgm:txLinClrLst/>
+    <dgm:txFillClrLst/>
+    <dgm:txEffectClrLst/>
+  </dgm:styleLbl>
+  <dgm:styleLbl name="alignNode1">
+    <dgm:fillClrLst meth="repeat">
+      <a:schemeClr val="accent1"/>
+    </dgm:fillClrLst>
+    <dgm:linClrLst meth="repeat">
+      <a:schemeClr val="accent1"/>
+    </dgm:linClrLst>
+    <dgm:effectClrLst/>
+    <dgm:txLinClrLst/>
+    <dgm:txFillClrLst/>
+    <dgm:txEffectClrLst/>
+  </dgm:styleLbl>
+  <dgm:styleLbl name="node1">
+    <dgm:fillClrLst meth="repeat">
+      <a:schemeClr val="accent1"/>
+    </dgm:fillClrLst>
+    <dgm:linClrLst meth="repeat">
+      <a:schemeClr val="lt1"/>
+    </dgm:linClrLst>
+    <dgm:effectClrLst/>
+    <dgm:txLinClrLst/>
+    <dgm:txFillClrLst/>
+    <dgm:txEffectClrLst/>
+  </dgm:styleLbl>
+  <dgm:styleLbl name="lnNode1">
+    <dgm:fillClrLst meth="repeat">
+      <a:schemeClr val="accent1"/>
+    </dgm:fillClrLst>
+    <dgm:linClrLst meth="repeat">
+      <a:schemeClr val="lt1"/>
+    </dgm:linClrLst>
+    <dgm:effectClrLst/>
+    <dgm:txLinClrLst/>
+    <dgm:txFillClrLst/>
+    <dgm:txEffectClrLst/>
+  </dgm:styleLbl>
+  <dgm:styleLbl name="vennNode1">
+    <dgm:fillClrLst meth="repeat">
+      <a:schemeClr val="accent1">
+        <a:alpha val="50000"/>
+      </a:schemeClr>
+    </dgm:fillClrLst>
+    <dgm:linClrLst meth="repeat">
+      <a:schemeClr val="lt1"/>
+    </dgm:linClrLst>
+    <dgm:effectClrLst/>
+    <dgm:txLinClrLst/>
+    <dgm:txFillClrLst/>
+    <dgm:txEffectClrLst/>
+  </dgm:styleLbl>
+  <dgm:styleLbl name="node2">
+    <dgm:fillClrLst meth="repeat">
+      <a:schemeClr val="accent1"/>
+    </dgm:fillClrLst>
+    <dgm:linClrLst meth="repeat">
+      <a:schemeClr val="lt1"/>
+    </dgm:linClrLst>
+    <dgm:effectClrLst/>
+    <dgm:txLinClrLst/>
+    <dgm:txFillClrLst/>
+    <dgm:txEffectClrLst/>
+  </dgm:styleLbl>
+  <dgm:styleLbl name="node3">
+    <dgm:fillClrLst meth="repeat">
+      <a:schemeClr val="accent1"/>
+    </dgm:fillClrLst>
+    <dgm:linClrLst meth="repeat">
+      <a:schemeClr val="lt1"/>
+    </dgm:linClrLst>
+    <dgm:effectClrLst/>
+    <dgm:txLinClrLst/>
+    <dgm:txFillClrLst/>
+    <dgm:txEffectClrLst/>
+  </dgm:styleLbl>
+  <dgm:styleLbl name="node4">
+    <dgm:fillClrLst meth="repeat">
+      <a:schemeClr val="accent1"/>
+    </dgm:fillClrLst>
+    <dgm:linClrLst meth="repeat">
+      <a:schemeClr val="lt1"/>
+    </dgm:linClrLst>
+    <dgm:effectClrLst/>
+    <dgm:txLinClrLst/>
+    <dgm:txFillClrLst/>
+    <dgm:txEffectClrLst/>
+  </dgm:styleLbl>
+  <dgm:styleLbl name="fgImgPlace1">
+    <dgm:fillClrLst meth="repeat">
+      <a:schemeClr val="accent1">
+        <a:tint val="50000"/>
+      </a:schemeClr>
+    </dgm:fillClrLst>
+    <dgm:linClrLst meth="repeat">
+      <a:schemeClr val="lt1"/>
+    </dgm:linClrLst>
+    <dgm:effectClrLst/>
+    <dgm:txLinClrLst/>
+    <dgm:txFillClrLst meth="repeat">
+      <a:schemeClr val="lt1"/>
+    </dgm:txFillClrLst>
+    <dgm:txEffectClrLst/>
+  </dgm:styleLbl>
+  <dgm:styleLbl name="alignImgPlace1">
+    <dgm:fillClrLst meth="repeat">
+      <a:schemeClr val="accent1">
+        <a:tint val="50000"/>
+      </a:schemeClr>
+    </dgm:fillClrLst>
+    <dgm:linClrLst meth="repeat">
+      <a:schemeClr val="lt1"/>
+    </dgm:linClrLst>
+    <dgm:effectClrLst/>
+    <dgm:txLinClrLst/>
+    <dgm:txFillClrLst meth="repeat">
+      <a:schemeClr val="lt1"/>
+    </dgm:txFillClrLst>
+    <dgm:txEffectClrLst/>
+  </dgm:styleLbl>
+  <dgm:styleLbl name="bgImgPlace1">
+    <dgm:fillClrLst meth="repeat">
+      <a:schemeClr val="accent1">
+        <a:tint val="50000"/>
+      </a:schemeClr>
+    </dgm:fillClrLst>
+    <dgm:linClrLst meth="repeat">
+      <a:schemeClr val="lt1"/>
+    </dgm:linClrLst>
+    <dgm:effectClrLst/>
+    <dgm:txLinClrLst/>
+    <dgm:txFillClrLst meth="repeat">
+      <a:schemeClr val="lt1"/>
+    </dgm:txFillClrLst>
+    <dgm:txEffectClrLst/>
+  </dgm:styleLbl>
+  <dgm:styleLbl name="sibTrans2D1">
+    <dgm:fillClrLst meth="repeat">
+      <a:schemeClr val="accent1">
+        <a:tint val="60000"/>
+      </a:schemeClr>
+    </dgm:fillClrLst>
+    <dgm:linClrLst meth="repeat">
+      <a:schemeClr val="accent1">
+        <a:tint val="60000"/>
+      </a:schemeClr>
+    </dgm:linClrLst>
+    <dgm:effectClrLst/>
+    <dgm:txLinClrLst/>
+    <dgm:txFillClrLst/>
+    <dgm:txEffectClrLst/>
+  </dgm:styleLbl>
+  <dgm:styleLbl name="fgSibTrans2D1">
+    <dgm:fillClrLst meth="repeat">
+      <a:schemeClr val="accent1">
+        <a:tint val="60000"/>
+      </a:schemeClr>
+    </dgm:fillClrLst>
+    <dgm:linClrLst meth="repeat">
+      <a:schemeClr val="accent1">
+        <a:tint val="60000"/>
+      </a:schemeClr>
+    </dgm:linClrLst>
+    <dgm:effectClrLst/>
+    <dgm:txLinClrLst/>
+    <dgm:txFillClrLst/>
+    <dgm:txEffectClrLst/>
+  </dgm:styleLbl>
+  <dgm:styleLbl name="bgSibTrans2D1">
+    <dgm:fillClrLst meth="repeat">
+      <a:schemeClr val="accent1">
+        <a:tint val="60000"/>
+      </a:schemeClr>
+    </dgm:fillClrLst>
+    <dgm:linClrLst meth="repeat">
+      <a:schemeClr val="accent1">
+        <a:tint val="60000"/>
+      </a:schemeClr>
+    </dgm:linClrLst>
+    <dgm:effectClrLst/>
+    <dgm:txLinClrLst/>
+    <dgm:txFillClrLst/>
+    <dgm:txEffectClrLst/>
+  </dgm:styleLbl>
+  <dgm:styleLbl name="sibTrans1D1">
+    <dgm:fillClrLst meth="repeat">
+      <a:schemeClr val="accent1"/>
+    </dgm:fillClrLst>
+    <dgm:linClrLst meth="repeat">
+      <a:schemeClr val="accent1"/>
+    </dgm:linClrLst>
+    <dgm:effectClrLst/>
+    <dgm:txLinClrLst/>
+    <dgm:txFillClrLst meth="repeat">
+      <a:schemeClr val="tx1"/>
+    </dgm:txFillClrLst>
+    <dgm:txEffectClrLst/>
+  </dgm:styleLbl>
+  <dgm:styleLbl name="callout">
+    <dgm:fillClrLst meth="repeat">
+      <a:schemeClr val="accent1"/>
+    </dgm:fillClrLst>
+    <dgm:linClrLst meth="repeat">
+      <a:schemeClr val="accent1">
+        <a:tint val="50000"/>
+      </a:schemeClr>
+    </dgm:linClrLst>
+    <dgm:effectClrLst/>
+    <dgm:txLinClrLst/>
+    <dgm:txFillClrLst meth="repeat">
+      <a:schemeClr val="tx1"/>
+    </dgm:txFillClrLst>
+    <dgm:txEffectClrLst/>
+  </dgm:styleLbl>
+  <dgm:styleLbl name="asst0">
+    <dgm:fillClrLst meth="repeat">
+      <a:schemeClr val="accent1"/>
+    </dgm:fillClrLst>
+    <dgm:linClrLst meth="repeat">
+      <a:schemeClr val="lt1"/>
+    </dgm:linClrLst>
+    <dgm:effectClrLst/>
+    <dgm:txLinClrLst/>
+    <dgm:txFillClrLst/>
+    <dgm:txEffectClrLst/>
+  </dgm:styleLbl>
+  <dgm:styleLbl name="asst1">
+    <dgm:fillClrLst meth="repeat">
+      <a:schemeClr val="accent1"/>
+    </dgm:fillClrLst>
+    <dgm:linClrLst meth="repeat">
+      <a:schemeClr val="lt1"/>
+    </dgm:linClrLst>
+    <dgm:effectClrLst/>
+    <dgm:txLinClrLst/>
+    <dgm:txFillClrLst/>
+    <dgm:txEffectClrLst/>
+  </dgm:styleLbl>
+  <dgm:styleLbl name="asst2">
+    <dgm:fillClrLst meth="repeat">
+      <a:schemeClr val="accent1"/>
+    </dgm:fillClrLst>
+    <dgm:linClrLst meth="repeat">
+      <a:schemeClr val="lt1"/>
+    </dgm:linClrLst>
+    <dgm:effectClrLst/>
+    <dgm:txLinClrLst/>
+    <dgm:txFillClrLst/>
+    <dgm:txEffectClrLst/>
+  </dgm:styleLbl>
+  <dgm:styleLbl name="asst3">
+    <dgm:fillClrLst meth="repeat">
+      <a:schemeClr val="accent1"/>
+    </dgm:fillClrLst>
+    <dgm:linClrLst meth="repeat">
+      <a:schemeClr val="lt1"/>
+    </dgm:linClrLst>
+    <dgm:effectClrLst/>
+    <dgm:txLinClrLst/>
+    <dgm:txFillClrLst/>
+    <dgm:txEffectClrLst/>
+  </dgm:styleLbl>
+  <dgm:styleLbl name="asst4">
+    <dgm:fillClrLst meth="repeat">
+      <a:schemeClr val="accent1"/>
+    </dgm:fillClrLst>
+    <dgm:linClrLst meth="repeat">
+      <a:schemeClr val="lt1"/>
+    </dgm:linClrLst>
+    <dgm:effectClrLst/>
+    <dgm:txLinClrLst/>
+    <dgm:txFillClrLst/>
+    <dgm:txEffectClrLst/>
+  </dgm:styleLbl>
+  <dgm:styleLbl name="parChTrans2D1">
+    <dgm:fillClrLst meth="repeat">
+      <a:schemeClr val="accent1">
+        <a:tint val="60000"/>
+      </a:schemeClr>
+    </dgm:fillClrLst>
+    <dgm:linClrLst meth="repeat">
+      <a:schemeClr val="accent1">
+        <a:tint val="60000"/>
+      </a:schemeClr>
+    </dgm:linClrLst>
+    <dgm:effectClrLst/>
+    <dgm:txLinClrLst/>
+    <dgm:txFillClrLst meth="repeat">
+      <a:schemeClr val="lt1"/>
+    </dgm:txFillClrLst>
+    <dgm:txEffectClrLst/>
+  </dgm:styleLbl>
+  <dgm:styleLbl name="parChTrans2D2">
+    <dgm:fillClrLst meth="repeat">
+      <a:schemeClr val="accent1"/>
+    </dgm:fillClrLst>
+    <dgm:linClrLst meth="repeat">
+      <a:schemeClr val="accent1"/>
+    </dgm:linClrLst>
+    <dgm:effectClrLst/>
+    <dgm:txLinClrLst/>
+    <dgm:txFillClrLst meth="repeat">
+      <a:schemeClr val="lt1"/>
+    </dgm:txFillClrLst>
+    <dgm:txEffectClrLst/>
+  </dgm:styleLbl>
+  <dgm:styleLbl name="parChTrans2D3">
+    <dgm:fillClrLst meth="repeat">
+      <a:schemeClr val="accent1"/>
+    </dgm:fillClrLst>
+    <dgm:linClrLst meth="repeat">
+      <a:schemeClr val="accent1"/>
+    </dgm:linClrLst>
+    <dgm:effectClrLst/>
+    <dgm:txLinClrLst/>
+    <dgm:txFillClrLst meth="repeat">
+      <a:schemeClr val="lt1"/>
+    </dgm:txFillClrLst>
+    <dgm:txEffectClrLst/>
+  </dgm:styleLbl>
+  <dgm:styleLbl name="parChTrans2D4">
+    <dgm:fillClrLst meth="repeat">
+      <a:schemeClr val="accent1"/>
+    </dgm:fillClrLst>
+    <dgm:linClrLst meth="repeat">
+      <a:schemeClr val="accent1"/>
+    </dgm:linClrLst>
+    <dgm:effectClrLst/>
+    <dgm:txLinClrLst/>
+    <dgm:txFillClrLst meth="repeat">
+      <a:schemeClr val="lt1"/>
+    </dgm:txFillClrLst>
+    <dgm:txEffectClrLst/>
+  </dgm:styleLbl>
+  <dgm:styleLbl name="parChTrans1D1">
+    <dgm:fillClrLst meth="repeat">
+      <a:schemeClr val="accent1"/>
+    </dgm:fillClrLst>
+    <dgm:linClrLst meth="repeat">
+      <a:schemeClr val="accent1">
+        <a:shade val="60000"/>
+      </a:schemeClr>
+    </dgm:linClrLst>
+    <dgm:effectClrLst/>
+    <dgm:txLinClrLst/>
+    <dgm:txFillClrLst meth="repeat">
+      <a:schemeClr val="tx1"/>
+    </dgm:txFillClrLst>
+    <dgm:txEffectClrLst/>
+  </dgm:styleLbl>
+  <dgm:styleLbl name="parChTrans1D2">
+    <dgm:fillClrLst meth="repeat">
+      <a:schemeClr val="accent1"/>
+    </dgm:fillClrLst>
+    <dgm:linClrLst meth="repeat">
+      <a:schemeClr val="accent1">
+        <a:shade val="60000"/>
+      </a:schemeClr>
+    </dgm:linClrLst>
+    <dgm:effectClrLst/>
+    <dgm:txLinClrLst/>
+    <dgm:txFillClrLst meth="repeat">
+      <a:schemeClr val="tx1"/>
+    </dgm:txFillClrLst>
+    <dgm:txEffectClrLst/>
+  </dgm:styleLbl>
+  <dgm:styleLbl name="parChTrans1D3">
+    <dgm:fillClrLst meth="repeat">
+      <a:schemeClr val="accent1"/>
+    </dgm:fillClrLst>
+    <dgm:linClrLst meth="repeat">
+      <a:schemeClr val="accent1">
+        <a:shade val="80000"/>
+      </a:schemeClr>
+    </dgm:linClrLst>
+    <dgm:effectClrLst/>
+    <dgm:txLinClrLst/>
+    <dgm:txFillClrLst meth="repeat">
+      <a:schemeClr val="tx1"/>
+    </dgm:txFillClrLst>
+    <dgm:txEffectClrLst/>
+  </dgm:styleLbl>
+  <dgm:styleLbl name="parChTrans1D4">
+    <dgm:fillClrLst meth="repeat">
+      <a:schemeClr val="accent1"/>
+    </dgm:fillClrLst>
+    <dgm:linClrLst meth="repeat">
+      <a:schemeClr val="accent1">
+        <a:shade val="80000"/>
+      </a:schemeClr>
+    </dgm:linClrLst>
+    <dgm:effectClrLst/>
+    <dgm:txLinClrLst/>
+    <dgm:txFillClrLst meth="repeat">
+      <a:schemeClr val="tx1"/>
+    </dgm:txFillClrLst>
+    <dgm:txEffectClrLst/>
+  </dgm:styleLbl>
+  <dgm:styleLbl name="fgAcc1">
+    <dgm:fillClrLst meth="repeat">
+      <a:schemeClr val="lt1">
+        <a:alpha val="90000"/>
+      </a:schemeClr>
+    </dgm:fillClrLst>
+    <dgm:linClrLst meth="repeat">
+      <a:schemeClr val="accent1"/>
+    </dgm:linClrLst>
+    <dgm:effectClrLst/>
+    <dgm:txLinClrLst/>
+    <dgm:txFillClrLst meth="repeat">
+      <a:schemeClr val="dk1"/>
+    </dgm:txFillClrLst>
+    <dgm:txEffectClrLst/>
+  </dgm:styleLbl>
+  <dgm:styleLbl name="conFgAcc1">
+    <dgm:fillClrLst meth="repeat">
+      <a:schemeClr val="lt1">
+        <a:alpha val="90000"/>
+      </a:schemeClr>
+    </dgm:fillClrLst>
+    <dgm:linClrLst meth="repeat">
+      <a:schemeClr val="accent1"/>
+    </dgm:linClrLst>
+    <dgm:effectClrLst/>
+    <dgm:txLinClrLst/>
+    <dgm:txFillClrLst meth="repeat">
+      <a:schemeClr val="dk1"/>
+    </dgm:txFillClrLst>
+    <dgm:txEffectClrLst/>
+  </dgm:styleLbl>
+  <dgm:styleLbl name="alignAcc1">
+    <dgm:fillClrLst meth="repeat">
+      <a:schemeClr val="lt1">
+        <a:alpha val="90000"/>
+      </a:schemeClr>
+    </dgm:fillClrLst>
+    <dgm:linClrLst meth="repeat">
+      <a:schemeClr val="accent1"/>
+    </dgm:linClrLst>
+    <dgm:effectClrLst/>
+    <dgm:txLinClrLst/>
+    <dgm:txFillClrLst meth="repeat">
+      <a:schemeClr val="dk1"/>
+    </dgm:txFillClrLst>
+    <dgm:txEffectClrLst/>
+  </dgm:styleLbl>
+  <dgm:styleLbl name="trAlignAcc1">
+    <dgm:fillClrLst meth="repeat">
+      <a:schemeClr val="lt1">
+        <a:alpha val="40000"/>
+      </a:schemeClr>
+    </dgm:fillClrLst>
+    <dgm:linClrLst meth="repeat">
+      <a:schemeClr val="accent1"/>
+    </dgm:linClrLst>
+    <dgm:effectClrLst/>
+    <dgm:txLinClrLst/>
+    <dgm:txFillClrLst meth="repeat">
+      <a:schemeClr val="dk1"/>
+    </dgm:txFillClrLst>
+    <dgm:txEffectClrLst/>
+  </dgm:styleLbl>
+  <dgm:styleLbl name="bgAcc1">
+    <dgm:fillClrLst meth="repeat">
+      <a:schemeClr val="lt1">
+        <a:alpha val="90000"/>
+      </a:schemeClr>
+    </dgm:fillClrLst>
+    <dgm:linClrLst meth="repeat">
+      <a:schemeClr val="accent1"/>
+    </dgm:linClrLst>
+    <dgm:effectClrLst/>
+    <dgm:txLinClrLst/>
+    <dgm:txFillClrLst meth="repeat">
+      <a:schemeClr val="dk1"/>
+    </dgm:txFillClrLst>
+    <dgm:txEffectClrLst/>
+  </dgm:styleLbl>
+  <dgm:styleLbl name="solidFgAcc1">
+    <dgm:fillClrLst meth="repeat">
+      <a:schemeClr val="lt1"/>
+    </dgm:fillClrLst>
+    <dgm:linClrLst meth="repeat">
+      <a:schemeClr val="accent1"/>
+    </dgm:linClrLst>
+    <dgm:effectClrLst/>
+    <dgm:txLinClrLst/>
+    <dgm:txFillClrLst meth="repeat">
+      <a:schemeClr val="dk1"/>
+    </dgm:txFillClrLst>
+    <dgm:txEffectClrLst/>
+  </dgm:styleLbl>
+  <dgm:styleLbl name="solidAlignAcc1">
+    <dgm:fillClrLst meth="repeat">
+      <a:schemeClr val="lt1"/>
+    </dgm:fillClrLst>
+    <dgm:linClrLst meth="repeat">
+      <a:schemeClr val="accent1"/>
+    </dgm:linClrLst>
+    <dgm:effectClrLst/>
+    <dgm:txLinClrLst/>
+    <dgm:txFillClrLst meth="repeat">
+      <a:schemeClr val="dk1"/>
+    </dgm:txFillClrLst>
+    <dgm:txEffectClrLst/>
+  </dgm:styleLbl>
+  <dgm:styleLbl name="solidBgAcc1">
+    <dgm:fillClrLst meth="repeat">
+      <a:schemeClr val="lt1"/>
+    </dgm:fillClrLst>
+    <dgm:linClrLst meth="repeat">
+      <a:schemeClr val="accent1"/>
+    </dgm:linClrLst>
+    <dgm:effectClrLst/>
+    <dgm:txLinClrLst/>
+    <dgm:txFillClrLst meth="repeat">
+      <a:schemeClr val="dk1"/>
+    </dgm:txFillClrLst>
+    <dgm:txEffectClrLst/>
+  </dgm:styleLbl>
+  <dgm:styleLbl name="fgAccFollowNode1">
+    <dgm:fillClrLst meth="repeat">
+      <a:schemeClr val="accent1">
+        <a:alpha val="90000"/>
+        <a:tint val="40000"/>
+      </a:schemeClr>
+    </dgm:fillClrLst>
+    <dgm:linClrLst meth="repeat">
+      <a:schemeClr val="accent1">
+        <a:alpha val="90000"/>
+        <a:tint val="40000"/>
+      </a:schemeClr>
+    </dgm:linClrLst>
+    <dgm:effectClrLst/>
+    <dgm:txLinClrLst/>
+    <dgm:txFillClrLst meth="repeat">
+      <a:schemeClr val="dk1"/>
+    </dgm:txFillClrLst>
+    <dgm:txEffectClrLst/>
+  </dgm:styleLbl>
+  <dgm:styleLbl name="alignAccFollowNode1">
+    <dgm:fillClrLst meth="repeat">
+      <a:schemeClr val="accent1">
+        <a:alpha val="90000"/>
+        <a:tint val="40000"/>
+      </a:schemeClr>
+    </dgm:fillClrLst>
+    <dgm:linClrLst meth="repeat">
+      <a:schemeClr val="accent1">
+        <a:alpha val="90000"/>
+        <a:tint val="40000"/>
+      </a:schemeClr>
+    </dgm:linClrLst>
+    <dgm:effectClrLst/>
+    <dgm:txLinClrLst/>
+    <dgm:txFillClrLst meth="repeat">
+      <a:schemeClr val="dk1"/>
+    </dgm:txFillClrLst>
+    <dgm:txEffectClrLst/>
+  </dgm:styleLbl>
+  <dgm:styleLbl name="bgAccFollowNode1">
+    <dgm:fillClrLst meth="repeat">
+      <a:schemeClr val="accent1">
+        <a:alpha val="90000"/>
+        <a:tint val="40000"/>
+      </a:schemeClr>
+    </dgm:fillClrLst>
+    <dgm:linClrLst meth="repeat">
+      <a:schemeClr val="accent1">
+        <a:alpha val="90000"/>
+        <a:tint val="40000"/>
+      </a:schemeClr>
+    </dgm:linClrLst>
+    <dgm:effectClrLst/>
+    <dgm:txLinClrLst/>
+    <dgm:txFillClrLst meth="repeat">
+      <a:schemeClr val="dk1"/>
+    </dgm:txFillClrLst>
+    <dgm:txEffectClrLst/>
+  </dgm:styleLbl>
+  <dgm:styleLbl name="fgAcc0">
+    <dgm:fillClrLst meth="repeat">
+      <a:schemeClr val="lt1">
+        <a:alpha val="90000"/>
+      </a:schemeClr>
+    </dgm:fillClrLst>
+    <dgm:linClrLst meth="repeat">
+      <a:schemeClr val="accent1"/>
+    </dgm:linClrLst>
+    <dgm:effectClrLst/>
+    <dgm:txLinClrLst/>
+    <dgm:txFillClrLst meth="repeat">
+      <a:schemeClr val="dk1"/>
+    </dgm:txFillClrLst>
+    <dgm:txEffectClrLst/>
+  </dgm:styleLbl>
+  <dgm:styleLbl name="fgAcc2">
+    <dgm:fillClrLst meth="repeat">
+      <a:schemeClr val="lt1">
+        <a:alpha val="90000"/>
+      </a:schemeClr>
+    </dgm:fillClrLst>
+    <dgm:linClrLst meth="repeat">
+      <a:schemeClr val="accent1"/>
+    </dgm:linClrLst>
+    <dgm:effectClrLst/>
+    <dgm:txLinClrLst/>
+    <dgm:txFillClrLst meth="repeat">
+      <a:schemeClr val="dk1"/>
+    </dgm:txFillClrLst>
+    <dgm:txEffectClrLst/>
+  </dgm:styleLbl>
+  <dgm:styleLbl name="fgAcc3">
+    <dgm:fillClrLst meth="repeat">
+      <a:schemeClr val="lt1">
+        <a:alpha val="90000"/>
+      </a:schemeClr>
+    </dgm:fillClrLst>
+    <dgm:linClrLst meth="repeat">
+      <a:schemeClr val="accent1"/>
+    </dgm:linClrLst>
+    <dgm:effectClrLst/>
+    <dgm:txLinClrLst/>
+    <dgm:txFillClrLst meth="repeat">
+      <a:schemeClr val="dk1"/>
+    </dgm:txFillClrLst>
+    <dgm:txEffectClrLst/>
+  </dgm:styleLbl>
+  <dgm:styleLbl name="fgAcc4">
+    <dgm:fillClrLst meth="repeat">
+      <a:schemeClr val="lt1">
+        <a:alpha val="90000"/>
+      </a:schemeClr>
+    </dgm:fillClrLst>
+    <dgm:linClrLst meth="repeat">
+      <a:schemeClr val="accent1"/>
+    </dgm:linClrLst>
+    <dgm:effectClrLst/>
+    <dgm:txLinClrLst/>
+    <dgm:txFillClrLst meth="repeat">
+      <a:schemeClr val="dk1"/>
+    </dgm:txFillClrLst>
+    <dgm:txEffectClrLst/>
+  </dgm:styleLbl>
+  <dgm:styleLbl name="bgShp">
+    <dgm:fillClrLst meth="repeat">
+      <a:schemeClr val="accent1">
+        <a:tint val="40000"/>
+      </a:schemeClr>
+    </dgm:fillClrLst>
+    <dgm:linClrLst meth="repeat">
+      <a:schemeClr val="accent1"/>
+    </dgm:linClrLst>
+    <dgm:effectClrLst/>
+    <dgm:txLinClrLst/>
+    <dgm:txFillClrLst meth="repeat">
+      <a:schemeClr val="dk1"/>
+    </dgm:txFillClrLst>
+    <dgm:txEffectClrLst/>
+  </dgm:styleLbl>
+  <dgm:styleLbl name="dkBgShp">
+    <dgm:fillClrLst meth="repeat">
+      <a:schemeClr val="accent1">
+        <a:shade val="80000"/>
+      </a:schemeClr>
+    </dgm:fillClrLst>
+    <dgm:linClrLst meth="repeat">
+      <a:schemeClr val="accent1"/>
+    </dgm:linClrLst>
+    <dgm:effectClrLst/>
+    <dgm:txLinClrLst/>
+    <dgm:txFillClrLst meth="repeat">
+      <a:schemeClr val="lt1"/>
+    </dgm:txFillClrLst>
+    <dgm:txEffectClrLst/>
+  </dgm:styleLbl>
+  <dgm:styleLbl name="trBgShp">
+    <dgm:fillClrLst meth="repeat">
+      <a:schemeClr val="accent1">
+        <a:tint val="50000"/>
+        <a:alpha val="40000"/>
+      </a:schemeClr>
+    </dgm:fillClrLst>
+    <dgm:linClrLst meth="repeat">
+      <a:schemeClr val="accent1"/>
+    </dgm:linClrLst>
+    <dgm:effectClrLst/>
+    <dgm:txLinClrLst/>
+    <dgm:txFillClrLst meth="repeat">
+      <a:schemeClr val="lt1"/>
+    </dgm:txFillClrLst>
+    <dgm:txEffectClrLst/>
+  </dgm:styleLbl>
+  <dgm:styleLbl name="fgShp">
+    <dgm:fillClrLst meth="repeat">
+      <a:schemeClr val="accent1">
+        <a:tint val="60000"/>
+      </a:schemeClr>
+    </dgm:fillClrLst>
+    <dgm:linClrLst meth="repeat">
+      <a:schemeClr val="lt1"/>
+    </dgm:linClrLst>
+    <dgm:effectClrLst/>
+    <dgm:txLinClrLst/>
+    <dgm:txFillClrLst meth="repeat">
+      <a:schemeClr val="dk1"/>
+    </dgm:txFillClrLst>
+    <dgm:txEffectClrLst/>
+  </dgm:styleLbl>
+  <dgm:styleLbl name="revTx">
+    <dgm:fillClrLst meth="repeat">
+      <a:schemeClr val="lt1">
+        <a:alpha val="0"/>
+      </a:schemeClr>
+    </dgm:fillClrLst>
+    <dgm:linClrLst meth="repeat">
+      <a:schemeClr val="dk1">
+        <a:alpha val="0"/>
+      </a:schemeClr>
+    </dgm:linClrLst>
+    <dgm:effectClrLst/>
+    <dgm:txLinClrLst/>
+    <dgm:txFillClrLst meth="repeat">
+      <a:schemeClr val="tx1"/>
+    </dgm:txFillClrLst>
+    <dgm:txEffectClrLst/>
+  </dgm:styleLbl>
+</dgm:colorsDef>
+</file>
+
+<file path=ppt/diagrams/data1.xml><?xml version="1.0" encoding="utf-8"?>
+<dgm:dataModel xmlns:dgm="http://schemas.openxmlformats.org/drawingml/2006/diagram" xmlns:a="http://schemas.openxmlformats.org/drawingml/2006/main">
+  <dgm:ptLst>
+    <dgm:pt modelId="{05A2A666-C2AA-44F5-AE5E-B6D075A8A01C}" type="doc">
+      <dgm:prSet loTypeId="urn:microsoft.com/office/officeart/2005/8/layout/hProcess10" loCatId="process" qsTypeId="urn:microsoft.com/office/officeart/2005/8/quickstyle/simple1" qsCatId="simple" csTypeId="urn:microsoft.com/office/officeart/2005/8/colors/accent1_2" csCatId="accent1" phldr="1"/>
+      <dgm:spPr/>
+      <dgm:t>
+        <a:bodyPr/>
+        <a:lstStyle/>
+        <a:p>
+          <a:endParaRPr lang="en-US"/>
+        </a:p>
+      </dgm:t>
+    </dgm:pt>
+    <dgm:pt modelId="{F4790FF3-1826-421D-BEB6-E5A90514D83B}">
+      <dgm:prSet phldrT="[Text]"/>
+      <dgm:spPr/>
+      <dgm:t>
+        <a:bodyPr/>
+        <a:lstStyle/>
+        <a:p>
+          <a:r>
+            <a:rPr lang="en-US" dirty="0"/>
+            <a:t>IaaS</a:t>
+          </a:r>
+        </a:p>
+      </dgm:t>
+    </dgm:pt>
+    <dgm:pt modelId="{88E1844D-0365-4E7C-BD39-76FE50E71BF5}" type="parTrans" cxnId="{B0D0894B-4937-4AAD-84E4-CE7853B096D9}">
+      <dgm:prSet/>
+      <dgm:spPr/>
+      <dgm:t>
+        <a:bodyPr/>
+        <a:lstStyle/>
+        <a:p>
+          <a:endParaRPr lang="en-US"/>
+        </a:p>
+      </dgm:t>
+    </dgm:pt>
+    <dgm:pt modelId="{C95D1DD7-0EDC-46B7-8BF5-4F95326559DE}" type="sibTrans" cxnId="{B0D0894B-4937-4AAD-84E4-CE7853B096D9}">
+      <dgm:prSet/>
+      <dgm:spPr/>
+      <dgm:t>
+        <a:bodyPr/>
+        <a:lstStyle/>
+        <a:p>
+          <a:endParaRPr lang="en-US"/>
+        </a:p>
+      </dgm:t>
+    </dgm:pt>
+    <dgm:pt modelId="{6D1F28D4-8D5D-4B03-A721-F738DD9B1E47}">
+      <dgm:prSet phldrT="[Text]"/>
+      <dgm:spPr/>
+      <dgm:t>
+        <a:bodyPr/>
+        <a:lstStyle/>
+        <a:p>
+          <a:r>
+            <a:rPr lang="en-US" dirty="0"/>
+            <a:t>Windows Server</a:t>
+          </a:r>
+        </a:p>
+      </dgm:t>
+    </dgm:pt>
+    <dgm:pt modelId="{115113F1-FE04-4A21-8D5C-C5E1406CDD89}" type="parTrans" cxnId="{D9BE93D9-1D40-4AB3-B12C-367EEDD95285}">
+      <dgm:prSet/>
+      <dgm:spPr/>
+      <dgm:t>
+        <a:bodyPr/>
+        <a:lstStyle/>
+        <a:p>
+          <a:endParaRPr lang="en-US"/>
+        </a:p>
+      </dgm:t>
+    </dgm:pt>
+    <dgm:pt modelId="{D417D9D3-01CB-4526-B11F-13946FB8F382}" type="sibTrans" cxnId="{D9BE93D9-1D40-4AB3-B12C-367EEDD95285}">
+      <dgm:prSet/>
+      <dgm:spPr/>
+      <dgm:t>
+        <a:bodyPr/>
+        <a:lstStyle/>
+        <a:p>
+          <a:endParaRPr lang="en-US"/>
+        </a:p>
+      </dgm:t>
+    </dgm:pt>
+    <dgm:pt modelId="{04006EDA-2BF5-4C38-9697-E35D1BE6F788}">
+      <dgm:prSet phldrT="[Text]"/>
+      <dgm:spPr/>
+      <dgm:t>
+        <a:bodyPr/>
+        <a:lstStyle/>
+        <a:p>
+          <a:r>
+            <a:rPr lang="en-US" dirty="0"/>
+            <a:t>Linux</a:t>
+          </a:r>
+        </a:p>
+      </dgm:t>
+    </dgm:pt>
+    <dgm:pt modelId="{AB7E6199-DAE5-4D7C-BE73-504E5F99CF48}" type="parTrans" cxnId="{1AB7B8D3-6750-410B-B19F-4E394E8A8E98}">
+      <dgm:prSet/>
+      <dgm:spPr/>
+      <dgm:t>
+        <a:bodyPr/>
+        <a:lstStyle/>
+        <a:p>
+          <a:endParaRPr lang="en-US"/>
+        </a:p>
+      </dgm:t>
+    </dgm:pt>
+    <dgm:pt modelId="{E9DFBE2F-70C1-4681-BCA4-B5A7AD772FB1}" type="sibTrans" cxnId="{1AB7B8D3-6750-410B-B19F-4E394E8A8E98}">
+      <dgm:prSet/>
+      <dgm:spPr/>
+      <dgm:t>
+        <a:bodyPr/>
+        <a:lstStyle/>
+        <a:p>
+          <a:endParaRPr lang="en-US"/>
+        </a:p>
+      </dgm:t>
+    </dgm:pt>
+    <dgm:pt modelId="{C034EC04-B203-443F-A9D8-F90ED877BF90}">
+      <dgm:prSet phldrT="[Text]"/>
+      <dgm:spPr/>
+      <dgm:t>
+        <a:bodyPr/>
+        <a:lstStyle/>
+        <a:p>
+          <a:r>
+            <a:rPr lang="en-US" dirty="0" err="1"/>
+            <a:t>Paas</a:t>
+          </a:r>
+          <a:endParaRPr lang="en-US" dirty="0"/>
+        </a:p>
+      </dgm:t>
+    </dgm:pt>
+    <dgm:pt modelId="{5A59EE8C-DC49-4496-A478-D4313C925BE0}" type="parTrans" cxnId="{0A43277B-B237-4AF7-B817-81AC490AA24C}">
+      <dgm:prSet/>
+      <dgm:spPr/>
+      <dgm:t>
+        <a:bodyPr/>
+        <a:lstStyle/>
+        <a:p>
+          <a:endParaRPr lang="en-US"/>
+        </a:p>
+      </dgm:t>
+    </dgm:pt>
+    <dgm:pt modelId="{658121F9-2E8E-4D3F-B3C8-3D169BEA42ED}" type="sibTrans" cxnId="{0A43277B-B237-4AF7-B817-81AC490AA24C}">
+      <dgm:prSet/>
+      <dgm:spPr/>
+      <dgm:t>
+        <a:bodyPr/>
+        <a:lstStyle/>
+        <a:p>
+          <a:endParaRPr lang="en-US"/>
+        </a:p>
+      </dgm:t>
+    </dgm:pt>
+    <dgm:pt modelId="{6D45BA2D-E184-4086-8512-FB27F8237481}">
+      <dgm:prSet phldrT="[Text]"/>
+      <dgm:spPr/>
+      <dgm:t>
+        <a:bodyPr/>
+        <a:lstStyle/>
+        <a:p>
+          <a:r>
+            <a:rPr lang="en-US" dirty="0"/>
+            <a:t>MSSQL DB</a:t>
+          </a:r>
+        </a:p>
+      </dgm:t>
+    </dgm:pt>
+    <dgm:pt modelId="{8668F935-A42A-4CC2-87B4-9F23AF36CF72}" type="parTrans" cxnId="{1B20238B-A041-44B3-A262-2A30C7D24112}">
+      <dgm:prSet/>
+      <dgm:spPr/>
+      <dgm:t>
+        <a:bodyPr/>
+        <a:lstStyle/>
+        <a:p>
+          <a:endParaRPr lang="en-US"/>
+        </a:p>
+      </dgm:t>
+    </dgm:pt>
+    <dgm:pt modelId="{2CB775F8-CFF0-442A-B255-1695D820A057}" type="sibTrans" cxnId="{1B20238B-A041-44B3-A262-2A30C7D24112}">
+      <dgm:prSet/>
+      <dgm:spPr/>
+      <dgm:t>
+        <a:bodyPr/>
+        <a:lstStyle/>
+        <a:p>
+          <a:endParaRPr lang="en-US"/>
+        </a:p>
+      </dgm:t>
+    </dgm:pt>
+    <dgm:pt modelId="{A94EAA3D-7B6F-4A83-A98F-6C0FD17FA262}">
+      <dgm:prSet phldrT="[Text]"/>
+      <dgm:spPr/>
+      <dgm:t>
+        <a:bodyPr/>
+        <a:lstStyle/>
+        <a:p>
+          <a:r>
+            <a:rPr lang="en-US" dirty="0"/>
+            <a:t>MSSQL AS</a:t>
+          </a:r>
+        </a:p>
+      </dgm:t>
+    </dgm:pt>
+    <dgm:pt modelId="{63EBB3FE-039E-40E6-B31A-7FB56BE36F7E}" type="parTrans" cxnId="{8135EDEA-C71C-4B0E-B0D4-587B02635B20}">
+      <dgm:prSet/>
+      <dgm:spPr/>
+      <dgm:t>
+        <a:bodyPr/>
+        <a:lstStyle/>
+        <a:p>
+          <a:endParaRPr lang="en-US"/>
+        </a:p>
+      </dgm:t>
+    </dgm:pt>
+    <dgm:pt modelId="{233399FB-C1C2-44A2-AD1A-D92C614D2C79}" type="sibTrans" cxnId="{8135EDEA-C71C-4B0E-B0D4-587B02635B20}">
+      <dgm:prSet/>
+      <dgm:spPr/>
+      <dgm:t>
+        <a:bodyPr/>
+        <a:lstStyle/>
+        <a:p>
+          <a:endParaRPr lang="en-US"/>
+        </a:p>
+      </dgm:t>
+    </dgm:pt>
+    <dgm:pt modelId="{1030C787-CF10-4D56-BEA0-03E3012FACA6}">
+      <dgm:prSet phldrT="[Text]"/>
+      <dgm:spPr/>
+      <dgm:t>
+        <a:bodyPr/>
+        <a:lstStyle/>
+        <a:p>
+          <a:r>
+            <a:rPr lang="en-US" dirty="0" err="1"/>
+            <a:t>Analyse</a:t>
+          </a:r>
+          <a:endParaRPr lang="en-US" dirty="0"/>
+        </a:p>
+      </dgm:t>
+    </dgm:pt>
+    <dgm:pt modelId="{165EE207-D862-4881-B0D4-0C2F4FDF701C}" type="parTrans" cxnId="{0971E744-EC1F-4C34-9DF9-56DBFA0E2A7A}">
+      <dgm:prSet/>
+      <dgm:spPr/>
+      <dgm:t>
+        <a:bodyPr/>
+        <a:lstStyle/>
+        <a:p>
+          <a:endParaRPr lang="en-US"/>
+        </a:p>
+      </dgm:t>
+    </dgm:pt>
+    <dgm:pt modelId="{036930CE-FC33-4EAB-A8A2-479BB2151777}" type="sibTrans" cxnId="{0971E744-EC1F-4C34-9DF9-56DBFA0E2A7A}">
+      <dgm:prSet/>
+      <dgm:spPr/>
+      <dgm:t>
+        <a:bodyPr/>
+        <a:lstStyle/>
+        <a:p>
+          <a:endParaRPr lang="en-US"/>
+        </a:p>
+      </dgm:t>
+    </dgm:pt>
+    <dgm:pt modelId="{654BF433-E40F-45B9-A37E-C8F9FD609154}">
+      <dgm:prSet phldrT="[Text]"/>
+      <dgm:spPr/>
+      <dgm:t>
+        <a:bodyPr/>
+        <a:lstStyle/>
+        <a:p>
+          <a:r>
+            <a:rPr lang="en-US" dirty="0"/>
+            <a:t>Configuration</a:t>
+          </a:r>
+        </a:p>
+      </dgm:t>
+    </dgm:pt>
+    <dgm:pt modelId="{1C66D073-6ED8-44D1-A482-2906E6D29200}" type="parTrans" cxnId="{9F6CB526-0FD1-469F-AD5B-25D2A99749EF}">
+      <dgm:prSet/>
+      <dgm:spPr/>
+      <dgm:t>
+        <a:bodyPr/>
+        <a:lstStyle/>
+        <a:p>
+          <a:endParaRPr lang="en-US"/>
+        </a:p>
+      </dgm:t>
+    </dgm:pt>
+    <dgm:pt modelId="{85E969D4-CA78-47B2-AA0D-436740DA8D17}" type="sibTrans" cxnId="{9F6CB526-0FD1-469F-AD5B-25D2A99749EF}">
+      <dgm:prSet/>
+      <dgm:spPr/>
+      <dgm:t>
+        <a:bodyPr/>
+        <a:lstStyle/>
+        <a:p>
+          <a:endParaRPr lang="en-US"/>
+        </a:p>
+      </dgm:t>
+    </dgm:pt>
+    <dgm:pt modelId="{B30B9DC9-B2EF-49C5-85EF-9A113BD4D6DA}">
+      <dgm:prSet phldrT="[Text]"/>
+      <dgm:spPr/>
+      <dgm:t>
+        <a:bodyPr/>
+        <a:lstStyle/>
+        <a:p>
+          <a:r>
+            <a:rPr lang="en-US" dirty="0"/>
+            <a:t>Capacity</a:t>
+          </a:r>
+        </a:p>
+      </dgm:t>
+    </dgm:pt>
+    <dgm:pt modelId="{9ABDB4B9-D0D2-4580-B123-C5D627E33AD0}" type="parTrans" cxnId="{C76E8C3A-55F6-4AB3-951E-2D03D09E2D2F}">
+      <dgm:prSet/>
+      <dgm:spPr/>
+      <dgm:t>
+        <a:bodyPr/>
+        <a:lstStyle/>
+        <a:p>
+          <a:endParaRPr lang="en-US"/>
+        </a:p>
+      </dgm:t>
+    </dgm:pt>
+    <dgm:pt modelId="{3B96826D-6CE1-4467-9B34-06119139FA08}" type="sibTrans" cxnId="{C76E8C3A-55F6-4AB3-951E-2D03D09E2D2F}">
+      <dgm:prSet/>
+      <dgm:spPr/>
+      <dgm:t>
+        <a:bodyPr/>
+        <a:lstStyle/>
+        <a:p>
+          <a:endParaRPr lang="en-US"/>
+        </a:p>
+      </dgm:t>
+    </dgm:pt>
+    <dgm:pt modelId="{883735A2-714B-48EE-A800-768FAD84BB90}">
+      <dgm:prSet phldrT="[Text]"/>
+      <dgm:spPr/>
+      <dgm:t>
+        <a:bodyPr/>
+        <a:lstStyle/>
+        <a:p>
+          <a:r>
+            <a:rPr lang="en-US" dirty="0"/>
+            <a:t>container</a:t>
+          </a:r>
+        </a:p>
+      </dgm:t>
+    </dgm:pt>
+    <dgm:pt modelId="{C832555F-D2F1-4C64-B824-87FD640DD6C5}" type="parTrans" cxnId="{B60D025D-7E13-40D3-8B3D-E30A91483CB1}">
+      <dgm:prSet/>
+      <dgm:spPr/>
+      <dgm:t>
+        <a:bodyPr/>
+        <a:lstStyle/>
+        <a:p>
+          <a:endParaRPr lang="en-US"/>
+        </a:p>
+      </dgm:t>
+    </dgm:pt>
+    <dgm:pt modelId="{8DBB98AB-BD23-4E7D-A2D4-3DA77953100C}" type="sibTrans" cxnId="{B60D025D-7E13-40D3-8B3D-E30A91483CB1}">
+      <dgm:prSet/>
+      <dgm:spPr/>
+      <dgm:t>
+        <a:bodyPr/>
+        <a:lstStyle/>
+        <a:p>
+          <a:endParaRPr lang="en-US"/>
+        </a:p>
+      </dgm:t>
+    </dgm:pt>
+    <dgm:pt modelId="{1D7F6ABF-BF36-432F-A5B6-1097B1359EDB}">
+      <dgm:prSet phldrT="[Text]"/>
+      <dgm:spPr/>
+      <dgm:t>
+        <a:bodyPr/>
+        <a:lstStyle/>
+        <a:p>
+          <a:r>
+            <a:rPr lang="en-US" dirty="0" err="1"/>
+            <a:t>etc</a:t>
+          </a:r>
+          <a:r>
+            <a:rPr lang="en-US" dirty="0"/>
+            <a:t>…</a:t>
+          </a:r>
+        </a:p>
+      </dgm:t>
+    </dgm:pt>
+    <dgm:pt modelId="{A2C8E860-456A-4586-8DCD-CDF4681217F2}" type="parTrans" cxnId="{FA7E4660-163D-4C5E-9A06-8253FE4D46A3}">
+      <dgm:prSet/>
+      <dgm:spPr/>
+      <dgm:t>
+        <a:bodyPr/>
+        <a:lstStyle/>
+        <a:p>
+          <a:endParaRPr lang="en-US"/>
+        </a:p>
+      </dgm:t>
+    </dgm:pt>
+    <dgm:pt modelId="{F00D09BD-0D97-4452-BD4E-A86F94DD7A90}" type="sibTrans" cxnId="{FA7E4660-163D-4C5E-9A06-8253FE4D46A3}">
+      <dgm:prSet/>
+      <dgm:spPr/>
+      <dgm:t>
+        <a:bodyPr/>
+        <a:lstStyle/>
+        <a:p>
+          <a:endParaRPr lang="en-US"/>
+        </a:p>
+      </dgm:t>
+    </dgm:pt>
+    <dgm:pt modelId="{7410EC99-AE52-4CA9-9C4E-07B0CA008843}">
+      <dgm:prSet phldrT="[Text]"/>
+      <dgm:spPr/>
+      <dgm:t>
+        <a:bodyPr/>
+        <a:lstStyle/>
+        <a:p>
+          <a:r>
+            <a:rPr lang="en-US" dirty="0"/>
+            <a:t>Recovery</a:t>
+          </a:r>
+        </a:p>
+      </dgm:t>
+    </dgm:pt>
+    <dgm:pt modelId="{96675D0E-C636-49E8-AD84-8AE65E040B6B}" type="parTrans" cxnId="{92534C50-60D2-466B-9DDA-98EED1BB00DA}">
+      <dgm:prSet/>
+      <dgm:spPr/>
+      <dgm:t>
+        <a:bodyPr/>
+        <a:lstStyle/>
+        <a:p>
+          <a:endParaRPr lang="en-US"/>
+        </a:p>
+      </dgm:t>
+    </dgm:pt>
+    <dgm:pt modelId="{E6468721-A96A-4327-9AC8-2BAB26C9EBF6}" type="sibTrans" cxnId="{92534C50-60D2-466B-9DDA-98EED1BB00DA}">
+      <dgm:prSet/>
+      <dgm:spPr/>
+      <dgm:t>
+        <a:bodyPr/>
+        <a:lstStyle/>
+        <a:p>
+          <a:endParaRPr lang="en-US"/>
+        </a:p>
+      </dgm:t>
+    </dgm:pt>
+    <dgm:pt modelId="{69C55802-23EA-4B44-9F38-7EC100B71B20}">
+      <dgm:prSet phldrT="[Text]"/>
+      <dgm:spPr/>
+      <dgm:t>
+        <a:bodyPr/>
+        <a:lstStyle/>
+        <a:p>
+          <a:r>
+            <a:rPr lang="en-US" dirty="0"/>
+            <a:t>Test</a:t>
+          </a:r>
+        </a:p>
+      </dgm:t>
+    </dgm:pt>
+    <dgm:pt modelId="{41F885F9-154D-413C-91DA-C1FA141C22D8}" type="parTrans" cxnId="{061F7D3A-964A-42E2-B0EC-02937F06B58C}">
+      <dgm:prSet/>
+      <dgm:spPr/>
+      <dgm:t>
+        <a:bodyPr/>
+        <a:lstStyle/>
+        <a:p>
+          <a:endParaRPr lang="en-US"/>
+        </a:p>
+      </dgm:t>
+    </dgm:pt>
+    <dgm:pt modelId="{22F9CF2D-E206-4AA7-9D67-9FBD7A6BCE80}" type="sibTrans" cxnId="{061F7D3A-964A-42E2-B0EC-02937F06B58C}">
+      <dgm:prSet/>
+      <dgm:spPr/>
+      <dgm:t>
+        <a:bodyPr/>
+        <a:lstStyle/>
+        <a:p>
+          <a:endParaRPr lang="en-US"/>
+        </a:p>
+      </dgm:t>
+    </dgm:pt>
+    <dgm:pt modelId="{FC2E7C28-996D-4FE3-AF8A-5E76B248663F}">
+      <dgm:prSet phldrT="[Text]"/>
+      <dgm:spPr/>
+      <dgm:t>
+        <a:bodyPr/>
+        <a:lstStyle/>
+        <a:p>
+          <a:r>
+            <a:rPr lang="en-US" dirty="0"/>
+            <a:t>System</a:t>
+          </a:r>
+        </a:p>
+      </dgm:t>
+    </dgm:pt>
+    <dgm:pt modelId="{EDA1BB94-32A2-4B65-B177-CB898BED7EC9}" type="parTrans" cxnId="{05A9871B-4757-4DA1-9455-1D2534C82B6B}">
+      <dgm:prSet/>
+      <dgm:spPr/>
+      <dgm:t>
+        <a:bodyPr/>
+        <a:lstStyle/>
+        <a:p>
+          <a:endParaRPr lang="en-US"/>
+        </a:p>
+      </dgm:t>
+    </dgm:pt>
+    <dgm:pt modelId="{0E06B3AC-2410-4725-AC42-7E083779CD7E}" type="sibTrans" cxnId="{05A9871B-4757-4DA1-9455-1D2534C82B6B}">
+      <dgm:prSet/>
+      <dgm:spPr/>
+      <dgm:t>
+        <a:bodyPr/>
+        <a:lstStyle/>
+        <a:p>
+          <a:endParaRPr lang="en-US"/>
+        </a:p>
+      </dgm:t>
+    </dgm:pt>
+    <dgm:pt modelId="{BCD8641E-439E-4199-B666-B95A3BE37B1A}">
+      <dgm:prSet phldrT="[Text]"/>
+      <dgm:spPr/>
+      <dgm:t>
+        <a:bodyPr/>
+        <a:lstStyle/>
+        <a:p>
+          <a:r>
+            <a:rPr lang="en-US" dirty="0"/>
+            <a:t>Test</a:t>
+          </a:r>
+        </a:p>
+      </dgm:t>
+    </dgm:pt>
+    <dgm:pt modelId="{FFE12A04-1403-4A2E-B4F4-13CE057E3FC0}" type="parTrans" cxnId="{397A3EB4-FABD-4E38-86C4-6AE7CCACE725}">
+      <dgm:prSet/>
+      <dgm:spPr/>
+      <dgm:t>
+        <a:bodyPr/>
+        <a:lstStyle/>
+        <a:p>
+          <a:endParaRPr lang="en-US"/>
+        </a:p>
+      </dgm:t>
+    </dgm:pt>
+    <dgm:pt modelId="{99B8820B-A826-4E6F-9E64-BD7D45963766}" type="sibTrans" cxnId="{397A3EB4-FABD-4E38-86C4-6AE7CCACE725}">
+      <dgm:prSet/>
+      <dgm:spPr/>
+      <dgm:t>
+        <a:bodyPr/>
+        <a:lstStyle/>
+        <a:p>
+          <a:endParaRPr lang="en-US"/>
+        </a:p>
+      </dgm:t>
+    </dgm:pt>
+    <dgm:pt modelId="{EC1343D2-3E7C-4518-842F-A256DE48FAFB}">
+      <dgm:prSet phldrT="[Text]"/>
+      <dgm:spPr/>
+      <dgm:t>
+        <a:bodyPr/>
+        <a:lstStyle/>
+        <a:p>
+          <a:r>
+            <a:rPr lang="en-US" dirty="0"/>
+            <a:t>Customer</a:t>
+          </a:r>
+        </a:p>
+      </dgm:t>
+    </dgm:pt>
+    <dgm:pt modelId="{07838837-B470-47F3-B25E-C17613B828AF}" type="parTrans" cxnId="{94B877CC-A29B-4DED-A7E4-40EEA8C9FFCF}">
+      <dgm:prSet/>
+      <dgm:spPr/>
+      <dgm:t>
+        <a:bodyPr/>
+        <a:lstStyle/>
+        <a:p>
+          <a:endParaRPr lang="en-US"/>
+        </a:p>
+      </dgm:t>
+    </dgm:pt>
+    <dgm:pt modelId="{EBD89D4E-0987-4904-8CC2-C12561561E47}" type="sibTrans" cxnId="{94B877CC-A29B-4DED-A7E4-40EEA8C9FFCF}">
+      <dgm:prSet/>
+      <dgm:spPr/>
+      <dgm:t>
+        <a:bodyPr/>
+        <a:lstStyle/>
+        <a:p>
+          <a:endParaRPr lang="en-US"/>
+        </a:p>
+      </dgm:t>
+    </dgm:pt>
+    <dgm:pt modelId="{47291841-0B8F-4DD0-B587-1F2849BE57E7}">
+      <dgm:prSet phldrT="[Text]"/>
+      <dgm:spPr/>
+      <dgm:t>
+        <a:bodyPr/>
+        <a:lstStyle/>
+        <a:p>
+          <a:r>
+            <a:rPr lang="en-US" dirty="0"/>
+            <a:t>Report</a:t>
+          </a:r>
+        </a:p>
+      </dgm:t>
+    </dgm:pt>
+    <dgm:pt modelId="{1E4D9393-7E4A-425D-9F94-7A381BD6C001}" type="parTrans" cxnId="{10296E77-8473-4A95-B84D-14B48090ACD7}">
+      <dgm:prSet/>
+      <dgm:spPr/>
+      <dgm:t>
+        <a:bodyPr/>
+        <a:lstStyle/>
+        <a:p>
+          <a:endParaRPr lang="en-US"/>
+        </a:p>
+      </dgm:t>
+    </dgm:pt>
+    <dgm:pt modelId="{6D82CE98-B6C8-4C6D-AF9C-699904EAAB11}" type="sibTrans" cxnId="{10296E77-8473-4A95-B84D-14B48090ACD7}">
+      <dgm:prSet/>
+      <dgm:spPr/>
+      <dgm:t>
+        <a:bodyPr/>
+        <a:lstStyle/>
+        <a:p>
+          <a:endParaRPr lang="en-US"/>
+        </a:p>
+      </dgm:t>
+    </dgm:pt>
+    <dgm:pt modelId="{C65C02F7-BB60-471E-BECB-19BA044FD2E1}">
+      <dgm:prSet phldrT="[Text]"/>
+      <dgm:spPr/>
+      <dgm:t>
+        <a:bodyPr/>
+        <a:lstStyle/>
+        <a:p>
+          <a:r>
+            <a:rPr lang="en-US" dirty="0"/>
+            <a:t>History</a:t>
+          </a:r>
+        </a:p>
+      </dgm:t>
+    </dgm:pt>
+    <dgm:pt modelId="{FEC7F497-71FF-4556-A558-B7C975AF9C6F}" type="parTrans" cxnId="{2078338C-EF49-43FE-96AC-BEF42DB18009}">
+      <dgm:prSet/>
+      <dgm:spPr/>
+      <dgm:t>
+        <a:bodyPr/>
+        <a:lstStyle/>
+        <a:p>
+          <a:endParaRPr lang="en-US"/>
+        </a:p>
+      </dgm:t>
+    </dgm:pt>
+    <dgm:pt modelId="{98A11A4A-11DB-4258-82C1-F95B0EA1DA61}" type="sibTrans" cxnId="{2078338C-EF49-43FE-96AC-BEF42DB18009}">
+      <dgm:prSet/>
+      <dgm:spPr/>
+      <dgm:t>
+        <a:bodyPr/>
+        <a:lstStyle/>
+        <a:p>
+          <a:endParaRPr lang="en-US"/>
+        </a:p>
+      </dgm:t>
+    </dgm:pt>
+    <dgm:pt modelId="{F90E83AB-31C8-4813-82DD-2C756B83D980}">
+      <dgm:prSet phldrT="[Text]"/>
+      <dgm:spPr/>
+      <dgm:t>
+        <a:bodyPr/>
+        <a:lstStyle/>
+        <a:p>
+          <a:r>
+            <a:rPr lang="en-US" dirty="0"/>
+            <a:t>Status</a:t>
+          </a:r>
+        </a:p>
+      </dgm:t>
+    </dgm:pt>
+    <dgm:pt modelId="{780D48F1-7ECB-441F-8877-E21C729612B2}" type="parTrans" cxnId="{CA56C0E2-8E21-4D2C-84E6-7AD46CFEE393}">
+      <dgm:prSet/>
+      <dgm:spPr/>
+      <dgm:t>
+        <a:bodyPr/>
+        <a:lstStyle/>
+        <a:p>
+          <a:endParaRPr lang="en-US"/>
+        </a:p>
+      </dgm:t>
+    </dgm:pt>
+    <dgm:pt modelId="{25E8DF75-3CD9-4229-9A36-79BDD683B3FD}" type="sibTrans" cxnId="{CA56C0E2-8E21-4D2C-84E6-7AD46CFEE393}">
+      <dgm:prSet/>
+      <dgm:spPr/>
+      <dgm:t>
+        <a:bodyPr/>
+        <a:lstStyle/>
+        <a:p>
+          <a:endParaRPr lang="en-US"/>
+        </a:p>
+      </dgm:t>
+    </dgm:pt>
+    <dgm:pt modelId="{486D9A37-AB3F-4BD7-A508-0857317AB0AB}" type="pres">
+      <dgm:prSet presAssocID="{05A2A666-C2AA-44F5-AE5E-B6D075A8A01C}" presName="Name0" presStyleCnt="0">
+        <dgm:presLayoutVars>
+          <dgm:dir/>
+          <dgm:resizeHandles val="exact"/>
+        </dgm:presLayoutVars>
+      </dgm:prSet>
+      <dgm:spPr/>
+    </dgm:pt>
+    <dgm:pt modelId="{3576EF7E-452E-43B9-8448-94628F10529B}" type="pres">
+      <dgm:prSet presAssocID="{F4790FF3-1826-421D-BEB6-E5A90514D83B}" presName="composite" presStyleCnt="0"/>
+      <dgm:spPr/>
+    </dgm:pt>
+    <dgm:pt modelId="{0EE031CF-09EC-4211-B419-9A75B30AA316}" type="pres">
+      <dgm:prSet presAssocID="{F4790FF3-1826-421D-BEB6-E5A90514D83B}" presName="imagSh" presStyleLbl="bgImgPlace1" presStyleIdx="0" presStyleCnt="7"/>
+      <dgm:spPr>
+        <a:blipFill>
+          <a:blip xmlns:r="http://schemas.openxmlformats.org/officeDocument/2006/relationships" r:embed="rId1" cstate="print">
+            <a:extLst>
+              <a:ext uri="{28A0092B-C50C-407E-A947-70E740481C1C}">
+                <a14:useLocalDpi xmlns:a14="http://schemas.microsoft.com/office/drawing/2010/main" val="0"/>
+              </a:ext>
+              <a:ext uri="{837473B0-CC2E-450A-ABE3-18F120FF3D39}">
+                <a1611:picAttrSrcUrl xmlns:a1611="http://schemas.microsoft.com/office/drawing/2016/11/main" r:id="rId2"/>
+              </a:ext>
+            </a:extLst>
+          </a:blip>
+          <a:srcRect/>
+          <a:stretch>
+            <a:fillRect/>
+          </a:stretch>
+        </a:blipFill>
+      </dgm:spPr>
+    </dgm:pt>
+    <dgm:pt modelId="{96B4A9A9-9508-4DDC-BDDD-6C847151EA0D}" type="pres">
+      <dgm:prSet presAssocID="{F4790FF3-1826-421D-BEB6-E5A90514D83B}" presName="txNode" presStyleLbl="node1" presStyleIdx="0" presStyleCnt="7">
+        <dgm:presLayoutVars>
+          <dgm:bulletEnabled val="1"/>
+        </dgm:presLayoutVars>
+      </dgm:prSet>
+      <dgm:spPr/>
+    </dgm:pt>
+    <dgm:pt modelId="{3BFE17F0-16D8-410B-9E73-9189BA87476A}" type="pres">
+      <dgm:prSet presAssocID="{C95D1DD7-0EDC-46B7-8BF5-4F95326559DE}" presName="sibTrans" presStyleLbl="sibTrans2D1" presStyleIdx="0" presStyleCnt="6"/>
+      <dgm:spPr/>
+    </dgm:pt>
+    <dgm:pt modelId="{9BB52CFD-5C58-411C-B16F-247FCA4BC3EF}" type="pres">
+      <dgm:prSet presAssocID="{C95D1DD7-0EDC-46B7-8BF5-4F95326559DE}" presName="connTx" presStyleLbl="sibTrans2D1" presStyleIdx="0" presStyleCnt="6"/>
+      <dgm:spPr/>
+    </dgm:pt>
+    <dgm:pt modelId="{02B9C748-C81A-45ED-99B8-DF816E44FBB5}" type="pres">
+      <dgm:prSet presAssocID="{C034EC04-B203-443F-A9D8-F90ED877BF90}" presName="composite" presStyleCnt="0"/>
+      <dgm:spPr/>
+    </dgm:pt>
+    <dgm:pt modelId="{C7F830C1-9D38-49F4-81F8-C1A18AECBC64}" type="pres">
+      <dgm:prSet presAssocID="{C034EC04-B203-443F-A9D8-F90ED877BF90}" presName="imagSh" presStyleLbl="bgImgPlace1" presStyleIdx="1" presStyleCnt="7"/>
+      <dgm:spPr>
+        <a:blipFill>
+          <a:blip xmlns:r="http://schemas.openxmlformats.org/officeDocument/2006/relationships" r:embed="rId3" cstate="print">
+            <a:extLst>
+              <a:ext uri="{28A0092B-C50C-407E-A947-70E740481C1C}">
+                <a14:useLocalDpi xmlns:a14="http://schemas.microsoft.com/office/drawing/2010/main" val="0"/>
+              </a:ext>
+              <a:ext uri="{837473B0-CC2E-450A-ABE3-18F120FF3D39}">
+                <a1611:picAttrSrcUrl xmlns:a1611="http://schemas.microsoft.com/office/drawing/2016/11/main" r:id="rId4"/>
+              </a:ext>
+            </a:extLst>
+          </a:blip>
+          <a:srcRect/>
+          <a:stretch>
+            <a:fillRect l="-12000" r="-12000"/>
+          </a:stretch>
+        </a:blipFill>
+      </dgm:spPr>
+    </dgm:pt>
+    <dgm:pt modelId="{0BC8C099-42B8-4C5C-970B-13AB533D1129}" type="pres">
+      <dgm:prSet presAssocID="{C034EC04-B203-443F-A9D8-F90ED877BF90}" presName="txNode" presStyleLbl="node1" presStyleIdx="1" presStyleCnt="7">
+        <dgm:presLayoutVars>
+          <dgm:bulletEnabled val="1"/>
+        </dgm:presLayoutVars>
+      </dgm:prSet>
+      <dgm:spPr/>
+    </dgm:pt>
+    <dgm:pt modelId="{DF0BE8DE-4ACD-4B7F-8F75-8D0EAF33EAA7}" type="pres">
+      <dgm:prSet presAssocID="{658121F9-2E8E-4D3F-B3C8-3D169BEA42ED}" presName="sibTrans" presStyleLbl="sibTrans2D1" presStyleIdx="1" presStyleCnt="6"/>
+      <dgm:spPr/>
+    </dgm:pt>
+    <dgm:pt modelId="{D973F9B2-5F24-42F7-9852-32072FFB50A0}" type="pres">
+      <dgm:prSet presAssocID="{658121F9-2E8E-4D3F-B3C8-3D169BEA42ED}" presName="connTx" presStyleLbl="sibTrans2D1" presStyleIdx="1" presStyleCnt="6"/>
+      <dgm:spPr/>
+    </dgm:pt>
+    <dgm:pt modelId="{BC2E6DEA-70AC-4ECD-98C8-45743CAFECD5}" type="pres">
+      <dgm:prSet presAssocID="{1030C787-CF10-4D56-BEA0-03E3012FACA6}" presName="composite" presStyleCnt="0"/>
+      <dgm:spPr/>
+    </dgm:pt>
+    <dgm:pt modelId="{63FAF388-BCC7-4659-830F-F530F99DB4FB}" type="pres">
+      <dgm:prSet presAssocID="{1030C787-CF10-4D56-BEA0-03E3012FACA6}" presName="imagSh" presStyleLbl="bgImgPlace1" presStyleIdx="2" presStyleCnt="7"/>
+      <dgm:spPr>
+        <a:blipFill>
+          <a:blip xmlns:r="http://schemas.openxmlformats.org/officeDocument/2006/relationships" r:embed="rId5" cstate="print">
+            <a:extLst>
+              <a:ext uri="{28A0092B-C50C-407E-A947-70E740481C1C}">
+                <a14:useLocalDpi xmlns:a14="http://schemas.microsoft.com/office/drawing/2010/main" val="0"/>
+              </a:ext>
+              <a:ext uri="{837473B0-CC2E-450A-ABE3-18F120FF3D39}">
+                <a1611:picAttrSrcUrl xmlns:a1611="http://schemas.microsoft.com/office/drawing/2016/11/main" r:id="rId6"/>
+              </a:ext>
+            </a:extLst>
+          </a:blip>
+          <a:srcRect/>
+          <a:stretch>
+            <a:fillRect l="-8000" r="-8000"/>
+          </a:stretch>
+        </a:blipFill>
+      </dgm:spPr>
+    </dgm:pt>
+    <dgm:pt modelId="{58629720-F9FB-4C0D-8663-25F4AF4AA144}" type="pres">
+      <dgm:prSet presAssocID="{1030C787-CF10-4D56-BEA0-03E3012FACA6}" presName="txNode" presStyleLbl="node1" presStyleIdx="2" presStyleCnt="7">
+        <dgm:presLayoutVars>
+          <dgm:bulletEnabled val="1"/>
+        </dgm:presLayoutVars>
+      </dgm:prSet>
+      <dgm:spPr/>
+    </dgm:pt>
+    <dgm:pt modelId="{8941FD1B-4CC5-4B55-8CA7-66B40572A22F}" type="pres">
+      <dgm:prSet presAssocID="{036930CE-FC33-4EAB-A8A2-479BB2151777}" presName="sibTrans" presStyleLbl="sibTrans2D1" presStyleIdx="2" presStyleCnt="6"/>
+      <dgm:spPr/>
+    </dgm:pt>
+    <dgm:pt modelId="{A4479AA0-3086-4904-8542-F1D7EB519121}" type="pres">
+      <dgm:prSet presAssocID="{036930CE-FC33-4EAB-A8A2-479BB2151777}" presName="connTx" presStyleLbl="sibTrans2D1" presStyleIdx="2" presStyleCnt="6"/>
+      <dgm:spPr/>
+    </dgm:pt>
+    <dgm:pt modelId="{5199618C-8A79-4AB1-B3FE-8E26B2D4DC11}" type="pres">
+      <dgm:prSet presAssocID="{7410EC99-AE52-4CA9-9C4E-07B0CA008843}" presName="composite" presStyleCnt="0"/>
+      <dgm:spPr/>
+    </dgm:pt>
+    <dgm:pt modelId="{4144B52C-CC49-46A2-A8D9-F85B7C5CF275}" type="pres">
+      <dgm:prSet presAssocID="{7410EC99-AE52-4CA9-9C4E-07B0CA008843}" presName="imagSh" presStyleLbl="bgImgPlace1" presStyleIdx="3" presStyleCnt="7"/>
+      <dgm:spPr/>
+    </dgm:pt>
+    <dgm:pt modelId="{ECCD8E2B-A624-4082-B9F5-22F51A100E50}" type="pres">
+      <dgm:prSet presAssocID="{7410EC99-AE52-4CA9-9C4E-07B0CA008843}" presName="txNode" presStyleLbl="node1" presStyleIdx="3" presStyleCnt="7">
+        <dgm:presLayoutVars>
+          <dgm:bulletEnabled val="1"/>
+        </dgm:presLayoutVars>
+      </dgm:prSet>
+      <dgm:spPr/>
+    </dgm:pt>
+    <dgm:pt modelId="{B00397B1-61FD-4348-AAE0-9BCCC71B097A}" type="pres">
+      <dgm:prSet presAssocID="{E6468721-A96A-4327-9AC8-2BAB26C9EBF6}" presName="sibTrans" presStyleLbl="sibTrans2D1" presStyleIdx="3" presStyleCnt="6"/>
+      <dgm:spPr/>
+    </dgm:pt>
+    <dgm:pt modelId="{D3E1C650-9E88-4F7C-91F3-4126C21E3985}" type="pres">
+      <dgm:prSet presAssocID="{E6468721-A96A-4327-9AC8-2BAB26C9EBF6}" presName="connTx" presStyleLbl="sibTrans2D1" presStyleIdx="3" presStyleCnt="6"/>
+      <dgm:spPr/>
+    </dgm:pt>
+    <dgm:pt modelId="{7B8FFC7A-FE09-4E6C-8ADF-EEBB4EDCF926}" type="pres">
+      <dgm:prSet presAssocID="{69C55802-23EA-4B44-9F38-7EC100B71B20}" presName="composite" presStyleCnt="0"/>
+      <dgm:spPr/>
+    </dgm:pt>
+    <dgm:pt modelId="{9E90FAA2-7F73-47A6-9ECD-6B83C75E0D8D}" type="pres">
+      <dgm:prSet presAssocID="{69C55802-23EA-4B44-9F38-7EC100B71B20}" presName="imagSh" presStyleLbl="bgImgPlace1" presStyleIdx="4" presStyleCnt="7"/>
+      <dgm:spPr/>
+    </dgm:pt>
+    <dgm:pt modelId="{56910574-621B-47D8-9757-86E2FDBD47BC}" type="pres">
+      <dgm:prSet presAssocID="{69C55802-23EA-4B44-9F38-7EC100B71B20}" presName="txNode" presStyleLbl="node1" presStyleIdx="4" presStyleCnt="7">
+        <dgm:presLayoutVars>
+          <dgm:bulletEnabled val="1"/>
+        </dgm:presLayoutVars>
+      </dgm:prSet>
+      <dgm:spPr/>
+    </dgm:pt>
+    <dgm:pt modelId="{41FC4363-C730-4E78-A8DB-01F5BC2CA415}" type="pres">
+      <dgm:prSet presAssocID="{22F9CF2D-E206-4AA7-9D67-9FBD7A6BCE80}" presName="sibTrans" presStyleLbl="sibTrans2D1" presStyleIdx="4" presStyleCnt="6"/>
+      <dgm:spPr/>
+    </dgm:pt>
+    <dgm:pt modelId="{27C76371-14FF-49CA-A51A-82A1D54DA5A0}" type="pres">
+      <dgm:prSet presAssocID="{22F9CF2D-E206-4AA7-9D67-9FBD7A6BCE80}" presName="connTx" presStyleLbl="sibTrans2D1" presStyleIdx="4" presStyleCnt="6"/>
+      <dgm:spPr/>
+    </dgm:pt>
+    <dgm:pt modelId="{60531984-9833-4CF4-9329-49254376B9AA}" type="pres">
+      <dgm:prSet presAssocID="{BCD8641E-439E-4199-B666-B95A3BE37B1A}" presName="composite" presStyleCnt="0"/>
+      <dgm:spPr/>
+    </dgm:pt>
+    <dgm:pt modelId="{65A28B11-E8F9-4108-9737-E10393245391}" type="pres">
+      <dgm:prSet presAssocID="{BCD8641E-439E-4199-B666-B95A3BE37B1A}" presName="imagSh" presStyleLbl="bgImgPlace1" presStyleIdx="5" presStyleCnt="7"/>
+      <dgm:spPr/>
+    </dgm:pt>
+    <dgm:pt modelId="{427A4CCC-BF9A-457E-AC67-55BB7BE495F7}" type="pres">
+      <dgm:prSet presAssocID="{BCD8641E-439E-4199-B666-B95A3BE37B1A}" presName="txNode" presStyleLbl="node1" presStyleIdx="5" presStyleCnt="7">
+        <dgm:presLayoutVars>
+          <dgm:bulletEnabled val="1"/>
+        </dgm:presLayoutVars>
+      </dgm:prSet>
+      <dgm:spPr/>
+    </dgm:pt>
+    <dgm:pt modelId="{6496C8A7-1AAA-4520-9452-570B6004501A}" type="pres">
+      <dgm:prSet presAssocID="{99B8820B-A826-4E6F-9E64-BD7D45963766}" presName="sibTrans" presStyleLbl="sibTrans2D1" presStyleIdx="5" presStyleCnt="6"/>
+      <dgm:spPr/>
+    </dgm:pt>
+    <dgm:pt modelId="{EFCEE486-59F5-41C2-ACC9-152B7B5B0804}" type="pres">
+      <dgm:prSet presAssocID="{99B8820B-A826-4E6F-9E64-BD7D45963766}" presName="connTx" presStyleLbl="sibTrans2D1" presStyleIdx="5" presStyleCnt="6"/>
+      <dgm:spPr/>
+    </dgm:pt>
+    <dgm:pt modelId="{2E29F185-AFF2-4DCA-9225-AD2838FF2F1C}" type="pres">
+      <dgm:prSet presAssocID="{47291841-0B8F-4DD0-B587-1F2849BE57E7}" presName="composite" presStyleCnt="0"/>
+      <dgm:spPr/>
+    </dgm:pt>
+    <dgm:pt modelId="{678EB37A-483E-4CAF-8A44-DB356EA82EAF}" type="pres">
+      <dgm:prSet presAssocID="{47291841-0B8F-4DD0-B587-1F2849BE57E7}" presName="imagSh" presStyleLbl="bgImgPlace1" presStyleIdx="6" presStyleCnt="7"/>
+      <dgm:spPr/>
+    </dgm:pt>
+    <dgm:pt modelId="{C3D8E103-FFA8-410C-992B-7891964508CF}" type="pres">
+      <dgm:prSet presAssocID="{47291841-0B8F-4DD0-B587-1F2849BE57E7}" presName="txNode" presStyleLbl="node1" presStyleIdx="6" presStyleCnt="7">
+        <dgm:presLayoutVars>
+          <dgm:bulletEnabled val="1"/>
+        </dgm:presLayoutVars>
+      </dgm:prSet>
+      <dgm:spPr/>
+    </dgm:pt>
+  </dgm:ptLst>
+  <dgm:cxnLst>
+    <dgm:cxn modelId="{CFC0A504-CDBD-4313-B80B-006FA679B8EB}" type="presOf" srcId="{99B8820B-A826-4E6F-9E64-BD7D45963766}" destId="{6496C8A7-1AAA-4520-9452-570B6004501A}" srcOrd="0" destOrd="0" presId="urn:microsoft.com/office/officeart/2005/8/layout/hProcess10"/>
+    <dgm:cxn modelId="{0D80F008-3BD1-4BDF-9AEC-0EBACCAF0612}" type="presOf" srcId="{22F9CF2D-E206-4AA7-9D67-9FBD7A6BCE80}" destId="{41FC4363-C730-4E78-A8DB-01F5BC2CA415}" srcOrd="0" destOrd="0" presId="urn:microsoft.com/office/officeart/2005/8/layout/hProcess10"/>
+    <dgm:cxn modelId="{EFC56110-6254-4804-B895-00FB7F5D05E6}" type="presOf" srcId="{036930CE-FC33-4EAB-A8A2-479BB2151777}" destId="{8941FD1B-4CC5-4B55-8CA7-66B40572A22F}" srcOrd="0" destOrd="0" presId="urn:microsoft.com/office/officeart/2005/8/layout/hProcess10"/>
+    <dgm:cxn modelId="{05A9871B-4757-4DA1-9455-1D2534C82B6B}" srcId="{69C55802-23EA-4B44-9F38-7EC100B71B20}" destId="{FC2E7C28-996D-4FE3-AF8A-5E76B248663F}" srcOrd="0" destOrd="0" parTransId="{EDA1BB94-32A2-4B65-B177-CB898BED7EC9}" sibTransId="{0E06B3AC-2410-4725-AC42-7E083779CD7E}"/>
+    <dgm:cxn modelId="{73141020-3945-411F-A241-BC9220484465}" type="presOf" srcId="{F90E83AB-31C8-4813-82DD-2C756B83D980}" destId="{C3D8E103-FFA8-410C-992B-7891964508CF}" srcOrd="0" destOrd="2" presId="urn:microsoft.com/office/officeart/2005/8/layout/hProcess10"/>
+    <dgm:cxn modelId="{73EDAA22-2D85-4F02-BA69-67A6AA46EDA5}" type="presOf" srcId="{1D7F6ABF-BF36-432F-A5B6-1097B1359EDB}" destId="{0BC8C099-42B8-4C5C-970B-13AB533D1129}" srcOrd="0" destOrd="3" presId="urn:microsoft.com/office/officeart/2005/8/layout/hProcess10"/>
+    <dgm:cxn modelId="{9F6CB526-0FD1-469F-AD5B-25D2A99749EF}" srcId="{1030C787-CF10-4D56-BEA0-03E3012FACA6}" destId="{654BF433-E40F-45B9-A37E-C8F9FD609154}" srcOrd="0" destOrd="0" parTransId="{1C66D073-6ED8-44D1-A482-2906E6D29200}" sibTransId="{85E969D4-CA78-47B2-AA0D-436740DA8D17}"/>
+    <dgm:cxn modelId="{EE7CD72C-3404-45A8-9D90-1F29013BA6C3}" type="presOf" srcId="{EC1343D2-3E7C-4518-842F-A256DE48FAFB}" destId="{427A4CCC-BF9A-457E-AC67-55BB7BE495F7}" srcOrd="0" destOrd="1" presId="urn:microsoft.com/office/officeart/2005/8/layout/hProcess10"/>
+    <dgm:cxn modelId="{4C77CB30-C578-4FCF-8D62-7EA627615C3D}" type="presOf" srcId="{04006EDA-2BF5-4C38-9697-E35D1BE6F788}" destId="{96B4A9A9-9508-4DDC-BDDD-6C847151EA0D}" srcOrd="0" destOrd="2" presId="urn:microsoft.com/office/officeart/2005/8/layout/hProcess10"/>
+    <dgm:cxn modelId="{BDEB7B38-D66B-481B-8253-C9BC16E4CF38}" type="presOf" srcId="{658121F9-2E8E-4D3F-B3C8-3D169BEA42ED}" destId="{D973F9B2-5F24-42F7-9852-32072FFB50A0}" srcOrd="1" destOrd="0" presId="urn:microsoft.com/office/officeart/2005/8/layout/hProcess10"/>
+    <dgm:cxn modelId="{061F7D3A-964A-42E2-B0EC-02937F06B58C}" srcId="{05A2A666-C2AA-44F5-AE5E-B6D075A8A01C}" destId="{69C55802-23EA-4B44-9F38-7EC100B71B20}" srcOrd="4" destOrd="0" parTransId="{41F885F9-154D-413C-91DA-C1FA141C22D8}" sibTransId="{22F9CF2D-E206-4AA7-9D67-9FBD7A6BCE80}"/>
+    <dgm:cxn modelId="{C76E8C3A-55F6-4AB3-951E-2D03D09E2D2F}" srcId="{1030C787-CF10-4D56-BEA0-03E3012FACA6}" destId="{B30B9DC9-B2EF-49C5-85EF-9A113BD4D6DA}" srcOrd="1" destOrd="0" parTransId="{9ABDB4B9-D0D2-4580-B123-C5D627E33AD0}" sibTransId="{3B96826D-6CE1-4467-9B34-06119139FA08}"/>
+    <dgm:cxn modelId="{B60D025D-7E13-40D3-8B3D-E30A91483CB1}" srcId="{F4790FF3-1826-421D-BEB6-E5A90514D83B}" destId="{883735A2-714B-48EE-A800-768FAD84BB90}" srcOrd="2" destOrd="0" parTransId="{C832555F-D2F1-4C64-B824-87FD640DD6C5}" sibTransId="{8DBB98AB-BD23-4E7D-A2D4-3DA77953100C}"/>
+    <dgm:cxn modelId="{DDEC7C5D-7805-4F28-B4C1-D9D1A746AE63}" type="presOf" srcId="{FC2E7C28-996D-4FE3-AF8A-5E76B248663F}" destId="{56910574-621B-47D8-9757-86E2FDBD47BC}" srcOrd="0" destOrd="1" presId="urn:microsoft.com/office/officeart/2005/8/layout/hProcess10"/>
+    <dgm:cxn modelId="{FA7E4660-163D-4C5E-9A06-8253FE4D46A3}" srcId="{C034EC04-B203-443F-A9D8-F90ED877BF90}" destId="{1D7F6ABF-BF36-432F-A5B6-1097B1359EDB}" srcOrd="2" destOrd="0" parTransId="{A2C8E860-456A-4586-8DCD-CDF4681217F2}" sibTransId="{F00D09BD-0D97-4452-BD4E-A86F94DD7A90}"/>
+    <dgm:cxn modelId="{0971E744-EC1F-4C34-9DF9-56DBFA0E2A7A}" srcId="{05A2A666-C2AA-44F5-AE5E-B6D075A8A01C}" destId="{1030C787-CF10-4D56-BEA0-03E3012FACA6}" srcOrd="2" destOrd="0" parTransId="{165EE207-D862-4881-B0D4-0C2F4FDF701C}" sibTransId="{036930CE-FC33-4EAB-A8A2-479BB2151777}"/>
+    <dgm:cxn modelId="{F622DC45-1115-4651-B32B-D2823EEABBEC}" type="presOf" srcId="{99B8820B-A826-4E6F-9E64-BD7D45963766}" destId="{EFCEE486-59F5-41C2-ACC9-152B7B5B0804}" srcOrd="1" destOrd="0" presId="urn:microsoft.com/office/officeart/2005/8/layout/hProcess10"/>
+    <dgm:cxn modelId="{E693EA6A-257D-4F14-8F8D-008102F0ACCE}" type="presOf" srcId="{7410EC99-AE52-4CA9-9C4E-07B0CA008843}" destId="{ECCD8E2B-A624-4082-B9F5-22F51A100E50}" srcOrd="0" destOrd="0" presId="urn:microsoft.com/office/officeart/2005/8/layout/hProcess10"/>
+    <dgm:cxn modelId="{B0D0894B-4937-4AAD-84E4-CE7853B096D9}" srcId="{05A2A666-C2AA-44F5-AE5E-B6D075A8A01C}" destId="{F4790FF3-1826-421D-BEB6-E5A90514D83B}" srcOrd="0" destOrd="0" parTransId="{88E1844D-0365-4E7C-BD39-76FE50E71BF5}" sibTransId="{C95D1DD7-0EDC-46B7-8BF5-4F95326559DE}"/>
+    <dgm:cxn modelId="{3A925A4E-D938-4FEA-B67F-4F04145B0A9A}" type="presOf" srcId="{47291841-0B8F-4DD0-B587-1F2849BE57E7}" destId="{C3D8E103-FFA8-410C-992B-7891964508CF}" srcOrd="0" destOrd="0" presId="urn:microsoft.com/office/officeart/2005/8/layout/hProcess10"/>
+    <dgm:cxn modelId="{6F0BE46F-3EB2-4617-B47C-37E12B21F801}" type="presOf" srcId="{6D1F28D4-8D5D-4B03-A721-F738DD9B1E47}" destId="{96B4A9A9-9508-4DDC-BDDD-6C847151EA0D}" srcOrd="0" destOrd="1" presId="urn:microsoft.com/office/officeart/2005/8/layout/hProcess10"/>
+    <dgm:cxn modelId="{92534C50-60D2-466B-9DDA-98EED1BB00DA}" srcId="{05A2A666-C2AA-44F5-AE5E-B6D075A8A01C}" destId="{7410EC99-AE52-4CA9-9C4E-07B0CA008843}" srcOrd="3" destOrd="0" parTransId="{96675D0E-C636-49E8-AD84-8AE65E040B6B}" sibTransId="{E6468721-A96A-4327-9AC8-2BAB26C9EBF6}"/>
+    <dgm:cxn modelId="{585C0F72-A7BF-40CA-9AAD-7D16DF6FB912}" type="presOf" srcId="{B30B9DC9-B2EF-49C5-85EF-9A113BD4D6DA}" destId="{58629720-F9FB-4C0D-8663-25F4AF4AA144}" srcOrd="0" destOrd="2" presId="urn:microsoft.com/office/officeart/2005/8/layout/hProcess10"/>
+    <dgm:cxn modelId="{64543855-49C1-4636-B683-3B7FF1C1ED98}" type="presOf" srcId="{F4790FF3-1826-421D-BEB6-E5A90514D83B}" destId="{96B4A9A9-9508-4DDC-BDDD-6C847151EA0D}" srcOrd="0" destOrd="0" presId="urn:microsoft.com/office/officeart/2005/8/layout/hProcess10"/>
+    <dgm:cxn modelId="{10296E77-8473-4A95-B84D-14B48090ACD7}" srcId="{05A2A666-C2AA-44F5-AE5E-B6D075A8A01C}" destId="{47291841-0B8F-4DD0-B587-1F2849BE57E7}" srcOrd="6" destOrd="0" parTransId="{1E4D9393-7E4A-425D-9F94-7A381BD6C001}" sibTransId="{6D82CE98-B6C8-4C6D-AF9C-699904EAAB11}"/>
+    <dgm:cxn modelId="{0A43277B-B237-4AF7-B817-81AC490AA24C}" srcId="{05A2A666-C2AA-44F5-AE5E-B6D075A8A01C}" destId="{C034EC04-B203-443F-A9D8-F90ED877BF90}" srcOrd="1" destOrd="0" parTransId="{5A59EE8C-DC49-4496-A478-D4313C925BE0}" sibTransId="{658121F9-2E8E-4D3F-B3C8-3D169BEA42ED}"/>
+    <dgm:cxn modelId="{9BDC4181-9ABA-47F5-9854-D43361681DB5}" type="presOf" srcId="{C65C02F7-BB60-471E-BECB-19BA044FD2E1}" destId="{C3D8E103-FFA8-410C-992B-7891964508CF}" srcOrd="0" destOrd="1" presId="urn:microsoft.com/office/officeart/2005/8/layout/hProcess10"/>
+    <dgm:cxn modelId="{96D9AE85-FFD2-4DDC-9F0E-84AD0D3DF97A}" type="presOf" srcId="{E6468721-A96A-4327-9AC8-2BAB26C9EBF6}" destId="{D3E1C650-9E88-4F7C-91F3-4126C21E3985}" srcOrd="1" destOrd="0" presId="urn:microsoft.com/office/officeart/2005/8/layout/hProcess10"/>
+    <dgm:cxn modelId="{CAAB6689-7BDF-40B6-A735-6B6C9994A812}" type="presOf" srcId="{1030C787-CF10-4D56-BEA0-03E3012FACA6}" destId="{58629720-F9FB-4C0D-8663-25F4AF4AA144}" srcOrd="0" destOrd="0" presId="urn:microsoft.com/office/officeart/2005/8/layout/hProcess10"/>
+    <dgm:cxn modelId="{1B20238B-A041-44B3-A262-2A30C7D24112}" srcId="{C034EC04-B203-443F-A9D8-F90ED877BF90}" destId="{6D45BA2D-E184-4086-8512-FB27F8237481}" srcOrd="0" destOrd="0" parTransId="{8668F935-A42A-4CC2-87B4-9F23AF36CF72}" sibTransId="{2CB775F8-CFF0-442A-B255-1695D820A057}"/>
+    <dgm:cxn modelId="{2078338C-EF49-43FE-96AC-BEF42DB18009}" srcId="{47291841-0B8F-4DD0-B587-1F2849BE57E7}" destId="{C65C02F7-BB60-471E-BECB-19BA044FD2E1}" srcOrd="0" destOrd="0" parTransId="{FEC7F497-71FF-4556-A558-B7C975AF9C6F}" sibTransId="{98A11A4A-11DB-4258-82C1-F95B0EA1DA61}"/>
+    <dgm:cxn modelId="{96A6FD8E-96DB-425A-9756-BE87EFEA1945}" type="presOf" srcId="{036930CE-FC33-4EAB-A8A2-479BB2151777}" destId="{A4479AA0-3086-4904-8542-F1D7EB519121}" srcOrd="1" destOrd="0" presId="urn:microsoft.com/office/officeart/2005/8/layout/hProcess10"/>
+    <dgm:cxn modelId="{D91F6390-AD21-4A7F-B33C-037DDBD1EF73}" type="presOf" srcId="{E6468721-A96A-4327-9AC8-2BAB26C9EBF6}" destId="{B00397B1-61FD-4348-AAE0-9BCCC71B097A}" srcOrd="0" destOrd="0" presId="urn:microsoft.com/office/officeart/2005/8/layout/hProcess10"/>
+    <dgm:cxn modelId="{75127699-D2D2-4059-911C-7D8CAD75C7A5}" type="presOf" srcId="{C95D1DD7-0EDC-46B7-8BF5-4F95326559DE}" destId="{9BB52CFD-5C58-411C-B16F-247FCA4BC3EF}" srcOrd="1" destOrd="0" presId="urn:microsoft.com/office/officeart/2005/8/layout/hProcess10"/>
+    <dgm:cxn modelId="{0DC912A0-36C7-427B-B35C-A581F7E752F5}" type="presOf" srcId="{22F9CF2D-E206-4AA7-9D67-9FBD7A6BCE80}" destId="{27C76371-14FF-49CA-A51A-82A1D54DA5A0}" srcOrd="1" destOrd="0" presId="urn:microsoft.com/office/officeart/2005/8/layout/hProcess10"/>
+    <dgm:cxn modelId="{4F0244A4-3C0D-40C6-BE43-807235BE09B4}" type="presOf" srcId="{6D45BA2D-E184-4086-8512-FB27F8237481}" destId="{0BC8C099-42B8-4C5C-970B-13AB533D1129}" srcOrd="0" destOrd="1" presId="urn:microsoft.com/office/officeart/2005/8/layout/hProcess10"/>
+    <dgm:cxn modelId="{98C0C1A9-2A51-4ACC-BA15-44225AAEE321}" type="presOf" srcId="{883735A2-714B-48EE-A800-768FAD84BB90}" destId="{96B4A9A9-9508-4DDC-BDDD-6C847151EA0D}" srcOrd="0" destOrd="3" presId="urn:microsoft.com/office/officeart/2005/8/layout/hProcess10"/>
+    <dgm:cxn modelId="{AB7E9DAF-EB49-416F-9D02-C77BE9F9DA12}" type="presOf" srcId="{C034EC04-B203-443F-A9D8-F90ED877BF90}" destId="{0BC8C099-42B8-4C5C-970B-13AB533D1129}" srcOrd="0" destOrd="0" presId="urn:microsoft.com/office/officeart/2005/8/layout/hProcess10"/>
+    <dgm:cxn modelId="{9E6F72B0-7D90-4BD4-8EC6-3129AA0BBDEF}" type="presOf" srcId="{C95D1DD7-0EDC-46B7-8BF5-4F95326559DE}" destId="{3BFE17F0-16D8-410B-9E73-9189BA87476A}" srcOrd="0" destOrd="0" presId="urn:microsoft.com/office/officeart/2005/8/layout/hProcess10"/>
+    <dgm:cxn modelId="{397A3EB4-FABD-4E38-86C4-6AE7CCACE725}" srcId="{05A2A666-C2AA-44F5-AE5E-B6D075A8A01C}" destId="{BCD8641E-439E-4199-B666-B95A3BE37B1A}" srcOrd="5" destOrd="0" parTransId="{FFE12A04-1403-4A2E-B4F4-13CE057E3FC0}" sibTransId="{99B8820B-A826-4E6F-9E64-BD7D45963766}"/>
+    <dgm:cxn modelId="{94B877CC-A29B-4DED-A7E4-40EEA8C9FFCF}" srcId="{BCD8641E-439E-4199-B666-B95A3BE37B1A}" destId="{EC1343D2-3E7C-4518-842F-A256DE48FAFB}" srcOrd="0" destOrd="0" parTransId="{07838837-B470-47F3-B25E-C17613B828AF}" sibTransId="{EBD89D4E-0987-4904-8CC2-C12561561E47}"/>
+    <dgm:cxn modelId="{2A7603CE-8E74-4E8A-9708-9F6D4DF56AB7}" type="presOf" srcId="{05A2A666-C2AA-44F5-AE5E-B6D075A8A01C}" destId="{486D9A37-AB3F-4BD7-A508-0857317AB0AB}" srcOrd="0" destOrd="0" presId="urn:microsoft.com/office/officeart/2005/8/layout/hProcess10"/>
+    <dgm:cxn modelId="{1AB7B8D3-6750-410B-B19F-4E394E8A8E98}" srcId="{F4790FF3-1826-421D-BEB6-E5A90514D83B}" destId="{04006EDA-2BF5-4C38-9697-E35D1BE6F788}" srcOrd="1" destOrd="0" parTransId="{AB7E6199-DAE5-4D7C-BE73-504E5F99CF48}" sibTransId="{E9DFBE2F-70C1-4681-BCA4-B5A7AD772FB1}"/>
+    <dgm:cxn modelId="{46ACD4D3-93FE-4F41-B7D2-E564C2578835}" type="presOf" srcId="{69C55802-23EA-4B44-9F38-7EC100B71B20}" destId="{56910574-621B-47D8-9757-86E2FDBD47BC}" srcOrd="0" destOrd="0" presId="urn:microsoft.com/office/officeart/2005/8/layout/hProcess10"/>
+    <dgm:cxn modelId="{DA9014D7-69B8-4FC2-AA41-64E6E9A58B50}" type="presOf" srcId="{BCD8641E-439E-4199-B666-B95A3BE37B1A}" destId="{427A4CCC-BF9A-457E-AC67-55BB7BE495F7}" srcOrd="0" destOrd="0" presId="urn:microsoft.com/office/officeart/2005/8/layout/hProcess10"/>
+    <dgm:cxn modelId="{D9BE93D9-1D40-4AB3-B12C-367EEDD95285}" srcId="{F4790FF3-1826-421D-BEB6-E5A90514D83B}" destId="{6D1F28D4-8D5D-4B03-A721-F738DD9B1E47}" srcOrd="0" destOrd="0" parTransId="{115113F1-FE04-4A21-8D5C-C5E1406CDD89}" sibTransId="{D417D9D3-01CB-4526-B11F-13946FB8F382}"/>
+    <dgm:cxn modelId="{256D71E1-BA08-422C-AFAD-65BFE81D825C}" type="presOf" srcId="{A94EAA3D-7B6F-4A83-A98F-6C0FD17FA262}" destId="{0BC8C099-42B8-4C5C-970B-13AB533D1129}" srcOrd="0" destOrd="2" presId="urn:microsoft.com/office/officeart/2005/8/layout/hProcess10"/>
+    <dgm:cxn modelId="{CA56C0E2-8E21-4D2C-84E6-7AD46CFEE393}" srcId="{47291841-0B8F-4DD0-B587-1F2849BE57E7}" destId="{F90E83AB-31C8-4813-82DD-2C756B83D980}" srcOrd="1" destOrd="0" parTransId="{780D48F1-7ECB-441F-8877-E21C729612B2}" sibTransId="{25E8DF75-3CD9-4229-9A36-79BDD683B3FD}"/>
+    <dgm:cxn modelId="{1B60D9E5-B7FE-4A3D-A28F-7ACE54D71AF0}" type="presOf" srcId="{658121F9-2E8E-4D3F-B3C8-3D169BEA42ED}" destId="{DF0BE8DE-4ACD-4B7F-8F75-8D0EAF33EAA7}" srcOrd="0" destOrd="0" presId="urn:microsoft.com/office/officeart/2005/8/layout/hProcess10"/>
+    <dgm:cxn modelId="{8135EDEA-C71C-4B0E-B0D4-587B02635B20}" srcId="{C034EC04-B203-443F-A9D8-F90ED877BF90}" destId="{A94EAA3D-7B6F-4A83-A98F-6C0FD17FA262}" srcOrd="1" destOrd="0" parTransId="{63EBB3FE-039E-40E6-B31A-7FB56BE36F7E}" sibTransId="{233399FB-C1C2-44A2-AD1A-D92C614D2C79}"/>
+    <dgm:cxn modelId="{4ACEFDFA-8EAE-4412-952F-FF5C579BB6AC}" type="presOf" srcId="{654BF433-E40F-45B9-A37E-C8F9FD609154}" destId="{58629720-F9FB-4C0D-8663-25F4AF4AA144}" srcOrd="0" destOrd="1" presId="urn:microsoft.com/office/officeart/2005/8/layout/hProcess10"/>
+    <dgm:cxn modelId="{3AD7BE45-C6F3-469D-A327-5E352599971C}" type="presParOf" srcId="{486D9A37-AB3F-4BD7-A508-0857317AB0AB}" destId="{3576EF7E-452E-43B9-8448-94628F10529B}" srcOrd="0" destOrd="0" presId="urn:microsoft.com/office/officeart/2005/8/layout/hProcess10"/>
+    <dgm:cxn modelId="{793CE07E-C32B-4181-B9CE-52697F2DBEE9}" type="presParOf" srcId="{3576EF7E-452E-43B9-8448-94628F10529B}" destId="{0EE031CF-09EC-4211-B419-9A75B30AA316}" srcOrd="0" destOrd="0" presId="urn:microsoft.com/office/officeart/2005/8/layout/hProcess10"/>
+    <dgm:cxn modelId="{6E0C57A4-5FDD-4888-8591-8EE37ABB7921}" type="presParOf" srcId="{3576EF7E-452E-43B9-8448-94628F10529B}" destId="{96B4A9A9-9508-4DDC-BDDD-6C847151EA0D}" srcOrd="1" destOrd="0" presId="urn:microsoft.com/office/officeart/2005/8/layout/hProcess10"/>
+    <dgm:cxn modelId="{42636C6D-D33B-476F-B11D-DBBFDB759B79}" type="presParOf" srcId="{486D9A37-AB3F-4BD7-A508-0857317AB0AB}" destId="{3BFE17F0-16D8-410B-9E73-9189BA87476A}" srcOrd="1" destOrd="0" presId="urn:microsoft.com/office/officeart/2005/8/layout/hProcess10"/>
+    <dgm:cxn modelId="{0075805C-300A-4DB8-8B32-303BFDC5BBD1}" type="presParOf" srcId="{3BFE17F0-16D8-410B-9E73-9189BA87476A}" destId="{9BB52CFD-5C58-411C-B16F-247FCA4BC3EF}" srcOrd="0" destOrd="0" presId="urn:microsoft.com/office/officeart/2005/8/layout/hProcess10"/>
+    <dgm:cxn modelId="{96655E83-BA7C-4E51-B604-B5AEFC6A3774}" type="presParOf" srcId="{486D9A37-AB3F-4BD7-A508-0857317AB0AB}" destId="{02B9C748-C81A-45ED-99B8-DF816E44FBB5}" srcOrd="2" destOrd="0" presId="urn:microsoft.com/office/officeart/2005/8/layout/hProcess10"/>
+    <dgm:cxn modelId="{862BB1B4-99B2-4E6F-9F54-29F077B8BAE1}" type="presParOf" srcId="{02B9C748-C81A-45ED-99B8-DF816E44FBB5}" destId="{C7F830C1-9D38-49F4-81F8-C1A18AECBC64}" srcOrd="0" destOrd="0" presId="urn:microsoft.com/office/officeart/2005/8/layout/hProcess10"/>
+    <dgm:cxn modelId="{8294F081-8BEC-462B-9BF3-289D1193E35F}" type="presParOf" srcId="{02B9C748-C81A-45ED-99B8-DF816E44FBB5}" destId="{0BC8C099-42B8-4C5C-970B-13AB533D1129}" srcOrd="1" destOrd="0" presId="urn:microsoft.com/office/officeart/2005/8/layout/hProcess10"/>
+    <dgm:cxn modelId="{E12C0510-5A0E-47A1-B5A3-F9C0EAFD0003}" type="presParOf" srcId="{486D9A37-AB3F-4BD7-A508-0857317AB0AB}" destId="{DF0BE8DE-4ACD-4B7F-8F75-8D0EAF33EAA7}" srcOrd="3" destOrd="0" presId="urn:microsoft.com/office/officeart/2005/8/layout/hProcess10"/>
+    <dgm:cxn modelId="{365CFDF3-0A54-447F-A5A6-768BE8095B3B}" type="presParOf" srcId="{DF0BE8DE-4ACD-4B7F-8F75-8D0EAF33EAA7}" destId="{D973F9B2-5F24-42F7-9852-32072FFB50A0}" srcOrd="0" destOrd="0" presId="urn:microsoft.com/office/officeart/2005/8/layout/hProcess10"/>
+    <dgm:cxn modelId="{A20400A2-8349-4E6B-A12A-4778A3564C51}" type="presParOf" srcId="{486D9A37-AB3F-4BD7-A508-0857317AB0AB}" destId="{BC2E6DEA-70AC-4ECD-98C8-45743CAFECD5}" srcOrd="4" destOrd="0" presId="urn:microsoft.com/office/officeart/2005/8/layout/hProcess10"/>
+    <dgm:cxn modelId="{715EB32C-0391-4E7D-9939-7277870D93BB}" type="presParOf" srcId="{BC2E6DEA-70AC-4ECD-98C8-45743CAFECD5}" destId="{63FAF388-BCC7-4659-830F-F530F99DB4FB}" srcOrd="0" destOrd="0" presId="urn:microsoft.com/office/officeart/2005/8/layout/hProcess10"/>
+    <dgm:cxn modelId="{B1E0C021-A781-4FD8-AABD-29368F428F93}" type="presParOf" srcId="{BC2E6DEA-70AC-4ECD-98C8-45743CAFECD5}" destId="{58629720-F9FB-4C0D-8663-25F4AF4AA144}" srcOrd="1" destOrd="0" presId="urn:microsoft.com/office/officeart/2005/8/layout/hProcess10"/>
+    <dgm:cxn modelId="{6789B246-7957-47D2-81EC-AE713BC21012}" type="presParOf" srcId="{486D9A37-AB3F-4BD7-A508-0857317AB0AB}" destId="{8941FD1B-4CC5-4B55-8CA7-66B40572A22F}" srcOrd="5" destOrd="0" presId="urn:microsoft.com/office/officeart/2005/8/layout/hProcess10"/>
+    <dgm:cxn modelId="{488ED957-E620-4A8F-9AA3-4CC4B95B2065}" type="presParOf" srcId="{8941FD1B-4CC5-4B55-8CA7-66B40572A22F}" destId="{A4479AA0-3086-4904-8542-F1D7EB519121}" srcOrd="0" destOrd="0" presId="urn:microsoft.com/office/officeart/2005/8/layout/hProcess10"/>
+    <dgm:cxn modelId="{754A549D-933C-4CD6-A26C-26DFB0EF058C}" type="presParOf" srcId="{486D9A37-AB3F-4BD7-A508-0857317AB0AB}" destId="{5199618C-8A79-4AB1-B3FE-8E26B2D4DC11}" srcOrd="6" destOrd="0" presId="urn:microsoft.com/office/officeart/2005/8/layout/hProcess10"/>
+    <dgm:cxn modelId="{0C8B1172-22C6-47CA-82A6-78B194B4F007}" type="presParOf" srcId="{5199618C-8A79-4AB1-B3FE-8E26B2D4DC11}" destId="{4144B52C-CC49-46A2-A8D9-F85B7C5CF275}" srcOrd="0" destOrd="0" presId="urn:microsoft.com/office/officeart/2005/8/layout/hProcess10"/>
+    <dgm:cxn modelId="{3B83DACD-1E29-4C6B-9D1C-251712E33C08}" type="presParOf" srcId="{5199618C-8A79-4AB1-B3FE-8E26B2D4DC11}" destId="{ECCD8E2B-A624-4082-B9F5-22F51A100E50}" srcOrd="1" destOrd="0" presId="urn:microsoft.com/office/officeart/2005/8/layout/hProcess10"/>
+    <dgm:cxn modelId="{C07D4BD0-9091-445E-9FC1-335E3B97FF51}" type="presParOf" srcId="{486D9A37-AB3F-4BD7-A508-0857317AB0AB}" destId="{B00397B1-61FD-4348-AAE0-9BCCC71B097A}" srcOrd="7" destOrd="0" presId="urn:microsoft.com/office/officeart/2005/8/layout/hProcess10"/>
+    <dgm:cxn modelId="{08C1A33C-E1C1-4AB3-AE2B-D32F16A04A56}" type="presParOf" srcId="{B00397B1-61FD-4348-AAE0-9BCCC71B097A}" destId="{D3E1C650-9E88-4F7C-91F3-4126C21E3985}" srcOrd="0" destOrd="0" presId="urn:microsoft.com/office/officeart/2005/8/layout/hProcess10"/>
+    <dgm:cxn modelId="{68D2AED8-5C56-4A85-A1BD-3017CB272FB2}" type="presParOf" srcId="{486D9A37-AB3F-4BD7-A508-0857317AB0AB}" destId="{7B8FFC7A-FE09-4E6C-8ADF-EEBB4EDCF926}" srcOrd="8" destOrd="0" presId="urn:microsoft.com/office/officeart/2005/8/layout/hProcess10"/>
+    <dgm:cxn modelId="{1DD4D53B-1834-4BFA-8695-72DECAA62461}" type="presParOf" srcId="{7B8FFC7A-FE09-4E6C-8ADF-EEBB4EDCF926}" destId="{9E90FAA2-7F73-47A6-9ECD-6B83C75E0D8D}" srcOrd="0" destOrd="0" presId="urn:microsoft.com/office/officeart/2005/8/layout/hProcess10"/>
+    <dgm:cxn modelId="{C9027AAD-1AAC-45E3-A513-2CDC670C1425}" type="presParOf" srcId="{7B8FFC7A-FE09-4E6C-8ADF-EEBB4EDCF926}" destId="{56910574-621B-47D8-9757-86E2FDBD47BC}" srcOrd="1" destOrd="0" presId="urn:microsoft.com/office/officeart/2005/8/layout/hProcess10"/>
+    <dgm:cxn modelId="{8042E8E1-C5FC-433B-BA69-8E09836C928E}" type="presParOf" srcId="{486D9A37-AB3F-4BD7-A508-0857317AB0AB}" destId="{41FC4363-C730-4E78-A8DB-01F5BC2CA415}" srcOrd="9" destOrd="0" presId="urn:microsoft.com/office/officeart/2005/8/layout/hProcess10"/>
+    <dgm:cxn modelId="{FED85170-27F9-41C1-AB00-1889B4E90604}" type="presParOf" srcId="{41FC4363-C730-4E78-A8DB-01F5BC2CA415}" destId="{27C76371-14FF-49CA-A51A-82A1D54DA5A0}" srcOrd="0" destOrd="0" presId="urn:microsoft.com/office/officeart/2005/8/layout/hProcess10"/>
+    <dgm:cxn modelId="{A2C6E130-527F-4B3D-A67B-CF1FA8433633}" type="presParOf" srcId="{486D9A37-AB3F-4BD7-A508-0857317AB0AB}" destId="{60531984-9833-4CF4-9329-49254376B9AA}" srcOrd="10" destOrd="0" presId="urn:microsoft.com/office/officeart/2005/8/layout/hProcess10"/>
+    <dgm:cxn modelId="{1FB49DC7-B94E-46D4-A9EA-A9A8A62CC088}" type="presParOf" srcId="{60531984-9833-4CF4-9329-49254376B9AA}" destId="{65A28B11-E8F9-4108-9737-E10393245391}" srcOrd="0" destOrd="0" presId="urn:microsoft.com/office/officeart/2005/8/layout/hProcess10"/>
+    <dgm:cxn modelId="{E2D89102-C5DB-4C3D-8C26-54C94D2DE522}" type="presParOf" srcId="{60531984-9833-4CF4-9329-49254376B9AA}" destId="{427A4CCC-BF9A-457E-AC67-55BB7BE495F7}" srcOrd="1" destOrd="0" presId="urn:microsoft.com/office/officeart/2005/8/layout/hProcess10"/>
+    <dgm:cxn modelId="{179671F4-DD55-494B-89DB-5AC3BE78457D}" type="presParOf" srcId="{486D9A37-AB3F-4BD7-A508-0857317AB0AB}" destId="{6496C8A7-1AAA-4520-9452-570B6004501A}" srcOrd="11" destOrd="0" presId="urn:microsoft.com/office/officeart/2005/8/layout/hProcess10"/>
+    <dgm:cxn modelId="{22EB376C-014D-4D8E-8D28-C004E2A2E421}" type="presParOf" srcId="{6496C8A7-1AAA-4520-9452-570B6004501A}" destId="{EFCEE486-59F5-41C2-ACC9-152B7B5B0804}" srcOrd="0" destOrd="0" presId="urn:microsoft.com/office/officeart/2005/8/layout/hProcess10"/>
+    <dgm:cxn modelId="{18A42892-23B0-424D-A6EF-306859D626A3}" type="presParOf" srcId="{486D9A37-AB3F-4BD7-A508-0857317AB0AB}" destId="{2E29F185-AFF2-4DCA-9225-AD2838FF2F1C}" srcOrd="12" destOrd="0" presId="urn:microsoft.com/office/officeart/2005/8/layout/hProcess10"/>
+    <dgm:cxn modelId="{EACB2D58-0EA0-422D-99FB-8DE148A694FF}" type="presParOf" srcId="{2E29F185-AFF2-4DCA-9225-AD2838FF2F1C}" destId="{678EB37A-483E-4CAF-8A44-DB356EA82EAF}" srcOrd="0" destOrd="0" presId="urn:microsoft.com/office/officeart/2005/8/layout/hProcess10"/>
+    <dgm:cxn modelId="{EC9024D8-35C8-4B52-B7F9-9B0C3EF974C6}" type="presParOf" srcId="{2E29F185-AFF2-4DCA-9225-AD2838FF2F1C}" destId="{C3D8E103-FFA8-410C-992B-7891964508CF}" srcOrd="1" destOrd="0" presId="urn:microsoft.com/office/officeart/2005/8/layout/hProcess10"/>
+  </dgm:cxnLst>
+  <dgm:bg/>
+  <dgm:whole/>
+  <dgm:extLst>
+    <a:ext uri="http://schemas.microsoft.com/office/drawing/2008/diagram">
+      <dsp:dataModelExt xmlns:dsp="http://schemas.microsoft.com/office/drawing/2008/diagram" relId="rId6" minVer="http://schemas.openxmlformats.org/drawingml/2006/diagram"/>
+    </a:ext>
+  </dgm:extLst>
+</dgm:dataModel>
+</file>
+
+<file path=ppt/diagrams/drawing1.xml><?xml version="1.0" encoding="utf-8"?>
+<dsp:drawing xmlns:dgm="http://schemas.openxmlformats.org/drawingml/2006/diagram" xmlns:dsp="http://schemas.microsoft.com/office/drawing/2008/diagram" xmlns:a="http://schemas.openxmlformats.org/drawingml/2006/main">
+  <dsp:spTree>
+    <dsp:nvGrpSpPr>
+      <dsp:cNvPr id="0" name=""/>
+      <dsp:cNvGrpSpPr/>
+    </dsp:nvGrpSpPr>
+    <dsp:grpSpPr/>
+    <dsp:sp modelId="{0EE031CF-09EC-4211-B419-9A75B30AA316}">
+      <dsp:nvSpPr>
+        <dsp:cNvPr id="0" name=""/>
+        <dsp:cNvSpPr/>
+      </dsp:nvSpPr>
+      <dsp:spPr>
+        <a:xfrm>
+          <a:off x="1096" y="1634027"/>
+          <a:ext cx="786192" cy="786192"/>
+        </a:xfrm>
+        <a:prstGeom prst="roundRect">
+          <a:avLst>
+            <a:gd name="adj" fmla="val 10000"/>
+          </a:avLst>
+        </a:prstGeom>
+        <a:blipFill>
+          <a:blip xmlns:r="http://schemas.openxmlformats.org/officeDocument/2006/relationships" r:embed="rId1" cstate="print">
+            <a:extLst>
+              <a:ext uri="{28A0092B-C50C-407E-A947-70E740481C1C}">
+                <a14:useLocalDpi xmlns:a14="http://schemas.microsoft.com/office/drawing/2010/main" val="0"/>
+              </a:ext>
+              <a:ext uri="{837473B0-CC2E-450A-ABE3-18F120FF3D39}">
+                <a1611:picAttrSrcUrl xmlns:a1611="http://schemas.microsoft.com/office/drawing/2016/11/main" r:id="rId2"/>
+              </a:ext>
+            </a:extLst>
+          </a:blip>
+          <a:srcRect/>
+          <a:stretch>
+            <a:fillRect/>
+          </a:stretch>
+        </a:blipFill>
+        <a:ln w="25400" cap="flat" cmpd="sng" algn="ctr">
+          <a:solidFill>
+            <a:schemeClr val="lt1">
+              <a:hueOff val="0"/>
+              <a:satOff val="0"/>
+              <a:lumOff val="0"/>
+              <a:alphaOff val="0"/>
+            </a:schemeClr>
+          </a:solidFill>
+          <a:prstDash val="solid"/>
+        </a:ln>
+        <a:effectLst/>
+      </dsp:spPr>
+      <dsp:style>
+        <a:lnRef idx="2">
+          <a:scrgbClr r="0" g="0" b="0"/>
+        </a:lnRef>
+        <a:fillRef idx="1">
+          <a:scrgbClr r="0" g="0" b="0"/>
+        </a:fillRef>
+        <a:effectRef idx="0">
+          <a:scrgbClr r="0" g="0" b="0"/>
+        </a:effectRef>
+        <a:fontRef idx="minor"/>
+      </dsp:style>
+    </dsp:sp>
+    <dsp:sp modelId="{96B4A9A9-9508-4DDC-BDDD-6C847151EA0D}">
+      <dsp:nvSpPr>
+        <dsp:cNvPr id="0" name=""/>
+        <dsp:cNvSpPr/>
+      </dsp:nvSpPr>
+      <dsp:spPr>
+        <a:xfrm>
+          <a:off x="129080" y="2105743"/>
+          <a:ext cx="786192" cy="786192"/>
+        </a:xfrm>
+        <a:prstGeom prst="roundRect">
+          <a:avLst>
+            <a:gd name="adj" fmla="val 10000"/>
+          </a:avLst>
+        </a:prstGeom>
+        <a:solidFill>
+          <a:schemeClr val="accent1">
+            <a:hueOff val="0"/>
+            <a:satOff val="0"/>
+            <a:lumOff val="0"/>
+            <a:alphaOff val="0"/>
+          </a:schemeClr>
+        </a:solidFill>
+        <a:ln w="25400" cap="flat" cmpd="sng" algn="ctr">
+          <a:solidFill>
+            <a:schemeClr val="lt1">
+              <a:hueOff val="0"/>
+              <a:satOff val="0"/>
+              <a:lumOff val="0"/>
+              <a:alphaOff val="0"/>
+            </a:schemeClr>
+          </a:solidFill>
+          <a:prstDash val="solid"/>
+        </a:ln>
+        <a:effectLst/>
+      </dsp:spPr>
+      <dsp:style>
+        <a:lnRef idx="2">
+          <a:scrgbClr r="0" g="0" b="0"/>
+        </a:lnRef>
+        <a:fillRef idx="1">
+          <a:scrgbClr r="0" g="0" b="0"/>
+        </a:fillRef>
+        <a:effectRef idx="0">
+          <a:scrgbClr r="0" g="0" b="0"/>
+        </a:effectRef>
+        <a:fontRef idx="minor">
+          <a:schemeClr val="lt1"/>
+        </a:fontRef>
+      </dsp:style>
+      <dsp:txBody>
+        <a:bodyPr spcFirstLastPara="0" vert="horz" wrap="square" lIns="34290" tIns="34290" rIns="34290" bIns="34290" numCol="1" spcCol="1270" anchor="t" anchorCtr="0">
+          <a:noAutofit/>
+        </a:bodyPr>
+        <a:lstStyle/>
+        <a:p>
+          <a:pPr marL="0" lvl="0" indent="0" algn="l" defTabSz="400050">
+            <a:lnSpc>
+              <a:spcPct val="90000"/>
+            </a:lnSpc>
+            <a:spcBef>
+              <a:spcPct val="0"/>
+            </a:spcBef>
+            <a:spcAft>
+              <a:spcPct val="35000"/>
+            </a:spcAft>
+            <a:buNone/>
+          </a:pPr>
+          <a:r>
+            <a:rPr lang="en-US" sz="900" kern="1200" dirty="0"/>
+            <a:t>IaaS</a:t>
+          </a:r>
+        </a:p>
+        <a:p>
+          <a:pPr marL="57150" lvl="1" indent="-57150" algn="l" defTabSz="311150">
+            <a:lnSpc>
+              <a:spcPct val="90000"/>
+            </a:lnSpc>
+            <a:spcBef>
+              <a:spcPct val="0"/>
+            </a:spcBef>
+            <a:spcAft>
+              <a:spcPct val="15000"/>
+            </a:spcAft>
+            <a:buChar char="•"/>
+          </a:pPr>
+          <a:r>
+            <a:rPr lang="en-US" sz="700" kern="1200" dirty="0"/>
+            <a:t>Windows Server</a:t>
+          </a:r>
+        </a:p>
+        <a:p>
+          <a:pPr marL="57150" lvl="1" indent="-57150" algn="l" defTabSz="311150">
+            <a:lnSpc>
+              <a:spcPct val="90000"/>
+            </a:lnSpc>
+            <a:spcBef>
+              <a:spcPct val="0"/>
+            </a:spcBef>
+            <a:spcAft>
+              <a:spcPct val="15000"/>
+            </a:spcAft>
+            <a:buChar char="•"/>
+          </a:pPr>
+          <a:r>
+            <a:rPr lang="en-US" sz="700" kern="1200" dirty="0"/>
+            <a:t>Linux</a:t>
+          </a:r>
+        </a:p>
+        <a:p>
+          <a:pPr marL="57150" lvl="1" indent="-57150" algn="l" defTabSz="311150">
+            <a:lnSpc>
+              <a:spcPct val="90000"/>
+            </a:lnSpc>
+            <a:spcBef>
+              <a:spcPct val="0"/>
+            </a:spcBef>
+            <a:spcAft>
+              <a:spcPct val="15000"/>
+            </a:spcAft>
+            <a:buChar char="•"/>
+          </a:pPr>
+          <a:r>
+            <a:rPr lang="en-US" sz="700" kern="1200" dirty="0"/>
+            <a:t>container</a:t>
+          </a:r>
+        </a:p>
+      </dsp:txBody>
+      <dsp:txXfrm>
+        <a:off x="152107" y="2128770"/>
+        <a:ext cx="740138" cy="740138"/>
+      </dsp:txXfrm>
+    </dsp:sp>
+    <dsp:sp modelId="{3BFE17F0-16D8-410B-9E73-9189BA87476A}">
+      <dsp:nvSpPr>
+        <dsp:cNvPr id="0" name=""/>
+        <dsp:cNvSpPr/>
+      </dsp:nvSpPr>
+      <dsp:spPr>
+        <a:xfrm>
+          <a:off x="938725" y="1932668"/>
+          <a:ext cx="151437" cy="188910"/>
+        </a:xfrm>
+        <a:prstGeom prst="rightArrow">
+          <a:avLst>
+            <a:gd name="adj1" fmla="val 60000"/>
+            <a:gd name="adj2" fmla="val 50000"/>
+          </a:avLst>
+        </a:prstGeom>
+        <a:solidFill>
+          <a:schemeClr val="accent1">
+            <a:tint val="60000"/>
+            <a:hueOff val="0"/>
+            <a:satOff val="0"/>
+            <a:lumOff val="0"/>
+            <a:alphaOff val="0"/>
+          </a:schemeClr>
+        </a:solidFill>
+        <a:ln>
+          <a:noFill/>
+        </a:ln>
+        <a:effectLst/>
+      </dsp:spPr>
+      <dsp:style>
+        <a:lnRef idx="0">
+          <a:scrgbClr r="0" g="0" b="0"/>
+        </a:lnRef>
+        <a:fillRef idx="1">
+          <a:scrgbClr r="0" g="0" b="0"/>
+        </a:fillRef>
+        <a:effectRef idx="0">
+          <a:scrgbClr r="0" g="0" b="0"/>
+        </a:effectRef>
+        <a:fontRef idx="minor">
+          <a:schemeClr val="lt1"/>
+        </a:fontRef>
+      </dsp:style>
+      <dsp:txBody>
+        <a:bodyPr spcFirstLastPara="0" vert="horz" wrap="square" lIns="0" tIns="0" rIns="0" bIns="0" numCol="1" spcCol="1270" anchor="ctr" anchorCtr="0">
+          <a:noAutofit/>
+        </a:bodyPr>
+        <a:lstStyle/>
+        <a:p>
+          <a:pPr marL="0" lvl="0" indent="0" algn="ctr" defTabSz="311150">
+            <a:lnSpc>
+              <a:spcPct val="90000"/>
+            </a:lnSpc>
+            <a:spcBef>
+              <a:spcPct val="0"/>
+            </a:spcBef>
+            <a:spcAft>
+              <a:spcPct val="35000"/>
+            </a:spcAft>
+            <a:buNone/>
+          </a:pPr>
+          <a:endParaRPr lang="en-US" sz="700" kern="1200"/>
+        </a:p>
+      </dsp:txBody>
+      <dsp:txXfrm>
+        <a:off x="938725" y="1970450"/>
+        <a:ext cx="106006" cy="113346"/>
+      </dsp:txXfrm>
+    </dsp:sp>
+    <dsp:sp modelId="{C7F830C1-9D38-49F4-81F8-C1A18AECBC64}">
+      <dsp:nvSpPr>
+        <dsp:cNvPr id="0" name=""/>
+        <dsp:cNvSpPr/>
+      </dsp:nvSpPr>
+      <dsp:spPr>
+        <a:xfrm>
+          <a:off x="1219967" y="1634027"/>
+          <a:ext cx="786192" cy="786192"/>
+        </a:xfrm>
+        <a:prstGeom prst="roundRect">
+          <a:avLst>
+            <a:gd name="adj" fmla="val 10000"/>
+          </a:avLst>
+        </a:prstGeom>
+        <a:blipFill>
+          <a:blip xmlns:r="http://schemas.openxmlformats.org/officeDocument/2006/relationships" r:embed="rId3" cstate="print">
+            <a:extLst>
+              <a:ext uri="{28A0092B-C50C-407E-A947-70E740481C1C}">
+                <a14:useLocalDpi xmlns:a14="http://schemas.microsoft.com/office/drawing/2010/main" val="0"/>
+              </a:ext>
+              <a:ext uri="{837473B0-CC2E-450A-ABE3-18F120FF3D39}">
+                <a1611:picAttrSrcUrl xmlns:a1611="http://schemas.microsoft.com/office/drawing/2016/11/main" r:id="rId4"/>
+              </a:ext>
+            </a:extLst>
+          </a:blip>
+          <a:srcRect/>
+          <a:stretch>
+            <a:fillRect l="-12000" r="-12000"/>
+          </a:stretch>
+        </a:blipFill>
+        <a:ln w="25400" cap="flat" cmpd="sng" algn="ctr">
+          <a:solidFill>
+            <a:schemeClr val="lt1">
+              <a:hueOff val="0"/>
+              <a:satOff val="0"/>
+              <a:lumOff val="0"/>
+              <a:alphaOff val="0"/>
+            </a:schemeClr>
+          </a:solidFill>
+          <a:prstDash val="solid"/>
+        </a:ln>
+        <a:effectLst/>
+      </dsp:spPr>
+      <dsp:style>
+        <a:lnRef idx="2">
+          <a:scrgbClr r="0" g="0" b="0"/>
+        </a:lnRef>
+        <a:fillRef idx="1">
+          <a:scrgbClr r="0" g="0" b="0"/>
+        </a:fillRef>
+        <a:effectRef idx="0">
+          <a:scrgbClr r="0" g="0" b="0"/>
+        </a:effectRef>
+        <a:fontRef idx="minor"/>
+      </dsp:style>
+    </dsp:sp>
+    <dsp:sp modelId="{0BC8C099-42B8-4C5C-970B-13AB533D1129}">
+      <dsp:nvSpPr>
+        <dsp:cNvPr id="0" name=""/>
+        <dsp:cNvSpPr/>
+      </dsp:nvSpPr>
+      <dsp:spPr>
+        <a:xfrm>
+          <a:off x="1347952" y="2105743"/>
+          <a:ext cx="786192" cy="786192"/>
+        </a:xfrm>
+        <a:prstGeom prst="roundRect">
+          <a:avLst>
+            <a:gd name="adj" fmla="val 10000"/>
+          </a:avLst>
+        </a:prstGeom>
+        <a:solidFill>
+          <a:schemeClr val="accent1">
+            <a:hueOff val="0"/>
+            <a:satOff val="0"/>
+            <a:lumOff val="0"/>
+            <a:alphaOff val="0"/>
+          </a:schemeClr>
+        </a:solidFill>
+        <a:ln w="25400" cap="flat" cmpd="sng" algn="ctr">
+          <a:solidFill>
+            <a:schemeClr val="lt1">
+              <a:hueOff val="0"/>
+              <a:satOff val="0"/>
+              <a:lumOff val="0"/>
+              <a:alphaOff val="0"/>
+            </a:schemeClr>
+          </a:solidFill>
+          <a:prstDash val="solid"/>
+        </a:ln>
+        <a:effectLst/>
+      </dsp:spPr>
+      <dsp:style>
+        <a:lnRef idx="2">
+          <a:scrgbClr r="0" g="0" b="0"/>
+        </a:lnRef>
+        <a:fillRef idx="1">
+          <a:scrgbClr r="0" g="0" b="0"/>
+        </a:fillRef>
+        <a:effectRef idx="0">
+          <a:scrgbClr r="0" g="0" b="0"/>
+        </a:effectRef>
+        <a:fontRef idx="minor">
+          <a:schemeClr val="lt1"/>
+        </a:fontRef>
+      </dsp:style>
+      <dsp:txBody>
+        <a:bodyPr spcFirstLastPara="0" vert="horz" wrap="square" lIns="34290" tIns="34290" rIns="34290" bIns="34290" numCol="1" spcCol="1270" anchor="t" anchorCtr="0">
+          <a:noAutofit/>
+        </a:bodyPr>
+        <a:lstStyle/>
+        <a:p>
+          <a:pPr marL="0" lvl="0" indent="0" algn="l" defTabSz="400050">
+            <a:lnSpc>
+              <a:spcPct val="90000"/>
+            </a:lnSpc>
+            <a:spcBef>
+              <a:spcPct val="0"/>
+            </a:spcBef>
+            <a:spcAft>
+              <a:spcPct val="35000"/>
+            </a:spcAft>
+            <a:buNone/>
+          </a:pPr>
+          <a:r>
+            <a:rPr lang="en-US" sz="900" kern="1200" dirty="0" err="1"/>
+            <a:t>Paas</a:t>
+          </a:r>
+          <a:endParaRPr lang="en-US" sz="900" kern="1200" dirty="0"/>
+        </a:p>
+        <a:p>
+          <a:pPr marL="57150" lvl="1" indent="-57150" algn="l" defTabSz="311150">
+            <a:lnSpc>
+              <a:spcPct val="90000"/>
+            </a:lnSpc>
+            <a:spcBef>
+              <a:spcPct val="0"/>
+            </a:spcBef>
+            <a:spcAft>
+              <a:spcPct val="15000"/>
+            </a:spcAft>
+            <a:buChar char="•"/>
+          </a:pPr>
+          <a:r>
+            <a:rPr lang="en-US" sz="700" kern="1200" dirty="0"/>
+            <a:t>MSSQL DB</a:t>
+          </a:r>
+        </a:p>
+        <a:p>
+          <a:pPr marL="57150" lvl="1" indent="-57150" algn="l" defTabSz="311150">
+            <a:lnSpc>
+              <a:spcPct val="90000"/>
+            </a:lnSpc>
+            <a:spcBef>
+              <a:spcPct val="0"/>
+            </a:spcBef>
+            <a:spcAft>
+              <a:spcPct val="15000"/>
+            </a:spcAft>
+            <a:buChar char="•"/>
+          </a:pPr>
+          <a:r>
+            <a:rPr lang="en-US" sz="700" kern="1200" dirty="0"/>
+            <a:t>MSSQL AS</a:t>
+          </a:r>
+        </a:p>
+        <a:p>
+          <a:pPr marL="57150" lvl="1" indent="-57150" algn="l" defTabSz="311150">
+            <a:lnSpc>
+              <a:spcPct val="90000"/>
+            </a:lnSpc>
+            <a:spcBef>
+              <a:spcPct val="0"/>
+            </a:spcBef>
+            <a:spcAft>
+              <a:spcPct val="15000"/>
+            </a:spcAft>
+            <a:buChar char="•"/>
+          </a:pPr>
+          <a:r>
+            <a:rPr lang="en-US" sz="700" kern="1200" dirty="0" err="1"/>
+            <a:t>etc</a:t>
+          </a:r>
+          <a:r>
+            <a:rPr lang="en-US" sz="700" kern="1200" dirty="0"/>
+            <a:t>…</a:t>
+          </a:r>
+        </a:p>
+      </dsp:txBody>
+      <dsp:txXfrm>
+        <a:off x="1370979" y="2128770"/>
+        <a:ext cx="740138" cy="740138"/>
+      </dsp:txXfrm>
+    </dsp:sp>
+    <dsp:sp modelId="{DF0BE8DE-4ACD-4B7F-8F75-8D0EAF33EAA7}">
+      <dsp:nvSpPr>
+        <dsp:cNvPr id="0" name=""/>
+        <dsp:cNvSpPr/>
+      </dsp:nvSpPr>
+      <dsp:spPr>
+        <a:xfrm>
+          <a:off x="2157597" y="1932668"/>
+          <a:ext cx="151437" cy="188910"/>
+        </a:xfrm>
+        <a:prstGeom prst="rightArrow">
+          <a:avLst>
+            <a:gd name="adj1" fmla="val 60000"/>
+            <a:gd name="adj2" fmla="val 50000"/>
+          </a:avLst>
+        </a:prstGeom>
+        <a:solidFill>
+          <a:schemeClr val="accent1">
+            <a:tint val="60000"/>
+            <a:hueOff val="0"/>
+            <a:satOff val="0"/>
+            <a:lumOff val="0"/>
+            <a:alphaOff val="0"/>
+          </a:schemeClr>
+        </a:solidFill>
+        <a:ln>
+          <a:noFill/>
+        </a:ln>
+        <a:effectLst/>
+      </dsp:spPr>
+      <dsp:style>
+        <a:lnRef idx="0">
+          <a:scrgbClr r="0" g="0" b="0"/>
+        </a:lnRef>
+        <a:fillRef idx="1">
+          <a:scrgbClr r="0" g="0" b="0"/>
+        </a:fillRef>
+        <a:effectRef idx="0">
+          <a:scrgbClr r="0" g="0" b="0"/>
+        </a:effectRef>
+        <a:fontRef idx="minor">
+          <a:schemeClr val="lt1"/>
+        </a:fontRef>
+      </dsp:style>
+      <dsp:txBody>
+        <a:bodyPr spcFirstLastPara="0" vert="horz" wrap="square" lIns="0" tIns="0" rIns="0" bIns="0" numCol="1" spcCol="1270" anchor="ctr" anchorCtr="0">
+          <a:noAutofit/>
+        </a:bodyPr>
+        <a:lstStyle/>
+        <a:p>
+          <a:pPr marL="0" lvl="0" indent="0" algn="ctr" defTabSz="311150">
+            <a:lnSpc>
+              <a:spcPct val="90000"/>
+            </a:lnSpc>
+            <a:spcBef>
+              <a:spcPct val="0"/>
+            </a:spcBef>
+            <a:spcAft>
+              <a:spcPct val="35000"/>
+            </a:spcAft>
+            <a:buNone/>
+          </a:pPr>
+          <a:endParaRPr lang="en-US" sz="700" kern="1200"/>
+        </a:p>
+      </dsp:txBody>
+      <dsp:txXfrm>
+        <a:off x="2157597" y="1970450"/>
+        <a:ext cx="106006" cy="113346"/>
+      </dsp:txXfrm>
+    </dsp:sp>
+    <dsp:sp modelId="{63FAF388-BCC7-4659-830F-F530F99DB4FB}">
+      <dsp:nvSpPr>
+        <dsp:cNvPr id="0" name=""/>
+        <dsp:cNvSpPr/>
+      </dsp:nvSpPr>
+      <dsp:spPr>
+        <a:xfrm>
+          <a:off x="2438839" y="1634027"/>
+          <a:ext cx="786192" cy="786192"/>
+        </a:xfrm>
+        <a:prstGeom prst="roundRect">
+          <a:avLst>
+            <a:gd name="adj" fmla="val 10000"/>
+          </a:avLst>
+        </a:prstGeom>
+        <a:blipFill>
+          <a:blip xmlns:r="http://schemas.openxmlformats.org/officeDocument/2006/relationships" r:embed="rId5" cstate="print">
+            <a:extLst>
+              <a:ext uri="{28A0092B-C50C-407E-A947-70E740481C1C}">
+                <a14:useLocalDpi xmlns:a14="http://schemas.microsoft.com/office/drawing/2010/main" val="0"/>
+              </a:ext>
+              <a:ext uri="{837473B0-CC2E-450A-ABE3-18F120FF3D39}">
+                <a1611:picAttrSrcUrl xmlns:a1611="http://schemas.microsoft.com/office/drawing/2016/11/main" r:id="rId6"/>
+              </a:ext>
+            </a:extLst>
+          </a:blip>
+          <a:srcRect/>
+          <a:stretch>
+            <a:fillRect l="-8000" r="-8000"/>
+          </a:stretch>
+        </a:blipFill>
+        <a:ln w="25400" cap="flat" cmpd="sng" algn="ctr">
+          <a:solidFill>
+            <a:schemeClr val="lt1">
+              <a:hueOff val="0"/>
+              <a:satOff val="0"/>
+              <a:lumOff val="0"/>
+              <a:alphaOff val="0"/>
+            </a:schemeClr>
+          </a:solidFill>
+          <a:prstDash val="solid"/>
+        </a:ln>
+        <a:effectLst/>
+      </dsp:spPr>
+      <dsp:style>
+        <a:lnRef idx="2">
+          <a:scrgbClr r="0" g="0" b="0"/>
+        </a:lnRef>
+        <a:fillRef idx="1">
+          <a:scrgbClr r="0" g="0" b="0"/>
+        </a:fillRef>
+        <a:effectRef idx="0">
+          <a:scrgbClr r="0" g="0" b="0"/>
+        </a:effectRef>
+        <a:fontRef idx="minor"/>
+      </dsp:style>
+    </dsp:sp>
+    <dsp:sp modelId="{58629720-F9FB-4C0D-8663-25F4AF4AA144}">
+      <dsp:nvSpPr>
+        <dsp:cNvPr id="0" name=""/>
+        <dsp:cNvSpPr/>
+      </dsp:nvSpPr>
+      <dsp:spPr>
+        <a:xfrm>
+          <a:off x="2566824" y="2105743"/>
+          <a:ext cx="786192" cy="786192"/>
+        </a:xfrm>
+        <a:prstGeom prst="roundRect">
+          <a:avLst>
+            <a:gd name="adj" fmla="val 10000"/>
+          </a:avLst>
+        </a:prstGeom>
+        <a:solidFill>
+          <a:schemeClr val="accent1">
+            <a:hueOff val="0"/>
+            <a:satOff val="0"/>
+            <a:lumOff val="0"/>
+            <a:alphaOff val="0"/>
+          </a:schemeClr>
+        </a:solidFill>
+        <a:ln w="25400" cap="flat" cmpd="sng" algn="ctr">
+          <a:solidFill>
+            <a:schemeClr val="lt1">
+              <a:hueOff val="0"/>
+              <a:satOff val="0"/>
+              <a:lumOff val="0"/>
+              <a:alphaOff val="0"/>
+            </a:schemeClr>
+          </a:solidFill>
+          <a:prstDash val="solid"/>
+        </a:ln>
+        <a:effectLst/>
+      </dsp:spPr>
+      <dsp:style>
+        <a:lnRef idx="2">
+          <a:scrgbClr r="0" g="0" b="0"/>
+        </a:lnRef>
+        <a:fillRef idx="1">
+          <a:scrgbClr r="0" g="0" b="0"/>
+        </a:fillRef>
+        <a:effectRef idx="0">
+          <a:scrgbClr r="0" g="0" b="0"/>
+        </a:effectRef>
+        <a:fontRef idx="minor">
+          <a:schemeClr val="lt1"/>
+        </a:fontRef>
+      </dsp:style>
+      <dsp:txBody>
+        <a:bodyPr spcFirstLastPara="0" vert="horz" wrap="square" lIns="34290" tIns="34290" rIns="34290" bIns="34290" numCol="1" spcCol="1270" anchor="t" anchorCtr="0">
+          <a:noAutofit/>
+        </a:bodyPr>
+        <a:lstStyle/>
+        <a:p>
+          <a:pPr marL="0" lvl="0" indent="0" algn="l" defTabSz="400050">
+            <a:lnSpc>
+              <a:spcPct val="90000"/>
+            </a:lnSpc>
+            <a:spcBef>
+              <a:spcPct val="0"/>
+            </a:spcBef>
+            <a:spcAft>
+              <a:spcPct val="35000"/>
+            </a:spcAft>
+            <a:buNone/>
+          </a:pPr>
+          <a:r>
+            <a:rPr lang="en-US" sz="900" kern="1200" dirty="0" err="1"/>
+            <a:t>Analyse</a:t>
+          </a:r>
+          <a:endParaRPr lang="en-US" sz="900" kern="1200" dirty="0"/>
+        </a:p>
+        <a:p>
+          <a:pPr marL="57150" lvl="1" indent="-57150" algn="l" defTabSz="311150">
+            <a:lnSpc>
+              <a:spcPct val="90000"/>
+            </a:lnSpc>
+            <a:spcBef>
+              <a:spcPct val="0"/>
+            </a:spcBef>
+            <a:spcAft>
+              <a:spcPct val="15000"/>
+            </a:spcAft>
+            <a:buChar char="•"/>
+          </a:pPr>
+          <a:r>
+            <a:rPr lang="en-US" sz="700" kern="1200" dirty="0"/>
+            <a:t>Configuration</a:t>
+          </a:r>
+        </a:p>
+        <a:p>
+          <a:pPr marL="57150" lvl="1" indent="-57150" algn="l" defTabSz="311150">
+            <a:lnSpc>
+              <a:spcPct val="90000"/>
+            </a:lnSpc>
+            <a:spcBef>
+              <a:spcPct val="0"/>
+            </a:spcBef>
+            <a:spcAft>
+              <a:spcPct val="15000"/>
+            </a:spcAft>
+            <a:buChar char="•"/>
+          </a:pPr>
+          <a:r>
+            <a:rPr lang="en-US" sz="700" kern="1200" dirty="0"/>
+            <a:t>Capacity</a:t>
+          </a:r>
+        </a:p>
+      </dsp:txBody>
+      <dsp:txXfrm>
+        <a:off x="2589851" y="2128770"/>
+        <a:ext cx="740138" cy="740138"/>
+      </dsp:txXfrm>
+    </dsp:sp>
+    <dsp:sp modelId="{8941FD1B-4CC5-4B55-8CA7-66B40572A22F}">
+      <dsp:nvSpPr>
+        <dsp:cNvPr id="0" name=""/>
+        <dsp:cNvSpPr/>
+      </dsp:nvSpPr>
+      <dsp:spPr>
+        <a:xfrm>
+          <a:off x="3376469" y="1932668"/>
+          <a:ext cx="151437" cy="188910"/>
+        </a:xfrm>
+        <a:prstGeom prst="rightArrow">
+          <a:avLst>
+            <a:gd name="adj1" fmla="val 60000"/>
+            <a:gd name="adj2" fmla="val 50000"/>
+          </a:avLst>
+        </a:prstGeom>
+        <a:solidFill>
+          <a:schemeClr val="accent1">
+            <a:tint val="60000"/>
+            <a:hueOff val="0"/>
+            <a:satOff val="0"/>
+            <a:lumOff val="0"/>
+            <a:alphaOff val="0"/>
+          </a:schemeClr>
+        </a:solidFill>
+        <a:ln>
+          <a:noFill/>
+        </a:ln>
+        <a:effectLst/>
+      </dsp:spPr>
+      <dsp:style>
+        <a:lnRef idx="0">
+          <a:scrgbClr r="0" g="0" b="0"/>
+        </a:lnRef>
+        <a:fillRef idx="1">
+          <a:scrgbClr r="0" g="0" b="0"/>
+        </a:fillRef>
+        <a:effectRef idx="0">
+          <a:scrgbClr r="0" g="0" b="0"/>
+        </a:effectRef>
+        <a:fontRef idx="minor">
+          <a:schemeClr val="lt1"/>
+        </a:fontRef>
+      </dsp:style>
+      <dsp:txBody>
+        <a:bodyPr spcFirstLastPara="0" vert="horz" wrap="square" lIns="0" tIns="0" rIns="0" bIns="0" numCol="1" spcCol="1270" anchor="ctr" anchorCtr="0">
+          <a:noAutofit/>
+        </a:bodyPr>
+        <a:lstStyle/>
+        <a:p>
+          <a:pPr marL="0" lvl="0" indent="0" algn="ctr" defTabSz="311150">
+            <a:lnSpc>
+              <a:spcPct val="90000"/>
+            </a:lnSpc>
+            <a:spcBef>
+              <a:spcPct val="0"/>
+            </a:spcBef>
+            <a:spcAft>
+              <a:spcPct val="35000"/>
+            </a:spcAft>
+            <a:buNone/>
+          </a:pPr>
+          <a:endParaRPr lang="en-US" sz="700" kern="1200"/>
+        </a:p>
+      </dsp:txBody>
+      <dsp:txXfrm>
+        <a:off x="3376469" y="1970450"/>
+        <a:ext cx="106006" cy="113346"/>
+      </dsp:txXfrm>
+    </dsp:sp>
+    <dsp:sp modelId="{4144B52C-CC49-46A2-A8D9-F85B7C5CF275}">
+      <dsp:nvSpPr>
+        <dsp:cNvPr id="0" name=""/>
+        <dsp:cNvSpPr/>
+      </dsp:nvSpPr>
+      <dsp:spPr>
+        <a:xfrm>
+          <a:off x="3657711" y="1634027"/>
+          <a:ext cx="786192" cy="786192"/>
+        </a:xfrm>
+        <a:prstGeom prst="roundRect">
+          <a:avLst>
+            <a:gd name="adj" fmla="val 10000"/>
+          </a:avLst>
+        </a:prstGeom>
+        <a:solidFill>
+          <a:schemeClr val="accent1">
+            <a:tint val="50000"/>
+            <a:hueOff val="0"/>
+            <a:satOff val="0"/>
+            <a:lumOff val="0"/>
+            <a:alphaOff val="0"/>
+          </a:schemeClr>
+        </a:solidFill>
+        <a:ln w="25400" cap="flat" cmpd="sng" algn="ctr">
+          <a:solidFill>
+            <a:schemeClr val="lt1">
+              <a:hueOff val="0"/>
+              <a:satOff val="0"/>
+              <a:lumOff val="0"/>
+              <a:alphaOff val="0"/>
+            </a:schemeClr>
+          </a:solidFill>
+          <a:prstDash val="solid"/>
+        </a:ln>
+        <a:effectLst/>
+      </dsp:spPr>
+      <dsp:style>
+        <a:lnRef idx="2">
+          <a:scrgbClr r="0" g="0" b="0"/>
+        </a:lnRef>
+        <a:fillRef idx="1">
+          <a:scrgbClr r="0" g="0" b="0"/>
+        </a:fillRef>
+        <a:effectRef idx="0">
+          <a:scrgbClr r="0" g="0" b="0"/>
+        </a:effectRef>
+        <a:fontRef idx="minor"/>
+      </dsp:style>
+    </dsp:sp>
+    <dsp:sp modelId="{ECCD8E2B-A624-4082-B9F5-22F51A100E50}">
+      <dsp:nvSpPr>
+        <dsp:cNvPr id="0" name=""/>
+        <dsp:cNvSpPr/>
+      </dsp:nvSpPr>
+      <dsp:spPr>
+        <a:xfrm>
+          <a:off x="3785696" y="2105743"/>
+          <a:ext cx="786192" cy="786192"/>
+        </a:xfrm>
+        <a:prstGeom prst="roundRect">
+          <a:avLst>
+            <a:gd name="adj" fmla="val 10000"/>
+          </a:avLst>
+        </a:prstGeom>
+        <a:solidFill>
+          <a:schemeClr val="accent1">
+            <a:hueOff val="0"/>
+            <a:satOff val="0"/>
+            <a:lumOff val="0"/>
+            <a:alphaOff val="0"/>
+          </a:schemeClr>
+        </a:solidFill>
+        <a:ln w="25400" cap="flat" cmpd="sng" algn="ctr">
+          <a:solidFill>
+            <a:schemeClr val="lt1">
+              <a:hueOff val="0"/>
+              <a:satOff val="0"/>
+              <a:lumOff val="0"/>
+              <a:alphaOff val="0"/>
+            </a:schemeClr>
+          </a:solidFill>
+          <a:prstDash val="solid"/>
+        </a:ln>
+        <a:effectLst/>
+      </dsp:spPr>
+      <dsp:style>
+        <a:lnRef idx="2">
+          <a:scrgbClr r="0" g="0" b="0"/>
+        </a:lnRef>
+        <a:fillRef idx="1">
+          <a:scrgbClr r="0" g="0" b="0"/>
+        </a:fillRef>
+        <a:effectRef idx="0">
+          <a:scrgbClr r="0" g="0" b="0"/>
+        </a:effectRef>
+        <a:fontRef idx="minor">
+          <a:schemeClr val="lt1"/>
+        </a:fontRef>
+      </dsp:style>
+      <dsp:txBody>
+        <a:bodyPr spcFirstLastPara="0" vert="horz" wrap="square" lIns="34290" tIns="34290" rIns="34290" bIns="34290" numCol="1" spcCol="1270" anchor="ctr" anchorCtr="0">
+          <a:noAutofit/>
+        </a:bodyPr>
+        <a:lstStyle/>
+        <a:p>
+          <a:pPr marL="0" lvl="0" indent="0" algn="ctr" defTabSz="400050">
+            <a:lnSpc>
+              <a:spcPct val="90000"/>
+            </a:lnSpc>
+            <a:spcBef>
+              <a:spcPct val="0"/>
+            </a:spcBef>
+            <a:spcAft>
+              <a:spcPct val="35000"/>
+            </a:spcAft>
+            <a:buNone/>
+          </a:pPr>
+          <a:r>
+            <a:rPr lang="en-US" sz="900" kern="1200" dirty="0"/>
+            <a:t>Recovery</a:t>
+          </a:r>
+        </a:p>
+      </dsp:txBody>
+      <dsp:txXfrm>
+        <a:off x="3808723" y="2128770"/>
+        <a:ext cx="740138" cy="740138"/>
+      </dsp:txXfrm>
+    </dsp:sp>
+    <dsp:sp modelId="{B00397B1-61FD-4348-AAE0-9BCCC71B097A}">
+      <dsp:nvSpPr>
+        <dsp:cNvPr id="0" name=""/>
+        <dsp:cNvSpPr/>
+      </dsp:nvSpPr>
+      <dsp:spPr>
+        <a:xfrm>
+          <a:off x="4595341" y="1932668"/>
+          <a:ext cx="151437" cy="188910"/>
+        </a:xfrm>
+        <a:prstGeom prst="rightArrow">
+          <a:avLst>
+            <a:gd name="adj1" fmla="val 60000"/>
+            <a:gd name="adj2" fmla="val 50000"/>
+          </a:avLst>
+        </a:prstGeom>
+        <a:solidFill>
+          <a:schemeClr val="accent1">
+            <a:tint val="60000"/>
+            <a:hueOff val="0"/>
+            <a:satOff val="0"/>
+            <a:lumOff val="0"/>
+            <a:alphaOff val="0"/>
+          </a:schemeClr>
+        </a:solidFill>
+        <a:ln>
+          <a:noFill/>
+        </a:ln>
+        <a:effectLst/>
+      </dsp:spPr>
+      <dsp:style>
+        <a:lnRef idx="0">
+          <a:scrgbClr r="0" g="0" b="0"/>
+        </a:lnRef>
+        <a:fillRef idx="1">
+          <a:scrgbClr r="0" g="0" b="0"/>
+        </a:fillRef>
+        <a:effectRef idx="0">
+          <a:scrgbClr r="0" g="0" b="0"/>
+        </a:effectRef>
+        <a:fontRef idx="minor">
+          <a:schemeClr val="lt1"/>
+        </a:fontRef>
+      </dsp:style>
+      <dsp:txBody>
+        <a:bodyPr spcFirstLastPara="0" vert="horz" wrap="square" lIns="0" tIns="0" rIns="0" bIns="0" numCol="1" spcCol="1270" anchor="ctr" anchorCtr="0">
+          <a:noAutofit/>
+        </a:bodyPr>
+        <a:lstStyle/>
+        <a:p>
+          <a:pPr marL="0" lvl="0" indent="0" algn="ctr" defTabSz="311150">
+            <a:lnSpc>
+              <a:spcPct val="90000"/>
+            </a:lnSpc>
+            <a:spcBef>
+              <a:spcPct val="0"/>
+            </a:spcBef>
+            <a:spcAft>
+              <a:spcPct val="35000"/>
+            </a:spcAft>
+            <a:buNone/>
+          </a:pPr>
+          <a:endParaRPr lang="en-US" sz="700" kern="1200"/>
+        </a:p>
+      </dsp:txBody>
+      <dsp:txXfrm>
+        <a:off x="4595341" y="1970450"/>
+        <a:ext cx="106006" cy="113346"/>
+      </dsp:txXfrm>
+    </dsp:sp>
+    <dsp:sp modelId="{9E90FAA2-7F73-47A6-9ECD-6B83C75E0D8D}">
+      <dsp:nvSpPr>
+        <dsp:cNvPr id="0" name=""/>
+        <dsp:cNvSpPr/>
+      </dsp:nvSpPr>
+      <dsp:spPr>
+        <a:xfrm>
+          <a:off x="4876583" y="1634027"/>
+          <a:ext cx="786192" cy="786192"/>
+        </a:xfrm>
+        <a:prstGeom prst="roundRect">
+          <a:avLst>
+            <a:gd name="adj" fmla="val 10000"/>
+          </a:avLst>
+        </a:prstGeom>
+        <a:solidFill>
+          <a:schemeClr val="accent1">
+            <a:tint val="50000"/>
+            <a:hueOff val="0"/>
+            <a:satOff val="0"/>
+            <a:lumOff val="0"/>
+            <a:alphaOff val="0"/>
+          </a:schemeClr>
+        </a:solidFill>
+        <a:ln w="25400" cap="flat" cmpd="sng" algn="ctr">
+          <a:solidFill>
+            <a:schemeClr val="lt1">
+              <a:hueOff val="0"/>
+              <a:satOff val="0"/>
+              <a:lumOff val="0"/>
+              <a:alphaOff val="0"/>
+            </a:schemeClr>
+          </a:solidFill>
+          <a:prstDash val="solid"/>
+        </a:ln>
+        <a:effectLst/>
+      </dsp:spPr>
+      <dsp:style>
+        <a:lnRef idx="2">
+          <a:scrgbClr r="0" g="0" b="0"/>
+        </a:lnRef>
+        <a:fillRef idx="1">
+          <a:scrgbClr r="0" g="0" b="0"/>
+        </a:fillRef>
+        <a:effectRef idx="0">
+          <a:scrgbClr r="0" g="0" b="0"/>
+        </a:effectRef>
+        <a:fontRef idx="minor"/>
+      </dsp:style>
+    </dsp:sp>
+    <dsp:sp modelId="{56910574-621B-47D8-9757-86E2FDBD47BC}">
+      <dsp:nvSpPr>
+        <dsp:cNvPr id="0" name=""/>
+        <dsp:cNvSpPr/>
+      </dsp:nvSpPr>
+      <dsp:spPr>
+        <a:xfrm>
+          <a:off x="5004568" y="2105743"/>
+          <a:ext cx="786192" cy="786192"/>
+        </a:xfrm>
+        <a:prstGeom prst="roundRect">
+          <a:avLst>
+            <a:gd name="adj" fmla="val 10000"/>
+          </a:avLst>
+        </a:prstGeom>
+        <a:solidFill>
+          <a:schemeClr val="accent1">
+            <a:hueOff val="0"/>
+            <a:satOff val="0"/>
+            <a:lumOff val="0"/>
+            <a:alphaOff val="0"/>
+          </a:schemeClr>
+        </a:solidFill>
+        <a:ln w="25400" cap="flat" cmpd="sng" algn="ctr">
+          <a:solidFill>
+            <a:schemeClr val="lt1">
+              <a:hueOff val="0"/>
+              <a:satOff val="0"/>
+              <a:lumOff val="0"/>
+              <a:alphaOff val="0"/>
+            </a:schemeClr>
+          </a:solidFill>
+          <a:prstDash val="solid"/>
+        </a:ln>
+        <a:effectLst/>
+      </dsp:spPr>
+      <dsp:style>
+        <a:lnRef idx="2">
+          <a:scrgbClr r="0" g="0" b="0"/>
+        </a:lnRef>
+        <a:fillRef idx="1">
+          <a:scrgbClr r="0" g="0" b="0"/>
+        </a:fillRef>
+        <a:effectRef idx="0">
+          <a:scrgbClr r="0" g="0" b="0"/>
+        </a:effectRef>
+        <a:fontRef idx="minor">
+          <a:schemeClr val="lt1"/>
+        </a:fontRef>
+      </dsp:style>
+      <dsp:txBody>
+        <a:bodyPr spcFirstLastPara="0" vert="horz" wrap="square" lIns="34290" tIns="34290" rIns="34290" bIns="34290" numCol="1" spcCol="1270" anchor="t" anchorCtr="0">
+          <a:noAutofit/>
+        </a:bodyPr>
+        <a:lstStyle/>
+        <a:p>
+          <a:pPr marL="0" lvl="0" indent="0" algn="l" defTabSz="400050">
+            <a:lnSpc>
+              <a:spcPct val="90000"/>
+            </a:lnSpc>
+            <a:spcBef>
+              <a:spcPct val="0"/>
+            </a:spcBef>
+            <a:spcAft>
+              <a:spcPct val="35000"/>
+            </a:spcAft>
+            <a:buNone/>
+          </a:pPr>
+          <a:r>
+            <a:rPr lang="en-US" sz="900" kern="1200" dirty="0"/>
+            <a:t>Test</a:t>
+          </a:r>
+        </a:p>
+        <a:p>
+          <a:pPr marL="57150" lvl="1" indent="-57150" algn="l" defTabSz="311150">
+            <a:lnSpc>
+              <a:spcPct val="90000"/>
+            </a:lnSpc>
+            <a:spcBef>
+              <a:spcPct val="0"/>
+            </a:spcBef>
+            <a:spcAft>
+              <a:spcPct val="15000"/>
+            </a:spcAft>
+            <a:buChar char="•"/>
+          </a:pPr>
+          <a:r>
+            <a:rPr lang="en-US" sz="700" kern="1200" dirty="0"/>
+            <a:t>System</a:t>
+          </a:r>
+        </a:p>
+      </dsp:txBody>
+      <dsp:txXfrm>
+        <a:off x="5027595" y="2128770"/>
+        <a:ext cx="740138" cy="740138"/>
+      </dsp:txXfrm>
+    </dsp:sp>
+    <dsp:sp modelId="{41FC4363-C730-4E78-A8DB-01F5BC2CA415}">
+      <dsp:nvSpPr>
+        <dsp:cNvPr id="0" name=""/>
+        <dsp:cNvSpPr/>
+      </dsp:nvSpPr>
+      <dsp:spPr>
+        <a:xfrm>
+          <a:off x="5814213" y="1932668"/>
+          <a:ext cx="151437" cy="188910"/>
+        </a:xfrm>
+        <a:prstGeom prst="rightArrow">
+          <a:avLst>
+            <a:gd name="adj1" fmla="val 60000"/>
+            <a:gd name="adj2" fmla="val 50000"/>
+          </a:avLst>
+        </a:prstGeom>
+        <a:solidFill>
+          <a:schemeClr val="accent1">
+            <a:tint val="60000"/>
+            <a:hueOff val="0"/>
+            <a:satOff val="0"/>
+            <a:lumOff val="0"/>
+            <a:alphaOff val="0"/>
+          </a:schemeClr>
+        </a:solidFill>
+        <a:ln>
+          <a:noFill/>
+        </a:ln>
+        <a:effectLst/>
+      </dsp:spPr>
+      <dsp:style>
+        <a:lnRef idx="0">
+          <a:scrgbClr r="0" g="0" b="0"/>
+        </a:lnRef>
+        <a:fillRef idx="1">
+          <a:scrgbClr r="0" g="0" b="0"/>
+        </a:fillRef>
+        <a:effectRef idx="0">
+          <a:scrgbClr r="0" g="0" b="0"/>
+        </a:effectRef>
+        <a:fontRef idx="minor">
+          <a:schemeClr val="lt1"/>
+        </a:fontRef>
+      </dsp:style>
+      <dsp:txBody>
+        <a:bodyPr spcFirstLastPara="0" vert="horz" wrap="square" lIns="0" tIns="0" rIns="0" bIns="0" numCol="1" spcCol="1270" anchor="ctr" anchorCtr="0">
+          <a:noAutofit/>
+        </a:bodyPr>
+        <a:lstStyle/>
+        <a:p>
+          <a:pPr marL="0" lvl="0" indent="0" algn="ctr" defTabSz="311150">
+            <a:lnSpc>
+              <a:spcPct val="90000"/>
+            </a:lnSpc>
+            <a:spcBef>
+              <a:spcPct val="0"/>
+            </a:spcBef>
+            <a:spcAft>
+              <a:spcPct val="35000"/>
+            </a:spcAft>
+            <a:buNone/>
+          </a:pPr>
+          <a:endParaRPr lang="en-US" sz="700" kern="1200"/>
+        </a:p>
+      </dsp:txBody>
+      <dsp:txXfrm>
+        <a:off x="5814213" y="1970450"/>
+        <a:ext cx="106006" cy="113346"/>
+      </dsp:txXfrm>
+    </dsp:sp>
+    <dsp:sp modelId="{65A28B11-E8F9-4108-9737-E10393245391}">
+      <dsp:nvSpPr>
+        <dsp:cNvPr id="0" name=""/>
+        <dsp:cNvSpPr/>
+      </dsp:nvSpPr>
+      <dsp:spPr>
+        <a:xfrm>
+          <a:off x="6095455" y="1634027"/>
+          <a:ext cx="786192" cy="786192"/>
+        </a:xfrm>
+        <a:prstGeom prst="roundRect">
+          <a:avLst>
+            <a:gd name="adj" fmla="val 10000"/>
+          </a:avLst>
+        </a:prstGeom>
+        <a:solidFill>
+          <a:schemeClr val="accent1">
+            <a:tint val="50000"/>
+            <a:hueOff val="0"/>
+            <a:satOff val="0"/>
+            <a:lumOff val="0"/>
+            <a:alphaOff val="0"/>
+          </a:schemeClr>
+        </a:solidFill>
+        <a:ln w="25400" cap="flat" cmpd="sng" algn="ctr">
+          <a:solidFill>
+            <a:schemeClr val="lt1">
+              <a:hueOff val="0"/>
+              <a:satOff val="0"/>
+              <a:lumOff val="0"/>
+              <a:alphaOff val="0"/>
+            </a:schemeClr>
+          </a:solidFill>
+          <a:prstDash val="solid"/>
+        </a:ln>
+        <a:effectLst/>
+      </dsp:spPr>
+      <dsp:style>
+        <a:lnRef idx="2">
+          <a:scrgbClr r="0" g="0" b="0"/>
+        </a:lnRef>
+        <a:fillRef idx="1">
+          <a:scrgbClr r="0" g="0" b="0"/>
+        </a:fillRef>
+        <a:effectRef idx="0">
+          <a:scrgbClr r="0" g="0" b="0"/>
+        </a:effectRef>
+        <a:fontRef idx="minor"/>
+      </dsp:style>
+    </dsp:sp>
+    <dsp:sp modelId="{427A4CCC-BF9A-457E-AC67-55BB7BE495F7}">
+      <dsp:nvSpPr>
+        <dsp:cNvPr id="0" name=""/>
+        <dsp:cNvSpPr/>
+      </dsp:nvSpPr>
+      <dsp:spPr>
+        <a:xfrm>
+          <a:off x="6223440" y="2105743"/>
+          <a:ext cx="786192" cy="786192"/>
+        </a:xfrm>
+        <a:prstGeom prst="roundRect">
+          <a:avLst>
+            <a:gd name="adj" fmla="val 10000"/>
+          </a:avLst>
+        </a:prstGeom>
+        <a:solidFill>
+          <a:schemeClr val="accent1">
+            <a:hueOff val="0"/>
+            <a:satOff val="0"/>
+            <a:lumOff val="0"/>
+            <a:alphaOff val="0"/>
+          </a:schemeClr>
+        </a:solidFill>
+        <a:ln w="25400" cap="flat" cmpd="sng" algn="ctr">
+          <a:solidFill>
+            <a:schemeClr val="lt1">
+              <a:hueOff val="0"/>
+              <a:satOff val="0"/>
+              <a:lumOff val="0"/>
+              <a:alphaOff val="0"/>
+            </a:schemeClr>
+          </a:solidFill>
+          <a:prstDash val="solid"/>
+        </a:ln>
+        <a:effectLst/>
+      </dsp:spPr>
+      <dsp:style>
+        <a:lnRef idx="2">
+          <a:scrgbClr r="0" g="0" b="0"/>
+        </a:lnRef>
+        <a:fillRef idx="1">
+          <a:scrgbClr r="0" g="0" b="0"/>
+        </a:fillRef>
+        <a:effectRef idx="0">
+          <a:scrgbClr r="0" g="0" b="0"/>
+        </a:effectRef>
+        <a:fontRef idx="minor">
+          <a:schemeClr val="lt1"/>
+        </a:fontRef>
+      </dsp:style>
+      <dsp:txBody>
+        <a:bodyPr spcFirstLastPara="0" vert="horz" wrap="square" lIns="34290" tIns="34290" rIns="34290" bIns="34290" numCol="1" spcCol="1270" anchor="t" anchorCtr="0">
+          <a:noAutofit/>
+        </a:bodyPr>
+        <a:lstStyle/>
+        <a:p>
+          <a:pPr marL="0" lvl="0" indent="0" algn="l" defTabSz="400050">
+            <a:lnSpc>
+              <a:spcPct val="90000"/>
+            </a:lnSpc>
+            <a:spcBef>
+              <a:spcPct val="0"/>
+            </a:spcBef>
+            <a:spcAft>
+              <a:spcPct val="35000"/>
+            </a:spcAft>
+            <a:buNone/>
+          </a:pPr>
+          <a:r>
+            <a:rPr lang="en-US" sz="900" kern="1200" dirty="0"/>
+            <a:t>Test</a:t>
+          </a:r>
+        </a:p>
+        <a:p>
+          <a:pPr marL="57150" lvl="1" indent="-57150" algn="l" defTabSz="311150">
+            <a:lnSpc>
+              <a:spcPct val="90000"/>
+            </a:lnSpc>
+            <a:spcBef>
+              <a:spcPct val="0"/>
+            </a:spcBef>
+            <a:spcAft>
+              <a:spcPct val="15000"/>
+            </a:spcAft>
+            <a:buChar char="•"/>
+          </a:pPr>
+          <a:r>
+            <a:rPr lang="en-US" sz="700" kern="1200" dirty="0"/>
+            <a:t>Customer</a:t>
+          </a:r>
+        </a:p>
+      </dsp:txBody>
+      <dsp:txXfrm>
+        <a:off x="6246467" y="2128770"/>
+        <a:ext cx="740138" cy="740138"/>
+      </dsp:txXfrm>
+    </dsp:sp>
+    <dsp:sp modelId="{6496C8A7-1AAA-4520-9452-570B6004501A}">
+      <dsp:nvSpPr>
+        <dsp:cNvPr id="0" name=""/>
+        <dsp:cNvSpPr/>
+      </dsp:nvSpPr>
+      <dsp:spPr>
+        <a:xfrm>
+          <a:off x="7033085" y="1932668"/>
+          <a:ext cx="151437" cy="188910"/>
+        </a:xfrm>
+        <a:prstGeom prst="rightArrow">
+          <a:avLst>
+            <a:gd name="adj1" fmla="val 60000"/>
+            <a:gd name="adj2" fmla="val 50000"/>
+          </a:avLst>
+        </a:prstGeom>
+        <a:solidFill>
+          <a:schemeClr val="accent1">
+            <a:tint val="60000"/>
+            <a:hueOff val="0"/>
+            <a:satOff val="0"/>
+            <a:lumOff val="0"/>
+            <a:alphaOff val="0"/>
+          </a:schemeClr>
+        </a:solidFill>
+        <a:ln>
+          <a:noFill/>
+        </a:ln>
+        <a:effectLst/>
+      </dsp:spPr>
+      <dsp:style>
+        <a:lnRef idx="0">
+          <a:scrgbClr r="0" g="0" b="0"/>
+        </a:lnRef>
+        <a:fillRef idx="1">
+          <a:scrgbClr r="0" g="0" b="0"/>
+        </a:fillRef>
+        <a:effectRef idx="0">
+          <a:scrgbClr r="0" g="0" b="0"/>
+        </a:effectRef>
+        <a:fontRef idx="minor">
+          <a:schemeClr val="lt1"/>
+        </a:fontRef>
+      </dsp:style>
+      <dsp:txBody>
+        <a:bodyPr spcFirstLastPara="0" vert="horz" wrap="square" lIns="0" tIns="0" rIns="0" bIns="0" numCol="1" spcCol="1270" anchor="ctr" anchorCtr="0">
+          <a:noAutofit/>
+        </a:bodyPr>
+        <a:lstStyle/>
+        <a:p>
+          <a:pPr marL="0" lvl="0" indent="0" algn="ctr" defTabSz="311150">
+            <a:lnSpc>
+              <a:spcPct val="90000"/>
+            </a:lnSpc>
+            <a:spcBef>
+              <a:spcPct val="0"/>
+            </a:spcBef>
+            <a:spcAft>
+              <a:spcPct val="35000"/>
+            </a:spcAft>
+            <a:buNone/>
+          </a:pPr>
+          <a:endParaRPr lang="en-US" sz="700" kern="1200"/>
+        </a:p>
+      </dsp:txBody>
+      <dsp:txXfrm>
+        <a:off x="7033085" y="1970450"/>
+        <a:ext cx="106006" cy="113346"/>
+      </dsp:txXfrm>
+    </dsp:sp>
+    <dsp:sp modelId="{678EB37A-483E-4CAF-8A44-DB356EA82EAF}">
+      <dsp:nvSpPr>
+        <dsp:cNvPr id="0" name=""/>
+        <dsp:cNvSpPr/>
+      </dsp:nvSpPr>
+      <dsp:spPr>
+        <a:xfrm>
+          <a:off x="7314327" y="1634027"/>
+          <a:ext cx="786192" cy="786192"/>
+        </a:xfrm>
+        <a:prstGeom prst="roundRect">
+          <a:avLst>
+            <a:gd name="adj" fmla="val 10000"/>
+          </a:avLst>
+        </a:prstGeom>
+        <a:solidFill>
+          <a:schemeClr val="accent1">
+            <a:tint val="50000"/>
+            <a:hueOff val="0"/>
+            <a:satOff val="0"/>
+            <a:lumOff val="0"/>
+            <a:alphaOff val="0"/>
+          </a:schemeClr>
+        </a:solidFill>
+        <a:ln w="25400" cap="flat" cmpd="sng" algn="ctr">
+          <a:solidFill>
+            <a:schemeClr val="lt1">
+              <a:hueOff val="0"/>
+              <a:satOff val="0"/>
+              <a:lumOff val="0"/>
+              <a:alphaOff val="0"/>
+            </a:schemeClr>
+          </a:solidFill>
+          <a:prstDash val="solid"/>
+        </a:ln>
+        <a:effectLst/>
+      </dsp:spPr>
+      <dsp:style>
+        <a:lnRef idx="2">
+          <a:scrgbClr r="0" g="0" b="0"/>
+        </a:lnRef>
+        <a:fillRef idx="1">
+          <a:scrgbClr r="0" g="0" b="0"/>
+        </a:fillRef>
+        <a:effectRef idx="0">
+          <a:scrgbClr r="0" g="0" b="0"/>
+        </a:effectRef>
+        <a:fontRef idx="minor"/>
+      </dsp:style>
+    </dsp:sp>
+    <dsp:sp modelId="{C3D8E103-FFA8-410C-992B-7891964508CF}">
+      <dsp:nvSpPr>
+        <dsp:cNvPr id="0" name=""/>
+        <dsp:cNvSpPr/>
+      </dsp:nvSpPr>
+      <dsp:spPr>
+        <a:xfrm>
+          <a:off x="7442311" y="2105743"/>
+          <a:ext cx="786192" cy="786192"/>
+        </a:xfrm>
+        <a:prstGeom prst="roundRect">
+          <a:avLst>
+            <a:gd name="adj" fmla="val 10000"/>
+          </a:avLst>
+        </a:prstGeom>
+        <a:solidFill>
+          <a:schemeClr val="accent1">
+            <a:hueOff val="0"/>
+            <a:satOff val="0"/>
+            <a:lumOff val="0"/>
+            <a:alphaOff val="0"/>
+          </a:schemeClr>
+        </a:solidFill>
+        <a:ln w="25400" cap="flat" cmpd="sng" algn="ctr">
+          <a:solidFill>
+            <a:schemeClr val="lt1">
+              <a:hueOff val="0"/>
+              <a:satOff val="0"/>
+              <a:lumOff val="0"/>
+              <a:alphaOff val="0"/>
+            </a:schemeClr>
+          </a:solidFill>
+          <a:prstDash val="solid"/>
+        </a:ln>
+        <a:effectLst/>
+      </dsp:spPr>
+      <dsp:style>
+        <a:lnRef idx="2">
+          <a:scrgbClr r="0" g="0" b="0"/>
+        </a:lnRef>
+        <a:fillRef idx="1">
+          <a:scrgbClr r="0" g="0" b="0"/>
+        </a:fillRef>
+        <a:effectRef idx="0">
+          <a:scrgbClr r="0" g="0" b="0"/>
+        </a:effectRef>
+        <a:fontRef idx="minor">
+          <a:schemeClr val="lt1"/>
+        </a:fontRef>
+      </dsp:style>
+      <dsp:txBody>
+        <a:bodyPr spcFirstLastPara="0" vert="horz" wrap="square" lIns="34290" tIns="34290" rIns="34290" bIns="34290" numCol="1" spcCol="1270" anchor="t" anchorCtr="0">
+          <a:noAutofit/>
+        </a:bodyPr>
+        <a:lstStyle/>
+        <a:p>
+          <a:pPr marL="0" lvl="0" indent="0" algn="l" defTabSz="400050">
+            <a:lnSpc>
+              <a:spcPct val="90000"/>
+            </a:lnSpc>
+            <a:spcBef>
+              <a:spcPct val="0"/>
+            </a:spcBef>
+            <a:spcAft>
+              <a:spcPct val="35000"/>
+            </a:spcAft>
+            <a:buNone/>
+          </a:pPr>
+          <a:r>
+            <a:rPr lang="en-US" sz="900" kern="1200" dirty="0"/>
+            <a:t>Report</a:t>
+          </a:r>
+        </a:p>
+        <a:p>
+          <a:pPr marL="57150" lvl="1" indent="-57150" algn="l" defTabSz="311150">
+            <a:lnSpc>
+              <a:spcPct val="90000"/>
+            </a:lnSpc>
+            <a:spcBef>
+              <a:spcPct val="0"/>
+            </a:spcBef>
+            <a:spcAft>
+              <a:spcPct val="15000"/>
+            </a:spcAft>
+            <a:buChar char="•"/>
+          </a:pPr>
+          <a:r>
+            <a:rPr lang="en-US" sz="700" kern="1200" dirty="0"/>
+            <a:t>History</a:t>
+          </a:r>
+        </a:p>
+        <a:p>
+          <a:pPr marL="57150" lvl="1" indent="-57150" algn="l" defTabSz="311150">
+            <a:lnSpc>
+              <a:spcPct val="90000"/>
+            </a:lnSpc>
+            <a:spcBef>
+              <a:spcPct val="0"/>
+            </a:spcBef>
+            <a:spcAft>
+              <a:spcPct val="15000"/>
+            </a:spcAft>
+            <a:buChar char="•"/>
+          </a:pPr>
+          <a:r>
+            <a:rPr lang="en-US" sz="700" kern="1200" dirty="0"/>
+            <a:t>Status</a:t>
+          </a:r>
+        </a:p>
+      </dsp:txBody>
+      <dsp:txXfrm>
+        <a:off x="7465338" y="2128770"/>
+        <a:ext cx="740138" cy="740138"/>
+      </dsp:txXfrm>
+    </dsp:sp>
+  </dsp:spTree>
+</dsp:drawing>
+</file>
+
+<file path=ppt/diagrams/layout1.xml><?xml version="1.0" encoding="utf-8"?>
+<dgm:layoutDef xmlns:dgm="http://schemas.openxmlformats.org/drawingml/2006/diagram" xmlns:a="http://schemas.openxmlformats.org/drawingml/2006/main" uniqueId="urn:microsoft.com/office/officeart/2005/8/layout/hProcess10">
+  <dgm:title val=""/>
+  <dgm:desc val=""/>
+  <dgm:catLst>
+    <dgm:cat type="process" pri="3000"/>
+    <dgm:cat type="picture" pri="30000"/>
+    <dgm:cat type="pictureconvert" pri="30000"/>
+  </dgm:catLst>
+  <dgm:sampData>
+    <dgm:dataModel>
+      <dgm:ptLst>
+        <dgm:pt modelId="0" type="doc"/>
+        <dgm:pt modelId="1">
+          <dgm:prSet phldr="1"/>
+        </dgm:pt>
+        <dgm:pt modelId="11">
+          <dgm:prSet phldr="1"/>
+        </dgm:pt>
+        <dgm:pt modelId="12">
+          <dgm:prSet phldr="1"/>
+        </dgm:pt>
+        <dgm:pt modelId="2">
+          <dgm:prSet phldr="1"/>
+        </dgm:pt>
+        <dgm:pt modelId="21">
+          <dgm:prSet phldr="1"/>
+        </dgm:pt>
+        <dgm:pt modelId="22">
+          <dgm:prSet phldr="1"/>
+        </dgm:pt>
+        <dgm:pt modelId="3">
+          <dgm:prSet phldr="1"/>
+        </dgm:pt>
+        <dgm:pt modelId="31">
+          <dgm:prSet phldr="1"/>
+        </dgm:pt>
+        <dgm:pt modelId="32">
+          <dgm:prSet phldr="1"/>
+        </dgm:pt>
+      </dgm:ptLst>
+      <dgm:cxnLst>
+        <dgm:cxn modelId="4" srcId="0" destId="1" srcOrd="0" destOrd="0"/>
+        <dgm:cxn modelId="5" srcId="0" destId="2" srcOrd="1" destOrd="0"/>
+        <dgm:cxn modelId="6" srcId="0" destId="3" srcOrd="2" destOrd="0"/>
+        <dgm:cxn modelId="13" srcId="1" destId="11" srcOrd="0" destOrd="0"/>
+        <dgm:cxn modelId="14" srcId="1" destId="12" srcOrd="1" destOrd="0"/>
+        <dgm:cxn modelId="23" srcId="2" destId="21" srcOrd="0" destOrd="0"/>
+        <dgm:cxn modelId="24" srcId="2" destId="22" srcOrd="1" destOrd="0"/>
+        <dgm:cxn modelId="33" srcId="3" destId="31" srcOrd="0" destOrd="0"/>
+        <dgm:cxn modelId="34" srcId="3" destId="32" srcOrd="1" destOrd="0"/>
+      </dgm:cxnLst>
+      <dgm:bg/>
+      <dgm:whole/>
+    </dgm:dataModel>
+  </dgm:sampData>
+  <dgm:styleData>
+    <dgm:dataModel>
+      <dgm:ptLst>
+        <dgm:pt modelId="0" type="doc"/>
+        <dgm:pt modelId="1"/>
+        <dgm:pt modelId="11"/>
+        <dgm:pt modelId="2"/>
+        <dgm:pt modelId="21"/>
+      </dgm:ptLst>
+      <dgm:cxnLst>
+        <dgm:cxn modelId="4" srcId="0" destId="1" srcOrd="0" destOrd="0"/>
+        <dgm:cxn modelId="5" srcId="0" destId="2" srcOrd="1" destOrd="0"/>
+        <dgm:cxn modelId="13" srcId="1" destId="11" srcOrd="0" destOrd="0"/>
+        <dgm:cxn modelId="23" srcId="2" destId="21" srcOrd="0" destOrd="0"/>
+      </dgm:cxnLst>
+      <dgm:bg/>
+      <dgm:whole/>
+    </dgm:dataModel>
+  </dgm:styleData>
+  <dgm:clrData>
+    <dgm:dataModel>
+      <dgm:ptLst>
+        <dgm:pt modelId="0" type="doc"/>
+        <dgm:pt modelId="1"/>
+        <dgm:pt modelId="11"/>
+        <dgm:pt modelId="2"/>
+        <dgm:pt modelId="21"/>
+        <dgm:pt modelId="3"/>
+        <dgm:pt modelId="31"/>
+        <dgm:pt modelId="4"/>
+        <dgm:pt modelId="41"/>
+      </dgm:ptLst>
+      <dgm:cxnLst>
+        <dgm:cxn modelId="5" srcId="0" destId="1" srcOrd="0" destOrd="0"/>
+        <dgm:cxn modelId="6" srcId="0" destId="2" srcOrd="1" destOrd="0"/>
+        <dgm:cxn modelId="7" srcId="0" destId="3" srcOrd="2" destOrd="0"/>
+        <dgm:cxn modelId="8" srcId="0" destId="4" srcOrd="3" destOrd="0"/>
+        <dgm:cxn modelId="13" srcId="1" destId="11" srcOrd="0" destOrd="0"/>
+        <dgm:cxn modelId="23" srcId="2" destId="21" srcOrd="0" destOrd="0"/>
+        <dgm:cxn modelId="33" srcId="3" destId="31" srcOrd="0" destOrd="0"/>
+        <dgm:cxn modelId="43" srcId="4" destId="41" srcOrd="0" destOrd="0"/>
+      </dgm:cxnLst>
+      <dgm:bg/>
+      <dgm:whole/>
+    </dgm:dataModel>
+  </dgm:clrData>
+  <dgm:layoutNode name="Name0">
+    <dgm:varLst>
+      <dgm:dir/>
+      <dgm:resizeHandles val="exact"/>
+    </dgm:varLst>
+    <dgm:choose name="Name1">
+      <dgm:if name="Name2" func="var" arg="dir" op="equ" val="norm">
+        <dgm:alg type="lin"/>
+      </dgm:if>
+      <dgm:else name="Name3">
+        <dgm:alg type="lin">
+          <dgm:param type="linDir" val="fromR"/>
+        </dgm:alg>
+      </dgm:else>
+    </dgm:choose>
+    <dgm:shape xmlns:r="http://schemas.openxmlformats.org/officeDocument/2006/relationships" r:blip="">
+      <dgm:adjLst/>
+    </dgm:shape>
+    <dgm:presOf/>
+    <dgm:constrLst>
+      <dgm:constr type="w" for="ch" forName="composite" refType="w"/>
+      <dgm:constr type="w" for="ch" ptType="sibTrans" refType="w" refFor="ch" refForName="composite" op="equ" fact="0.3333"/>
+      <dgm:constr type="primFontSz" for="des" forName="txNode" op="equ" val="65"/>
+      <dgm:constr type="primFontSz" for="des" forName="connTx" op="equ" val="55"/>
+      <dgm:constr type="primFontSz" for="des" forName="connTx" refType="primFontSz" refFor="des" refForName="txNode" op="lte" fact="0.8"/>
+    </dgm:constrLst>
+    <dgm:ruleLst/>
+    <dgm:forEach name="Name4" axis="ch" ptType="node">
+      <dgm:layoutNode name="composite">
+        <dgm:alg type="composite"/>
+        <dgm:shape xmlns:r="http://schemas.openxmlformats.org/officeDocument/2006/relationships" r:blip="">
+          <dgm:adjLst/>
+        </dgm:shape>
+        <dgm:presOf/>
+        <dgm:choose name="Name5">
+          <dgm:if name="Name6" func="var" arg="dir" op="equ" val="norm">
+            <dgm:constrLst>
+              <dgm:constr type="l" for="ch" forName="imagSh"/>
+              <dgm:constr type="w" for="ch" forName="imagSh" refType="w" fact="0.86"/>
+              <dgm:constr type="t" for="ch" forName="imagSh"/>
+              <dgm:constr type="h" for="ch" forName="imagSh" refType="w" refFor="ch" refForName="imagSh"/>
+              <dgm:constr type="l" for="ch" forName="txNode" refType="w" fact="0.14"/>
+              <dgm:constr type="w" for="ch" forName="txNode" refType="w" refFor="ch" refForName="imagSh"/>
+              <dgm:constr type="t" for="ch" forName="txNode" refType="h" refFor="ch" refForName="imagSh" fact="0.6"/>
+              <dgm:constr type="h" for="ch" forName="txNode" refType="h" refFor="ch" refForName="imagSh"/>
+            </dgm:constrLst>
+          </dgm:if>
+          <dgm:else name="Name7">
+            <dgm:constrLst>
+              <dgm:constr type="l" for="ch" forName="imagSh" refType="w" fact="0.14"/>
+              <dgm:constr type="w" for="ch" forName="imagSh" refType="w" fact="0.86"/>
+              <dgm:constr type="t" for="ch" forName="imagSh"/>
+              <dgm:constr type="h" for="ch" forName="imagSh" refType="w" refFor="ch" refForName="imagSh"/>
+              <dgm:constr type="l" for="ch" forName="txNode"/>
+              <dgm:constr type="w" for="ch" forName="txNode" refType="w" refFor="ch" refForName="imagSh"/>
+              <dgm:constr type="t" for="ch" forName="txNode" refType="h" refFor="ch" refForName="imagSh" fact="0.6"/>
+              <dgm:constr type="h" for="ch" forName="txNode" refType="h" refFor="ch" refForName="imagSh"/>
+            </dgm:constrLst>
+          </dgm:else>
+        </dgm:choose>
+        <dgm:ruleLst/>
+        <dgm:layoutNode name="imagSh" styleLbl="bgImgPlace1">
+          <dgm:alg type="sp"/>
+          <dgm:shape xmlns:r="http://schemas.openxmlformats.org/officeDocument/2006/relationships" type="roundRect" r:blip="" blipPhldr="1">
+            <dgm:adjLst>
+              <dgm:adj idx="1" val="0.1"/>
+            </dgm:adjLst>
+          </dgm:shape>
+          <dgm:presOf/>
+          <dgm:constrLst/>
+          <dgm:ruleLst/>
+        </dgm:layoutNode>
+        <dgm:layoutNode name="txNode" styleLbl="node1">
+          <dgm:varLst>
+            <dgm:bulletEnabled val="1"/>
+          </dgm:varLst>
+          <dgm:alg type="tx"/>
+          <dgm:shape xmlns:r="http://schemas.openxmlformats.org/officeDocument/2006/relationships" type="roundRect" r:blip="">
+            <dgm:adjLst>
+              <dgm:adj idx="1" val="0.1"/>
+            </dgm:adjLst>
+          </dgm:shape>
+          <dgm:presOf axis="desOrSelf" ptType="node"/>
+          <dgm:constrLst>
+            <dgm:constr type="tMarg" refType="primFontSz" fact="0.3"/>
+            <dgm:constr type="bMarg" refType="primFontSz" fact="0.3"/>
+            <dgm:constr type="lMarg" refType="primFontSz" fact="0.3"/>
+            <dgm:constr type="rMarg" refType="primFontSz" fact="0.3"/>
+          </dgm:constrLst>
+          <dgm:ruleLst>
+            <dgm:rule type="primFontSz" val="5" fact="NaN" max="NaN"/>
+          </dgm:ruleLst>
+        </dgm:layoutNode>
+      </dgm:layoutNode>
+      <dgm:forEach name="sibTransForEach" axis="followSib" ptType="sibTrans" cnt="1">
+        <dgm:layoutNode name="sibTrans">
+          <dgm:alg type="conn">
+            <dgm:param type="begPts" val="auto"/>
+            <dgm:param type="endPts" val="auto"/>
+            <dgm:param type="srcNode" val="imagSh"/>
+            <dgm:param type="dstNode" val="imagSh"/>
+          </dgm:alg>
+          <dgm:shape xmlns:r="http://schemas.openxmlformats.org/officeDocument/2006/relationships" type="conn" r:blip="">
+            <dgm:adjLst/>
+          </dgm:shape>
+          <dgm:presOf axis="self"/>
+          <dgm:constrLst>
+            <dgm:constr type="h" refType="w" fact="0.62"/>
+            <dgm:constr type="connDist"/>
+            <dgm:constr type="begPad" refType="connDist" fact="0.35"/>
+            <dgm:constr type="endPad" refType="connDist" fact="0.3"/>
+          </dgm:constrLst>
+          <dgm:ruleLst/>
+          <dgm:layoutNode name="connTx">
+            <dgm:alg type="tx">
+              <dgm:param type="autoTxRot" val="grav"/>
+            </dgm:alg>
+            <dgm:shape xmlns:r="http://schemas.openxmlformats.org/officeDocument/2006/relationships" type="conn" r:blip="" hideGeom="1">
+              <dgm:adjLst/>
+            </dgm:shape>
+            <dgm:presOf axis="self"/>
+            <dgm:constrLst>
+              <dgm:constr type="lMarg"/>
+              <dgm:constr type="rMarg"/>
+              <dgm:constr type="tMarg"/>
+              <dgm:constr type="bMarg"/>
+            </dgm:constrLst>
+            <dgm:ruleLst>
+              <dgm:rule type="primFontSz" val="5" fact="NaN" max="NaN"/>
+            </dgm:ruleLst>
+          </dgm:layoutNode>
+        </dgm:layoutNode>
+      </dgm:forEach>
+    </dgm:forEach>
+  </dgm:layoutNode>
+</dgm:layoutDef>
+</file>
+
+<file path=ppt/diagrams/quickStyle1.xml><?xml version="1.0" encoding="utf-8"?>
+<dgm:styleDef xmlns:dgm="http://schemas.openxmlformats.org/drawingml/2006/diagram" xmlns:a="http://schemas.openxmlformats.org/drawingml/2006/main" uniqueId="urn:microsoft.com/office/officeart/2005/8/quickstyle/simple1">
+  <dgm:title val=""/>
+  <dgm:desc val=""/>
+  <dgm:catLst>
+    <dgm:cat type="simple" pri="10100"/>
+  </dgm:catLst>
+  <dgm:scene3d>
+    <a:camera prst="orthographicFront"/>
+    <a:lightRig rig="threePt" dir="t"/>
+  </dgm:scene3d>
+  <dgm:styleLbl name="node0">
+    <dgm:scene3d>
+      <a:camera prst="orthographicFront"/>
+      <a:lightRig rig="threePt" dir="t"/>
+    </dgm:scene3d>
+    <dgm:sp3d/>
+    <dgm:txPr/>
+    <dgm:style>
+      <a:lnRef idx="2">
+        <a:scrgbClr r="0" g="0" b="0"/>
+      </a:lnRef>
+      <a:fillRef idx="1">
+        <a:scrgbClr r="0" g="0" b="0"/>
+      </a:fillRef>
+      <a:effectRef idx="0">
+        <a:scrgbClr r="0" g="0" b="0"/>
+      </a:effectRef>
+      <a:fontRef idx="minor">
+        <a:schemeClr val="lt1"/>
+      </a:fontRef>
+    </dgm:style>
+  </dgm:styleLbl>
+  <dgm:styleLbl name="lnNode1">
+    <dgm:scene3d>
+      <a:camera prst="orthographicFront"/>
+      <a:lightRig rig="threePt" dir="t"/>
+    </dgm:scene3d>
+    <dgm:sp3d/>
+    <dgm:txPr/>
+    <dgm:style>
+      <a:lnRef idx="2">
+        <a:scrgbClr r="0" g="0" b="0"/>
+      </a:lnRef>
+      <a:fillRef idx="1">
+        <a:scrgbClr r="0" g="0" b="0"/>
+      </a:fillRef>
+      <a:effectRef idx="0">
+        <a:scrgbClr r="0" g="0" b="0"/>
+      </a:effectRef>
+      <a:fontRef idx="minor">
+        <a:schemeClr val="lt1"/>
+      </a:fontRef>
+    </dgm:style>
+  </dgm:styleLbl>
+  <dgm:styleLbl name="vennNode1">
+    <dgm:scene3d>
+      <a:camera prst="orthographicFront"/>
+      <a:lightRig rig="threePt" dir="t"/>
+    </dgm:scene3d>
+    <dgm:sp3d/>
+    <dgm:txPr/>
+    <dgm:style>
+      <a:lnRef idx="2">
+        <a:scrgbClr r="0" g="0" b="0"/>
+      </a:lnRef>
+      <a:fillRef idx="1">
+        <a:scrgbClr r="0" g="0" b="0"/>
+      </a:fillRef>
+      <a:effectRef idx="0">
+        <a:scrgbClr r="0" g="0" b="0"/>
+      </a:effectRef>
+      <a:fontRef idx="minor">
+        <a:schemeClr val="tx1"/>
+      </a:fontRef>
+    </dgm:style>
+  </dgm:styleLbl>
+  <dgm:styleLbl name="alignNode1">
+    <dgm:scene3d>
+      <a:camera prst="orthographicFront"/>
+      <a:lightRig rig="threePt" dir="t"/>
+    </dgm:scene3d>
+    <dgm:sp3d/>
+    <dgm:txPr/>
+    <dgm:style>
+      <a:lnRef idx="2">
+        <a:scrgbClr r="0" g="0" b="0"/>
+      </a:lnRef>
+      <a:fillRef idx="1">
+        <a:scrgbClr r="0" g="0" b="0"/>
+      </a:fillRef>
+      <a:effectRef idx="0">
+        <a:scrgbClr r="0" g="0" b="0"/>
+      </a:effectRef>
+      <a:fontRef idx="minor">
+        <a:schemeClr val="lt1"/>
+      </a:fontRef>
+    </dgm:style>
+  </dgm:styleLbl>
+  <dgm:styleLbl name="node1">
+    <dgm:scene3d>
+      <a:camera prst="orthographicFront"/>
+      <a:lightRig rig="threePt" dir="t"/>
+    </dgm:scene3d>
+    <dgm:sp3d/>
+    <dgm:txPr/>
+    <dgm:style>
+      <a:lnRef idx="2">
+        <a:scrgbClr r="0" g="0" b="0"/>
+      </a:lnRef>
+      <a:fillRef idx="1">
+        <a:scrgbClr r="0" g="0" b="0"/>
+      </a:fillRef>
+      <a:effectRef idx="0">
+        <a:scrgbClr r="0" g="0" b="0"/>
+      </a:effectRef>
+      <a:fontRef idx="minor">
+        <a:schemeClr val="lt1"/>
+      </a:fontRef>
+    </dgm:style>
+  </dgm:styleLbl>
+  <dgm:styleLbl name="node2">
+    <dgm:scene3d>
+      <a:camera prst="orthographicFront"/>
+      <a:lightRig rig="threePt" dir="t"/>
+    </dgm:scene3d>
+    <dgm:sp3d/>
+    <dgm:txPr/>
+    <dgm:style>
+      <a:lnRef idx="2">
+        <a:scrgbClr r="0" g="0" b="0"/>
+      </a:lnRef>
+      <a:fillRef idx="1">
+        <a:scrgbClr r="0" g="0" b="0"/>
+      </a:fillRef>
+      <a:effectRef idx="0">
+        <a:scrgbClr r="0" g="0" b="0"/>
+      </a:effectRef>
+      <a:fontRef idx="minor">
+        <a:schemeClr val="lt1"/>
+      </a:fontRef>
+    </dgm:style>
+  </dgm:styleLbl>
+  <dgm:styleLbl name="node3">
+    <dgm:scene3d>
+      <a:camera prst="orthographicFront"/>
+      <a:lightRig rig="threePt" dir="t"/>
+    </dgm:scene3d>
+    <dgm:sp3d/>
+    <dgm:txPr/>
+    <dgm:style>
+      <a:lnRef idx="2">
+        <a:scrgbClr r="0" g="0" b="0"/>
+      </a:lnRef>
+      <a:fillRef idx="1">
+        <a:scrgbClr r="0" g="0" b="0"/>
+      </a:fillRef>
+      <a:effectRef idx="0">
+        <a:scrgbClr r="0" g="0" b="0"/>
+      </a:effectRef>
+      <a:fontRef idx="minor">
+        <a:schemeClr val="lt1"/>
+      </a:fontRef>
+    </dgm:style>
+  </dgm:styleLbl>
+  <dgm:styleLbl name="node4">
+    <dgm:scene3d>
+      <a:camera prst="orthographicFront"/>
+      <a:lightRig rig="threePt" dir="t"/>
+    </dgm:scene3d>
+    <dgm:sp3d/>
+    <dgm:txPr/>
+    <dgm:style>
+      <a:lnRef idx="2">
+        <a:scrgbClr r="0" g="0" b="0"/>
+      </a:lnRef>
+      <a:fillRef idx="1">
+        <a:scrgbClr r="0" g="0" b="0"/>
+      </a:fillRef>
+      <a:effectRef idx="0">
+        <a:scrgbClr r="0" g="0" b="0"/>
+      </a:effectRef>
+      <a:fontRef idx="minor">
+        <a:schemeClr val="lt1"/>
+      </a:fontRef>
+    </dgm:style>
+  </dgm:styleLbl>
+  <dgm:styleLbl name="fgImgPlace1">
+    <dgm:scene3d>
+      <a:camera prst="orthographicFront"/>
+      <a:lightRig rig="threePt" dir="t"/>
+    </dgm:scene3d>
+    <dgm:sp3d/>
+    <dgm:txPr/>
+    <dgm:style>
+      <a:lnRef idx="2">
+        <a:scrgbClr r="0" g="0" b="0"/>
+      </a:lnRef>
+      <a:fillRef idx="1">
+        <a:scrgbClr r="0" g="0" b="0"/>
+      </a:fillRef>
+      <a:effectRef idx="0">
+        <a:scrgbClr r="0" g="0" b="0"/>
+      </a:effectRef>
+      <a:fontRef idx="minor"/>
+    </dgm:style>
+  </dgm:styleLbl>
+  <dgm:styleLbl name="alignImgPlace1">
+    <dgm:scene3d>
+      <a:camera prst="orthographicFront"/>
+      <a:lightRig rig="threePt" dir="t"/>
+    </dgm:scene3d>
+    <dgm:sp3d/>
+    <dgm:txPr/>
+    <dgm:style>
+      <a:lnRef idx="2">
+        <a:scrgbClr r="0" g="0" b="0"/>
+      </a:lnRef>
+      <a:fillRef idx="1">
+        <a:scrgbClr r="0" g="0" b="0"/>
+      </a:fillRef>
+      <a:effectRef idx="0">
+        <a:scrgbClr r="0" g="0" b="0"/>
+      </a:effectRef>
+      <a:fontRef idx="minor"/>
+    </dgm:style>
+  </dgm:styleLbl>
+  <dgm:styleLbl name="bgImgPlace1">
+    <dgm:scene3d>
+      <a:camera prst="orthographicFront"/>
+      <a:lightRig rig="threePt" dir="t"/>
+    </dgm:scene3d>
+    <dgm:sp3d/>
+    <dgm:txPr/>
+    <dgm:style>
+      <a:lnRef idx="2">
+        <a:scrgbClr r="0" g="0" b="0"/>
+      </a:lnRef>
+      <a:fillRef idx="1">
+        <a:scrgbClr r="0" g="0" b="0"/>
+      </a:fillRef>
+      <a:effectRef idx="0">
+        <a:scrgbClr r="0" g="0" b="0"/>
+      </a:effectRef>
+      <a:fontRef idx="minor"/>
+    </dgm:style>
+  </dgm:styleLbl>
+  <dgm:styleLbl name="sibTrans2D1">
+    <dgm:scene3d>
+      <a:camera prst="orthographicFront"/>
+      <a:lightRig rig="threePt" dir="t"/>
+    </dgm:scene3d>
+    <dgm:sp3d/>
+    <dgm:txPr/>
+    <dgm:style>
+      <a:lnRef idx="0">
+        <a:scrgbClr r="0" g="0" b="0"/>
+      </a:lnRef>
+      <a:fillRef idx="1">
+        <a:scrgbClr r="0" g="0" b="0"/>
+      </a:fillRef>
+      <a:effectRef idx="0">
+        <a:scrgbClr r="0" g="0" b="0"/>
+      </a:effectRef>
+      <a:fontRef idx="minor">
+        <a:schemeClr val="lt1"/>
+      </a:fontRef>
+    </dgm:style>
+  </dgm:styleLbl>
+  <dgm:styleLbl name="fgSibTrans2D1">
+    <dgm:scene3d>
+      <a:camera prst="orthographicFront"/>
+      <a:lightRig rig="threePt" dir="t"/>
+    </dgm:scene3d>
+    <dgm:sp3d/>
+    <dgm:txPr/>
+    <dgm:style>
+      <a:lnRef idx="0">
+        <a:scrgbClr r="0" g="0" b="0"/>
+      </a:lnRef>
+      <a:fillRef idx="1">
+        <a:scrgbClr r="0" g="0" b="0"/>
+      </a:fillRef>
+      <a:effectRef idx="0">
+        <a:scrgbClr r="0" g="0" b="0"/>
+      </a:effectRef>
+      <a:fontRef idx="minor">
+        <a:schemeClr val="lt1"/>
+      </a:fontRef>
+    </dgm:style>
+  </dgm:styleLbl>
+  <dgm:styleLbl name="bgSibTrans2D1">
+    <dgm:scene3d>
+      <a:camera prst="orthographicFront"/>
+      <a:lightRig rig="threePt" dir="t"/>
+    </dgm:scene3d>
+    <dgm:sp3d/>
+    <dgm:txPr/>
+    <dgm:style>
+      <a:lnRef idx="0">
+        <a:scrgbClr r="0" g="0" b="0"/>
+      </a:lnRef>
+      <a:fillRef idx="1">
+        <a:scrgbClr r="0" g="0" b="0"/>
+      </a:fillRef>
+      <a:effectRef idx="0">
+        <a:scrgbClr r="0" g="0" b="0"/>
+      </a:effectRef>
+      <a:fontRef idx="minor">
+        <a:schemeClr val="lt1"/>
+      </a:fontRef>
+    </dgm:style>
+  </dgm:styleLbl>
+  <dgm:styleLbl name="sibTrans1D1">
+    <dgm:scene3d>
+      <a:camera prst="orthographicFront"/>
+      <a:lightRig rig="threePt" dir="t"/>
+    </dgm:scene3d>
+    <dgm:sp3d/>
+    <dgm:txPr/>
+    <dgm:style>
+      <a:lnRef idx="1">
+        <a:scrgbClr r="0" g="0" b="0"/>
+      </a:lnRef>
+      <a:fillRef idx="0">
+        <a:scrgbClr r="0" g="0" b="0"/>
+      </a:fillRef>
+      <a:effectRef idx="0">
+        <a:scrgbClr r="0" g="0" b="0"/>
+      </a:effectRef>
+      <a:fontRef idx="minor"/>
+    </dgm:style>
+  </dgm:styleLbl>
+  <dgm:styleLbl name="callout">
+    <dgm:scene3d>
+      <a:camera prst="orthographicFront"/>
+      <a:lightRig rig="threePt" dir="t"/>
+    </dgm:scene3d>
+    <dgm:sp3d/>
+    <dgm:txPr/>
+    <dgm:style>
+      <a:lnRef idx="2">
+        <a:scrgbClr r="0" g="0" b="0"/>
+      </a:lnRef>
+      <a:fillRef idx="1">
+        <a:scrgbClr r="0" g="0" b="0"/>
+      </a:fillRef>
+      <a:effectRef idx="0">
+        <a:scrgbClr r="0" g="0" b="0"/>
+      </a:effectRef>
+      <a:fontRef idx="minor"/>
+    </dgm:style>
+  </dgm:styleLbl>
+  <dgm:styleLbl name="asst0">
+    <dgm:scene3d>
+      <a:camera prst="orthographicFront"/>
+      <a:lightRig rig="threePt" dir="t"/>
+    </dgm:scene3d>
+    <dgm:sp3d/>
+    <dgm:txPr/>
+    <dgm:style>
+      <a:lnRef idx="2">
+        <a:scrgbClr r="0" g="0" b="0"/>
+      </a:lnRef>
+      <a:fillRef idx="1">
+        <a:scrgbClr r="0" g="0" b="0"/>
+      </a:fillRef>
+      <a:effectRef idx="0">
+        <a:scrgbClr r="0" g="0" b="0"/>
+      </a:effectRef>
+      <a:fontRef idx="minor">
+        <a:schemeClr val="lt1"/>
+      </a:fontRef>
+    </dgm:style>
+  </dgm:styleLbl>
+  <dgm:styleLbl name="asst1">
+    <dgm:scene3d>
+      <a:camera prst="orthographicFront"/>
+      <a:lightRig rig="threePt" dir="t"/>
+    </dgm:scene3d>
+    <dgm:sp3d/>
+    <dgm:txPr/>
+    <dgm:style>
+      <a:lnRef idx="2">
+        <a:scrgbClr r="0" g="0" b="0"/>
+      </a:lnRef>
+      <a:fillRef idx="1">
+        <a:scrgbClr r="0" g="0" b="0"/>
+      </a:fillRef>
+      <a:effectRef idx="0">
+        <a:scrgbClr r="0" g="0" b="0"/>
+      </a:effectRef>
+      <a:fontRef idx="minor">
+        <a:schemeClr val="lt1"/>
+      </a:fontRef>
+    </dgm:style>
+  </dgm:styleLbl>
+  <dgm:styleLbl name="asst2">
+    <dgm:scene3d>
+      <a:camera prst="orthographicFront"/>
+      <a:lightRig rig="threePt" dir="t"/>
+    </dgm:scene3d>
+    <dgm:sp3d/>
+    <dgm:txPr/>
+    <dgm:style>
+      <a:lnRef idx="2">
+        <a:scrgbClr r="0" g="0" b="0"/>
+      </a:lnRef>
+      <a:fillRef idx="1">
+        <a:scrgbClr r="0" g="0" b="0"/>
+      </a:fillRef>
+      <a:effectRef idx="0">
+        <a:scrgbClr r="0" g="0" b="0"/>
+      </a:effectRef>
+      <a:fontRef idx="minor">
+        <a:schemeClr val="lt1"/>
+      </a:fontRef>
+    </dgm:style>
+  </dgm:styleLbl>
+  <dgm:styleLbl name="asst3">
+    <dgm:scene3d>
+      <a:camera prst="orthographicFront"/>
+      <a:lightRig rig="threePt" dir="t"/>
+    </dgm:scene3d>
+    <dgm:sp3d/>
+    <dgm:txPr/>
+    <dgm:style>
+      <a:lnRef idx="2">
+        <a:scrgbClr r="0" g="0" b="0"/>
+      </a:lnRef>
+      <a:fillRef idx="1">
+        <a:scrgbClr r="0" g="0" b="0"/>
+      </a:fillRef>
+      <a:effectRef idx="0">
+        <a:scrgbClr r="0" g="0" b="0"/>
+      </a:effectRef>
+      <a:fontRef idx="minor">
+        <a:schemeClr val="lt1"/>
+      </a:fontRef>
+    </dgm:style>
+  </dgm:styleLbl>
+  <dgm:styleLbl name="asst4">
+    <dgm:scene3d>
+      <a:camera prst="orthographicFront"/>
+      <a:lightRig rig="threePt" dir="t"/>
+    </dgm:scene3d>
+    <dgm:sp3d/>
+    <dgm:txPr/>
+    <dgm:style>
+      <a:lnRef idx="2">
+        <a:scrgbClr r="0" g="0" b="0"/>
+      </a:lnRef>
+      <a:fillRef idx="1">
+        <a:scrgbClr r="0" g="0" b="0"/>
+      </a:fillRef>
+      <a:effectRef idx="0">
+        <a:scrgbClr r="0" g="0" b="0"/>
+      </a:effectRef>
+      <a:fontRef idx="minor">
+        <a:schemeClr val="lt1"/>
+      </a:fontRef>
+    </dgm:style>
+  </dgm:styleLbl>
+  <dgm:styleLbl name="parChTrans2D1">
+    <dgm:scene3d>
+      <a:camera prst="orthographicFront"/>
+      <a:lightRig rig="threePt" dir="t"/>
+    </dgm:scene3d>
+    <dgm:sp3d/>
+    <dgm:txPr/>
+    <dgm:style>
+      <a:lnRef idx="2">
+        <a:scrgbClr r="0" g="0" b="0"/>
+      </a:lnRef>
+      <a:fillRef idx="1">
+        <a:scrgbClr r="0" g="0" b="0"/>
+      </a:fillRef>
+      <a:effectRef idx="0">
+        <a:scrgbClr r="0" g="0" b="0"/>
+      </a:effectRef>
+      <a:fontRef idx="minor">
+        <a:schemeClr val="lt1"/>
+      </a:fontRef>
+    </dgm:style>
+  </dgm:styleLbl>
+  <dgm:styleLbl name="parChTrans2D2">
+    <dgm:scene3d>
+      <a:camera prst="orthographicFront"/>
+      <a:lightRig rig="threePt" dir="t"/>
+    </dgm:scene3d>
+    <dgm:sp3d/>
+    <dgm:txPr/>
+    <dgm:style>
+      <a:lnRef idx="2">
+        <a:scrgbClr r="0" g="0" b="0"/>
+      </a:lnRef>
+      <a:fillRef idx="1">
+        <a:scrgbClr r="0" g="0" b="0"/>
+      </a:fillRef>
+      <a:effectRef idx="0">
+        <a:scrgbClr r="0" g="0" b="0"/>
+      </a:effectRef>
+      <a:fontRef idx="minor">
+        <a:schemeClr val="lt1"/>
+      </a:fontRef>
+    </dgm:style>
+  </dgm:styleLbl>
+  <dgm:styleLbl name="parChTrans2D3">
+    <dgm:scene3d>
+      <a:camera prst="orthographicFront"/>
+      <a:lightRig rig="threePt" dir="t"/>
+    </dgm:scene3d>
+    <dgm:sp3d/>
+    <dgm:txPr/>
+    <dgm:style>
+      <a:lnRef idx="2">
+        <a:scrgbClr r="0" g="0" b="0"/>
+      </a:lnRef>
+      <a:fillRef idx="1">
+        <a:scrgbClr r="0" g="0" b="0"/>
+      </a:fillRef>
+      <a:effectRef idx="0">
+        <a:scrgbClr r="0" g="0" b="0"/>
+      </a:effectRef>
+      <a:fontRef idx="minor">
+        <a:schemeClr val="lt1"/>
+      </a:fontRef>
+    </dgm:style>
+  </dgm:styleLbl>
+  <dgm:styleLbl name="parChTrans2D4">
+    <dgm:scene3d>
+      <a:camera prst="orthographicFront"/>
+      <a:lightRig rig="threePt" dir="t"/>
+    </dgm:scene3d>
+    <dgm:sp3d/>
+    <dgm:txPr/>
+    <dgm:style>
+      <a:lnRef idx="2">
+        <a:scrgbClr r="0" g="0" b="0"/>
+      </a:lnRef>
+      <a:fillRef idx="1">
+        <a:scrgbClr r="0" g="0" b="0"/>
+      </a:fillRef>
+      <a:effectRef idx="0">
+        <a:scrgbClr r="0" g="0" b="0"/>
+      </a:effectRef>
+      <a:fontRef idx="minor">
+        <a:schemeClr val="lt1"/>
+      </a:fontRef>
+    </dgm:style>
+  </dgm:styleLbl>
+  <dgm:styleLbl name="parChTrans1D1">
+    <dgm:scene3d>
+      <a:camera prst="orthographicFront"/>
+      <a:lightRig rig="threePt" dir="t"/>
+    </dgm:scene3d>
+    <dgm:sp3d/>
+    <dgm:txPr/>
+    <dgm:style>
+      <a:lnRef idx="2">
+        <a:scrgbClr r="0" g="0" b="0"/>
+      </a:lnRef>
+      <a:fillRef idx="0">
+        <a:scrgbClr r="0" g="0" b="0"/>
+      </a:fillRef>
+      <a:effectRef idx="0">
+        <a:scrgbClr r="0" g="0" b="0"/>
+      </a:effectRef>
+      <a:fontRef idx="minor"/>
+    </dgm:style>
+  </dgm:styleLbl>
+  <dgm:styleLbl name="parChTrans1D2">
+    <dgm:scene3d>
+      <a:camera prst="orthographicFront"/>
+      <a:lightRig rig="threePt" dir="t"/>
+    </dgm:scene3d>
+    <dgm:sp3d/>
+    <dgm:txPr/>
+    <dgm:style>
+      <a:lnRef idx="2">
+        <a:scrgbClr r="0" g="0" b="0"/>
+      </a:lnRef>
+      <a:fillRef idx="0">
+        <a:scrgbClr r="0" g="0" b="0"/>
+      </a:fillRef>
+      <a:effectRef idx="0">
+        <a:scrgbClr r="0" g="0" b="0"/>
+      </a:effectRef>
+      <a:fontRef idx="minor"/>
+    </dgm:style>
+  </dgm:styleLbl>
+  <dgm:styleLbl name="parChTrans1D3">
+    <dgm:scene3d>
+      <a:camera prst="orthographicFront"/>
+      <a:lightRig rig="threePt" dir="t"/>
+    </dgm:scene3d>
+    <dgm:sp3d/>
+    <dgm:txPr/>
+    <dgm:style>
+      <a:lnRef idx="2">
+        <a:scrgbClr r="0" g="0" b="0"/>
+      </a:lnRef>
+      <a:fillRef idx="0">
+        <a:scrgbClr r="0" g="0" b="0"/>
+      </a:fillRef>
+      <a:effectRef idx="0">
+        <a:scrgbClr r="0" g="0" b="0"/>
+      </a:effectRef>
+      <a:fontRef idx="minor"/>
+    </dgm:style>
+  </dgm:styleLbl>
+  <dgm:styleLbl name="parChTrans1D4">
+    <dgm:scene3d>
+      <a:camera prst="orthographicFront"/>
+      <a:lightRig rig="threePt" dir="t"/>
+    </dgm:scene3d>
+    <dgm:sp3d/>
+    <dgm:txPr/>
+    <dgm:style>
+      <a:lnRef idx="2">
+        <a:scrgbClr r="0" g="0" b="0"/>
+      </a:lnRef>
+      <a:fillRef idx="0">
+        <a:scrgbClr r="0" g="0" b="0"/>
+      </a:fillRef>
+      <a:effectRef idx="0">
+        <a:scrgbClr r="0" g="0" b="0"/>
+      </a:effectRef>
+      <a:fontRef idx="minor"/>
+    </dgm:style>
+  </dgm:styleLbl>
+  <dgm:styleLbl name="fgAcc1">
+    <dgm:scene3d>
+      <a:camera prst="orthographicFront"/>
+      <a:lightRig rig="threePt" dir="t"/>
+    </dgm:scene3d>
+    <dgm:sp3d/>
+    <dgm:txPr/>
+    <dgm:style>
+      <a:lnRef idx="2">
+        <a:scrgbClr r="0" g="0" b="0"/>
+      </a:lnRef>
+      <a:fillRef idx="1">
+        <a:scrgbClr r="0" g="0" b="0"/>
+      </a:fillRef>
+      <a:effectRef idx="0">
+        <a:scrgbClr r="0" g="0" b="0"/>
+      </a:effectRef>
+      <a:fontRef idx="minor"/>
+    </dgm:style>
+  </dgm:styleLbl>
+  <dgm:styleLbl name="conFgAcc1">
+    <dgm:scene3d>
+      <a:camera prst="orthographicFront"/>
+      <a:lightRig rig="threePt" dir="t"/>
+    </dgm:scene3d>
+    <dgm:sp3d/>
+    <dgm:txPr/>
+    <dgm:style>
+      <a:lnRef idx="2">
+        <a:scrgbClr r="0" g="0" b="0"/>
+      </a:lnRef>
+      <a:fillRef idx="1">
+        <a:scrgbClr r="0" g="0" b="0"/>
+      </a:fillRef>
+      <a:effectRef idx="0">
+        <a:scrgbClr r="0" g="0" b="0"/>
+      </a:effectRef>
+      <a:fontRef idx="minor"/>
+    </dgm:style>
+  </dgm:styleLbl>
+  <dgm:styleLbl name="alignAcc1">
+    <dgm:scene3d>
+      <a:camera prst="orthographicFront"/>
+      <a:lightRig rig="threePt" dir="t"/>
+    </dgm:scene3d>
+    <dgm:sp3d/>
+    <dgm:txPr/>
+    <dgm:style>
+      <a:lnRef idx="2">
+        <a:scrgbClr r="0" g="0" b="0"/>
+      </a:lnRef>
+      <a:fillRef idx="1">
+        <a:scrgbClr r="0" g="0" b="0"/>
+      </a:fillRef>
+      <a:effectRef idx="0">
+        <a:scrgbClr r="0" g="0" b="0"/>
+      </a:effectRef>
+      <a:fontRef idx="minor"/>
+    </dgm:style>
+  </dgm:styleLbl>
+  <dgm:styleLbl name="trAlignAcc1">
+    <dgm:scene3d>
+      <a:camera prst="orthographicFront"/>
+      <a:lightRig rig="threePt" dir="t"/>
+    </dgm:scene3d>
+    <dgm:sp3d/>
+    <dgm:txPr/>
+    <dgm:style>
+      <a:lnRef idx="1">
+        <a:scrgbClr r="0" g="0" b="0"/>
+      </a:lnRef>
+      <a:fillRef idx="1">
+        <a:scrgbClr r="0" g="0" b="0"/>
+      </a:fillRef>
+      <a:effectRef idx="0">
+        <a:scrgbClr r="0" g="0" b="0"/>
+      </a:effectRef>
+      <a:fontRef idx="minor"/>
+    </dgm:style>
+  </dgm:styleLbl>
+  <dgm:styleLbl name="bgAcc1">
+    <dgm:scene3d>
+      <a:camera prst="orthographicFront"/>
+      <a:lightRig rig="threePt" dir="t"/>
+    </dgm:scene3d>
+    <dgm:sp3d/>
+    <dgm:txPr/>
+    <dgm:style>
+      <a:lnRef idx="2">
+        <a:scrgbClr r="0" g="0" b="0"/>
+      </a:lnRef>
+      <a:fillRef idx="1">
+        <a:scrgbClr r="0" g="0" b="0"/>
+      </a:fillRef>
+      <a:effectRef idx="0">
+        <a:scrgbClr r="0" g="0" b="0"/>
+      </a:effectRef>
+      <a:fontRef idx="minor"/>
+    </dgm:style>
+  </dgm:styleLbl>
+  <dgm:styleLbl name="solidFgAcc1">
+    <dgm:scene3d>
+      <a:camera prst="orthographicFront"/>
+      <a:lightRig rig="threePt" dir="t"/>
+    </dgm:scene3d>
+    <dgm:sp3d/>
+    <dgm:txPr/>
+    <dgm:style>
+      <a:lnRef idx="2">
+        <a:scrgbClr r="0" g="0" b="0"/>
+      </a:lnRef>
+      <a:fillRef idx="1">
+        <a:scrgbClr r="0" g="0" b="0"/>
+      </a:fillRef>
+      <a:effectRef idx="0">
+        <a:scrgbClr r="0" g="0" b="0"/>
+      </a:effectRef>
+      <a:fontRef idx="minor"/>
+    </dgm:style>
+  </dgm:styleLbl>
+  <dgm:styleLbl name="solidAlignAcc1">
+    <dgm:scene3d>
+      <a:camera prst="orthographicFront"/>
+      <a:lightRig rig="threePt" dir="t"/>
+    </dgm:scene3d>
+    <dgm:sp3d/>
+    <dgm:txPr/>
+    <dgm:style>
+      <a:lnRef idx="2">
+        <a:scrgbClr r="0" g="0" b="0"/>
+      </a:lnRef>
+      <a:fillRef idx="1">
+        <a:scrgbClr r="0" g="0" b="0"/>
+      </a:fillRef>
+      <a:effectRef idx="0">
+        <a:scrgbClr r="0" g="0" b="0"/>
+      </a:effectRef>
+      <a:fontRef idx="minor"/>
+    </dgm:style>
+  </dgm:styleLbl>
+  <dgm:styleLbl name="solidBgAcc1">
+    <dgm:scene3d>
+      <a:camera prst="orthographicFront"/>
+      <a:lightRig rig="threePt" dir="t"/>
+    </dgm:scene3d>
+    <dgm:sp3d/>
+    <dgm:txPr/>
+    <dgm:style>
+      <a:lnRef idx="2">
+        <a:scrgbClr r="0" g="0" b="0"/>
+      </a:lnRef>
+      <a:fillRef idx="1">
+        <a:scrgbClr r="0" g="0" b="0"/>
+      </a:fillRef>
+      <a:effectRef idx="0">
+        <a:scrgbClr r="0" g="0" b="0"/>
+      </a:effectRef>
+      <a:fontRef idx="minor"/>
+    </dgm:style>
+  </dgm:styleLbl>
+  <dgm:styleLbl name="fgAccFollowNode1">
+    <dgm:scene3d>
+      <a:camera prst="orthographicFront"/>
+      <a:lightRig rig="threePt" dir="t"/>
+    </dgm:scene3d>
+    <dgm:sp3d/>
+    <dgm:txPr/>
+    <dgm:style>
+      <a:lnRef idx="2">
+        <a:scrgbClr r="0" g="0" b="0"/>
+      </a:lnRef>
+      <a:fillRef idx="1">
+        <a:scrgbClr r="0" g="0" b="0"/>
+      </a:fillRef>
+      <a:effectRef idx="0">
+        <a:scrgbClr r="0" g="0" b="0"/>
+      </a:effectRef>
+      <a:fontRef idx="minor"/>
+    </dgm:style>
+  </dgm:styleLbl>
+  <dgm:styleLbl name="alignAccFollowNode1">
+    <dgm:scene3d>
+      <a:camera prst="orthographicFront"/>
+      <a:lightRig rig="threePt" dir="t"/>
+    </dgm:scene3d>
+    <dgm:sp3d/>
+    <dgm:txPr/>
+    <dgm:style>
+      <a:lnRef idx="2">
+        <a:scrgbClr r="0" g="0" b="0"/>
+      </a:lnRef>
+      <a:fillRef idx="1">
+        <a:scrgbClr r="0" g="0" b="0"/>
+      </a:fillRef>
+      <a:effectRef idx="0">
+        <a:scrgbClr r="0" g="0" b="0"/>
+      </a:effectRef>
+      <a:fontRef idx="minor"/>
+    </dgm:style>
+  </dgm:styleLbl>
+  <dgm:styleLbl name="bgAccFollowNode1">
+    <dgm:scene3d>
+      <a:camera prst="orthographicFront"/>
+      <a:lightRig rig="threePt" dir="t"/>
+    </dgm:scene3d>
+    <dgm:sp3d/>
+    <dgm:txPr/>
+    <dgm:style>
+      <a:lnRef idx="2">
+        <a:scrgbClr r="0" g="0" b="0"/>
+      </a:lnRef>
+      <a:fillRef idx="1">
+        <a:scrgbClr r="0" g="0" b="0"/>
+      </a:fillRef>
+      <a:effectRef idx="0">
+        <a:scrgbClr r="0" g="0" b="0"/>
+      </a:effectRef>
+      <a:fontRef idx="minor"/>
+    </dgm:style>
+  </dgm:styleLbl>
+  <dgm:styleLbl name="fgAcc0">
+    <dgm:scene3d>
+      <a:camera prst="orthographicFront"/>
+      <a:lightRig rig="threePt" dir="t"/>
+    </dgm:scene3d>
+    <dgm:sp3d/>
+    <dgm:txPr/>
+    <dgm:style>
+      <a:lnRef idx="2">
+        <a:scrgbClr r="0" g="0" b="0"/>
+      </a:lnRef>
+      <a:fillRef idx="1">
+        <a:scrgbClr r="0" g="0" b="0"/>
+      </a:fillRef>
+      <a:effectRef idx="0">
+        <a:scrgbClr r="0" g="0" b="0"/>
+      </a:effectRef>
+      <a:fontRef idx="minor"/>
+    </dgm:style>
+  </dgm:styleLbl>
+  <dgm:styleLbl name="fgAcc2">
+    <dgm:scene3d>
+      <a:camera prst="orthographicFront"/>
+      <a:lightRig rig="threePt" dir="t"/>
+    </dgm:scene3d>
+    <dgm:sp3d/>
+    <dgm:txPr/>
+    <dgm:style>
+      <a:lnRef idx="2">
+        <a:scrgbClr r="0" g="0" b="0"/>
+      </a:lnRef>
+      <a:fillRef idx="1">
+        <a:scrgbClr r="0" g="0" b="0"/>
+      </a:fillRef>
+      <a:effectRef idx="0">
+        <a:scrgbClr r="0" g="0" b="0"/>
+      </a:effectRef>
+      <a:fontRef idx="minor"/>
+    </dgm:style>
+  </dgm:styleLbl>
+  <dgm:styleLbl name="fgAcc3">
+    <dgm:scene3d>
+      <a:camera prst="orthographicFront"/>
+      <a:lightRig rig="threePt" dir="t"/>
+    </dgm:scene3d>
+    <dgm:sp3d/>
+    <dgm:txPr/>
+    <dgm:style>
+      <a:lnRef idx="2">
+        <a:scrgbClr r="0" g="0" b="0"/>
+      </a:lnRef>
+      <a:fillRef idx="1">
+        <a:scrgbClr r="0" g="0" b="0"/>
+      </a:fillRef>
+      <a:effectRef idx="0">
+        <a:scrgbClr r="0" g="0" b="0"/>
+      </a:effectRef>
+      <a:fontRef idx="minor"/>
+    </dgm:style>
+  </dgm:styleLbl>
+  <dgm:styleLbl name="fgAcc4">
+    <dgm:scene3d>
+      <a:camera prst="orthographicFront"/>
+      <a:lightRig rig="threePt" dir="t"/>
+    </dgm:scene3d>
+    <dgm:sp3d/>
+    <dgm:txPr/>
+    <dgm:style>
+      <a:lnRef idx="2">
+        <a:scrgbClr r="0" g="0" b="0"/>
+      </a:lnRef>
+      <a:fillRef idx="1">
+        <a:scrgbClr r="0" g="0" b="0"/>
+      </a:fillRef>
+      <a:effectRef idx="0">
+        <a:scrgbClr r="0" g="0" b="0"/>
+      </a:effectRef>
+      <a:fontRef idx="minor"/>
+    </dgm:style>
+  </dgm:styleLbl>
+  <dgm:styleLbl name="bgShp">
+    <dgm:scene3d>
+      <a:camera prst="orthographicFront"/>
+      <a:lightRig rig="threePt" dir="t"/>
+    </dgm:scene3d>
+    <dgm:sp3d/>
+    <dgm:txPr/>
+    <dgm:style>
+      <a:lnRef idx="0">
+        <a:scrgbClr r="0" g="0" b="0"/>
+      </a:lnRef>
+      <a:fillRef idx="1">
+        <a:scrgbClr r="0" g="0" b="0"/>
+      </a:fillRef>
+      <a:effectRef idx="0">
+        <a:scrgbClr r="0" g="0" b="0"/>
+      </a:effectRef>
+      <a:fontRef idx="minor"/>
+    </dgm:style>
+  </dgm:styleLbl>
+  <dgm:styleLbl name="dkBgShp">
+    <dgm:scene3d>
+      <a:camera prst="orthographicFront"/>
+      <a:lightRig rig="threePt" dir="t"/>
+    </dgm:scene3d>
+    <dgm:sp3d/>
+    <dgm:txPr/>
+    <dgm:style>
+      <a:lnRef idx="0">
+        <a:scrgbClr r="0" g="0" b="0"/>
+      </a:lnRef>
+      <a:fillRef idx="1">
+        <a:scrgbClr r="0" g="0" b="0"/>
+      </a:fillRef>
+      <a:effectRef idx="0">
+        <a:scrgbClr r="0" g="0" b="0"/>
+      </a:effectRef>
+      <a:fontRef idx="minor"/>
+    </dgm:style>
+  </dgm:styleLbl>
+  <dgm:styleLbl name="trBgShp">
+    <dgm:scene3d>
+      <a:camera prst="orthographicFront"/>
+      <a:lightRig rig="threePt" dir="t"/>
+    </dgm:scene3d>
+    <dgm:sp3d/>
+    <dgm:txPr/>
+    <dgm:style>
+      <a:lnRef idx="0">
+        <a:scrgbClr r="0" g="0" b="0"/>
+      </a:lnRef>
+      <a:fillRef idx="1">
+        <a:scrgbClr r="0" g="0" b="0"/>
+      </a:fillRef>
+      <a:effectRef idx="0">
+        <a:scrgbClr r="0" g="0" b="0"/>
+      </a:effectRef>
+      <a:fontRef idx="minor"/>
+    </dgm:style>
+  </dgm:styleLbl>
+  <dgm:styleLbl name="fgShp">
+    <dgm:scene3d>
+      <a:camera prst="orthographicFront"/>
+      <a:lightRig rig="threePt" dir="t"/>
+    </dgm:scene3d>
+    <dgm:sp3d/>
+    <dgm:txPr/>
+    <dgm:style>
+      <a:lnRef idx="2">
+        <a:scrgbClr r="0" g="0" b="0"/>
+      </a:lnRef>
+      <a:fillRef idx="1">
+        <a:scrgbClr r="0" g="0" b="0"/>
+      </a:fillRef>
+      <a:effectRef idx="0">
+        <a:scrgbClr r="0" g="0" b="0"/>
+      </a:effectRef>
+      <a:fontRef idx="minor"/>
+    </dgm:style>
+  </dgm:styleLbl>
+  <dgm:styleLbl name="revTx">
+    <dgm:scene3d>
+      <a:camera prst="orthographicFront"/>
+      <a:lightRig rig="threePt" dir="t"/>
+    </dgm:scene3d>
+    <dgm:sp3d/>
+    <dgm:txPr/>
+    <dgm:style>
+      <a:lnRef idx="0">
+        <a:scrgbClr r="0" g="0" b="0"/>
+      </a:lnRef>
+      <a:fillRef idx="0">
+        <a:scrgbClr r="0" g="0" b="0"/>
+      </a:fillRef>
+      <a:effectRef idx="0">
+        <a:scrgbClr r="0" g="0" b="0"/>
+      </a:effectRef>
+      <a:fontRef idx="minor"/>
+    </dgm:style>
+  </dgm:styleLbl>
+</dgm:styleDef>
 </file>
 
 <file path=ppt/slideLayouts/slideLayout1.xml><?xml version="1.0" encoding="utf-8"?>
@@ -3127,6 +7755,2100 @@
 </p:sld>
 </file>
 
+<file path=ppt/slides/slide2.xml><?xml version="1.0" encoding="utf-8"?>
+<p:sld xmlns:a="http://schemas.openxmlformats.org/drawingml/2006/main" xmlns:r="http://schemas.openxmlformats.org/officeDocument/2006/relationships" xmlns:p="http://schemas.openxmlformats.org/presentationml/2006/main">
+  <p:cSld>
+    <p:spTree>
+      <p:nvGrpSpPr>
+        <p:cNvPr id="1" name=""/>
+        <p:cNvGrpSpPr/>
+        <p:nvPr/>
+      </p:nvGrpSpPr>
+      <p:grpSpPr>
+        <a:xfrm>
+          <a:off x="0" y="0"/>
+          <a:ext cx="0" cy="0"/>
+          <a:chOff x="0" y="0"/>
+          <a:chExt cx="0" cy="0"/>
+        </a:xfrm>
+      </p:grpSpPr>
+      <p:sp>
+        <p:nvSpPr>
+          <p:cNvPr id="2" name="Title 1">
+            <a:extLst>
+              <a:ext uri="{FF2B5EF4-FFF2-40B4-BE49-F238E27FC236}">
+                <a16:creationId xmlns:a16="http://schemas.microsoft.com/office/drawing/2014/main" id="{A1BE0450-9EAA-4849-892F-08AFA9717830}"/>
+              </a:ext>
+            </a:extLst>
+          </p:cNvPr>
+          <p:cNvSpPr>
+            <a:spLocks noGrp="1"/>
+          </p:cNvSpPr>
+          <p:nvPr>
+            <p:ph type="title"/>
+          </p:nvPr>
+        </p:nvSpPr>
+        <p:spPr/>
+        <p:txBody>
+          <a:bodyPr/>
+          <a:lstStyle/>
+          <a:p>
+            <a:r>
+              <a:rPr lang="da-DK" dirty="0"/>
+              <a:t>Data Recorvery Test</a:t>
+            </a:r>
+          </a:p>
+        </p:txBody>
+      </p:sp>
+      <p:sp>
+        <p:nvSpPr>
+          <p:cNvPr id="3" name="Content Placeholder 2">
+            <a:extLst>
+              <a:ext uri="{FF2B5EF4-FFF2-40B4-BE49-F238E27FC236}">
+                <a16:creationId xmlns:a16="http://schemas.microsoft.com/office/drawing/2014/main" id="{B724E632-297C-4210-BC74-4E3AA7B9AAB1}"/>
+              </a:ext>
+            </a:extLst>
+          </p:cNvPr>
+          <p:cNvSpPr>
+            <a:spLocks noGrp="1"/>
+          </p:cNvSpPr>
+          <p:nvPr>
+            <p:ph idx="1"/>
+          </p:nvPr>
+        </p:nvSpPr>
+        <p:spPr/>
+        <p:txBody>
+          <a:bodyPr/>
+          <a:lstStyle/>
+          <a:p>
+            <a:r>
+              <a:rPr lang="da-DK" dirty="0"/>
+              <a:t>Automated!</a:t>
+            </a:r>
+          </a:p>
+          <a:p>
+            <a:r>
+              <a:rPr lang="da-DK" dirty="0"/>
+              <a:t>Cloud – Azure (AWS)</a:t>
+            </a:r>
+          </a:p>
+          <a:p>
+            <a:pPr lvl="1"/>
+            <a:r>
+              <a:rPr lang="da-DK" dirty="0"/>
+              <a:t>Be aware of sesitive data!</a:t>
+            </a:r>
+          </a:p>
+          <a:p>
+            <a:r>
+              <a:rPr lang="da-DK" dirty="0"/>
+              <a:t>Full history; log all details.</a:t>
+            </a:r>
+          </a:p>
+        </p:txBody>
+      </p:sp>
+    </p:spTree>
+    <p:extLst>
+      <p:ext uri="{BB962C8B-B14F-4D97-AF65-F5344CB8AC3E}">
+        <p14:creationId xmlns:p14="http://schemas.microsoft.com/office/powerpoint/2010/main" val="3821218448"/>
+      </p:ext>
+    </p:extLst>
+  </p:cSld>
+  <p:clrMapOvr>
+    <a:masterClrMapping/>
+  </p:clrMapOvr>
+</p:sld>
+</file>
+
+<file path=ppt/slides/slide3.xml><?xml version="1.0" encoding="utf-8"?>
+<p:sld xmlns:a="http://schemas.openxmlformats.org/drawingml/2006/main" xmlns:r="http://schemas.openxmlformats.org/officeDocument/2006/relationships" xmlns:p="http://schemas.openxmlformats.org/presentationml/2006/main">
+  <p:cSld>
+    <p:spTree>
+      <p:nvGrpSpPr>
+        <p:cNvPr id="1" name=""/>
+        <p:cNvGrpSpPr/>
+        <p:nvPr/>
+      </p:nvGrpSpPr>
+      <p:grpSpPr>
+        <a:xfrm>
+          <a:off x="0" y="0"/>
+          <a:ext cx="0" cy="0"/>
+          <a:chOff x="0" y="0"/>
+          <a:chExt cx="0" cy="0"/>
+        </a:xfrm>
+      </p:grpSpPr>
+      <p:sp>
+        <p:nvSpPr>
+          <p:cNvPr id="2" name="Title 1">
+            <a:extLst>
+              <a:ext uri="{FF2B5EF4-FFF2-40B4-BE49-F238E27FC236}">
+                <a16:creationId xmlns:a16="http://schemas.microsoft.com/office/drawing/2014/main" id="{E4057BFE-46FE-4C4A-8AA6-364F1C9080CD}"/>
+              </a:ext>
+            </a:extLst>
+          </p:cNvPr>
+          <p:cNvSpPr>
+            <a:spLocks noGrp="1"/>
+          </p:cNvSpPr>
+          <p:nvPr>
+            <p:ph type="title"/>
+          </p:nvPr>
+        </p:nvSpPr>
+        <p:spPr/>
+        <p:txBody>
+          <a:bodyPr/>
+          <a:lstStyle/>
+          <a:p>
+            <a:r>
+              <a:rPr lang="da-DK" dirty="0"/>
+              <a:t>Automate!</a:t>
+            </a:r>
+          </a:p>
+        </p:txBody>
+      </p:sp>
+      <p:graphicFrame>
+        <p:nvGraphicFramePr>
+          <p:cNvPr id="4" name="Content Placeholder 3">
+            <a:extLst>
+              <a:ext uri="{FF2B5EF4-FFF2-40B4-BE49-F238E27FC236}">
+                <a16:creationId xmlns:a16="http://schemas.microsoft.com/office/drawing/2014/main" id="{F496EEC7-5EFD-4933-978A-B0454FC3047A}"/>
+              </a:ext>
+            </a:extLst>
+          </p:cNvPr>
+          <p:cNvGraphicFramePr>
+            <a:graphicFrameLocks noGrp="1"/>
+          </p:cNvGraphicFramePr>
+          <p:nvPr>
+            <p:ph idx="1"/>
+            <p:extLst>
+              <p:ext uri="{D42A27DB-BD31-4B8C-83A1-F6EECF244321}">
+                <p14:modId xmlns:p14="http://schemas.microsoft.com/office/powerpoint/2010/main" val="776713360"/>
+              </p:ext>
+            </p:extLst>
+          </p:nvPr>
+        </p:nvGraphicFramePr>
+        <p:xfrm>
+          <a:off x="457200" y="1600200"/>
+          <a:ext cx="8229600" cy="4525963"/>
+        </p:xfrm>
+        <a:graphic>
+          <a:graphicData uri="http://schemas.openxmlformats.org/drawingml/2006/diagram">
+            <dgm:relIds xmlns:dgm="http://schemas.openxmlformats.org/drawingml/2006/diagram" xmlns:r="http://schemas.openxmlformats.org/officeDocument/2006/relationships" r:dm="rId2" r:lo="rId3" r:qs="rId4" r:cs="rId5"/>
+          </a:graphicData>
+        </a:graphic>
+      </p:graphicFrame>
+      <p:sp>
+        <p:nvSpPr>
+          <p:cNvPr id="5" name="Rectangle: Rounded Corners 4">
+            <a:extLst>
+              <a:ext uri="{FF2B5EF4-FFF2-40B4-BE49-F238E27FC236}">
+                <a16:creationId xmlns:a16="http://schemas.microsoft.com/office/drawing/2014/main" id="{3865ECA1-8802-41E5-8CE2-C9171D28F6BE}"/>
+              </a:ext>
+            </a:extLst>
+          </p:cNvPr>
+          <p:cNvSpPr/>
+          <p:nvPr/>
+        </p:nvSpPr>
+        <p:spPr>
+          <a:xfrm>
+            <a:off x="3390900" y="5410200"/>
+            <a:ext cx="2362200" cy="990600"/>
+          </a:xfrm>
+          <a:prstGeom prst="roundRect">
+            <a:avLst/>
+          </a:prstGeom>
+        </p:spPr>
+        <p:style>
+          <a:lnRef idx="2">
+            <a:schemeClr val="accent1">
+              <a:shade val="50000"/>
+            </a:schemeClr>
+          </a:lnRef>
+          <a:fillRef idx="1">
+            <a:schemeClr val="accent1"/>
+          </a:fillRef>
+          <a:effectRef idx="0">
+            <a:schemeClr val="accent1"/>
+          </a:effectRef>
+          <a:fontRef idx="minor">
+            <a:schemeClr val="lt1"/>
+          </a:fontRef>
+        </p:style>
+        <p:txBody>
+          <a:bodyPr rtlCol="0" anchor="ctr"/>
+          <a:lstStyle/>
+          <a:p>
+            <a:pPr algn="ctr"/>
+            <a:r>
+              <a:rPr lang="da-DK" dirty="0"/>
+              <a:t>Version Control</a:t>
+            </a:r>
+          </a:p>
+          <a:p>
+            <a:pPr marL="285750" indent="-285750" algn="ctr">
+              <a:buFont typeface="Arial" panose="020B0604020202020204" pitchFamily="34" charset="0"/>
+              <a:buChar char="•"/>
+            </a:pPr>
+            <a:r>
+              <a:rPr lang="da-DK" dirty="0"/>
+              <a:t>Git...</a:t>
+            </a:r>
+          </a:p>
+          <a:p>
+            <a:pPr marL="285750" indent="-285750" algn="ctr">
+              <a:buFont typeface="Arial" panose="020B0604020202020204" pitchFamily="34" charset="0"/>
+              <a:buChar char="•"/>
+            </a:pPr>
+            <a:r>
+              <a:rPr lang="da-DK" dirty="0"/>
+              <a:t>Public</a:t>
+            </a:r>
+          </a:p>
+        </p:txBody>
+      </p:sp>
+      <p:grpSp>
+        <p:nvGrpSpPr>
+          <p:cNvPr id="6" name="Group 5">
+            <a:extLst>
+              <a:ext uri="{FF2B5EF4-FFF2-40B4-BE49-F238E27FC236}">
+                <a16:creationId xmlns:a16="http://schemas.microsoft.com/office/drawing/2014/main" id="{C7E9A313-AC85-411D-A68D-C7C5D64E1684}"/>
+              </a:ext>
+            </a:extLst>
+          </p:cNvPr>
+          <p:cNvGrpSpPr/>
+          <p:nvPr/>
+        </p:nvGrpSpPr>
+        <p:grpSpPr>
+          <a:xfrm>
+            <a:off x="990600" y="5029200"/>
+            <a:ext cx="151437" cy="188910"/>
+            <a:chOff x="938725" y="1932668"/>
+            <a:chExt cx="151437" cy="188910"/>
+          </a:xfrm>
+        </p:grpSpPr>
+        <p:sp>
+          <p:nvSpPr>
+            <p:cNvPr id="7" name="Arrow: Right 6">
+              <a:extLst>
+                <a:ext uri="{FF2B5EF4-FFF2-40B4-BE49-F238E27FC236}">
+                  <a16:creationId xmlns:a16="http://schemas.microsoft.com/office/drawing/2014/main" id="{FFF1D699-F12D-4061-B5E6-CCD729E16325}"/>
+                </a:ext>
+              </a:extLst>
+            </p:cNvPr>
+            <p:cNvSpPr/>
+            <p:nvPr/>
+          </p:nvSpPr>
+          <p:spPr>
+            <a:xfrm>
+              <a:off x="938725" y="1932668"/>
+              <a:ext cx="151437" cy="188910"/>
+            </a:xfrm>
+            <a:prstGeom prst="rightArrow">
+              <a:avLst>
+                <a:gd name="adj1" fmla="val 60000"/>
+                <a:gd name="adj2" fmla="val 50000"/>
+              </a:avLst>
+            </a:prstGeom>
+          </p:spPr>
+          <p:style>
+            <a:lnRef idx="0">
+              <a:schemeClr val="accent1">
+                <a:tint val="60000"/>
+                <a:hueOff val="0"/>
+                <a:satOff val="0"/>
+                <a:lumOff val="0"/>
+                <a:alphaOff val="0"/>
+              </a:schemeClr>
+            </a:lnRef>
+            <a:fillRef idx="1">
+              <a:schemeClr val="accent1">
+                <a:tint val="60000"/>
+                <a:hueOff val="0"/>
+                <a:satOff val="0"/>
+                <a:lumOff val="0"/>
+                <a:alphaOff val="0"/>
+              </a:schemeClr>
+            </a:fillRef>
+            <a:effectRef idx="0">
+              <a:schemeClr val="accent1">
+                <a:tint val="60000"/>
+                <a:hueOff val="0"/>
+                <a:satOff val="0"/>
+                <a:lumOff val="0"/>
+                <a:alphaOff val="0"/>
+              </a:schemeClr>
+            </a:effectRef>
+            <a:fontRef idx="minor">
+              <a:schemeClr val="lt1"/>
+            </a:fontRef>
+          </p:style>
+        </p:sp>
+        <p:sp>
+          <p:nvSpPr>
+            <p:cNvPr id="8" name="Arrow: Right 4">
+              <a:extLst>
+                <a:ext uri="{FF2B5EF4-FFF2-40B4-BE49-F238E27FC236}">
+                  <a16:creationId xmlns:a16="http://schemas.microsoft.com/office/drawing/2014/main" id="{96CB9F31-B5EC-464A-8F38-DA5719055283}"/>
+                </a:ext>
+              </a:extLst>
+            </p:cNvPr>
+            <p:cNvSpPr txBox="1"/>
+            <p:nvPr/>
+          </p:nvSpPr>
+          <p:spPr>
+            <a:xfrm>
+              <a:off x="938725" y="1970450"/>
+              <a:ext cx="106006" cy="113346"/>
+            </a:xfrm>
+            <a:prstGeom prst="rect">
+              <a:avLst/>
+            </a:prstGeom>
+          </p:spPr>
+          <p:style>
+            <a:lnRef idx="0">
+              <a:scrgbClr r="0" g="0" b="0"/>
+            </a:lnRef>
+            <a:fillRef idx="0">
+              <a:scrgbClr r="0" g="0" b="0"/>
+            </a:fillRef>
+            <a:effectRef idx="0">
+              <a:scrgbClr r="0" g="0" b="0"/>
+            </a:effectRef>
+            <a:fontRef idx="minor">
+              <a:schemeClr val="lt1"/>
+            </a:fontRef>
+          </p:style>
+          <p:txBody>
+            <a:bodyPr spcFirstLastPara="0" vert="horz" wrap="square" lIns="0" tIns="0" rIns="0" bIns="0" numCol="1" spcCol="1270" anchor="ctr" anchorCtr="0">
+              <a:noAutofit/>
+            </a:bodyPr>
+            <a:lstStyle/>
+            <a:p>
+              <a:pPr marL="0" lvl="0" indent="0" algn="ctr" defTabSz="311150">
+                <a:lnSpc>
+                  <a:spcPct val="90000"/>
+                </a:lnSpc>
+                <a:spcBef>
+                  <a:spcPct val="0"/>
+                </a:spcBef>
+                <a:spcAft>
+                  <a:spcPct val="35000"/>
+                </a:spcAft>
+                <a:buNone/>
+              </a:pPr>
+              <a:endParaRPr lang="en-US" sz="700" kern="1200"/>
+            </a:p>
+          </p:txBody>
+        </p:sp>
+      </p:grpSp>
+      <p:grpSp>
+        <p:nvGrpSpPr>
+          <p:cNvPr id="9" name="Group 8">
+            <a:extLst>
+              <a:ext uri="{FF2B5EF4-FFF2-40B4-BE49-F238E27FC236}">
+                <a16:creationId xmlns:a16="http://schemas.microsoft.com/office/drawing/2014/main" id="{07604DDE-B5AD-4383-812D-D6A101F33A58}"/>
+              </a:ext>
+            </a:extLst>
+          </p:cNvPr>
+          <p:cNvGrpSpPr/>
+          <p:nvPr/>
+        </p:nvGrpSpPr>
+        <p:grpSpPr>
+          <a:xfrm rot="14630857">
+            <a:off x="2086699" y="4942660"/>
+            <a:ext cx="724984" cy="188910"/>
+            <a:chOff x="938725" y="1932668"/>
+            <a:chExt cx="151437" cy="188910"/>
+          </a:xfrm>
+        </p:grpSpPr>
+        <p:sp>
+          <p:nvSpPr>
+            <p:cNvPr id="10" name="Arrow: Right 9">
+              <a:extLst>
+                <a:ext uri="{FF2B5EF4-FFF2-40B4-BE49-F238E27FC236}">
+                  <a16:creationId xmlns:a16="http://schemas.microsoft.com/office/drawing/2014/main" id="{10D264F5-8914-4FA7-AE47-F05BA82F1C75}"/>
+                </a:ext>
+              </a:extLst>
+            </p:cNvPr>
+            <p:cNvSpPr/>
+            <p:nvPr/>
+          </p:nvSpPr>
+          <p:spPr>
+            <a:xfrm>
+              <a:off x="938725" y="1932668"/>
+              <a:ext cx="151437" cy="188910"/>
+            </a:xfrm>
+            <a:prstGeom prst="rightArrow">
+              <a:avLst>
+                <a:gd name="adj1" fmla="val 60000"/>
+                <a:gd name="adj2" fmla="val 50000"/>
+              </a:avLst>
+            </a:prstGeom>
+          </p:spPr>
+          <p:style>
+            <a:lnRef idx="0">
+              <a:schemeClr val="accent1">
+                <a:tint val="60000"/>
+                <a:hueOff val="0"/>
+                <a:satOff val="0"/>
+                <a:lumOff val="0"/>
+                <a:alphaOff val="0"/>
+              </a:schemeClr>
+            </a:lnRef>
+            <a:fillRef idx="1">
+              <a:schemeClr val="accent1">
+                <a:tint val="60000"/>
+                <a:hueOff val="0"/>
+                <a:satOff val="0"/>
+                <a:lumOff val="0"/>
+                <a:alphaOff val="0"/>
+              </a:schemeClr>
+            </a:fillRef>
+            <a:effectRef idx="0">
+              <a:schemeClr val="accent1">
+                <a:tint val="60000"/>
+                <a:hueOff val="0"/>
+                <a:satOff val="0"/>
+                <a:lumOff val="0"/>
+                <a:alphaOff val="0"/>
+              </a:schemeClr>
+            </a:effectRef>
+            <a:fontRef idx="minor">
+              <a:schemeClr val="lt1"/>
+            </a:fontRef>
+          </p:style>
+        </p:sp>
+        <p:sp>
+          <p:nvSpPr>
+            <p:cNvPr id="11" name="Arrow: Right 4">
+              <a:extLst>
+                <a:ext uri="{FF2B5EF4-FFF2-40B4-BE49-F238E27FC236}">
+                  <a16:creationId xmlns:a16="http://schemas.microsoft.com/office/drawing/2014/main" id="{78529ED4-45A4-46D6-95F1-C53EACA32457}"/>
+                </a:ext>
+              </a:extLst>
+            </p:cNvPr>
+            <p:cNvSpPr txBox="1"/>
+            <p:nvPr/>
+          </p:nvSpPr>
+          <p:spPr>
+            <a:xfrm>
+              <a:off x="938725" y="1970450"/>
+              <a:ext cx="106006" cy="113346"/>
+            </a:xfrm>
+            <a:prstGeom prst="rect">
+              <a:avLst/>
+            </a:prstGeom>
+          </p:spPr>
+          <p:style>
+            <a:lnRef idx="0">
+              <a:scrgbClr r="0" g="0" b="0"/>
+            </a:lnRef>
+            <a:fillRef idx="0">
+              <a:scrgbClr r="0" g="0" b="0"/>
+            </a:fillRef>
+            <a:effectRef idx="0">
+              <a:scrgbClr r="0" g="0" b="0"/>
+            </a:effectRef>
+            <a:fontRef idx="minor">
+              <a:schemeClr val="lt1"/>
+            </a:fontRef>
+          </p:style>
+          <p:txBody>
+            <a:bodyPr spcFirstLastPara="0" vert="horz" wrap="square" lIns="0" tIns="0" rIns="0" bIns="0" numCol="1" spcCol="1270" anchor="ctr" anchorCtr="0">
+              <a:noAutofit/>
+            </a:bodyPr>
+            <a:lstStyle/>
+            <a:p>
+              <a:pPr marL="0" lvl="0" indent="0" algn="ctr" defTabSz="311150">
+                <a:lnSpc>
+                  <a:spcPct val="90000"/>
+                </a:lnSpc>
+                <a:spcBef>
+                  <a:spcPct val="0"/>
+                </a:spcBef>
+                <a:spcAft>
+                  <a:spcPct val="35000"/>
+                </a:spcAft>
+                <a:buNone/>
+              </a:pPr>
+              <a:endParaRPr lang="en-US" sz="700" kern="1200"/>
+            </a:p>
+          </p:txBody>
+        </p:sp>
+      </p:grpSp>
+      <p:grpSp>
+        <p:nvGrpSpPr>
+          <p:cNvPr id="12" name="Group 11">
+            <a:extLst>
+              <a:ext uri="{FF2B5EF4-FFF2-40B4-BE49-F238E27FC236}">
+                <a16:creationId xmlns:a16="http://schemas.microsoft.com/office/drawing/2014/main" id="{0C5B69BF-77AD-4C81-98C3-D1D20293D800}"/>
+              </a:ext>
+            </a:extLst>
+          </p:cNvPr>
+          <p:cNvGrpSpPr/>
+          <p:nvPr/>
+        </p:nvGrpSpPr>
+        <p:grpSpPr>
+          <a:xfrm rot="15340774">
+            <a:off x="3293838" y="4795133"/>
+            <a:ext cx="470972" cy="188910"/>
+            <a:chOff x="938725" y="1932668"/>
+            <a:chExt cx="151437" cy="188910"/>
+          </a:xfrm>
+        </p:grpSpPr>
+        <p:sp>
+          <p:nvSpPr>
+            <p:cNvPr id="13" name="Arrow: Right 12">
+              <a:extLst>
+                <a:ext uri="{FF2B5EF4-FFF2-40B4-BE49-F238E27FC236}">
+                  <a16:creationId xmlns:a16="http://schemas.microsoft.com/office/drawing/2014/main" id="{99D1AB9B-F8DC-4D40-905D-404E7D02E1CD}"/>
+                </a:ext>
+              </a:extLst>
+            </p:cNvPr>
+            <p:cNvSpPr/>
+            <p:nvPr/>
+          </p:nvSpPr>
+          <p:spPr>
+            <a:xfrm>
+              <a:off x="938725" y="1932668"/>
+              <a:ext cx="151437" cy="188910"/>
+            </a:xfrm>
+            <a:prstGeom prst="rightArrow">
+              <a:avLst>
+                <a:gd name="adj1" fmla="val 60000"/>
+                <a:gd name="adj2" fmla="val 50000"/>
+              </a:avLst>
+            </a:prstGeom>
+          </p:spPr>
+          <p:style>
+            <a:lnRef idx="0">
+              <a:schemeClr val="accent1">
+                <a:tint val="60000"/>
+                <a:hueOff val="0"/>
+                <a:satOff val="0"/>
+                <a:lumOff val="0"/>
+                <a:alphaOff val="0"/>
+              </a:schemeClr>
+            </a:lnRef>
+            <a:fillRef idx="1">
+              <a:schemeClr val="accent1">
+                <a:tint val="60000"/>
+                <a:hueOff val="0"/>
+                <a:satOff val="0"/>
+                <a:lumOff val="0"/>
+                <a:alphaOff val="0"/>
+              </a:schemeClr>
+            </a:fillRef>
+            <a:effectRef idx="0">
+              <a:schemeClr val="accent1">
+                <a:tint val="60000"/>
+                <a:hueOff val="0"/>
+                <a:satOff val="0"/>
+                <a:lumOff val="0"/>
+                <a:alphaOff val="0"/>
+              </a:schemeClr>
+            </a:effectRef>
+            <a:fontRef idx="minor">
+              <a:schemeClr val="lt1"/>
+            </a:fontRef>
+          </p:style>
+        </p:sp>
+        <p:sp>
+          <p:nvSpPr>
+            <p:cNvPr id="14" name="Arrow: Right 4">
+              <a:extLst>
+                <a:ext uri="{FF2B5EF4-FFF2-40B4-BE49-F238E27FC236}">
+                  <a16:creationId xmlns:a16="http://schemas.microsoft.com/office/drawing/2014/main" id="{B9953B4D-9F8A-4BFA-8BFA-0BDCD81135EB}"/>
+                </a:ext>
+              </a:extLst>
+            </p:cNvPr>
+            <p:cNvSpPr txBox="1"/>
+            <p:nvPr/>
+          </p:nvSpPr>
+          <p:spPr>
+            <a:xfrm>
+              <a:off x="938725" y="1970450"/>
+              <a:ext cx="106006" cy="113346"/>
+            </a:xfrm>
+            <a:prstGeom prst="rect">
+              <a:avLst/>
+            </a:prstGeom>
+          </p:spPr>
+          <p:style>
+            <a:lnRef idx="0">
+              <a:scrgbClr r="0" g="0" b="0"/>
+            </a:lnRef>
+            <a:fillRef idx="0">
+              <a:scrgbClr r="0" g="0" b="0"/>
+            </a:fillRef>
+            <a:effectRef idx="0">
+              <a:scrgbClr r="0" g="0" b="0"/>
+            </a:effectRef>
+            <a:fontRef idx="minor">
+              <a:schemeClr val="lt1"/>
+            </a:fontRef>
+          </p:style>
+          <p:txBody>
+            <a:bodyPr spcFirstLastPara="0" vert="horz" wrap="square" lIns="0" tIns="0" rIns="0" bIns="0" numCol="1" spcCol="1270" anchor="ctr" anchorCtr="0">
+              <a:noAutofit/>
+            </a:bodyPr>
+            <a:lstStyle/>
+            <a:p>
+              <a:pPr marL="0" lvl="0" indent="0" algn="ctr" defTabSz="311150">
+                <a:lnSpc>
+                  <a:spcPct val="90000"/>
+                </a:lnSpc>
+                <a:spcBef>
+                  <a:spcPct val="0"/>
+                </a:spcBef>
+                <a:spcAft>
+                  <a:spcPct val="35000"/>
+                </a:spcAft>
+                <a:buNone/>
+              </a:pPr>
+              <a:endParaRPr lang="en-US" sz="700" kern="1200"/>
+            </a:p>
+          </p:txBody>
+        </p:sp>
+      </p:grpSp>
+      <p:grpSp>
+        <p:nvGrpSpPr>
+          <p:cNvPr id="15" name="Group 14">
+            <a:extLst>
+              <a:ext uri="{FF2B5EF4-FFF2-40B4-BE49-F238E27FC236}">
+                <a16:creationId xmlns:a16="http://schemas.microsoft.com/office/drawing/2014/main" id="{7B075AED-2427-472A-BD0D-F55CB47988E6}"/>
+              </a:ext>
+            </a:extLst>
+          </p:cNvPr>
+          <p:cNvGrpSpPr/>
+          <p:nvPr/>
+        </p:nvGrpSpPr>
+        <p:grpSpPr>
+          <a:xfrm rot="16200000">
+            <a:off x="4343761" y="4800961"/>
+            <a:ext cx="456478" cy="188910"/>
+            <a:chOff x="938725" y="1932668"/>
+            <a:chExt cx="151437" cy="188910"/>
+          </a:xfrm>
+        </p:grpSpPr>
+        <p:sp>
+          <p:nvSpPr>
+            <p:cNvPr id="16" name="Arrow: Right 15">
+              <a:extLst>
+                <a:ext uri="{FF2B5EF4-FFF2-40B4-BE49-F238E27FC236}">
+                  <a16:creationId xmlns:a16="http://schemas.microsoft.com/office/drawing/2014/main" id="{2073EBAF-B038-402F-8A95-CBF7E4D6ED6C}"/>
+                </a:ext>
+              </a:extLst>
+            </p:cNvPr>
+            <p:cNvSpPr/>
+            <p:nvPr/>
+          </p:nvSpPr>
+          <p:spPr>
+            <a:xfrm>
+              <a:off x="938725" y="1932668"/>
+              <a:ext cx="151437" cy="188910"/>
+            </a:xfrm>
+            <a:prstGeom prst="rightArrow">
+              <a:avLst>
+                <a:gd name="adj1" fmla="val 60000"/>
+                <a:gd name="adj2" fmla="val 50000"/>
+              </a:avLst>
+            </a:prstGeom>
+          </p:spPr>
+          <p:style>
+            <a:lnRef idx="0">
+              <a:schemeClr val="accent1">
+                <a:tint val="60000"/>
+                <a:hueOff val="0"/>
+                <a:satOff val="0"/>
+                <a:lumOff val="0"/>
+                <a:alphaOff val="0"/>
+              </a:schemeClr>
+            </a:lnRef>
+            <a:fillRef idx="1">
+              <a:schemeClr val="accent1">
+                <a:tint val="60000"/>
+                <a:hueOff val="0"/>
+                <a:satOff val="0"/>
+                <a:lumOff val="0"/>
+                <a:alphaOff val="0"/>
+              </a:schemeClr>
+            </a:fillRef>
+            <a:effectRef idx="0">
+              <a:schemeClr val="accent1">
+                <a:tint val="60000"/>
+                <a:hueOff val="0"/>
+                <a:satOff val="0"/>
+                <a:lumOff val="0"/>
+                <a:alphaOff val="0"/>
+              </a:schemeClr>
+            </a:effectRef>
+            <a:fontRef idx="minor">
+              <a:schemeClr val="lt1"/>
+            </a:fontRef>
+          </p:style>
+        </p:sp>
+        <p:sp>
+          <p:nvSpPr>
+            <p:cNvPr id="17" name="Arrow: Right 4">
+              <a:extLst>
+                <a:ext uri="{FF2B5EF4-FFF2-40B4-BE49-F238E27FC236}">
+                  <a16:creationId xmlns:a16="http://schemas.microsoft.com/office/drawing/2014/main" id="{F7B23565-5B87-4A81-A76E-8482A81E7D77}"/>
+                </a:ext>
+              </a:extLst>
+            </p:cNvPr>
+            <p:cNvSpPr txBox="1"/>
+            <p:nvPr/>
+          </p:nvSpPr>
+          <p:spPr>
+            <a:xfrm>
+              <a:off x="938725" y="1970450"/>
+              <a:ext cx="106006" cy="113346"/>
+            </a:xfrm>
+            <a:prstGeom prst="rect">
+              <a:avLst/>
+            </a:prstGeom>
+          </p:spPr>
+          <p:style>
+            <a:lnRef idx="0">
+              <a:scrgbClr r="0" g="0" b="0"/>
+            </a:lnRef>
+            <a:fillRef idx="0">
+              <a:scrgbClr r="0" g="0" b="0"/>
+            </a:fillRef>
+            <a:effectRef idx="0">
+              <a:scrgbClr r="0" g="0" b="0"/>
+            </a:effectRef>
+            <a:fontRef idx="minor">
+              <a:schemeClr val="lt1"/>
+            </a:fontRef>
+          </p:style>
+          <p:txBody>
+            <a:bodyPr spcFirstLastPara="0" vert="horz" wrap="square" lIns="0" tIns="0" rIns="0" bIns="0" numCol="1" spcCol="1270" anchor="ctr" anchorCtr="0">
+              <a:noAutofit/>
+            </a:bodyPr>
+            <a:lstStyle/>
+            <a:p>
+              <a:pPr marL="0" lvl="0" indent="0" algn="ctr" defTabSz="311150">
+                <a:lnSpc>
+                  <a:spcPct val="90000"/>
+                </a:lnSpc>
+                <a:spcBef>
+                  <a:spcPct val="0"/>
+                </a:spcBef>
+                <a:spcAft>
+                  <a:spcPct val="35000"/>
+                </a:spcAft>
+                <a:buNone/>
+              </a:pPr>
+              <a:endParaRPr lang="en-US" sz="700" kern="1200" dirty="0"/>
+            </a:p>
+          </p:txBody>
+        </p:sp>
+      </p:grpSp>
+      <p:grpSp>
+        <p:nvGrpSpPr>
+          <p:cNvPr id="18" name="Group 17">
+            <a:extLst>
+              <a:ext uri="{FF2B5EF4-FFF2-40B4-BE49-F238E27FC236}">
+                <a16:creationId xmlns:a16="http://schemas.microsoft.com/office/drawing/2014/main" id="{C3E564C5-8AF4-4DF1-843A-D38F373DEBC3}"/>
+              </a:ext>
+            </a:extLst>
+          </p:cNvPr>
+          <p:cNvGrpSpPr/>
+          <p:nvPr/>
+        </p:nvGrpSpPr>
+        <p:grpSpPr>
+          <a:xfrm>
+            <a:off x="5753100" y="4934745"/>
+            <a:ext cx="151437" cy="188910"/>
+            <a:chOff x="938725" y="1932668"/>
+            <a:chExt cx="151437" cy="188910"/>
+          </a:xfrm>
+        </p:grpSpPr>
+        <p:sp>
+          <p:nvSpPr>
+            <p:cNvPr id="19" name="Arrow: Right 18">
+              <a:extLst>
+                <a:ext uri="{FF2B5EF4-FFF2-40B4-BE49-F238E27FC236}">
+                  <a16:creationId xmlns:a16="http://schemas.microsoft.com/office/drawing/2014/main" id="{96ABAED7-5FA9-4F3C-AD82-B52060290E24}"/>
+                </a:ext>
+              </a:extLst>
+            </p:cNvPr>
+            <p:cNvSpPr/>
+            <p:nvPr/>
+          </p:nvSpPr>
+          <p:spPr>
+            <a:xfrm>
+              <a:off x="938725" y="1932668"/>
+              <a:ext cx="151437" cy="188910"/>
+            </a:xfrm>
+            <a:prstGeom prst="rightArrow">
+              <a:avLst>
+                <a:gd name="adj1" fmla="val 60000"/>
+                <a:gd name="adj2" fmla="val 50000"/>
+              </a:avLst>
+            </a:prstGeom>
+          </p:spPr>
+          <p:style>
+            <a:lnRef idx="0">
+              <a:schemeClr val="accent1">
+                <a:tint val="60000"/>
+                <a:hueOff val="0"/>
+                <a:satOff val="0"/>
+                <a:lumOff val="0"/>
+                <a:alphaOff val="0"/>
+              </a:schemeClr>
+            </a:lnRef>
+            <a:fillRef idx="1">
+              <a:schemeClr val="accent1">
+                <a:tint val="60000"/>
+                <a:hueOff val="0"/>
+                <a:satOff val="0"/>
+                <a:lumOff val="0"/>
+                <a:alphaOff val="0"/>
+              </a:schemeClr>
+            </a:fillRef>
+            <a:effectRef idx="0">
+              <a:schemeClr val="accent1">
+                <a:tint val="60000"/>
+                <a:hueOff val="0"/>
+                <a:satOff val="0"/>
+                <a:lumOff val="0"/>
+                <a:alphaOff val="0"/>
+              </a:schemeClr>
+            </a:effectRef>
+            <a:fontRef idx="minor">
+              <a:schemeClr val="lt1"/>
+            </a:fontRef>
+          </p:style>
+        </p:sp>
+        <p:sp>
+          <p:nvSpPr>
+            <p:cNvPr id="20" name="Arrow: Right 4">
+              <a:extLst>
+                <a:ext uri="{FF2B5EF4-FFF2-40B4-BE49-F238E27FC236}">
+                  <a16:creationId xmlns:a16="http://schemas.microsoft.com/office/drawing/2014/main" id="{AD70622F-55AC-4234-87B5-E00EB86D4FDB}"/>
+                </a:ext>
+              </a:extLst>
+            </p:cNvPr>
+            <p:cNvSpPr txBox="1"/>
+            <p:nvPr/>
+          </p:nvSpPr>
+          <p:spPr>
+            <a:xfrm>
+              <a:off x="938725" y="1970450"/>
+              <a:ext cx="106006" cy="113346"/>
+            </a:xfrm>
+            <a:prstGeom prst="rect">
+              <a:avLst/>
+            </a:prstGeom>
+          </p:spPr>
+          <p:style>
+            <a:lnRef idx="0">
+              <a:scrgbClr r="0" g="0" b="0"/>
+            </a:lnRef>
+            <a:fillRef idx="0">
+              <a:scrgbClr r="0" g="0" b="0"/>
+            </a:fillRef>
+            <a:effectRef idx="0">
+              <a:scrgbClr r="0" g="0" b="0"/>
+            </a:effectRef>
+            <a:fontRef idx="minor">
+              <a:schemeClr val="lt1"/>
+            </a:fontRef>
+          </p:style>
+          <p:txBody>
+            <a:bodyPr spcFirstLastPara="0" vert="horz" wrap="square" lIns="0" tIns="0" rIns="0" bIns="0" numCol="1" spcCol="1270" anchor="ctr" anchorCtr="0">
+              <a:noAutofit/>
+            </a:bodyPr>
+            <a:lstStyle/>
+            <a:p>
+              <a:pPr marL="0" lvl="0" indent="0" algn="ctr" defTabSz="311150">
+                <a:lnSpc>
+                  <a:spcPct val="90000"/>
+                </a:lnSpc>
+                <a:spcBef>
+                  <a:spcPct val="0"/>
+                </a:spcBef>
+                <a:spcAft>
+                  <a:spcPct val="35000"/>
+                </a:spcAft>
+                <a:buNone/>
+              </a:pPr>
+              <a:endParaRPr lang="en-US" sz="700" kern="1200"/>
+            </a:p>
+          </p:txBody>
+        </p:sp>
+      </p:grpSp>
+      <p:grpSp>
+        <p:nvGrpSpPr>
+          <p:cNvPr id="21" name="Group 20">
+            <a:extLst>
+              <a:ext uri="{FF2B5EF4-FFF2-40B4-BE49-F238E27FC236}">
+                <a16:creationId xmlns:a16="http://schemas.microsoft.com/office/drawing/2014/main" id="{618E1F37-BB01-48B2-95CA-AF602F666073}"/>
+              </a:ext>
+            </a:extLst>
+          </p:cNvPr>
+          <p:cNvGrpSpPr/>
+          <p:nvPr/>
+        </p:nvGrpSpPr>
+        <p:grpSpPr>
+          <a:xfrm>
+            <a:off x="7020470" y="4962857"/>
+            <a:ext cx="151437" cy="188910"/>
+            <a:chOff x="938725" y="1932668"/>
+            <a:chExt cx="151437" cy="188910"/>
+          </a:xfrm>
+        </p:grpSpPr>
+        <p:sp>
+          <p:nvSpPr>
+            <p:cNvPr id="22" name="Arrow: Right 21">
+              <a:extLst>
+                <a:ext uri="{FF2B5EF4-FFF2-40B4-BE49-F238E27FC236}">
+                  <a16:creationId xmlns:a16="http://schemas.microsoft.com/office/drawing/2014/main" id="{30351003-0DF2-49CF-9D75-F2289F5E9C6D}"/>
+                </a:ext>
+              </a:extLst>
+            </p:cNvPr>
+            <p:cNvSpPr/>
+            <p:nvPr/>
+          </p:nvSpPr>
+          <p:spPr>
+            <a:xfrm>
+              <a:off x="938725" y="1932668"/>
+              <a:ext cx="151437" cy="188910"/>
+            </a:xfrm>
+            <a:prstGeom prst="rightArrow">
+              <a:avLst>
+                <a:gd name="adj1" fmla="val 60000"/>
+                <a:gd name="adj2" fmla="val 50000"/>
+              </a:avLst>
+            </a:prstGeom>
+          </p:spPr>
+          <p:style>
+            <a:lnRef idx="0">
+              <a:schemeClr val="accent1">
+                <a:tint val="60000"/>
+                <a:hueOff val="0"/>
+                <a:satOff val="0"/>
+                <a:lumOff val="0"/>
+                <a:alphaOff val="0"/>
+              </a:schemeClr>
+            </a:lnRef>
+            <a:fillRef idx="1">
+              <a:schemeClr val="accent1">
+                <a:tint val="60000"/>
+                <a:hueOff val="0"/>
+                <a:satOff val="0"/>
+                <a:lumOff val="0"/>
+                <a:alphaOff val="0"/>
+              </a:schemeClr>
+            </a:fillRef>
+            <a:effectRef idx="0">
+              <a:schemeClr val="accent1">
+                <a:tint val="60000"/>
+                <a:hueOff val="0"/>
+                <a:satOff val="0"/>
+                <a:lumOff val="0"/>
+                <a:alphaOff val="0"/>
+              </a:schemeClr>
+            </a:effectRef>
+            <a:fontRef idx="minor">
+              <a:schemeClr val="lt1"/>
+            </a:fontRef>
+          </p:style>
+        </p:sp>
+        <p:sp>
+          <p:nvSpPr>
+            <p:cNvPr id="23" name="Arrow: Right 4">
+              <a:extLst>
+                <a:ext uri="{FF2B5EF4-FFF2-40B4-BE49-F238E27FC236}">
+                  <a16:creationId xmlns:a16="http://schemas.microsoft.com/office/drawing/2014/main" id="{0CBFD700-8916-4850-B641-1DE327590007}"/>
+                </a:ext>
+              </a:extLst>
+            </p:cNvPr>
+            <p:cNvSpPr txBox="1"/>
+            <p:nvPr/>
+          </p:nvSpPr>
+          <p:spPr>
+            <a:xfrm>
+              <a:off x="938725" y="1970450"/>
+              <a:ext cx="106006" cy="113346"/>
+            </a:xfrm>
+            <a:prstGeom prst="rect">
+              <a:avLst/>
+            </a:prstGeom>
+          </p:spPr>
+          <p:style>
+            <a:lnRef idx="0">
+              <a:scrgbClr r="0" g="0" b="0"/>
+            </a:lnRef>
+            <a:fillRef idx="0">
+              <a:scrgbClr r="0" g="0" b="0"/>
+            </a:fillRef>
+            <a:effectRef idx="0">
+              <a:scrgbClr r="0" g="0" b="0"/>
+            </a:effectRef>
+            <a:fontRef idx="minor">
+              <a:schemeClr val="lt1"/>
+            </a:fontRef>
+          </p:style>
+          <p:txBody>
+            <a:bodyPr spcFirstLastPara="0" vert="horz" wrap="square" lIns="0" tIns="0" rIns="0" bIns="0" numCol="1" spcCol="1270" anchor="ctr" anchorCtr="0">
+              <a:noAutofit/>
+            </a:bodyPr>
+            <a:lstStyle/>
+            <a:p>
+              <a:pPr marL="0" lvl="0" indent="0" algn="ctr" defTabSz="311150">
+                <a:lnSpc>
+                  <a:spcPct val="90000"/>
+                </a:lnSpc>
+                <a:spcBef>
+                  <a:spcPct val="0"/>
+                </a:spcBef>
+                <a:spcAft>
+                  <a:spcPct val="35000"/>
+                </a:spcAft>
+                <a:buNone/>
+              </a:pPr>
+              <a:endParaRPr lang="en-US" sz="700" kern="1200"/>
+            </a:p>
+          </p:txBody>
+        </p:sp>
+      </p:grpSp>
+      <p:grpSp>
+        <p:nvGrpSpPr>
+          <p:cNvPr id="24" name="Group 23">
+            <a:extLst>
+              <a:ext uri="{FF2B5EF4-FFF2-40B4-BE49-F238E27FC236}">
+                <a16:creationId xmlns:a16="http://schemas.microsoft.com/office/drawing/2014/main" id="{A984A11E-F074-406C-AF08-EEFBB4D9DFB2}"/>
+              </a:ext>
+            </a:extLst>
+          </p:cNvPr>
+          <p:cNvGrpSpPr/>
+          <p:nvPr/>
+        </p:nvGrpSpPr>
+        <p:grpSpPr>
+          <a:xfrm>
+            <a:off x="8166690" y="4962857"/>
+            <a:ext cx="151437" cy="188910"/>
+            <a:chOff x="938725" y="1932668"/>
+            <a:chExt cx="151437" cy="188910"/>
+          </a:xfrm>
+        </p:grpSpPr>
+        <p:sp>
+          <p:nvSpPr>
+            <p:cNvPr id="25" name="Arrow: Right 24">
+              <a:extLst>
+                <a:ext uri="{FF2B5EF4-FFF2-40B4-BE49-F238E27FC236}">
+                  <a16:creationId xmlns:a16="http://schemas.microsoft.com/office/drawing/2014/main" id="{4AD38A79-0529-4EFC-ABD1-E76AF977C9B3}"/>
+                </a:ext>
+              </a:extLst>
+            </p:cNvPr>
+            <p:cNvSpPr/>
+            <p:nvPr/>
+          </p:nvSpPr>
+          <p:spPr>
+            <a:xfrm>
+              <a:off x="938725" y="1932668"/>
+              <a:ext cx="151437" cy="188910"/>
+            </a:xfrm>
+            <a:prstGeom prst="rightArrow">
+              <a:avLst>
+                <a:gd name="adj1" fmla="val 60000"/>
+                <a:gd name="adj2" fmla="val 50000"/>
+              </a:avLst>
+            </a:prstGeom>
+          </p:spPr>
+          <p:style>
+            <a:lnRef idx="0">
+              <a:schemeClr val="accent1">
+                <a:tint val="60000"/>
+                <a:hueOff val="0"/>
+                <a:satOff val="0"/>
+                <a:lumOff val="0"/>
+                <a:alphaOff val="0"/>
+              </a:schemeClr>
+            </a:lnRef>
+            <a:fillRef idx="1">
+              <a:schemeClr val="accent1">
+                <a:tint val="60000"/>
+                <a:hueOff val="0"/>
+                <a:satOff val="0"/>
+                <a:lumOff val="0"/>
+                <a:alphaOff val="0"/>
+              </a:schemeClr>
+            </a:fillRef>
+            <a:effectRef idx="0">
+              <a:schemeClr val="accent1">
+                <a:tint val="60000"/>
+                <a:hueOff val="0"/>
+                <a:satOff val="0"/>
+                <a:lumOff val="0"/>
+                <a:alphaOff val="0"/>
+              </a:schemeClr>
+            </a:effectRef>
+            <a:fontRef idx="minor">
+              <a:schemeClr val="lt1"/>
+            </a:fontRef>
+          </p:style>
+        </p:sp>
+        <p:sp>
+          <p:nvSpPr>
+            <p:cNvPr id="26" name="Arrow: Right 4">
+              <a:extLst>
+                <a:ext uri="{FF2B5EF4-FFF2-40B4-BE49-F238E27FC236}">
+                  <a16:creationId xmlns:a16="http://schemas.microsoft.com/office/drawing/2014/main" id="{6F13ED53-848D-4CB2-B849-D350A203C603}"/>
+                </a:ext>
+              </a:extLst>
+            </p:cNvPr>
+            <p:cNvSpPr txBox="1"/>
+            <p:nvPr/>
+          </p:nvSpPr>
+          <p:spPr>
+            <a:xfrm>
+              <a:off x="938725" y="1970450"/>
+              <a:ext cx="106006" cy="113346"/>
+            </a:xfrm>
+            <a:prstGeom prst="rect">
+              <a:avLst/>
+            </a:prstGeom>
+          </p:spPr>
+          <p:style>
+            <a:lnRef idx="0">
+              <a:scrgbClr r="0" g="0" b="0"/>
+            </a:lnRef>
+            <a:fillRef idx="0">
+              <a:scrgbClr r="0" g="0" b="0"/>
+            </a:fillRef>
+            <a:effectRef idx="0">
+              <a:scrgbClr r="0" g="0" b="0"/>
+            </a:effectRef>
+            <a:fontRef idx="minor">
+              <a:schemeClr val="lt1"/>
+            </a:fontRef>
+          </p:style>
+          <p:txBody>
+            <a:bodyPr spcFirstLastPara="0" vert="horz" wrap="square" lIns="0" tIns="0" rIns="0" bIns="0" numCol="1" spcCol="1270" anchor="ctr" anchorCtr="0">
+              <a:noAutofit/>
+            </a:bodyPr>
+            <a:lstStyle/>
+            <a:p>
+              <a:pPr marL="0" lvl="0" indent="0" algn="ctr" defTabSz="311150">
+                <a:lnSpc>
+                  <a:spcPct val="90000"/>
+                </a:lnSpc>
+                <a:spcBef>
+                  <a:spcPct val="0"/>
+                </a:spcBef>
+                <a:spcAft>
+                  <a:spcPct val="35000"/>
+                </a:spcAft>
+                <a:buNone/>
+              </a:pPr>
+              <a:endParaRPr lang="en-US" sz="700" kern="1200"/>
+            </a:p>
+          </p:txBody>
+        </p:sp>
+      </p:grpSp>
+    </p:spTree>
+    <p:extLst>
+      <p:ext uri="{BB962C8B-B14F-4D97-AF65-F5344CB8AC3E}">
+        <p14:creationId xmlns:p14="http://schemas.microsoft.com/office/powerpoint/2010/main" val="3766116292"/>
+      </p:ext>
+    </p:extLst>
+  </p:cSld>
+  <p:clrMapOvr>
+    <a:masterClrMapping/>
+  </p:clrMapOvr>
+</p:sld>
+</file>
+
+<file path=ppt/slides/slide4.xml><?xml version="1.0" encoding="utf-8"?>
+<p:sld xmlns:a="http://schemas.openxmlformats.org/drawingml/2006/main" xmlns:r="http://schemas.openxmlformats.org/officeDocument/2006/relationships" xmlns:p="http://schemas.openxmlformats.org/presentationml/2006/main">
+  <p:cSld>
+    <p:spTree>
+      <p:nvGrpSpPr>
+        <p:cNvPr id="1" name=""/>
+        <p:cNvGrpSpPr/>
+        <p:nvPr/>
+      </p:nvGrpSpPr>
+      <p:grpSpPr>
+        <a:xfrm>
+          <a:off x="0" y="0"/>
+          <a:ext cx="0" cy="0"/>
+          <a:chOff x="0" y="0"/>
+          <a:chExt cx="0" cy="0"/>
+        </a:xfrm>
+      </p:grpSpPr>
+      <p:sp>
+        <p:nvSpPr>
+          <p:cNvPr id="2" name="Title 1">
+            <a:extLst>
+              <a:ext uri="{FF2B5EF4-FFF2-40B4-BE49-F238E27FC236}">
+                <a16:creationId xmlns:a16="http://schemas.microsoft.com/office/drawing/2014/main" id="{A8BD38AA-7C59-4CF0-BB32-8914D418E54B}"/>
+              </a:ext>
+            </a:extLst>
+          </p:cNvPr>
+          <p:cNvSpPr>
+            <a:spLocks noGrp="1"/>
+          </p:cNvSpPr>
+          <p:nvPr>
+            <p:ph type="title"/>
+          </p:nvPr>
+        </p:nvSpPr>
+        <p:spPr/>
+        <p:txBody>
+          <a:bodyPr/>
+          <a:lstStyle/>
+          <a:p>
+            <a:r>
+              <a:rPr lang="da-DK" dirty="0"/>
+              <a:t>Customer Portal</a:t>
+            </a:r>
+          </a:p>
+        </p:txBody>
+      </p:sp>
+      <p:sp>
+        <p:nvSpPr>
+          <p:cNvPr id="3" name="Content Placeholder 2">
+            <a:extLst>
+              <a:ext uri="{FF2B5EF4-FFF2-40B4-BE49-F238E27FC236}">
+                <a16:creationId xmlns:a16="http://schemas.microsoft.com/office/drawing/2014/main" id="{DECF4509-2079-416C-BD80-31B810DDFB73}"/>
+              </a:ext>
+            </a:extLst>
+          </p:cNvPr>
+          <p:cNvSpPr>
+            <a:spLocks noGrp="1"/>
+          </p:cNvSpPr>
+          <p:nvPr>
+            <p:ph idx="1"/>
+          </p:nvPr>
+        </p:nvSpPr>
+        <p:spPr/>
+        <p:txBody>
+          <a:bodyPr/>
+          <a:lstStyle/>
+          <a:p>
+            <a:r>
+              <a:rPr lang="da-DK" dirty="0"/>
+              <a:t>Use Case!</a:t>
+            </a:r>
+          </a:p>
+          <a:p>
+            <a:pPr lvl="1"/>
+            <a:r>
+              <a:rPr lang="da-DK" dirty="0"/>
+              <a:t>Business Case</a:t>
+            </a:r>
+          </a:p>
+          <a:p>
+            <a:pPr lvl="1"/>
+            <a:r>
+              <a:rPr lang="da-DK" dirty="0"/>
+              <a:t>Risk Analysis!</a:t>
+            </a:r>
+          </a:p>
+          <a:p>
+            <a:endParaRPr lang="da-DK" dirty="0"/>
+          </a:p>
+          <a:p>
+            <a:r>
+              <a:rPr lang="da-DK" dirty="0"/>
+              <a:t>Handle backup set</a:t>
+            </a:r>
+          </a:p>
+          <a:p>
+            <a:r>
+              <a:rPr lang="da-DK" dirty="0"/>
+              <a:t>Cloud identity</a:t>
+            </a:r>
+          </a:p>
+          <a:p>
+            <a:r>
+              <a:rPr lang="da-DK" dirty="0"/>
+              <a:t>Customer test scripts</a:t>
+            </a:r>
+          </a:p>
+        </p:txBody>
+      </p:sp>
+    </p:spTree>
+    <p:extLst>
+      <p:ext uri="{BB962C8B-B14F-4D97-AF65-F5344CB8AC3E}">
+        <p14:creationId xmlns:p14="http://schemas.microsoft.com/office/powerpoint/2010/main" val="4273711274"/>
+      </p:ext>
+    </p:extLst>
+  </p:cSld>
+  <p:clrMapOvr>
+    <a:masterClrMapping/>
+  </p:clrMapOvr>
+</p:sld>
+</file>
+
+<file path=ppt/slides/slide5.xml><?xml version="1.0" encoding="utf-8"?>
+<p:sld xmlns:a="http://schemas.openxmlformats.org/drawingml/2006/main" xmlns:r="http://schemas.openxmlformats.org/officeDocument/2006/relationships" xmlns:p="http://schemas.openxmlformats.org/presentationml/2006/main">
+  <p:cSld>
+    <p:spTree>
+      <p:nvGrpSpPr>
+        <p:cNvPr id="1" name=""/>
+        <p:cNvGrpSpPr/>
+        <p:nvPr/>
+      </p:nvGrpSpPr>
+      <p:grpSpPr>
+        <a:xfrm>
+          <a:off x="0" y="0"/>
+          <a:ext cx="0" cy="0"/>
+          <a:chOff x="0" y="0"/>
+          <a:chExt cx="0" cy="0"/>
+        </a:xfrm>
+      </p:grpSpPr>
+      <p:sp>
+        <p:nvSpPr>
+          <p:cNvPr id="2" name="Title 1">
+            <a:extLst>
+              <a:ext uri="{FF2B5EF4-FFF2-40B4-BE49-F238E27FC236}">
+                <a16:creationId xmlns:a16="http://schemas.microsoft.com/office/drawing/2014/main" id="{27047296-4EEE-4F77-943A-04A2DA2B9BB5}"/>
+              </a:ext>
+            </a:extLst>
+          </p:cNvPr>
+          <p:cNvSpPr>
+            <a:spLocks noGrp="1"/>
+          </p:cNvSpPr>
+          <p:nvPr>
+            <p:ph type="title"/>
+          </p:nvPr>
+        </p:nvSpPr>
+        <p:spPr/>
+        <p:txBody>
+          <a:bodyPr/>
+          <a:lstStyle/>
+          <a:p>
+            <a:r>
+              <a:rPr lang="da-DK" dirty="0"/>
+              <a:t>Infrastructure</a:t>
+            </a:r>
+          </a:p>
+        </p:txBody>
+      </p:sp>
+      <p:sp>
+        <p:nvSpPr>
+          <p:cNvPr id="3" name="Content Placeholder 2">
+            <a:extLst>
+              <a:ext uri="{FF2B5EF4-FFF2-40B4-BE49-F238E27FC236}">
+                <a16:creationId xmlns:a16="http://schemas.microsoft.com/office/drawing/2014/main" id="{112338D2-C920-4241-A24D-63CFD1D49EE9}"/>
+              </a:ext>
+            </a:extLst>
+          </p:cNvPr>
+          <p:cNvSpPr>
+            <a:spLocks noGrp="1"/>
+          </p:cNvSpPr>
+          <p:nvPr>
+            <p:ph idx="1"/>
+          </p:nvPr>
+        </p:nvSpPr>
+        <p:spPr/>
+        <p:txBody>
+          <a:bodyPr/>
+          <a:lstStyle/>
+          <a:p>
+            <a:r>
+              <a:rPr lang="da-DK" dirty="0"/>
+              <a:t>Transport</a:t>
+            </a:r>
+          </a:p>
+          <a:p>
+            <a:r>
+              <a:rPr lang="da-DK" dirty="0"/>
+              <a:t>Landing zone – Azure Blob Store</a:t>
+            </a:r>
+          </a:p>
+          <a:p>
+            <a:r>
+              <a:rPr lang="da-DK" dirty="0"/>
+              <a:t>Analysis – Metadata</a:t>
+            </a:r>
+          </a:p>
+          <a:p>
+            <a:r>
+              <a:rPr lang="da-DK" dirty="0"/>
+              <a:t>MSSQL engine support</a:t>
+            </a:r>
+          </a:p>
+          <a:p>
+            <a:r>
+              <a:rPr lang="da-DK" dirty="0"/>
+              <a:t>MSSQL version support</a:t>
+            </a:r>
+          </a:p>
+        </p:txBody>
+      </p:sp>
+    </p:spTree>
+    <p:extLst>
+      <p:ext uri="{BB962C8B-B14F-4D97-AF65-F5344CB8AC3E}">
+        <p14:creationId xmlns:p14="http://schemas.microsoft.com/office/powerpoint/2010/main" val="2776330989"/>
+      </p:ext>
+    </p:extLst>
+  </p:cSld>
+  <p:clrMapOvr>
+    <a:masterClrMapping/>
+  </p:clrMapOvr>
+</p:sld>
+</file>
+
+<file path=ppt/slides/slide6.xml><?xml version="1.0" encoding="utf-8"?>
+<p:sld xmlns:a="http://schemas.openxmlformats.org/drawingml/2006/main" xmlns:r="http://schemas.openxmlformats.org/officeDocument/2006/relationships" xmlns:p="http://schemas.openxmlformats.org/presentationml/2006/main">
+  <p:cSld>
+    <p:spTree>
+      <p:nvGrpSpPr>
+        <p:cNvPr id="1" name=""/>
+        <p:cNvGrpSpPr/>
+        <p:nvPr/>
+      </p:nvGrpSpPr>
+      <p:grpSpPr>
+        <a:xfrm>
+          <a:off x="0" y="0"/>
+          <a:ext cx="0" cy="0"/>
+          <a:chOff x="0" y="0"/>
+          <a:chExt cx="0" cy="0"/>
+        </a:xfrm>
+      </p:grpSpPr>
+      <p:sp>
+        <p:nvSpPr>
+          <p:cNvPr id="2" name="Title 1">
+            <a:extLst>
+              <a:ext uri="{FF2B5EF4-FFF2-40B4-BE49-F238E27FC236}">
+                <a16:creationId xmlns:a16="http://schemas.microsoft.com/office/drawing/2014/main" id="{A498414B-BA88-494C-8764-BA3CDA857916}"/>
+              </a:ext>
+            </a:extLst>
+          </p:cNvPr>
+          <p:cNvSpPr>
+            <a:spLocks noGrp="1"/>
+          </p:cNvSpPr>
+          <p:nvPr>
+            <p:ph type="title"/>
+          </p:nvPr>
+        </p:nvSpPr>
+        <p:spPr/>
+        <p:txBody>
+          <a:bodyPr/>
+          <a:lstStyle/>
+          <a:p>
+            <a:r>
+              <a:rPr lang="da-DK" dirty="0"/>
+              <a:t>Process</a:t>
+            </a:r>
+          </a:p>
+        </p:txBody>
+      </p:sp>
+      <p:sp>
+        <p:nvSpPr>
+          <p:cNvPr id="3" name="Content Placeholder 2">
+            <a:extLst>
+              <a:ext uri="{FF2B5EF4-FFF2-40B4-BE49-F238E27FC236}">
+                <a16:creationId xmlns:a16="http://schemas.microsoft.com/office/drawing/2014/main" id="{64A31FF4-B6A4-489C-AA6D-1F1AA2485149}"/>
+              </a:ext>
+            </a:extLst>
+          </p:cNvPr>
+          <p:cNvSpPr>
+            <a:spLocks noGrp="1"/>
+          </p:cNvSpPr>
+          <p:nvPr>
+            <p:ph idx="1"/>
+          </p:nvPr>
+        </p:nvSpPr>
+        <p:spPr/>
+        <p:txBody>
+          <a:bodyPr>
+            <a:normAutofit fontScale="47500" lnSpcReduction="20000"/>
+          </a:bodyPr>
+          <a:lstStyle/>
+          <a:p>
+            <a:r>
+              <a:rPr lang="da-DK" dirty="0"/>
+              <a:t>Identify</a:t>
+            </a:r>
+          </a:p>
+          <a:p>
+            <a:r>
+              <a:rPr lang="da-DK" dirty="0"/>
+              <a:t>Get backup set</a:t>
+            </a:r>
+          </a:p>
+          <a:p>
+            <a:pPr lvl="1"/>
+            <a:r>
+              <a:rPr lang="da-DK" dirty="0"/>
+              <a:t>Get customer test – verify</a:t>
+            </a:r>
+          </a:p>
+          <a:p>
+            <a:r>
+              <a:rPr lang="da-DK" dirty="0"/>
+              <a:t>Analyse backup set; configuration, capacity etc.</a:t>
+            </a:r>
+          </a:p>
+          <a:p>
+            <a:pPr lvl="1"/>
+            <a:r>
+              <a:rPr lang="da-DK" dirty="0"/>
+              <a:t>Get backup history from source?</a:t>
+            </a:r>
+          </a:p>
+          <a:p>
+            <a:r>
+              <a:rPr lang="da-DK" dirty="0"/>
+              <a:t>Build</a:t>
+            </a:r>
+          </a:p>
+          <a:p>
+            <a:pPr lvl="1"/>
+            <a:r>
+              <a:rPr lang="da-DK" dirty="0"/>
+              <a:t>Infrastructure</a:t>
+            </a:r>
+          </a:p>
+          <a:p>
+            <a:pPr lvl="1"/>
+            <a:r>
+              <a:rPr lang="da-DK" dirty="0"/>
+              <a:t>Platform</a:t>
+            </a:r>
+          </a:p>
+          <a:p>
+            <a:r>
+              <a:rPr lang="da-DK" dirty="0"/>
+              <a:t>Test backup set</a:t>
+            </a:r>
+          </a:p>
+          <a:p>
+            <a:r>
+              <a:rPr lang="da-DK" dirty="0"/>
+              <a:t>Recover Database</a:t>
+            </a:r>
+          </a:p>
+          <a:p>
+            <a:r>
+              <a:rPr lang="da-DK" dirty="0"/>
+              <a:t>Test database</a:t>
+            </a:r>
+          </a:p>
+          <a:p>
+            <a:pPr lvl="1"/>
+            <a:r>
+              <a:rPr lang="da-DK" dirty="0"/>
+              <a:t>System test</a:t>
+            </a:r>
+          </a:p>
+          <a:p>
+            <a:pPr lvl="1"/>
+            <a:r>
+              <a:rPr lang="da-DK" dirty="0"/>
+              <a:t>Customer test</a:t>
+            </a:r>
+          </a:p>
+          <a:p>
+            <a:r>
+              <a:rPr lang="da-DK" dirty="0"/>
+              <a:t>Report</a:t>
+            </a:r>
+          </a:p>
+          <a:p>
+            <a:pPr lvl="1"/>
+            <a:r>
+              <a:rPr lang="da-DK" dirty="0"/>
+              <a:t>System</a:t>
+            </a:r>
+          </a:p>
+          <a:p>
+            <a:pPr lvl="1"/>
+            <a:r>
+              <a:rPr lang="da-DK" dirty="0"/>
+              <a:t>Customer (business)</a:t>
+            </a:r>
+          </a:p>
+          <a:p>
+            <a:pPr lvl="1"/>
+            <a:r>
+              <a:rPr lang="da-DK" dirty="0"/>
+              <a:t>Status</a:t>
+            </a:r>
+          </a:p>
+          <a:p>
+            <a:r>
+              <a:rPr lang="da-DK" dirty="0"/>
+              <a:t>Erase</a:t>
+            </a:r>
+          </a:p>
+          <a:p>
+            <a:pPr lvl="1"/>
+            <a:r>
+              <a:rPr lang="da-DK" dirty="0"/>
+              <a:t>Platform</a:t>
+            </a:r>
+          </a:p>
+          <a:p>
+            <a:pPr lvl="1"/>
+            <a:r>
+              <a:rPr lang="da-DK" dirty="0"/>
+              <a:t>Infrastructure</a:t>
+            </a:r>
+          </a:p>
+          <a:p>
+            <a:pPr lvl="1"/>
+            <a:r>
+              <a:rPr lang="da-DK" dirty="0"/>
+              <a:t>Backup set</a:t>
+            </a:r>
+          </a:p>
+        </p:txBody>
+      </p:sp>
+      <p:sp>
+        <p:nvSpPr>
+          <p:cNvPr id="4" name="Rectangle: Rounded Corners 3">
+            <a:extLst>
+              <a:ext uri="{FF2B5EF4-FFF2-40B4-BE49-F238E27FC236}">
+                <a16:creationId xmlns:a16="http://schemas.microsoft.com/office/drawing/2014/main" id="{9F4F165F-9DAF-4DD1-9D66-7DC13752EFAD}"/>
+              </a:ext>
+            </a:extLst>
+          </p:cNvPr>
+          <p:cNvSpPr/>
+          <p:nvPr/>
+        </p:nvSpPr>
+        <p:spPr>
+          <a:xfrm>
+            <a:off x="5867400" y="1417638"/>
+            <a:ext cx="2438400" cy="990600"/>
+          </a:xfrm>
+          <a:prstGeom prst="roundRect">
+            <a:avLst/>
+          </a:prstGeom>
+        </p:spPr>
+        <p:style>
+          <a:lnRef idx="2">
+            <a:schemeClr val="accent1">
+              <a:shade val="50000"/>
+            </a:schemeClr>
+          </a:lnRef>
+          <a:fillRef idx="1">
+            <a:schemeClr val="accent1"/>
+          </a:fillRef>
+          <a:effectRef idx="0">
+            <a:schemeClr val="accent1"/>
+          </a:effectRef>
+          <a:fontRef idx="minor">
+            <a:schemeClr val="lt1"/>
+          </a:fontRef>
+        </p:style>
+        <p:txBody>
+          <a:bodyPr rtlCol="0" anchor="ctr"/>
+          <a:lstStyle/>
+          <a:p>
+            <a:pPr algn="ctr"/>
+            <a:r>
+              <a:rPr lang="da-DK" dirty="0"/>
+              <a:t>Make</a:t>
+            </a:r>
+          </a:p>
+          <a:p>
+            <a:pPr algn="ctr"/>
+            <a:r>
+              <a:rPr lang="da-DK" dirty="0"/>
+              <a:t>Swim-Lane model</a:t>
+            </a:r>
+          </a:p>
+        </p:txBody>
+      </p:sp>
+    </p:spTree>
+    <p:extLst>
+      <p:ext uri="{BB962C8B-B14F-4D97-AF65-F5344CB8AC3E}">
+        <p14:creationId xmlns:p14="http://schemas.microsoft.com/office/powerpoint/2010/main" val="2400220823"/>
+      </p:ext>
+    </p:extLst>
+  </p:cSld>
+  <p:clrMapOvr>
+    <a:masterClrMapping/>
+  </p:clrMapOvr>
+</p:sld>
+</file>
+
+<file path=ppt/slides/slide7.xml><?xml version="1.0" encoding="utf-8"?>
+<p:sld xmlns:a="http://schemas.openxmlformats.org/drawingml/2006/main" xmlns:r="http://schemas.openxmlformats.org/officeDocument/2006/relationships" xmlns:p="http://schemas.openxmlformats.org/presentationml/2006/main">
+  <p:cSld>
+    <p:spTree>
+      <p:nvGrpSpPr>
+        <p:cNvPr id="1" name=""/>
+        <p:cNvGrpSpPr/>
+        <p:nvPr/>
+      </p:nvGrpSpPr>
+      <p:grpSpPr>
+        <a:xfrm>
+          <a:off x="0" y="0"/>
+          <a:ext cx="0" cy="0"/>
+          <a:chOff x="0" y="0"/>
+          <a:chExt cx="0" cy="0"/>
+        </a:xfrm>
+      </p:grpSpPr>
+      <p:sp>
+        <p:nvSpPr>
+          <p:cNvPr id="2" name="Title 1">
+            <a:extLst>
+              <a:ext uri="{FF2B5EF4-FFF2-40B4-BE49-F238E27FC236}">
+                <a16:creationId xmlns:a16="http://schemas.microsoft.com/office/drawing/2014/main" id="{2BDA2207-FE65-432D-91A3-FD0E775C6269}"/>
+              </a:ext>
+            </a:extLst>
+          </p:cNvPr>
+          <p:cNvSpPr>
+            <a:spLocks noGrp="1"/>
+          </p:cNvSpPr>
+          <p:nvPr>
+            <p:ph type="title"/>
+          </p:nvPr>
+        </p:nvSpPr>
+        <p:spPr/>
+        <p:txBody>
+          <a:bodyPr/>
+          <a:lstStyle/>
+          <a:p>
+            <a:r>
+              <a:rPr lang="da-DK" dirty="0"/>
+              <a:t>Risk Analysis</a:t>
+            </a:r>
+          </a:p>
+        </p:txBody>
+      </p:sp>
+      <p:sp>
+        <p:nvSpPr>
+          <p:cNvPr id="3" name="Content Placeholder 2">
+            <a:extLst>
+              <a:ext uri="{FF2B5EF4-FFF2-40B4-BE49-F238E27FC236}">
+                <a16:creationId xmlns:a16="http://schemas.microsoft.com/office/drawing/2014/main" id="{079367D8-1956-4B93-A4B6-3C0D56079B88}"/>
+              </a:ext>
+            </a:extLst>
+          </p:cNvPr>
+          <p:cNvSpPr>
+            <a:spLocks noGrp="1"/>
+          </p:cNvSpPr>
+          <p:nvPr>
+            <p:ph idx="1"/>
+          </p:nvPr>
+        </p:nvSpPr>
+        <p:spPr/>
+        <p:txBody>
+          <a:bodyPr>
+            <a:normAutofit fontScale="92500" lnSpcReduction="10000"/>
+          </a:bodyPr>
+          <a:lstStyle/>
+          <a:p>
+            <a:r>
+              <a:rPr lang="da-DK" dirty="0"/>
+              <a:t>Risk Type { Business, Security }</a:t>
+            </a:r>
+          </a:p>
+          <a:p>
+            <a:r>
+              <a:rPr lang="da-DK" dirty="0"/>
+              <a:t>Asset; prose text</a:t>
+            </a:r>
+          </a:p>
+          <a:p>
+            <a:r>
+              <a:rPr lang="da-DK" dirty="0"/>
+              <a:t>Vulnability; prose text</a:t>
+            </a:r>
+          </a:p>
+          <a:p>
+            <a:r>
+              <a:rPr lang="da-DK" dirty="0"/>
+              <a:t>Exploit; prose text on vulnability</a:t>
+            </a:r>
+          </a:p>
+          <a:p>
+            <a:r>
+              <a:rPr lang="da-DK" dirty="0"/>
+              <a:t>Probability (p) { 1 - 5 }</a:t>
+            </a:r>
+          </a:p>
+          <a:p>
+            <a:pPr lvl="1"/>
+            <a:r>
+              <a:rPr lang="da-DK" dirty="0"/>
+              <a:t>zero == certain</a:t>
+            </a:r>
+          </a:p>
+          <a:p>
+            <a:r>
+              <a:rPr lang="da-DK" dirty="0"/>
+              <a:t>Impact (I) { 1 -4 }</a:t>
+            </a:r>
+          </a:p>
+          <a:p>
+            <a:pPr lvl="1"/>
+            <a:r>
+              <a:rPr lang="da-DK" dirty="0"/>
+              <a:t>zero == always</a:t>
+            </a:r>
+          </a:p>
+          <a:p>
+            <a:r>
+              <a:rPr lang="da-DK" dirty="0"/>
+              <a:t>Risk (R) = P * I { 1 – 20 }</a:t>
+            </a:r>
+          </a:p>
+        </p:txBody>
+      </p:sp>
+    </p:spTree>
+    <p:extLst>
+      <p:ext uri="{BB962C8B-B14F-4D97-AF65-F5344CB8AC3E}">
+        <p14:creationId xmlns:p14="http://schemas.microsoft.com/office/powerpoint/2010/main" val="3384168537"/>
+      </p:ext>
+    </p:extLst>
+  </p:cSld>
+  <p:clrMapOvr>
+    <a:masterClrMapping/>
+  </p:clrMapOvr>
+</p:sld>
+</file>
+
+<file path=ppt/slides/slide8.xml><?xml version="1.0" encoding="utf-8"?>
+<p:sld xmlns:a="http://schemas.openxmlformats.org/drawingml/2006/main" xmlns:r="http://schemas.openxmlformats.org/officeDocument/2006/relationships" xmlns:p="http://schemas.openxmlformats.org/presentationml/2006/main">
+  <p:cSld>
+    <p:spTree>
+      <p:nvGrpSpPr>
+        <p:cNvPr id="1" name=""/>
+        <p:cNvGrpSpPr/>
+        <p:nvPr/>
+      </p:nvGrpSpPr>
+      <p:grpSpPr>
+        <a:xfrm>
+          <a:off x="0" y="0"/>
+          <a:ext cx="0" cy="0"/>
+          <a:chOff x="0" y="0"/>
+          <a:chExt cx="0" cy="0"/>
+        </a:xfrm>
+      </p:grpSpPr>
+      <p:sp>
+        <p:nvSpPr>
+          <p:cNvPr id="2" name="Title 1">
+            <a:extLst>
+              <a:ext uri="{FF2B5EF4-FFF2-40B4-BE49-F238E27FC236}">
+                <a16:creationId xmlns:a16="http://schemas.microsoft.com/office/drawing/2014/main" id="{E83D2D8E-5959-4E62-BA77-67858DA1CE4D}"/>
+              </a:ext>
+            </a:extLst>
+          </p:cNvPr>
+          <p:cNvSpPr>
+            <a:spLocks noGrp="1"/>
+          </p:cNvSpPr>
+          <p:nvPr>
+            <p:ph type="title"/>
+          </p:nvPr>
+        </p:nvSpPr>
+        <p:spPr/>
+        <p:txBody>
+          <a:bodyPr/>
+          <a:lstStyle/>
+          <a:p>
+            <a:r>
+              <a:rPr lang="da-DK" dirty="0"/>
+              <a:t>Handle Risk</a:t>
+            </a:r>
+          </a:p>
+        </p:txBody>
+      </p:sp>
+      <p:sp>
+        <p:nvSpPr>
+          <p:cNvPr id="3" name="Content Placeholder 2">
+            <a:extLst>
+              <a:ext uri="{FF2B5EF4-FFF2-40B4-BE49-F238E27FC236}">
+                <a16:creationId xmlns:a16="http://schemas.microsoft.com/office/drawing/2014/main" id="{4681C161-F64D-4017-B7E3-EF1CA04E547C}"/>
+              </a:ext>
+            </a:extLst>
+          </p:cNvPr>
+          <p:cNvSpPr>
+            <a:spLocks noGrp="1"/>
+          </p:cNvSpPr>
+          <p:nvPr>
+            <p:ph idx="1"/>
+          </p:nvPr>
+        </p:nvSpPr>
+        <p:spPr/>
+        <p:txBody>
+          <a:bodyPr/>
+          <a:lstStyle/>
+          <a:p>
+            <a:r>
+              <a:rPr lang="da-DK" dirty="0"/>
+              <a:t>Acceptance</a:t>
+            </a:r>
+          </a:p>
+          <a:p>
+            <a:r>
+              <a:rPr lang="da-DK" dirty="0"/>
+              <a:t>Avoidance</a:t>
+            </a:r>
+          </a:p>
+          <a:p>
+            <a:r>
+              <a:rPr lang="da-DK" dirty="0"/>
+              <a:t>Transfer</a:t>
+            </a:r>
+          </a:p>
+          <a:p>
+            <a:r>
+              <a:rPr lang="da-DK" dirty="0"/>
+              <a:t>Mitigation</a:t>
+            </a:r>
+          </a:p>
+          <a:p>
+            <a:pPr marL="0" indent="0">
+              <a:buNone/>
+            </a:pPr>
+            <a:endParaRPr lang="da-DK" dirty="0"/>
+          </a:p>
+          <a:p>
+            <a:pPr marL="0" indent="0">
+              <a:buNone/>
+            </a:pPr>
+            <a:r>
+              <a:rPr lang="da-DK" dirty="0"/>
+              <a:t>ref.: IT Infrastructure, sec 7.2</a:t>
+            </a:r>
+          </a:p>
+        </p:txBody>
+      </p:sp>
+    </p:spTree>
+    <p:extLst>
+      <p:ext uri="{BB962C8B-B14F-4D97-AF65-F5344CB8AC3E}">
+        <p14:creationId xmlns:p14="http://schemas.microsoft.com/office/powerpoint/2010/main" val="2400481756"/>
+      </p:ext>
+    </p:extLst>
+  </p:cSld>
+  <p:clrMapOvr>
+    <a:masterClrMapping/>
+  </p:clrMapOvr>
+</p:sld>
+</file>
+
+<file path=ppt/slides/slide9.xml><?xml version="1.0" encoding="utf-8"?>
+<p:sld xmlns:a="http://schemas.openxmlformats.org/drawingml/2006/main" xmlns:r="http://schemas.openxmlformats.org/officeDocument/2006/relationships" xmlns:p="http://schemas.openxmlformats.org/presentationml/2006/main">
+  <p:cSld>
+    <p:spTree>
+      <p:nvGrpSpPr>
+        <p:cNvPr id="1" name=""/>
+        <p:cNvGrpSpPr/>
+        <p:nvPr/>
+      </p:nvGrpSpPr>
+      <p:grpSpPr>
+        <a:xfrm>
+          <a:off x="0" y="0"/>
+          <a:ext cx="0" cy="0"/>
+          <a:chOff x="0" y="0"/>
+          <a:chExt cx="0" cy="0"/>
+        </a:xfrm>
+      </p:grpSpPr>
+      <p:sp>
+        <p:nvSpPr>
+          <p:cNvPr id="2" name="Title 1">
+            <a:extLst>
+              <a:ext uri="{FF2B5EF4-FFF2-40B4-BE49-F238E27FC236}">
+                <a16:creationId xmlns:a16="http://schemas.microsoft.com/office/drawing/2014/main" id="{13992C67-BFD0-417D-A7A7-8AE37EC12C2A}"/>
+              </a:ext>
+            </a:extLst>
+          </p:cNvPr>
+          <p:cNvSpPr>
+            <a:spLocks noGrp="1"/>
+          </p:cNvSpPr>
+          <p:nvPr>
+            <p:ph type="title"/>
+          </p:nvPr>
+        </p:nvSpPr>
+        <p:spPr/>
+        <p:txBody>
+          <a:bodyPr/>
+          <a:lstStyle/>
+          <a:p>
+            <a:r>
+              <a:rPr lang="da-DK" dirty="0"/>
+              <a:t>Recovery Test - Features</a:t>
+            </a:r>
+          </a:p>
+        </p:txBody>
+      </p:sp>
+      <p:sp>
+        <p:nvSpPr>
+          <p:cNvPr id="3" name="Content Placeholder 2">
+            <a:extLst>
+              <a:ext uri="{FF2B5EF4-FFF2-40B4-BE49-F238E27FC236}">
+                <a16:creationId xmlns:a16="http://schemas.microsoft.com/office/drawing/2014/main" id="{9C3C4AE4-B99F-42D9-80AB-983CC970D99F}"/>
+              </a:ext>
+            </a:extLst>
+          </p:cNvPr>
+          <p:cNvSpPr>
+            <a:spLocks noGrp="1"/>
+          </p:cNvSpPr>
+          <p:nvPr>
+            <p:ph idx="1"/>
+          </p:nvPr>
+        </p:nvSpPr>
+        <p:spPr/>
+        <p:txBody>
+          <a:bodyPr/>
+          <a:lstStyle/>
+          <a:p>
+            <a:r>
+              <a:rPr lang="da-DK" dirty="0"/>
+              <a:t>Encryption: TDE, Always Encrypted, backup set</a:t>
+            </a:r>
+          </a:p>
+          <a:p>
+            <a:r>
+              <a:rPr lang="da-DK" dirty="0"/>
+              <a:t>Filestream: MSSQL, version</a:t>
+            </a:r>
+          </a:p>
+          <a:p>
+            <a:r>
+              <a:rPr lang="da-DK" dirty="0"/>
+              <a:t>Filegroup backup</a:t>
+            </a:r>
+          </a:p>
+          <a:p>
+            <a:r>
+              <a:rPr lang="da-DK" dirty="0"/>
+              <a:t>msdb (system database)</a:t>
+            </a:r>
+          </a:p>
+          <a:p>
+            <a:r>
+              <a:rPr lang="da-DK" dirty="0"/>
+              <a:t>master – unique recovery</a:t>
+            </a:r>
+          </a:p>
+          <a:p>
+            <a:r>
+              <a:rPr lang="da-DK" dirty="0"/>
+              <a:t>SSIS Catalog</a:t>
+            </a:r>
+          </a:p>
+          <a:p>
+            <a:r>
+              <a:rPr lang="da-DK" dirty="0"/>
+              <a:t>MDS</a:t>
+            </a:r>
+          </a:p>
+        </p:txBody>
+      </p:sp>
+    </p:spTree>
+    <p:extLst>
+      <p:ext uri="{BB962C8B-B14F-4D97-AF65-F5344CB8AC3E}">
+        <p14:creationId xmlns:p14="http://schemas.microsoft.com/office/powerpoint/2010/main" val="2338000840"/>
+      </p:ext>
+    </p:extLst>
+  </p:cSld>
+  <p:clrMapOvr>
+    <a:masterClrMapping/>
+  </p:clrMapOvr>
+</p:sld>
+</file>
+
 <file path=ppt/theme/theme1.xml><?xml version="1.0" encoding="utf-8"?>
 <a:theme xmlns:a="http://schemas.openxmlformats.org/drawingml/2006/main" name="Office Theme">
   <a:themeElements>

--- a/Documentation/MsSqlRecoveryTester.Concepts.pptx
+++ b/Documentation/MsSqlRecoveryTester.Concepts.pptx
@@ -4,6 +4,9 @@
   <p:sldMasterIdLst>
     <p:sldMasterId id="2147483648" r:id="rId1"/>
   </p:sldMasterIdLst>
+  <p:notesMasterIdLst>
+    <p:notesMasterId r:id="rId11"/>
+  </p:notesMasterIdLst>
   <p:sldIdLst>
     <p:sldId id="256" r:id="rId2"/>
     <p:sldId id="257" r:id="rId3"/>
@@ -1159,7 +1162,7 @@
         <a:p>
           <a:r>
             <a:rPr lang="en-US" dirty="0"/>
-            <a:t>Configuration</a:t>
+            <a:t>Configuration (Features)</a:t>
           </a:r>
         </a:p>
       </dgm:t>
@@ -1586,6 +1589,114 @@
         </a:p>
       </dgm:t>
     </dgm:pt>
+    <dgm:pt modelId="{0691445B-1196-4650-BA5A-7CD5A3350553}">
+      <dgm:prSet phldrT="[Text]"/>
+      <dgm:spPr/>
+      <dgm:t>
+        <a:bodyPr/>
+        <a:lstStyle/>
+        <a:p>
+          <a:r>
+            <a:rPr lang="en-US" dirty="0"/>
+            <a:t>Cleanup</a:t>
+          </a:r>
+        </a:p>
+      </dgm:t>
+    </dgm:pt>
+    <dgm:pt modelId="{5DA4DA25-D2F8-41BF-B536-2C40DBB746D7}" type="parTrans" cxnId="{8C8E1FA7-BE27-4E3B-9F86-6B0A4C507166}">
+      <dgm:prSet/>
+      <dgm:spPr/>
+      <dgm:t>
+        <a:bodyPr/>
+        <a:lstStyle/>
+        <a:p>
+          <a:endParaRPr lang="da-DK"/>
+        </a:p>
+      </dgm:t>
+    </dgm:pt>
+    <dgm:pt modelId="{03B9520E-EF56-420A-B5DF-52B5D9F7A6A5}" type="sibTrans" cxnId="{8C8E1FA7-BE27-4E3B-9F86-6B0A4C507166}">
+      <dgm:prSet/>
+      <dgm:spPr/>
+      <dgm:t>
+        <a:bodyPr/>
+        <a:lstStyle/>
+        <a:p>
+          <a:endParaRPr lang="da-DK"/>
+        </a:p>
+      </dgm:t>
+    </dgm:pt>
+    <dgm:pt modelId="{1059B3D3-915E-4391-8D5F-E03C7752CAFB}">
+      <dgm:prSet phldrT="[Text]"/>
+      <dgm:spPr/>
+      <dgm:t>
+        <a:bodyPr/>
+        <a:lstStyle/>
+        <a:p>
+          <a:r>
+            <a:rPr lang="en-US" dirty="0"/>
+            <a:t>Database</a:t>
+          </a:r>
+        </a:p>
+      </dgm:t>
+    </dgm:pt>
+    <dgm:pt modelId="{9701CBAF-58C8-48AB-B129-AE53B786ECF3}" type="parTrans" cxnId="{7615E644-DBA7-4E1B-9D08-8FCF11FF8A80}">
+      <dgm:prSet/>
+      <dgm:spPr/>
+      <dgm:t>
+        <a:bodyPr/>
+        <a:lstStyle/>
+        <a:p>
+          <a:endParaRPr lang="da-DK"/>
+        </a:p>
+      </dgm:t>
+    </dgm:pt>
+    <dgm:pt modelId="{D16BBFAF-D28E-499C-AA88-A087268EDD84}" type="sibTrans" cxnId="{7615E644-DBA7-4E1B-9D08-8FCF11FF8A80}">
+      <dgm:prSet/>
+      <dgm:spPr/>
+      <dgm:t>
+        <a:bodyPr/>
+        <a:lstStyle/>
+        <a:p>
+          <a:endParaRPr lang="da-DK"/>
+        </a:p>
+      </dgm:t>
+    </dgm:pt>
+    <dgm:pt modelId="{5E3574A7-A551-4BE6-B3D6-61FD3F1C0B90}">
+      <dgm:prSet phldrT="[Text]"/>
+      <dgm:spPr/>
+      <dgm:t>
+        <a:bodyPr/>
+        <a:lstStyle/>
+        <a:p>
+          <a:r>
+            <a:rPr lang="en-US" dirty="0"/>
+            <a:t>Backup set</a:t>
+          </a:r>
+        </a:p>
+      </dgm:t>
+    </dgm:pt>
+    <dgm:pt modelId="{F662931B-9EC7-404B-AC8A-569B077EF776}" type="parTrans" cxnId="{0375C84A-24CD-415A-93AA-27935D1E4C1D}">
+      <dgm:prSet/>
+      <dgm:spPr/>
+      <dgm:t>
+        <a:bodyPr/>
+        <a:lstStyle/>
+        <a:p>
+          <a:endParaRPr lang="da-DK"/>
+        </a:p>
+      </dgm:t>
+    </dgm:pt>
+    <dgm:pt modelId="{734AEECF-7235-421F-A044-87B64C62A4C5}" type="sibTrans" cxnId="{0375C84A-24CD-415A-93AA-27935D1E4C1D}">
+      <dgm:prSet/>
+      <dgm:spPr/>
+      <dgm:t>
+        <a:bodyPr/>
+        <a:lstStyle/>
+        <a:p>
+          <a:endParaRPr lang="da-DK"/>
+        </a:p>
+      </dgm:t>
+    </dgm:pt>
     <dgm:pt modelId="{486D9A37-AB3F-4BD7-A508-0857317AB0AB}" type="pres">
       <dgm:prSet presAssocID="{05A2A666-C2AA-44F5-AE5E-B6D075A8A01C}" presName="Name0" presStyleCnt="0">
         <dgm:presLayoutVars>
@@ -1600,7 +1711,7 @@
       <dgm:spPr/>
     </dgm:pt>
     <dgm:pt modelId="{0EE031CF-09EC-4211-B419-9A75B30AA316}" type="pres">
-      <dgm:prSet presAssocID="{F4790FF3-1826-421D-BEB6-E5A90514D83B}" presName="imagSh" presStyleLbl="bgImgPlace1" presStyleIdx="0" presStyleCnt="7"/>
+      <dgm:prSet presAssocID="{F4790FF3-1826-421D-BEB6-E5A90514D83B}" presName="imagSh" presStyleLbl="bgImgPlace1" presStyleIdx="0" presStyleCnt="8"/>
       <dgm:spPr>
         <a:blipFill>
           <a:blip xmlns:r="http://schemas.openxmlformats.org/officeDocument/2006/relationships" r:embed="rId1" cstate="print">
@@ -1621,7 +1732,7 @@
       </dgm:spPr>
     </dgm:pt>
     <dgm:pt modelId="{96B4A9A9-9508-4DDC-BDDD-6C847151EA0D}" type="pres">
-      <dgm:prSet presAssocID="{F4790FF3-1826-421D-BEB6-E5A90514D83B}" presName="txNode" presStyleLbl="node1" presStyleIdx="0" presStyleCnt="7">
+      <dgm:prSet presAssocID="{F4790FF3-1826-421D-BEB6-E5A90514D83B}" presName="txNode" presStyleLbl="node1" presStyleIdx="0" presStyleCnt="8">
         <dgm:presLayoutVars>
           <dgm:bulletEnabled val="1"/>
         </dgm:presLayoutVars>
@@ -1629,11 +1740,11 @@
       <dgm:spPr/>
     </dgm:pt>
     <dgm:pt modelId="{3BFE17F0-16D8-410B-9E73-9189BA87476A}" type="pres">
-      <dgm:prSet presAssocID="{C95D1DD7-0EDC-46B7-8BF5-4F95326559DE}" presName="sibTrans" presStyleLbl="sibTrans2D1" presStyleIdx="0" presStyleCnt="6"/>
+      <dgm:prSet presAssocID="{C95D1DD7-0EDC-46B7-8BF5-4F95326559DE}" presName="sibTrans" presStyleLbl="sibTrans2D1" presStyleIdx="0" presStyleCnt="7"/>
       <dgm:spPr/>
     </dgm:pt>
     <dgm:pt modelId="{9BB52CFD-5C58-411C-B16F-247FCA4BC3EF}" type="pres">
-      <dgm:prSet presAssocID="{C95D1DD7-0EDC-46B7-8BF5-4F95326559DE}" presName="connTx" presStyleLbl="sibTrans2D1" presStyleIdx="0" presStyleCnt="6"/>
+      <dgm:prSet presAssocID="{C95D1DD7-0EDC-46B7-8BF5-4F95326559DE}" presName="connTx" presStyleLbl="sibTrans2D1" presStyleIdx="0" presStyleCnt="7"/>
       <dgm:spPr/>
     </dgm:pt>
     <dgm:pt modelId="{02B9C748-C81A-45ED-99B8-DF816E44FBB5}" type="pres">
@@ -1641,7 +1752,7 @@
       <dgm:spPr/>
     </dgm:pt>
     <dgm:pt modelId="{C7F830C1-9D38-49F4-81F8-C1A18AECBC64}" type="pres">
-      <dgm:prSet presAssocID="{C034EC04-B203-443F-A9D8-F90ED877BF90}" presName="imagSh" presStyleLbl="bgImgPlace1" presStyleIdx="1" presStyleCnt="7"/>
+      <dgm:prSet presAssocID="{C034EC04-B203-443F-A9D8-F90ED877BF90}" presName="imagSh" presStyleLbl="bgImgPlace1" presStyleIdx="1" presStyleCnt="8"/>
       <dgm:spPr>
         <a:blipFill>
           <a:blip xmlns:r="http://schemas.openxmlformats.org/officeDocument/2006/relationships" r:embed="rId3" cstate="print">
@@ -1662,7 +1773,7 @@
       </dgm:spPr>
     </dgm:pt>
     <dgm:pt modelId="{0BC8C099-42B8-4C5C-970B-13AB533D1129}" type="pres">
-      <dgm:prSet presAssocID="{C034EC04-B203-443F-A9D8-F90ED877BF90}" presName="txNode" presStyleLbl="node1" presStyleIdx="1" presStyleCnt="7">
+      <dgm:prSet presAssocID="{C034EC04-B203-443F-A9D8-F90ED877BF90}" presName="txNode" presStyleLbl="node1" presStyleIdx="1" presStyleCnt="8">
         <dgm:presLayoutVars>
           <dgm:bulletEnabled val="1"/>
         </dgm:presLayoutVars>
@@ -1670,11 +1781,11 @@
       <dgm:spPr/>
     </dgm:pt>
     <dgm:pt modelId="{DF0BE8DE-4ACD-4B7F-8F75-8D0EAF33EAA7}" type="pres">
-      <dgm:prSet presAssocID="{658121F9-2E8E-4D3F-B3C8-3D169BEA42ED}" presName="sibTrans" presStyleLbl="sibTrans2D1" presStyleIdx="1" presStyleCnt="6"/>
+      <dgm:prSet presAssocID="{658121F9-2E8E-4D3F-B3C8-3D169BEA42ED}" presName="sibTrans" presStyleLbl="sibTrans2D1" presStyleIdx="1" presStyleCnt="7"/>
       <dgm:spPr/>
     </dgm:pt>
     <dgm:pt modelId="{D973F9B2-5F24-42F7-9852-32072FFB50A0}" type="pres">
-      <dgm:prSet presAssocID="{658121F9-2E8E-4D3F-B3C8-3D169BEA42ED}" presName="connTx" presStyleLbl="sibTrans2D1" presStyleIdx="1" presStyleCnt="6"/>
+      <dgm:prSet presAssocID="{658121F9-2E8E-4D3F-B3C8-3D169BEA42ED}" presName="connTx" presStyleLbl="sibTrans2D1" presStyleIdx="1" presStyleCnt="7"/>
       <dgm:spPr/>
     </dgm:pt>
     <dgm:pt modelId="{BC2E6DEA-70AC-4ECD-98C8-45743CAFECD5}" type="pres">
@@ -1682,7 +1793,7 @@
       <dgm:spPr/>
     </dgm:pt>
     <dgm:pt modelId="{63FAF388-BCC7-4659-830F-F530F99DB4FB}" type="pres">
-      <dgm:prSet presAssocID="{1030C787-CF10-4D56-BEA0-03E3012FACA6}" presName="imagSh" presStyleLbl="bgImgPlace1" presStyleIdx="2" presStyleCnt="7"/>
+      <dgm:prSet presAssocID="{1030C787-CF10-4D56-BEA0-03E3012FACA6}" presName="imagSh" presStyleLbl="bgImgPlace1" presStyleIdx="2" presStyleCnt="8"/>
       <dgm:spPr>
         <a:blipFill>
           <a:blip xmlns:r="http://schemas.openxmlformats.org/officeDocument/2006/relationships" r:embed="rId5" cstate="print">
@@ -1703,7 +1814,7 @@
       </dgm:spPr>
     </dgm:pt>
     <dgm:pt modelId="{58629720-F9FB-4C0D-8663-25F4AF4AA144}" type="pres">
-      <dgm:prSet presAssocID="{1030C787-CF10-4D56-BEA0-03E3012FACA6}" presName="txNode" presStyleLbl="node1" presStyleIdx="2" presStyleCnt="7">
+      <dgm:prSet presAssocID="{1030C787-CF10-4D56-BEA0-03E3012FACA6}" presName="txNode" presStyleLbl="node1" presStyleIdx="2" presStyleCnt="8">
         <dgm:presLayoutVars>
           <dgm:bulletEnabled val="1"/>
         </dgm:presLayoutVars>
@@ -1711,11 +1822,11 @@
       <dgm:spPr/>
     </dgm:pt>
     <dgm:pt modelId="{8941FD1B-4CC5-4B55-8CA7-66B40572A22F}" type="pres">
-      <dgm:prSet presAssocID="{036930CE-FC33-4EAB-A8A2-479BB2151777}" presName="sibTrans" presStyleLbl="sibTrans2D1" presStyleIdx="2" presStyleCnt="6"/>
+      <dgm:prSet presAssocID="{036930CE-FC33-4EAB-A8A2-479BB2151777}" presName="sibTrans" presStyleLbl="sibTrans2D1" presStyleIdx="2" presStyleCnt="7"/>
       <dgm:spPr/>
     </dgm:pt>
     <dgm:pt modelId="{A4479AA0-3086-4904-8542-F1D7EB519121}" type="pres">
-      <dgm:prSet presAssocID="{036930CE-FC33-4EAB-A8A2-479BB2151777}" presName="connTx" presStyleLbl="sibTrans2D1" presStyleIdx="2" presStyleCnt="6"/>
+      <dgm:prSet presAssocID="{036930CE-FC33-4EAB-A8A2-479BB2151777}" presName="connTx" presStyleLbl="sibTrans2D1" presStyleIdx="2" presStyleCnt="7"/>
       <dgm:spPr/>
     </dgm:pt>
     <dgm:pt modelId="{5199618C-8A79-4AB1-B3FE-8E26B2D4DC11}" type="pres">
@@ -1723,11 +1834,11 @@
       <dgm:spPr/>
     </dgm:pt>
     <dgm:pt modelId="{4144B52C-CC49-46A2-A8D9-F85B7C5CF275}" type="pres">
-      <dgm:prSet presAssocID="{7410EC99-AE52-4CA9-9C4E-07B0CA008843}" presName="imagSh" presStyleLbl="bgImgPlace1" presStyleIdx="3" presStyleCnt="7"/>
+      <dgm:prSet presAssocID="{7410EC99-AE52-4CA9-9C4E-07B0CA008843}" presName="imagSh" presStyleLbl="bgImgPlace1" presStyleIdx="3" presStyleCnt="8"/>
       <dgm:spPr/>
     </dgm:pt>
     <dgm:pt modelId="{ECCD8E2B-A624-4082-B9F5-22F51A100E50}" type="pres">
-      <dgm:prSet presAssocID="{7410EC99-AE52-4CA9-9C4E-07B0CA008843}" presName="txNode" presStyleLbl="node1" presStyleIdx="3" presStyleCnt="7">
+      <dgm:prSet presAssocID="{7410EC99-AE52-4CA9-9C4E-07B0CA008843}" presName="txNode" presStyleLbl="node1" presStyleIdx="3" presStyleCnt="8">
         <dgm:presLayoutVars>
           <dgm:bulletEnabled val="1"/>
         </dgm:presLayoutVars>
@@ -1735,11 +1846,11 @@
       <dgm:spPr/>
     </dgm:pt>
     <dgm:pt modelId="{B00397B1-61FD-4348-AAE0-9BCCC71B097A}" type="pres">
-      <dgm:prSet presAssocID="{E6468721-A96A-4327-9AC8-2BAB26C9EBF6}" presName="sibTrans" presStyleLbl="sibTrans2D1" presStyleIdx="3" presStyleCnt="6"/>
+      <dgm:prSet presAssocID="{E6468721-A96A-4327-9AC8-2BAB26C9EBF6}" presName="sibTrans" presStyleLbl="sibTrans2D1" presStyleIdx="3" presStyleCnt="7"/>
       <dgm:spPr/>
     </dgm:pt>
     <dgm:pt modelId="{D3E1C650-9E88-4F7C-91F3-4126C21E3985}" type="pres">
-      <dgm:prSet presAssocID="{E6468721-A96A-4327-9AC8-2BAB26C9EBF6}" presName="connTx" presStyleLbl="sibTrans2D1" presStyleIdx="3" presStyleCnt="6"/>
+      <dgm:prSet presAssocID="{E6468721-A96A-4327-9AC8-2BAB26C9EBF6}" presName="connTx" presStyleLbl="sibTrans2D1" presStyleIdx="3" presStyleCnt="7"/>
       <dgm:spPr/>
     </dgm:pt>
     <dgm:pt modelId="{7B8FFC7A-FE09-4E6C-8ADF-EEBB4EDCF926}" type="pres">
@@ -1747,11 +1858,11 @@
       <dgm:spPr/>
     </dgm:pt>
     <dgm:pt modelId="{9E90FAA2-7F73-47A6-9ECD-6B83C75E0D8D}" type="pres">
-      <dgm:prSet presAssocID="{69C55802-23EA-4B44-9F38-7EC100B71B20}" presName="imagSh" presStyleLbl="bgImgPlace1" presStyleIdx="4" presStyleCnt="7"/>
+      <dgm:prSet presAssocID="{69C55802-23EA-4B44-9F38-7EC100B71B20}" presName="imagSh" presStyleLbl="bgImgPlace1" presStyleIdx="4" presStyleCnt="8"/>
       <dgm:spPr/>
     </dgm:pt>
     <dgm:pt modelId="{56910574-621B-47D8-9757-86E2FDBD47BC}" type="pres">
-      <dgm:prSet presAssocID="{69C55802-23EA-4B44-9F38-7EC100B71B20}" presName="txNode" presStyleLbl="node1" presStyleIdx="4" presStyleCnt="7">
+      <dgm:prSet presAssocID="{69C55802-23EA-4B44-9F38-7EC100B71B20}" presName="txNode" presStyleLbl="node1" presStyleIdx="4" presStyleCnt="8">
         <dgm:presLayoutVars>
           <dgm:bulletEnabled val="1"/>
         </dgm:presLayoutVars>
@@ -1759,11 +1870,11 @@
       <dgm:spPr/>
     </dgm:pt>
     <dgm:pt modelId="{41FC4363-C730-4E78-A8DB-01F5BC2CA415}" type="pres">
-      <dgm:prSet presAssocID="{22F9CF2D-E206-4AA7-9D67-9FBD7A6BCE80}" presName="sibTrans" presStyleLbl="sibTrans2D1" presStyleIdx="4" presStyleCnt="6"/>
+      <dgm:prSet presAssocID="{22F9CF2D-E206-4AA7-9D67-9FBD7A6BCE80}" presName="sibTrans" presStyleLbl="sibTrans2D1" presStyleIdx="4" presStyleCnt="7"/>
       <dgm:spPr/>
     </dgm:pt>
     <dgm:pt modelId="{27C76371-14FF-49CA-A51A-82A1D54DA5A0}" type="pres">
-      <dgm:prSet presAssocID="{22F9CF2D-E206-4AA7-9D67-9FBD7A6BCE80}" presName="connTx" presStyleLbl="sibTrans2D1" presStyleIdx="4" presStyleCnt="6"/>
+      <dgm:prSet presAssocID="{22F9CF2D-E206-4AA7-9D67-9FBD7A6BCE80}" presName="connTx" presStyleLbl="sibTrans2D1" presStyleIdx="4" presStyleCnt="7"/>
       <dgm:spPr/>
     </dgm:pt>
     <dgm:pt modelId="{60531984-9833-4CF4-9329-49254376B9AA}" type="pres">
@@ -1771,11 +1882,11 @@
       <dgm:spPr/>
     </dgm:pt>
     <dgm:pt modelId="{65A28B11-E8F9-4108-9737-E10393245391}" type="pres">
-      <dgm:prSet presAssocID="{BCD8641E-439E-4199-B666-B95A3BE37B1A}" presName="imagSh" presStyleLbl="bgImgPlace1" presStyleIdx="5" presStyleCnt="7"/>
+      <dgm:prSet presAssocID="{BCD8641E-439E-4199-B666-B95A3BE37B1A}" presName="imagSh" presStyleLbl="bgImgPlace1" presStyleIdx="5" presStyleCnt="8"/>
       <dgm:spPr/>
     </dgm:pt>
     <dgm:pt modelId="{427A4CCC-BF9A-457E-AC67-55BB7BE495F7}" type="pres">
-      <dgm:prSet presAssocID="{BCD8641E-439E-4199-B666-B95A3BE37B1A}" presName="txNode" presStyleLbl="node1" presStyleIdx="5" presStyleCnt="7">
+      <dgm:prSet presAssocID="{BCD8641E-439E-4199-B666-B95A3BE37B1A}" presName="txNode" presStyleLbl="node1" presStyleIdx="5" presStyleCnt="8">
         <dgm:presLayoutVars>
           <dgm:bulletEnabled val="1"/>
         </dgm:presLayoutVars>
@@ -1783,11 +1894,11 @@
       <dgm:spPr/>
     </dgm:pt>
     <dgm:pt modelId="{6496C8A7-1AAA-4520-9452-570B6004501A}" type="pres">
-      <dgm:prSet presAssocID="{99B8820B-A826-4E6F-9E64-BD7D45963766}" presName="sibTrans" presStyleLbl="sibTrans2D1" presStyleIdx="5" presStyleCnt="6"/>
+      <dgm:prSet presAssocID="{99B8820B-A826-4E6F-9E64-BD7D45963766}" presName="sibTrans" presStyleLbl="sibTrans2D1" presStyleIdx="5" presStyleCnt="7"/>
       <dgm:spPr/>
     </dgm:pt>
     <dgm:pt modelId="{EFCEE486-59F5-41C2-ACC9-152B7B5B0804}" type="pres">
-      <dgm:prSet presAssocID="{99B8820B-A826-4E6F-9E64-BD7D45963766}" presName="connTx" presStyleLbl="sibTrans2D1" presStyleIdx="5" presStyleCnt="6"/>
+      <dgm:prSet presAssocID="{99B8820B-A826-4E6F-9E64-BD7D45963766}" presName="connTx" presStyleLbl="sibTrans2D1" presStyleIdx="5" presStyleCnt="7"/>
       <dgm:spPr/>
     </dgm:pt>
     <dgm:pt modelId="{2E29F185-AFF2-4DCA-9225-AD2838FF2F1C}" type="pres">
@@ -1795,11 +1906,35 @@
       <dgm:spPr/>
     </dgm:pt>
     <dgm:pt modelId="{678EB37A-483E-4CAF-8A44-DB356EA82EAF}" type="pres">
-      <dgm:prSet presAssocID="{47291841-0B8F-4DD0-B587-1F2849BE57E7}" presName="imagSh" presStyleLbl="bgImgPlace1" presStyleIdx="6" presStyleCnt="7"/>
+      <dgm:prSet presAssocID="{47291841-0B8F-4DD0-B587-1F2849BE57E7}" presName="imagSh" presStyleLbl="bgImgPlace1" presStyleIdx="6" presStyleCnt="8"/>
       <dgm:spPr/>
     </dgm:pt>
     <dgm:pt modelId="{C3D8E103-FFA8-410C-992B-7891964508CF}" type="pres">
-      <dgm:prSet presAssocID="{47291841-0B8F-4DD0-B587-1F2849BE57E7}" presName="txNode" presStyleLbl="node1" presStyleIdx="6" presStyleCnt="7">
+      <dgm:prSet presAssocID="{47291841-0B8F-4DD0-B587-1F2849BE57E7}" presName="txNode" presStyleLbl="node1" presStyleIdx="6" presStyleCnt="8">
+        <dgm:presLayoutVars>
+          <dgm:bulletEnabled val="1"/>
+        </dgm:presLayoutVars>
+      </dgm:prSet>
+      <dgm:spPr/>
+    </dgm:pt>
+    <dgm:pt modelId="{C58AB711-1DC7-4981-A453-C58359394264}" type="pres">
+      <dgm:prSet presAssocID="{6D82CE98-B6C8-4C6D-AF9C-699904EAAB11}" presName="sibTrans" presStyleLbl="sibTrans2D1" presStyleIdx="6" presStyleCnt="7"/>
+      <dgm:spPr/>
+    </dgm:pt>
+    <dgm:pt modelId="{76E9098F-739C-4C59-A49C-C4C93537D6D1}" type="pres">
+      <dgm:prSet presAssocID="{6D82CE98-B6C8-4C6D-AF9C-699904EAAB11}" presName="connTx" presStyleLbl="sibTrans2D1" presStyleIdx="6" presStyleCnt="7"/>
+      <dgm:spPr/>
+    </dgm:pt>
+    <dgm:pt modelId="{71D270B4-E266-4044-B0D2-F9CE0B6D2FE7}" type="pres">
+      <dgm:prSet presAssocID="{0691445B-1196-4650-BA5A-7CD5A3350553}" presName="composite" presStyleCnt="0"/>
+      <dgm:spPr/>
+    </dgm:pt>
+    <dgm:pt modelId="{FB8456C6-DA59-4B6F-9149-905C8B0A5903}" type="pres">
+      <dgm:prSet presAssocID="{0691445B-1196-4650-BA5A-7CD5A3350553}" presName="imagSh" presStyleLbl="bgImgPlace1" presStyleIdx="7" presStyleCnt="8"/>
+      <dgm:spPr/>
+    </dgm:pt>
+    <dgm:pt modelId="{F6934BC3-D1C6-4B65-8251-F4877F052B8F}" type="pres">
+      <dgm:prSet presAssocID="{0691445B-1196-4650-BA5A-7CD5A3350553}" presName="txNode" presStyleLbl="node1" presStyleIdx="7" presStyleCnt="8">
         <dgm:presLayoutVars>
           <dgm:bulletEnabled val="1"/>
         </dgm:presLayoutVars>
@@ -1815,6 +1950,7 @@
     <dgm:cxn modelId="{73141020-3945-411F-A241-BC9220484465}" type="presOf" srcId="{F90E83AB-31C8-4813-82DD-2C756B83D980}" destId="{C3D8E103-FFA8-410C-992B-7891964508CF}" srcOrd="0" destOrd="2" presId="urn:microsoft.com/office/officeart/2005/8/layout/hProcess10"/>
     <dgm:cxn modelId="{73EDAA22-2D85-4F02-BA69-67A6AA46EDA5}" type="presOf" srcId="{1D7F6ABF-BF36-432F-A5B6-1097B1359EDB}" destId="{0BC8C099-42B8-4C5C-970B-13AB533D1129}" srcOrd="0" destOrd="3" presId="urn:microsoft.com/office/officeart/2005/8/layout/hProcess10"/>
     <dgm:cxn modelId="{9F6CB526-0FD1-469F-AD5B-25D2A99749EF}" srcId="{1030C787-CF10-4D56-BEA0-03E3012FACA6}" destId="{654BF433-E40F-45B9-A37E-C8F9FD609154}" srcOrd="0" destOrd="0" parTransId="{1C66D073-6ED8-44D1-A482-2906E6D29200}" sibTransId="{85E969D4-CA78-47B2-AA0D-436740DA8D17}"/>
+    <dgm:cxn modelId="{EBF72B29-7031-4941-912C-55738C0911FA}" type="presOf" srcId="{0691445B-1196-4650-BA5A-7CD5A3350553}" destId="{F6934BC3-D1C6-4B65-8251-F4877F052B8F}" srcOrd="0" destOrd="0" presId="urn:microsoft.com/office/officeart/2005/8/layout/hProcess10"/>
     <dgm:cxn modelId="{EE7CD72C-3404-45A8-9D90-1F29013BA6C3}" type="presOf" srcId="{EC1343D2-3E7C-4518-842F-A256DE48FAFB}" destId="{427A4CCC-BF9A-457E-AC67-55BB7BE495F7}" srcOrd="0" destOrd="1" presId="urn:microsoft.com/office/officeart/2005/8/layout/hProcess10"/>
     <dgm:cxn modelId="{4C77CB30-C578-4FCF-8D62-7EA627615C3D}" type="presOf" srcId="{04006EDA-2BF5-4C38-9697-E35D1BE6F788}" destId="{96B4A9A9-9508-4DDC-BDDD-6C847151EA0D}" srcOrd="0" destOrd="2" presId="urn:microsoft.com/office/officeart/2005/8/layout/hProcess10"/>
     <dgm:cxn modelId="{BDEB7B38-D66B-481B-8253-C9BC16E4CF38}" type="presOf" srcId="{658121F9-2E8E-4D3F-B3C8-3D169BEA42ED}" destId="{D973F9B2-5F24-42F7-9852-32072FFB50A0}" srcOrd="1" destOrd="0" presId="urn:microsoft.com/office/officeart/2005/8/layout/hProcess10"/>
@@ -1823,8 +1959,10 @@
     <dgm:cxn modelId="{B60D025D-7E13-40D3-8B3D-E30A91483CB1}" srcId="{F4790FF3-1826-421D-BEB6-E5A90514D83B}" destId="{883735A2-714B-48EE-A800-768FAD84BB90}" srcOrd="2" destOrd="0" parTransId="{C832555F-D2F1-4C64-B824-87FD640DD6C5}" sibTransId="{8DBB98AB-BD23-4E7D-A2D4-3DA77953100C}"/>
     <dgm:cxn modelId="{DDEC7C5D-7805-4F28-B4C1-D9D1A746AE63}" type="presOf" srcId="{FC2E7C28-996D-4FE3-AF8A-5E76B248663F}" destId="{56910574-621B-47D8-9757-86E2FDBD47BC}" srcOrd="0" destOrd="1" presId="urn:microsoft.com/office/officeart/2005/8/layout/hProcess10"/>
     <dgm:cxn modelId="{FA7E4660-163D-4C5E-9A06-8253FE4D46A3}" srcId="{C034EC04-B203-443F-A9D8-F90ED877BF90}" destId="{1D7F6ABF-BF36-432F-A5B6-1097B1359EDB}" srcOrd="2" destOrd="0" parTransId="{A2C8E860-456A-4586-8DCD-CDF4681217F2}" sibTransId="{F00D09BD-0D97-4452-BD4E-A86F94DD7A90}"/>
+    <dgm:cxn modelId="{7615E644-DBA7-4E1B-9D08-8FCF11FF8A80}" srcId="{0691445B-1196-4650-BA5A-7CD5A3350553}" destId="{1059B3D3-915E-4391-8D5F-E03C7752CAFB}" srcOrd="0" destOrd="0" parTransId="{9701CBAF-58C8-48AB-B129-AE53B786ECF3}" sibTransId="{D16BBFAF-D28E-499C-AA88-A087268EDD84}"/>
     <dgm:cxn modelId="{0971E744-EC1F-4C34-9DF9-56DBFA0E2A7A}" srcId="{05A2A666-C2AA-44F5-AE5E-B6D075A8A01C}" destId="{1030C787-CF10-4D56-BEA0-03E3012FACA6}" srcOrd="2" destOrd="0" parTransId="{165EE207-D862-4881-B0D4-0C2F4FDF701C}" sibTransId="{036930CE-FC33-4EAB-A8A2-479BB2151777}"/>
     <dgm:cxn modelId="{F622DC45-1115-4651-B32B-D2823EEABBEC}" type="presOf" srcId="{99B8820B-A826-4E6F-9E64-BD7D45963766}" destId="{EFCEE486-59F5-41C2-ACC9-152B7B5B0804}" srcOrd="1" destOrd="0" presId="urn:microsoft.com/office/officeart/2005/8/layout/hProcess10"/>
+    <dgm:cxn modelId="{0375C84A-24CD-415A-93AA-27935D1E4C1D}" srcId="{0691445B-1196-4650-BA5A-7CD5A3350553}" destId="{5E3574A7-A551-4BE6-B3D6-61FD3F1C0B90}" srcOrd="1" destOrd="0" parTransId="{F662931B-9EC7-404B-AC8A-569B077EF776}" sibTransId="{734AEECF-7235-421F-A044-87B64C62A4C5}"/>
     <dgm:cxn modelId="{E693EA6A-257D-4F14-8F8D-008102F0ACCE}" type="presOf" srcId="{7410EC99-AE52-4CA9-9C4E-07B0CA008843}" destId="{ECCD8E2B-A624-4082-B9F5-22F51A100E50}" srcOrd="0" destOrd="0" presId="urn:microsoft.com/office/officeart/2005/8/layout/hProcess10"/>
     <dgm:cxn modelId="{B0D0894B-4937-4AAD-84E4-CE7853B096D9}" srcId="{05A2A666-C2AA-44F5-AE5E-B6D075A8A01C}" destId="{F4790FF3-1826-421D-BEB6-E5A90514D83B}" srcOrd="0" destOrd="0" parTransId="{88E1844D-0365-4E7C-BD39-76FE50E71BF5}" sibTransId="{C95D1DD7-0EDC-46B7-8BF5-4F95326559DE}"/>
     <dgm:cxn modelId="{3A925A4E-D938-4FEA-B67F-4F04145B0A9A}" type="presOf" srcId="{47291841-0B8F-4DD0-B587-1F2849BE57E7}" destId="{C3D8E103-FFA8-410C-992B-7891964508CF}" srcOrd="0" destOrd="0" presId="urn:microsoft.com/office/officeart/2005/8/layout/hProcess10"/>
@@ -1841,15 +1979,20 @@
     <dgm:cxn modelId="{2078338C-EF49-43FE-96AC-BEF42DB18009}" srcId="{47291841-0B8F-4DD0-B587-1F2849BE57E7}" destId="{C65C02F7-BB60-471E-BECB-19BA044FD2E1}" srcOrd="0" destOrd="0" parTransId="{FEC7F497-71FF-4556-A558-B7C975AF9C6F}" sibTransId="{98A11A4A-11DB-4258-82C1-F95B0EA1DA61}"/>
     <dgm:cxn modelId="{96A6FD8E-96DB-425A-9756-BE87EFEA1945}" type="presOf" srcId="{036930CE-FC33-4EAB-A8A2-479BB2151777}" destId="{A4479AA0-3086-4904-8542-F1D7EB519121}" srcOrd="1" destOrd="0" presId="urn:microsoft.com/office/officeart/2005/8/layout/hProcess10"/>
     <dgm:cxn modelId="{D91F6390-AD21-4A7F-B33C-037DDBD1EF73}" type="presOf" srcId="{E6468721-A96A-4327-9AC8-2BAB26C9EBF6}" destId="{B00397B1-61FD-4348-AAE0-9BCCC71B097A}" srcOrd="0" destOrd="0" presId="urn:microsoft.com/office/officeart/2005/8/layout/hProcess10"/>
+    <dgm:cxn modelId="{E9F35396-7E4D-4543-9FF1-9304B5CC92E2}" type="presOf" srcId="{6D82CE98-B6C8-4C6D-AF9C-699904EAAB11}" destId="{76E9098F-739C-4C59-A49C-C4C93537D6D1}" srcOrd="1" destOrd="0" presId="urn:microsoft.com/office/officeart/2005/8/layout/hProcess10"/>
     <dgm:cxn modelId="{75127699-D2D2-4059-911C-7D8CAD75C7A5}" type="presOf" srcId="{C95D1DD7-0EDC-46B7-8BF5-4F95326559DE}" destId="{9BB52CFD-5C58-411C-B16F-247FCA4BC3EF}" srcOrd="1" destOrd="0" presId="urn:microsoft.com/office/officeart/2005/8/layout/hProcess10"/>
     <dgm:cxn modelId="{0DC912A0-36C7-427B-B35C-A581F7E752F5}" type="presOf" srcId="{22F9CF2D-E206-4AA7-9D67-9FBD7A6BCE80}" destId="{27C76371-14FF-49CA-A51A-82A1D54DA5A0}" srcOrd="1" destOrd="0" presId="urn:microsoft.com/office/officeart/2005/8/layout/hProcess10"/>
     <dgm:cxn modelId="{4F0244A4-3C0D-40C6-BE43-807235BE09B4}" type="presOf" srcId="{6D45BA2D-E184-4086-8512-FB27F8237481}" destId="{0BC8C099-42B8-4C5C-970B-13AB533D1129}" srcOrd="0" destOrd="1" presId="urn:microsoft.com/office/officeart/2005/8/layout/hProcess10"/>
+    <dgm:cxn modelId="{8C8E1FA7-BE27-4E3B-9F86-6B0A4C507166}" srcId="{05A2A666-C2AA-44F5-AE5E-B6D075A8A01C}" destId="{0691445B-1196-4650-BA5A-7CD5A3350553}" srcOrd="7" destOrd="0" parTransId="{5DA4DA25-D2F8-41BF-B536-2C40DBB746D7}" sibTransId="{03B9520E-EF56-420A-B5DF-52B5D9F7A6A5}"/>
     <dgm:cxn modelId="{98C0C1A9-2A51-4ACC-BA15-44225AAEE321}" type="presOf" srcId="{883735A2-714B-48EE-A800-768FAD84BB90}" destId="{96B4A9A9-9508-4DDC-BDDD-6C847151EA0D}" srcOrd="0" destOrd="3" presId="urn:microsoft.com/office/officeart/2005/8/layout/hProcess10"/>
     <dgm:cxn modelId="{AB7E9DAF-EB49-416F-9D02-C77BE9F9DA12}" type="presOf" srcId="{C034EC04-B203-443F-A9D8-F90ED877BF90}" destId="{0BC8C099-42B8-4C5C-970B-13AB533D1129}" srcOrd="0" destOrd="0" presId="urn:microsoft.com/office/officeart/2005/8/layout/hProcess10"/>
     <dgm:cxn modelId="{9E6F72B0-7D90-4BD4-8EC6-3129AA0BBDEF}" type="presOf" srcId="{C95D1DD7-0EDC-46B7-8BF5-4F95326559DE}" destId="{3BFE17F0-16D8-410B-9E73-9189BA87476A}" srcOrd="0" destOrd="0" presId="urn:microsoft.com/office/officeart/2005/8/layout/hProcess10"/>
+    <dgm:cxn modelId="{5D2759B0-327C-4B51-97C3-E4E3A6895C4D}" type="presOf" srcId="{6D82CE98-B6C8-4C6D-AF9C-699904EAAB11}" destId="{C58AB711-1DC7-4981-A453-C58359394264}" srcOrd="0" destOrd="0" presId="urn:microsoft.com/office/officeart/2005/8/layout/hProcess10"/>
     <dgm:cxn modelId="{397A3EB4-FABD-4E38-86C4-6AE7CCACE725}" srcId="{05A2A666-C2AA-44F5-AE5E-B6D075A8A01C}" destId="{BCD8641E-439E-4199-B666-B95A3BE37B1A}" srcOrd="5" destOrd="0" parTransId="{FFE12A04-1403-4A2E-B4F4-13CE057E3FC0}" sibTransId="{99B8820B-A826-4E6F-9E64-BD7D45963766}"/>
+    <dgm:cxn modelId="{0F0D28B8-E466-4D2F-9E93-29C4E2011446}" type="presOf" srcId="{1059B3D3-915E-4391-8D5F-E03C7752CAFB}" destId="{F6934BC3-D1C6-4B65-8251-F4877F052B8F}" srcOrd="0" destOrd="1" presId="urn:microsoft.com/office/officeart/2005/8/layout/hProcess10"/>
     <dgm:cxn modelId="{94B877CC-A29B-4DED-A7E4-40EEA8C9FFCF}" srcId="{BCD8641E-439E-4199-B666-B95A3BE37B1A}" destId="{EC1343D2-3E7C-4518-842F-A256DE48FAFB}" srcOrd="0" destOrd="0" parTransId="{07838837-B470-47F3-B25E-C17613B828AF}" sibTransId="{EBD89D4E-0987-4904-8CC2-C12561561E47}"/>
     <dgm:cxn modelId="{2A7603CE-8E74-4E8A-9708-9F6D4DF56AB7}" type="presOf" srcId="{05A2A666-C2AA-44F5-AE5E-B6D075A8A01C}" destId="{486D9A37-AB3F-4BD7-A508-0857317AB0AB}" srcOrd="0" destOrd="0" presId="urn:microsoft.com/office/officeart/2005/8/layout/hProcess10"/>
+    <dgm:cxn modelId="{4AFD21D1-7393-4038-AC69-4600BF75C8D6}" type="presOf" srcId="{5E3574A7-A551-4BE6-B3D6-61FD3F1C0B90}" destId="{F6934BC3-D1C6-4B65-8251-F4877F052B8F}" srcOrd="0" destOrd="2" presId="urn:microsoft.com/office/officeart/2005/8/layout/hProcess10"/>
     <dgm:cxn modelId="{1AB7B8D3-6750-410B-B19F-4E394E8A8E98}" srcId="{F4790FF3-1826-421D-BEB6-E5A90514D83B}" destId="{04006EDA-2BF5-4C38-9697-E35D1BE6F788}" srcOrd="1" destOrd="0" parTransId="{AB7E6199-DAE5-4D7C-BE73-504E5F99CF48}" sibTransId="{E9DFBE2F-70C1-4681-BCA4-B5A7AD772FB1}"/>
     <dgm:cxn modelId="{46ACD4D3-93FE-4F41-B7D2-E564C2578835}" type="presOf" srcId="{69C55802-23EA-4B44-9F38-7EC100B71B20}" destId="{56910574-621B-47D8-9757-86E2FDBD47BC}" srcOrd="0" destOrd="0" presId="urn:microsoft.com/office/officeart/2005/8/layout/hProcess10"/>
     <dgm:cxn modelId="{DA9014D7-69B8-4FC2-AA41-64E6E9A58B50}" type="presOf" srcId="{BCD8641E-439E-4199-B666-B95A3BE37B1A}" destId="{427A4CCC-BF9A-457E-AC67-55BB7BE495F7}" srcOrd="0" destOrd="0" presId="urn:microsoft.com/office/officeart/2005/8/layout/hProcess10"/>
@@ -1892,6 +2035,11 @@
     <dgm:cxn modelId="{18A42892-23B0-424D-A6EF-306859D626A3}" type="presParOf" srcId="{486D9A37-AB3F-4BD7-A508-0857317AB0AB}" destId="{2E29F185-AFF2-4DCA-9225-AD2838FF2F1C}" srcOrd="12" destOrd="0" presId="urn:microsoft.com/office/officeart/2005/8/layout/hProcess10"/>
     <dgm:cxn modelId="{EACB2D58-0EA0-422D-99FB-8DE148A694FF}" type="presParOf" srcId="{2E29F185-AFF2-4DCA-9225-AD2838FF2F1C}" destId="{678EB37A-483E-4CAF-8A44-DB356EA82EAF}" srcOrd="0" destOrd="0" presId="urn:microsoft.com/office/officeart/2005/8/layout/hProcess10"/>
     <dgm:cxn modelId="{EC9024D8-35C8-4B52-B7F9-9B0C3EF974C6}" type="presParOf" srcId="{2E29F185-AFF2-4DCA-9225-AD2838FF2F1C}" destId="{C3D8E103-FFA8-410C-992B-7891964508CF}" srcOrd="1" destOrd="0" presId="urn:microsoft.com/office/officeart/2005/8/layout/hProcess10"/>
+    <dgm:cxn modelId="{B83E9201-65A8-4EC5-8DD8-FEF3E00462D7}" type="presParOf" srcId="{486D9A37-AB3F-4BD7-A508-0857317AB0AB}" destId="{C58AB711-1DC7-4981-A453-C58359394264}" srcOrd="13" destOrd="0" presId="urn:microsoft.com/office/officeart/2005/8/layout/hProcess10"/>
+    <dgm:cxn modelId="{EB2E65ED-2187-47E4-A31B-866136D230BF}" type="presParOf" srcId="{C58AB711-1DC7-4981-A453-C58359394264}" destId="{76E9098F-739C-4C59-A49C-C4C93537D6D1}" srcOrd="0" destOrd="0" presId="urn:microsoft.com/office/officeart/2005/8/layout/hProcess10"/>
+    <dgm:cxn modelId="{C9F98DFF-E847-471E-9E3B-3B0ABC1A3A68}" type="presParOf" srcId="{486D9A37-AB3F-4BD7-A508-0857317AB0AB}" destId="{71D270B4-E266-4044-B0D2-F9CE0B6D2FE7}" srcOrd="14" destOrd="0" presId="urn:microsoft.com/office/officeart/2005/8/layout/hProcess10"/>
+    <dgm:cxn modelId="{AB268906-0312-4E35-86E0-80981B85CE8E}" type="presParOf" srcId="{71D270B4-E266-4044-B0D2-F9CE0B6D2FE7}" destId="{FB8456C6-DA59-4B6F-9149-905C8B0A5903}" srcOrd="0" destOrd="0" presId="urn:microsoft.com/office/officeart/2005/8/layout/hProcess10"/>
+    <dgm:cxn modelId="{1CEB55BE-816D-40DB-87B8-158A71533B0A}" type="presParOf" srcId="{71D270B4-E266-4044-B0D2-F9CE0B6D2FE7}" destId="{F6934BC3-D1C6-4B65-8251-F4877F052B8F}" srcOrd="1" destOrd="0" presId="urn:microsoft.com/office/officeart/2005/8/layout/hProcess10"/>
   </dgm:cxnLst>
   <dgm:bg/>
   <dgm:whole/>
@@ -1918,8 +2066,8 @@
       </dsp:nvSpPr>
       <dsp:spPr>
         <a:xfrm>
-          <a:off x="1096" y="1634027"/>
-          <a:ext cx="786192" cy="786192"/>
+          <a:off x="4111" y="1715584"/>
+          <a:ext cx="684246" cy="684246"/>
         </a:xfrm>
         <a:prstGeom prst="roundRect">
           <a:avLst>
@@ -1975,8 +2123,8 @@
       </dsp:nvSpPr>
       <dsp:spPr>
         <a:xfrm>
-          <a:off x="129080" y="2105743"/>
-          <a:ext cx="786192" cy="786192"/>
+          <a:off x="115500" y="2126132"/>
+          <a:ext cx="684246" cy="684246"/>
         </a:xfrm>
         <a:prstGeom prst="roundRect">
           <a:avLst>
@@ -2019,12 +2167,12 @@
         </a:fontRef>
       </dsp:style>
       <dsp:txBody>
-        <a:bodyPr spcFirstLastPara="0" vert="horz" wrap="square" lIns="34290" tIns="34290" rIns="34290" bIns="34290" numCol="1" spcCol="1270" anchor="t" anchorCtr="0">
+        <a:bodyPr spcFirstLastPara="0" vert="horz" wrap="square" lIns="30480" tIns="30480" rIns="30480" bIns="30480" numCol="1" spcCol="1270" anchor="t" anchorCtr="0">
           <a:noAutofit/>
         </a:bodyPr>
         <a:lstStyle/>
         <a:p>
-          <a:pPr marL="0" lvl="0" indent="0" algn="l" defTabSz="400050">
+          <a:pPr marL="0" lvl="0" indent="0" algn="l" defTabSz="355600">
             <a:lnSpc>
               <a:spcPct val="90000"/>
             </a:lnSpc>
@@ -2037,12 +2185,12 @@
             <a:buNone/>
           </a:pPr>
           <a:r>
-            <a:rPr lang="en-US" sz="900" kern="1200" dirty="0"/>
+            <a:rPr lang="en-US" sz="800" kern="1200" dirty="0"/>
             <a:t>IaaS</a:t>
           </a:r>
         </a:p>
         <a:p>
-          <a:pPr marL="57150" lvl="1" indent="-57150" algn="l" defTabSz="311150">
+          <a:pPr marL="57150" lvl="1" indent="-57150" algn="l" defTabSz="266700">
             <a:lnSpc>
               <a:spcPct val="90000"/>
             </a:lnSpc>
@@ -2055,12 +2203,12 @@
             <a:buChar char="•"/>
           </a:pPr>
           <a:r>
-            <a:rPr lang="en-US" sz="700" kern="1200" dirty="0"/>
+            <a:rPr lang="en-US" sz="600" kern="1200" dirty="0"/>
             <a:t>Windows Server</a:t>
           </a:r>
         </a:p>
         <a:p>
-          <a:pPr marL="57150" lvl="1" indent="-57150" algn="l" defTabSz="311150">
+          <a:pPr marL="57150" lvl="1" indent="-57150" algn="l" defTabSz="266700">
             <a:lnSpc>
               <a:spcPct val="90000"/>
             </a:lnSpc>
@@ -2073,12 +2221,12 @@
             <a:buChar char="•"/>
           </a:pPr>
           <a:r>
-            <a:rPr lang="en-US" sz="700" kern="1200" dirty="0"/>
+            <a:rPr lang="en-US" sz="600" kern="1200" dirty="0"/>
             <a:t>Linux</a:t>
           </a:r>
         </a:p>
         <a:p>
-          <a:pPr marL="57150" lvl="1" indent="-57150" algn="l" defTabSz="311150">
+          <a:pPr marL="57150" lvl="1" indent="-57150" algn="l" defTabSz="266700">
             <a:lnSpc>
               <a:spcPct val="90000"/>
             </a:lnSpc>
@@ -2091,14 +2239,14 @@
             <a:buChar char="•"/>
           </a:pPr>
           <a:r>
-            <a:rPr lang="en-US" sz="700" kern="1200" dirty="0"/>
+            <a:rPr lang="en-US" sz="600" kern="1200" dirty="0"/>
             <a:t>container</a:t>
           </a:r>
         </a:p>
       </dsp:txBody>
       <dsp:txXfrm>
-        <a:off x="152107" y="2128770"/>
-        <a:ext cx="740138" cy="740138"/>
+        <a:off x="135541" y="2146173"/>
+        <a:ext cx="644164" cy="644164"/>
       </dsp:txXfrm>
     </dsp:sp>
     <dsp:sp modelId="{3BFE17F0-16D8-410B-9E73-9189BA87476A}">
@@ -2108,8 +2256,8 @@
       </dsp:nvSpPr>
       <dsp:spPr>
         <a:xfrm>
-          <a:off x="938725" y="1932668"/>
-          <a:ext cx="151437" cy="188910"/>
+          <a:off x="820158" y="1975500"/>
+          <a:ext cx="131800" cy="164414"/>
         </a:xfrm>
         <a:prstGeom prst="rightArrow">
           <a:avLst>
@@ -2151,7 +2299,7 @@
         </a:bodyPr>
         <a:lstStyle/>
         <a:p>
-          <a:pPr marL="0" lvl="0" indent="0" algn="ctr" defTabSz="311150">
+          <a:pPr marL="0" lvl="0" indent="0" algn="ctr" defTabSz="266700">
             <a:lnSpc>
               <a:spcPct val="90000"/>
             </a:lnSpc>
@@ -2163,12 +2311,12 @@
             </a:spcAft>
             <a:buNone/>
           </a:pPr>
-          <a:endParaRPr lang="en-US" sz="700" kern="1200"/>
+          <a:endParaRPr lang="en-US" sz="600" kern="1200"/>
         </a:p>
       </dsp:txBody>
       <dsp:txXfrm>
-        <a:off x="938725" y="1970450"/>
-        <a:ext cx="106006" cy="113346"/>
+        <a:off x="820158" y="2008383"/>
+        <a:ext cx="92260" cy="98648"/>
       </dsp:txXfrm>
     </dsp:sp>
     <dsp:sp modelId="{C7F830C1-9D38-49F4-81F8-C1A18AECBC64}">
@@ -2178,8 +2326,8 @@
       </dsp:nvSpPr>
       <dsp:spPr>
         <a:xfrm>
-          <a:off x="1219967" y="1634027"/>
-          <a:ext cx="786192" cy="786192"/>
+          <a:off x="1064931" y="1715584"/>
+          <a:ext cx="684246" cy="684246"/>
         </a:xfrm>
         <a:prstGeom prst="roundRect">
           <a:avLst>
@@ -2235,8 +2383,8 @@
       </dsp:nvSpPr>
       <dsp:spPr>
         <a:xfrm>
-          <a:off x="1347952" y="2105743"/>
-          <a:ext cx="786192" cy="786192"/>
+          <a:off x="1176320" y="2126132"/>
+          <a:ext cx="684246" cy="684246"/>
         </a:xfrm>
         <a:prstGeom prst="roundRect">
           <a:avLst>
@@ -2279,12 +2427,12 @@
         </a:fontRef>
       </dsp:style>
       <dsp:txBody>
-        <a:bodyPr spcFirstLastPara="0" vert="horz" wrap="square" lIns="34290" tIns="34290" rIns="34290" bIns="34290" numCol="1" spcCol="1270" anchor="t" anchorCtr="0">
+        <a:bodyPr spcFirstLastPara="0" vert="horz" wrap="square" lIns="30480" tIns="30480" rIns="30480" bIns="30480" numCol="1" spcCol="1270" anchor="t" anchorCtr="0">
           <a:noAutofit/>
         </a:bodyPr>
         <a:lstStyle/>
         <a:p>
-          <a:pPr marL="0" lvl="0" indent="0" algn="l" defTabSz="400050">
+          <a:pPr marL="0" lvl="0" indent="0" algn="l" defTabSz="355600">
             <a:lnSpc>
               <a:spcPct val="90000"/>
             </a:lnSpc>
@@ -2297,13 +2445,13 @@
             <a:buNone/>
           </a:pPr>
           <a:r>
-            <a:rPr lang="en-US" sz="900" kern="1200" dirty="0" err="1"/>
+            <a:rPr lang="en-US" sz="800" kern="1200" dirty="0" err="1"/>
             <a:t>Paas</a:t>
           </a:r>
-          <a:endParaRPr lang="en-US" sz="900" kern="1200" dirty="0"/>
+          <a:endParaRPr lang="en-US" sz="800" kern="1200" dirty="0"/>
         </a:p>
         <a:p>
-          <a:pPr marL="57150" lvl="1" indent="-57150" algn="l" defTabSz="311150">
+          <a:pPr marL="57150" lvl="1" indent="-57150" algn="l" defTabSz="266700">
             <a:lnSpc>
               <a:spcPct val="90000"/>
             </a:lnSpc>
@@ -2316,12 +2464,12 @@
             <a:buChar char="•"/>
           </a:pPr>
           <a:r>
-            <a:rPr lang="en-US" sz="700" kern="1200" dirty="0"/>
+            <a:rPr lang="en-US" sz="600" kern="1200" dirty="0"/>
             <a:t>MSSQL DB</a:t>
           </a:r>
         </a:p>
         <a:p>
-          <a:pPr marL="57150" lvl="1" indent="-57150" algn="l" defTabSz="311150">
+          <a:pPr marL="57150" lvl="1" indent="-57150" algn="l" defTabSz="266700">
             <a:lnSpc>
               <a:spcPct val="90000"/>
             </a:lnSpc>
@@ -2334,12 +2482,12 @@
             <a:buChar char="•"/>
           </a:pPr>
           <a:r>
-            <a:rPr lang="en-US" sz="700" kern="1200" dirty="0"/>
+            <a:rPr lang="en-US" sz="600" kern="1200" dirty="0"/>
             <a:t>MSSQL AS</a:t>
           </a:r>
         </a:p>
         <a:p>
-          <a:pPr marL="57150" lvl="1" indent="-57150" algn="l" defTabSz="311150">
+          <a:pPr marL="57150" lvl="1" indent="-57150" algn="l" defTabSz="266700">
             <a:lnSpc>
               <a:spcPct val="90000"/>
             </a:lnSpc>
@@ -2352,18 +2500,18 @@
             <a:buChar char="•"/>
           </a:pPr>
           <a:r>
-            <a:rPr lang="en-US" sz="700" kern="1200" dirty="0" err="1"/>
+            <a:rPr lang="en-US" sz="600" kern="1200" dirty="0" err="1"/>
             <a:t>etc</a:t>
           </a:r>
           <a:r>
-            <a:rPr lang="en-US" sz="700" kern="1200" dirty="0"/>
+            <a:rPr lang="en-US" sz="600" kern="1200" dirty="0"/>
             <a:t>…</a:t>
           </a:r>
         </a:p>
       </dsp:txBody>
       <dsp:txXfrm>
-        <a:off x="1370979" y="2128770"/>
-        <a:ext cx="740138" cy="740138"/>
+        <a:off x="1196361" y="2146173"/>
+        <a:ext cx="644164" cy="644164"/>
       </dsp:txXfrm>
     </dsp:sp>
     <dsp:sp modelId="{DF0BE8DE-4ACD-4B7F-8F75-8D0EAF33EAA7}">
@@ -2373,8 +2521,8 @@
       </dsp:nvSpPr>
       <dsp:spPr>
         <a:xfrm>
-          <a:off x="2157597" y="1932668"/>
-          <a:ext cx="151437" cy="188910"/>
+          <a:off x="1880978" y="1975500"/>
+          <a:ext cx="131800" cy="164414"/>
         </a:xfrm>
         <a:prstGeom prst="rightArrow">
           <a:avLst>
@@ -2416,7 +2564,7 @@
         </a:bodyPr>
         <a:lstStyle/>
         <a:p>
-          <a:pPr marL="0" lvl="0" indent="0" algn="ctr" defTabSz="311150">
+          <a:pPr marL="0" lvl="0" indent="0" algn="ctr" defTabSz="266700">
             <a:lnSpc>
               <a:spcPct val="90000"/>
             </a:lnSpc>
@@ -2428,12 +2576,12 @@
             </a:spcAft>
             <a:buNone/>
           </a:pPr>
-          <a:endParaRPr lang="en-US" sz="700" kern="1200"/>
+          <a:endParaRPr lang="en-US" sz="600" kern="1200"/>
         </a:p>
       </dsp:txBody>
       <dsp:txXfrm>
-        <a:off x="2157597" y="1970450"/>
-        <a:ext cx="106006" cy="113346"/>
+        <a:off x="1880978" y="2008383"/>
+        <a:ext cx="92260" cy="98648"/>
       </dsp:txXfrm>
     </dsp:sp>
     <dsp:sp modelId="{63FAF388-BCC7-4659-830F-F530F99DB4FB}">
@@ -2443,8 +2591,8 @@
       </dsp:nvSpPr>
       <dsp:spPr>
         <a:xfrm>
-          <a:off x="2438839" y="1634027"/>
-          <a:ext cx="786192" cy="786192"/>
+          <a:off x="2125751" y="1715584"/>
+          <a:ext cx="684246" cy="684246"/>
         </a:xfrm>
         <a:prstGeom prst="roundRect">
           <a:avLst>
@@ -2500,8 +2648,8 @@
       </dsp:nvSpPr>
       <dsp:spPr>
         <a:xfrm>
-          <a:off x="2566824" y="2105743"/>
-          <a:ext cx="786192" cy="786192"/>
+          <a:off x="2237140" y="2126132"/>
+          <a:ext cx="684246" cy="684246"/>
         </a:xfrm>
         <a:prstGeom prst="roundRect">
           <a:avLst>
@@ -2544,12 +2692,12 @@
         </a:fontRef>
       </dsp:style>
       <dsp:txBody>
-        <a:bodyPr spcFirstLastPara="0" vert="horz" wrap="square" lIns="34290" tIns="34290" rIns="34290" bIns="34290" numCol="1" spcCol="1270" anchor="t" anchorCtr="0">
+        <a:bodyPr spcFirstLastPara="0" vert="horz" wrap="square" lIns="30480" tIns="30480" rIns="30480" bIns="30480" numCol="1" spcCol="1270" anchor="t" anchorCtr="0">
           <a:noAutofit/>
         </a:bodyPr>
         <a:lstStyle/>
         <a:p>
-          <a:pPr marL="0" lvl="0" indent="0" algn="l" defTabSz="400050">
+          <a:pPr marL="0" lvl="0" indent="0" algn="l" defTabSz="355600">
             <a:lnSpc>
               <a:spcPct val="90000"/>
             </a:lnSpc>
@@ -2562,13 +2710,13 @@
             <a:buNone/>
           </a:pPr>
           <a:r>
-            <a:rPr lang="en-US" sz="900" kern="1200" dirty="0" err="1"/>
+            <a:rPr lang="en-US" sz="800" kern="1200" dirty="0" err="1"/>
             <a:t>Analyse</a:t>
           </a:r>
-          <a:endParaRPr lang="en-US" sz="900" kern="1200" dirty="0"/>
+          <a:endParaRPr lang="en-US" sz="800" kern="1200" dirty="0"/>
         </a:p>
         <a:p>
-          <a:pPr marL="57150" lvl="1" indent="-57150" algn="l" defTabSz="311150">
+          <a:pPr marL="57150" lvl="1" indent="-57150" algn="l" defTabSz="266700">
             <a:lnSpc>
               <a:spcPct val="90000"/>
             </a:lnSpc>
@@ -2581,12 +2729,12 @@
             <a:buChar char="•"/>
           </a:pPr>
           <a:r>
-            <a:rPr lang="en-US" sz="700" kern="1200" dirty="0"/>
-            <a:t>Configuration</a:t>
+            <a:rPr lang="en-US" sz="600" kern="1200" dirty="0"/>
+            <a:t>Configuration (Features)</a:t>
           </a:r>
         </a:p>
         <a:p>
-          <a:pPr marL="57150" lvl="1" indent="-57150" algn="l" defTabSz="311150">
+          <a:pPr marL="57150" lvl="1" indent="-57150" algn="l" defTabSz="266700">
             <a:lnSpc>
               <a:spcPct val="90000"/>
             </a:lnSpc>
@@ -2599,14 +2747,14 @@
             <a:buChar char="•"/>
           </a:pPr>
           <a:r>
-            <a:rPr lang="en-US" sz="700" kern="1200" dirty="0"/>
+            <a:rPr lang="en-US" sz="600" kern="1200" dirty="0"/>
             <a:t>Capacity</a:t>
           </a:r>
         </a:p>
       </dsp:txBody>
       <dsp:txXfrm>
-        <a:off x="2589851" y="2128770"/>
-        <a:ext cx="740138" cy="740138"/>
+        <a:off x="2257181" y="2146173"/>
+        <a:ext cx="644164" cy="644164"/>
       </dsp:txXfrm>
     </dsp:sp>
     <dsp:sp modelId="{8941FD1B-4CC5-4B55-8CA7-66B40572A22F}">
@@ -2616,8 +2764,8 @@
       </dsp:nvSpPr>
       <dsp:spPr>
         <a:xfrm>
-          <a:off x="3376469" y="1932668"/>
-          <a:ext cx="151437" cy="188910"/>
+          <a:off x="2941799" y="1975500"/>
+          <a:ext cx="131800" cy="164414"/>
         </a:xfrm>
         <a:prstGeom prst="rightArrow">
           <a:avLst>
@@ -2659,7 +2807,7 @@
         </a:bodyPr>
         <a:lstStyle/>
         <a:p>
-          <a:pPr marL="0" lvl="0" indent="0" algn="ctr" defTabSz="311150">
+          <a:pPr marL="0" lvl="0" indent="0" algn="ctr" defTabSz="266700">
             <a:lnSpc>
               <a:spcPct val="90000"/>
             </a:lnSpc>
@@ -2671,12 +2819,12 @@
             </a:spcAft>
             <a:buNone/>
           </a:pPr>
-          <a:endParaRPr lang="en-US" sz="700" kern="1200"/>
+          <a:endParaRPr lang="en-US" sz="600" kern="1200"/>
         </a:p>
       </dsp:txBody>
       <dsp:txXfrm>
-        <a:off x="3376469" y="1970450"/>
-        <a:ext cx="106006" cy="113346"/>
+        <a:off x="2941799" y="2008383"/>
+        <a:ext cx="92260" cy="98648"/>
       </dsp:txXfrm>
     </dsp:sp>
     <dsp:sp modelId="{4144B52C-CC49-46A2-A8D9-F85B7C5CF275}">
@@ -2686,8 +2834,8 @@
       </dsp:nvSpPr>
       <dsp:spPr>
         <a:xfrm>
-          <a:off x="3657711" y="1634027"/>
-          <a:ext cx="786192" cy="786192"/>
+          <a:off x="3186572" y="1715584"/>
+          <a:ext cx="684246" cy="684246"/>
         </a:xfrm>
         <a:prstGeom prst="roundRect">
           <a:avLst>
@@ -2736,8 +2884,8 @@
       </dsp:nvSpPr>
       <dsp:spPr>
         <a:xfrm>
-          <a:off x="3785696" y="2105743"/>
-          <a:ext cx="786192" cy="786192"/>
+          <a:off x="3297961" y="2126132"/>
+          <a:ext cx="684246" cy="684246"/>
         </a:xfrm>
         <a:prstGeom prst="roundRect">
           <a:avLst>
@@ -2780,12 +2928,12 @@
         </a:fontRef>
       </dsp:style>
       <dsp:txBody>
-        <a:bodyPr spcFirstLastPara="0" vert="horz" wrap="square" lIns="34290" tIns="34290" rIns="34290" bIns="34290" numCol="1" spcCol="1270" anchor="ctr" anchorCtr="0">
+        <a:bodyPr spcFirstLastPara="0" vert="horz" wrap="square" lIns="30480" tIns="30480" rIns="30480" bIns="30480" numCol="1" spcCol="1270" anchor="ctr" anchorCtr="0">
           <a:noAutofit/>
         </a:bodyPr>
         <a:lstStyle/>
         <a:p>
-          <a:pPr marL="0" lvl="0" indent="0" algn="ctr" defTabSz="400050">
+          <a:pPr marL="0" lvl="0" indent="0" algn="ctr" defTabSz="355600">
             <a:lnSpc>
               <a:spcPct val="90000"/>
             </a:lnSpc>
@@ -2798,14 +2946,14 @@
             <a:buNone/>
           </a:pPr>
           <a:r>
-            <a:rPr lang="en-US" sz="900" kern="1200" dirty="0"/>
+            <a:rPr lang="en-US" sz="800" kern="1200" dirty="0"/>
             <a:t>Recovery</a:t>
           </a:r>
         </a:p>
       </dsp:txBody>
       <dsp:txXfrm>
-        <a:off x="3808723" y="2128770"/>
-        <a:ext cx="740138" cy="740138"/>
+        <a:off x="3318002" y="2146173"/>
+        <a:ext cx="644164" cy="644164"/>
       </dsp:txXfrm>
     </dsp:sp>
     <dsp:sp modelId="{B00397B1-61FD-4348-AAE0-9BCCC71B097A}">
@@ -2815,8 +2963,8 @@
       </dsp:nvSpPr>
       <dsp:spPr>
         <a:xfrm>
-          <a:off x="4595341" y="1932668"/>
-          <a:ext cx="151437" cy="188910"/>
+          <a:off x="4002619" y="1975500"/>
+          <a:ext cx="131800" cy="164414"/>
         </a:xfrm>
         <a:prstGeom prst="rightArrow">
           <a:avLst>
@@ -2858,7 +3006,7 @@
         </a:bodyPr>
         <a:lstStyle/>
         <a:p>
-          <a:pPr marL="0" lvl="0" indent="0" algn="ctr" defTabSz="311150">
+          <a:pPr marL="0" lvl="0" indent="0" algn="ctr" defTabSz="266700">
             <a:lnSpc>
               <a:spcPct val="90000"/>
             </a:lnSpc>
@@ -2870,12 +3018,12 @@
             </a:spcAft>
             <a:buNone/>
           </a:pPr>
-          <a:endParaRPr lang="en-US" sz="700" kern="1200"/>
+          <a:endParaRPr lang="en-US" sz="600" kern="1200"/>
         </a:p>
       </dsp:txBody>
       <dsp:txXfrm>
-        <a:off x="4595341" y="1970450"/>
-        <a:ext cx="106006" cy="113346"/>
+        <a:off x="4002619" y="2008383"/>
+        <a:ext cx="92260" cy="98648"/>
       </dsp:txXfrm>
     </dsp:sp>
     <dsp:sp modelId="{9E90FAA2-7F73-47A6-9ECD-6B83C75E0D8D}">
@@ -2885,8 +3033,8 @@
       </dsp:nvSpPr>
       <dsp:spPr>
         <a:xfrm>
-          <a:off x="4876583" y="1634027"/>
-          <a:ext cx="786192" cy="786192"/>
+          <a:off x="4247392" y="1715584"/>
+          <a:ext cx="684246" cy="684246"/>
         </a:xfrm>
         <a:prstGeom prst="roundRect">
           <a:avLst>
@@ -2935,8 +3083,8 @@
       </dsp:nvSpPr>
       <dsp:spPr>
         <a:xfrm>
-          <a:off x="5004568" y="2105743"/>
-          <a:ext cx="786192" cy="786192"/>
+          <a:off x="4358781" y="2126132"/>
+          <a:ext cx="684246" cy="684246"/>
         </a:xfrm>
         <a:prstGeom prst="roundRect">
           <a:avLst>
@@ -2979,12 +3127,12 @@
         </a:fontRef>
       </dsp:style>
       <dsp:txBody>
-        <a:bodyPr spcFirstLastPara="0" vert="horz" wrap="square" lIns="34290" tIns="34290" rIns="34290" bIns="34290" numCol="1" spcCol="1270" anchor="t" anchorCtr="0">
+        <a:bodyPr spcFirstLastPara="0" vert="horz" wrap="square" lIns="30480" tIns="30480" rIns="30480" bIns="30480" numCol="1" spcCol="1270" anchor="t" anchorCtr="0">
           <a:noAutofit/>
         </a:bodyPr>
         <a:lstStyle/>
         <a:p>
-          <a:pPr marL="0" lvl="0" indent="0" algn="l" defTabSz="400050">
+          <a:pPr marL="0" lvl="0" indent="0" algn="l" defTabSz="355600">
             <a:lnSpc>
               <a:spcPct val="90000"/>
             </a:lnSpc>
@@ -2997,12 +3145,12 @@
             <a:buNone/>
           </a:pPr>
           <a:r>
-            <a:rPr lang="en-US" sz="900" kern="1200" dirty="0"/>
+            <a:rPr lang="en-US" sz="800" kern="1200" dirty="0"/>
             <a:t>Test</a:t>
           </a:r>
         </a:p>
         <a:p>
-          <a:pPr marL="57150" lvl="1" indent="-57150" algn="l" defTabSz="311150">
+          <a:pPr marL="57150" lvl="1" indent="-57150" algn="l" defTabSz="266700">
             <a:lnSpc>
               <a:spcPct val="90000"/>
             </a:lnSpc>
@@ -3015,14 +3163,14 @@
             <a:buChar char="•"/>
           </a:pPr>
           <a:r>
-            <a:rPr lang="en-US" sz="700" kern="1200" dirty="0"/>
+            <a:rPr lang="en-US" sz="600" kern="1200" dirty="0"/>
             <a:t>System</a:t>
           </a:r>
         </a:p>
       </dsp:txBody>
       <dsp:txXfrm>
-        <a:off x="5027595" y="2128770"/>
-        <a:ext cx="740138" cy="740138"/>
+        <a:off x="4378822" y="2146173"/>
+        <a:ext cx="644164" cy="644164"/>
       </dsp:txXfrm>
     </dsp:sp>
     <dsp:sp modelId="{41FC4363-C730-4E78-A8DB-01F5BC2CA415}">
@@ -3032,8 +3180,8 @@
       </dsp:nvSpPr>
       <dsp:spPr>
         <a:xfrm>
-          <a:off x="5814213" y="1932668"/>
-          <a:ext cx="151437" cy="188910"/>
+          <a:off x="5063439" y="1975500"/>
+          <a:ext cx="131800" cy="164414"/>
         </a:xfrm>
         <a:prstGeom prst="rightArrow">
           <a:avLst>
@@ -3075,7 +3223,7 @@
         </a:bodyPr>
         <a:lstStyle/>
         <a:p>
-          <a:pPr marL="0" lvl="0" indent="0" algn="ctr" defTabSz="311150">
+          <a:pPr marL="0" lvl="0" indent="0" algn="ctr" defTabSz="266700">
             <a:lnSpc>
               <a:spcPct val="90000"/>
             </a:lnSpc>
@@ -3087,12 +3235,12 @@
             </a:spcAft>
             <a:buNone/>
           </a:pPr>
-          <a:endParaRPr lang="en-US" sz="700" kern="1200"/>
+          <a:endParaRPr lang="en-US" sz="600" kern="1200"/>
         </a:p>
       </dsp:txBody>
       <dsp:txXfrm>
-        <a:off x="5814213" y="1970450"/>
-        <a:ext cx="106006" cy="113346"/>
+        <a:off x="5063439" y="2008383"/>
+        <a:ext cx="92260" cy="98648"/>
       </dsp:txXfrm>
     </dsp:sp>
     <dsp:sp modelId="{65A28B11-E8F9-4108-9737-E10393245391}">
@@ -3102,8 +3250,8 @@
       </dsp:nvSpPr>
       <dsp:spPr>
         <a:xfrm>
-          <a:off x="6095455" y="1634027"/>
-          <a:ext cx="786192" cy="786192"/>
+          <a:off x="5308212" y="1715584"/>
+          <a:ext cx="684246" cy="684246"/>
         </a:xfrm>
         <a:prstGeom prst="roundRect">
           <a:avLst>
@@ -3152,8 +3300,8 @@
       </dsp:nvSpPr>
       <dsp:spPr>
         <a:xfrm>
-          <a:off x="6223440" y="2105743"/>
-          <a:ext cx="786192" cy="786192"/>
+          <a:off x="5419601" y="2126132"/>
+          <a:ext cx="684246" cy="684246"/>
         </a:xfrm>
         <a:prstGeom prst="roundRect">
           <a:avLst>
@@ -3196,12 +3344,12 @@
         </a:fontRef>
       </dsp:style>
       <dsp:txBody>
-        <a:bodyPr spcFirstLastPara="0" vert="horz" wrap="square" lIns="34290" tIns="34290" rIns="34290" bIns="34290" numCol="1" spcCol="1270" anchor="t" anchorCtr="0">
+        <a:bodyPr spcFirstLastPara="0" vert="horz" wrap="square" lIns="30480" tIns="30480" rIns="30480" bIns="30480" numCol="1" spcCol="1270" anchor="t" anchorCtr="0">
           <a:noAutofit/>
         </a:bodyPr>
         <a:lstStyle/>
         <a:p>
-          <a:pPr marL="0" lvl="0" indent="0" algn="l" defTabSz="400050">
+          <a:pPr marL="0" lvl="0" indent="0" algn="l" defTabSz="355600">
             <a:lnSpc>
               <a:spcPct val="90000"/>
             </a:lnSpc>
@@ -3214,12 +3362,12 @@
             <a:buNone/>
           </a:pPr>
           <a:r>
-            <a:rPr lang="en-US" sz="900" kern="1200" dirty="0"/>
+            <a:rPr lang="en-US" sz="800" kern="1200" dirty="0"/>
             <a:t>Test</a:t>
           </a:r>
         </a:p>
         <a:p>
-          <a:pPr marL="57150" lvl="1" indent="-57150" algn="l" defTabSz="311150">
+          <a:pPr marL="57150" lvl="1" indent="-57150" algn="l" defTabSz="266700">
             <a:lnSpc>
               <a:spcPct val="90000"/>
             </a:lnSpc>
@@ -3232,14 +3380,14 @@
             <a:buChar char="•"/>
           </a:pPr>
           <a:r>
-            <a:rPr lang="en-US" sz="700" kern="1200" dirty="0"/>
+            <a:rPr lang="en-US" sz="600" kern="1200" dirty="0"/>
             <a:t>Customer</a:t>
           </a:r>
         </a:p>
       </dsp:txBody>
       <dsp:txXfrm>
-        <a:off x="6246467" y="2128770"/>
-        <a:ext cx="740138" cy="740138"/>
+        <a:off x="5439642" y="2146173"/>
+        <a:ext cx="644164" cy="644164"/>
       </dsp:txXfrm>
     </dsp:sp>
     <dsp:sp modelId="{6496C8A7-1AAA-4520-9452-570B6004501A}">
@@ -3249,8 +3397,8 @@
       </dsp:nvSpPr>
       <dsp:spPr>
         <a:xfrm>
-          <a:off x="7033085" y="1932668"/>
-          <a:ext cx="151437" cy="188910"/>
+          <a:off x="6124260" y="1975500"/>
+          <a:ext cx="131800" cy="164414"/>
         </a:xfrm>
         <a:prstGeom prst="rightArrow">
           <a:avLst>
@@ -3292,7 +3440,7 @@
         </a:bodyPr>
         <a:lstStyle/>
         <a:p>
-          <a:pPr marL="0" lvl="0" indent="0" algn="ctr" defTabSz="311150">
+          <a:pPr marL="0" lvl="0" indent="0" algn="ctr" defTabSz="266700">
             <a:lnSpc>
               <a:spcPct val="90000"/>
             </a:lnSpc>
@@ -3304,12 +3452,12 @@
             </a:spcAft>
             <a:buNone/>
           </a:pPr>
-          <a:endParaRPr lang="en-US" sz="700" kern="1200"/>
+          <a:endParaRPr lang="en-US" sz="600" kern="1200"/>
         </a:p>
       </dsp:txBody>
       <dsp:txXfrm>
-        <a:off x="7033085" y="1970450"/>
-        <a:ext cx="106006" cy="113346"/>
+        <a:off x="6124260" y="2008383"/>
+        <a:ext cx="92260" cy="98648"/>
       </dsp:txXfrm>
     </dsp:sp>
     <dsp:sp modelId="{678EB37A-483E-4CAF-8A44-DB356EA82EAF}">
@@ -3319,8 +3467,8 @@
       </dsp:nvSpPr>
       <dsp:spPr>
         <a:xfrm>
-          <a:off x="7314327" y="1634027"/>
-          <a:ext cx="786192" cy="786192"/>
+          <a:off x="6369033" y="1715584"/>
+          <a:ext cx="684246" cy="684246"/>
         </a:xfrm>
         <a:prstGeom prst="roundRect">
           <a:avLst>
@@ -3369,8 +3517,8 @@
       </dsp:nvSpPr>
       <dsp:spPr>
         <a:xfrm>
-          <a:off x="7442311" y="2105743"/>
-          <a:ext cx="786192" cy="786192"/>
+          <a:off x="6480422" y="2126132"/>
+          <a:ext cx="684246" cy="684246"/>
         </a:xfrm>
         <a:prstGeom prst="roundRect">
           <a:avLst>
@@ -3413,12 +3561,12 @@
         </a:fontRef>
       </dsp:style>
       <dsp:txBody>
-        <a:bodyPr spcFirstLastPara="0" vert="horz" wrap="square" lIns="34290" tIns="34290" rIns="34290" bIns="34290" numCol="1" spcCol="1270" anchor="t" anchorCtr="0">
+        <a:bodyPr spcFirstLastPara="0" vert="horz" wrap="square" lIns="30480" tIns="30480" rIns="30480" bIns="30480" numCol="1" spcCol="1270" anchor="t" anchorCtr="0">
           <a:noAutofit/>
         </a:bodyPr>
         <a:lstStyle/>
         <a:p>
-          <a:pPr marL="0" lvl="0" indent="0" algn="l" defTabSz="400050">
+          <a:pPr marL="0" lvl="0" indent="0" algn="l" defTabSz="355600">
             <a:lnSpc>
               <a:spcPct val="90000"/>
             </a:lnSpc>
@@ -3431,12 +3579,12 @@
             <a:buNone/>
           </a:pPr>
           <a:r>
-            <a:rPr lang="en-US" sz="900" kern="1200" dirty="0"/>
+            <a:rPr lang="en-US" sz="800" kern="1200" dirty="0"/>
             <a:t>Report</a:t>
           </a:r>
         </a:p>
         <a:p>
-          <a:pPr marL="57150" lvl="1" indent="-57150" algn="l" defTabSz="311150">
+          <a:pPr marL="57150" lvl="1" indent="-57150" algn="l" defTabSz="266700">
             <a:lnSpc>
               <a:spcPct val="90000"/>
             </a:lnSpc>
@@ -3449,12 +3597,12 @@
             <a:buChar char="•"/>
           </a:pPr>
           <a:r>
-            <a:rPr lang="en-US" sz="700" kern="1200" dirty="0"/>
+            <a:rPr lang="en-US" sz="600" kern="1200" dirty="0"/>
             <a:t>History</a:t>
           </a:r>
         </a:p>
         <a:p>
-          <a:pPr marL="57150" lvl="1" indent="-57150" algn="l" defTabSz="311150">
+          <a:pPr marL="57150" lvl="1" indent="-57150" algn="l" defTabSz="266700">
             <a:lnSpc>
               <a:spcPct val="90000"/>
             </a:lnSpc>
@@ -3467,14 +3615,249 @@
             <a:buChar char="•"/>
           </a:pPr>
           <a:r>
-            <a:rPr lang="en-US" sz="700" kern="1200" dirty="0"/>
+            <a:rPr lang="en-US" sz="600" kern="1200" dirty="0"/>
             <a:t>Status</a:t>
           </a:r>
         </a:p>
       </dsp:txBody>
       <dsp:txXfrm>
-        <a:off x="7465338" y="2128770"/>
-        <a:ext cx="740138" cy="740138"/>
+        <a:off x="6500463" y="2146173"/>
+        <a:ext cx="644164" cy="644164"/>
+      </dsp:txXfrm>
+    </dsp:sp>
+    <dsp:sp modelId="{C58AB711-1DC7-4981-A453-C58359394264}">
+      <dsp:nvSpPr>
+        <dsp:cNvPr id="0" name=""/>
+        <dsp:cNvSpPr/>
+      </dsp:nvSpPr>
+      <dsp:spPr>
+        <a:xfrm>
+          <a:off x="7185080" y="1975500"/>
+          <a:ext cx="131800" cy="164414"/>
+        </a:xfrm>
+        <a:prstGeom prst="rightArrow">
+          <a:avLst>
+            <a:gd name="adj1" fmla="val 60000"/>
+            <a:gd name="adj2" fmla="val 50000"/>
+          </a:avLst>
+        </a:prstGeom>
+        <a:solidFill>
+          <a:schemeClr val="accent1">
+            <a:tint val="60000"/>
+            <a:hueOff val="0"/>
+            <a:satOff val="0"/>
+            <a:lumOff val="0"/>
+            <a:alphaOff val="0"/>
+          </a:schemeClr>
+        </a:solidFill>
+        <a:ln>
+          <a:noFill/>
+        </a:ln>
+        <a:effectLst/>
+      </dsp:spPr>
+      <dsp:style>
+        <a:lnRef idx="0">
+          <a:scrgbClr r="0" g="0" b="0"/>
+        </a:lnRef>
+        <a:fillRef idx="1">
+          <a:scrgbClr r="0" g="0" b="0"/>
+        </a:fillRef>
+        <a:effectRef idx="0">
+          <a:scrgbClr r="0" g="0" b="0"/>
+        </a:effectRef>
+        <a:fontRef idx="minor">
+          <a:schemeClr val="lt1"/>
+        </a:fontRef>
+      </dsp:style>
+      <dsp:txBody>
+        <a:bodyPr spcFirstLastPara="0" vert="horz" wrap="square" lIns="0" tIns="0" rIns="0" bIns="0" numCol="1" spcCol="1270" anchor="ctr" anchorCtr="0">
+          <a:noAutofit/>
+        </a:bodyPr>
+        <a:lstStyle/>
+        <a:p>
+          <a:pPr marL="0" lvl="0" indent="0" algn="ctr" defTabSz="266700">
+            <a:lnSpc>
+              <a:spcPct val="90000"/>
+            </a:lnSpc>
+            <a:spcBef>
+              <a:spcPct val="0"/>
+            </a:spcBef>
+            <a:spcAft>
+              <a:spcPct val="35000"/>
+            </a:spcAft>
+            <a:buNone/>
+          </a:pPr>
+          <a:endParaRPr lang="en-US" sz="600" kern="1200"/>
+        </a:p>
+      </dsp:txBody>
+      <dsp:txXfrm>
+        <a:off x="7185080" y="2008383"/>
+        <a:ext cx="92260" cy="98648"/>
+      </dsp:txXfrm>
+    </dsp:sp>
+    <dsp:sp modelId="{FB8456C6-DA59-4B6F-9149-905C8B0A5903}">
+      <dsp:nvSpPr>
+        <dsp:cNvPr id="0" name=""/>
+        <dsp:cNvSpPr/>
+      </dsp:nvSpPr>
+      <dsp:spPr>
+        <a:xfrm>
+          <a:off x="7429853" y="1715584"/>
+          <a:ext cx="684246" cy="684246"/>
+        </a:xfrm>
+        <a:prstGeom prst="roundRect">
+          <a:avLst>
+            <a:gd name="adj" fmla="val 10000"/>
+          </a:avLst>
+        </a:prstGeom>
+        <a:solidFill>
+          <a:schemeClr val="accent1">
+            <a:tint val="50000"/>
+            <a:hueOff val="0"/>
+            <a:satOff val="0"/>
+            <a:lumOff val="0"/>
+            <a:alphaOff val="0"/>
+          </a:schemeClr>
+        </a:solidFill>
+        <a:ln w="25400" cap="flat" cmpd="sng" algn="ctr">
+          <a:solidFill>
+            <a:schemeClr val="lt1">
+              <a:hueOff val="0"/>
+              <a:satOff val="0"/>
+              <a:lumOff val="0"/>
+              <a:alphaOff val="0"/>
+            </a:schemeClr>
+          </a:solidFill>
+          <a:prstDash val="solid"/>
+        </a:ln>
+        <a:effectLst/>
+      </dsp:spPr>
+      <dsp:style>
+        <a:lnRef idx="2">
+          <a:scrgbClr r="0" g="0" b="0"/>
+        </a:lnRef>
+        <a:fillRef idx="1">
+          <a:scrgbClr r="0" g="0" b="0"/>
+        </a:fillRef>
+        <a:effectRef idx="0">
+          <a:scrgbClr r="0" g="0" b="0"/>
+        </a:effectRef>
+        <a:fontRef idx="minor"/>
+      </dsp:style>
+    </dsp:sp>
+    <dsp:sp modelId="{F6934BC3-D1C6-4B65-8251-F4877F052B8F}">
+      <dsp:nvSpPr>
+        <dsp:cNvPr id="0" name=""/>
+        <dsp:cNvSpPr/>
+      </dsp:nvSpPr>
+      <dsp:spPr>
+        <a:xfrm>
+          <a:off x="7541242" y="2126132"/>
+          <a:ext cx="684246" cy="684246"/>
+        </a:xfrm>
+        <a:prstGeom prst="roundRect">
+          <a:avLst>
+            <a:gd name="adj" fmla="val 10000"/>
+          </a:avLst>
+        </a:prstGeom>
+        <a:solidFill>
+          <a:schemeClr val="accent1">
+            <a:hueOff val="0"/>
+            <a:satOff val="0"/>
+            <a:lumOff val="0"/>
+            <a:alphaOff val="0"/>
+          </a:schemeClr>
+        </a:solidFill>
+        <a:ln w="25400" cap="flat" cmpd="sng" algn="ctr">
+          <a:solidFill>
+            <a:schemeClr val="lt1">
+              <a:hueOff val="0"/>
+              <a:satOff val="0"/>
+              <a:lumOff val="0"/>
+              <a:alphaOff val="0"/>
+            </a:schemeClr>
+          </a:solidFill>
+          <a:prstDash val="solid"/>
+        </a:ln>
+        <a:effectLst/>
+      </dsp:spPr>
+      <dsp:style>
+        <a:lnRef idx="2">
+          <a:scrgbClr r="0" g="0" b="0"/>
+        </a:lnRef>
+        <a:fillRef idx="1">
+          <a:scrgbClr r="0" g="0" b="0"/>
+        </a:fillRef>
+        <a:effectRef idx="0">
+          <a:scrgbClr r="0" g="0" b="0"/>
+        </a:effectRef>
+        <a:fontRef idx="minor">
+          <a:schemeClr val="lt1"/>
+        </a:fontRef>
+      </dsp:style>
+      <dsp:txBody>
+        <a:bodyPr spcFirstLastPara="0" vert="horz" wrap="square" lIns="30480" tIns="30480" rIns="30480" bIns="30480" numCol="1" spcCol="1270" anchor="t" anchorCtr="0">
+          <a:noAutofit/>
+        </a:bodyPr>
+        <a:lstStyle/>
+        <a:p>
+          <a:pPr marL="0" lvl="0" indent="0" algn="l" defTabSz="355600">
+            <a:lnSpc>
+              <a:spcPct val="90000"/>
+            </a:lnSpc>
+            <a:spcBef>
+              <a:spcPct val="0"/>
+            </a:spcBef>
+            <a:spcAft>
+              <a:spcPct val="35000"/>
+            </a:spcAft>
+            <a:buNone/>
+          </a:pPr>
+          <a:r>
+            <a:rPr lang="en-US" sz="800" kern="1200" dirty="0"/>
+            <a:t>Cleanup</a:t>
+          </a:r>
+        </a:p>
+        <a:p>
+          <a:pPr marL="57150" lvl="1" indent="-57150" algn="l" defTabSz="266700">
+            <a:lnSpc>
+              <a:spcPct val="90000"/>
+            </a:lnSpc>
+            <a:spcBef>
+              <a:spcPct val="0"/>
+            </a:spcBef>
+            <a:spcAft>
+              <a:spcPct val="15000"/>
+            </a:spcAft>
+            <a:buChar char="•"/>
+          </a:pPr>
+          <a:r>
+            <a:rPr lang="en-US" sz="600" kern="1200" dirty="0"/>
+            <a:t>Database</a:t>
+          </a:r>
+        </a:p>
+        <a:p>
+          <a:pPr marL="57150" lvl="1" indent="-57150" algn="l" defTabSz="266700">
+            <a:lnSpc>
+              <a:spcPct val="90000"/>
+            </a:lnSpc>
+            <a:spcBef>
+              <a:spcPct val="0"/>
+            </a:spcBef>
+            <a:spcAft>
+              <a:spcPct val="15000"/>
+            </a:spcAft>
+            <a:buChar char="•"/>
+          </a:pPr>
+          <a:r>
+            <a:rPr lang="en-US" sz="600" kern="1200" dirty="0"/>
+            <a:t>Backup set</a:t>
+          </a:r>
+        </a:p>
+      </dsp:txBody>
+      <dsp:txXfrm>
+        <a:off x="7561283" y="2146173"/>
+        <a:ext cx="644164" cy="644164"/>
       </dsp:txXfrm>
     </dsp:sp>
   </dsp:spTree>
@@ -4755,6 +5138,545 @@
 </dgm:styleDef>
 </file>
 
+<file path=ppt/notesMasters/notesMaster1.xml><?xml version="1.0" encoding="utf-8"?>
+<p:notesMaster xmlns:a="http://schemas.openxmlformats.org/drawingml/2006/main" xmlns:r="http://schemas.openxmlformats.org/officeDocument/2006/relationships" xmlns:p="http://schemas.openxmlformats.org/presentationml/2006/main">
+  <p:cSld>
+    <p:bg>
+      <p:bgRef idx="1001">
+        <a:schemeClr val="bg1"/>
+      </p:bgRef>
+    </p:bg>
+    <p:spTree>
+      <p:nvGrpSpPr>
+        <p:cNvPr id="1" name=""/>
+        <p:cNvGrpSpPr/>
+        <p:nvPr/>
+      </p:nvGrpSpPr>
+      <p:grpSpPr>
+        <a:xfrm>
+          <a:off x="0" y="0"/>
+          <a:ext cx="0" cy="0"/>
+          <a:chOff x="0" y="0"/>
+          <a:chExt cx="0" cy="0"/>
+        </a:xfrm>
+      </p:grpSpPr>
+      <p:sp>
+        <p:nvSpPr>
+          <p:cNvPr id="2" name="Pladsholder til sidehoved 1"/>
+          <p:cNvSpPr>
+            <a:spLocks noGrp="1"/>
+          </p:cNvSpPr>
+          <p:nvPr>
+            <p:ph type="hdr" sz="quarter"/>
+          </p:nvPr>
+        </p:nvSpPr>
+        <p:spPr>
+          <a:xfrm>
+            <a:off x="0" y="0"/>
+            <a:ext cx="2971800" cy="458788"/>
+          </a:xfrm>
+          <a:prstGeom prst="rect">
+            <a:avLst/>
+          </a:prstGeom>
+        </p:spPr>
+        <p:txBody>
+          <a:bodyPr vert="horz" lIns="91440" tIns="45720" rIns="91440" bIns="45720" rtlCol="0"/>
+          <a:lstStyle>
+            <a:lvl1pPr algn="l">
+              <a:defRPr sz="1200"/>
+            </a:lvl1pPr>
+          </a:lstStyle>
+          <a:p>
+            <a:endParaRPr lang="da-DK"/>
+          </a:p>
+        </p:txBody>
+      </p:sp>
+      <p:sp>
+        <p:nvSpPr>
+          <p:cNvPr id="3" name="Pladsholder til dato 2"/>
+          <p:cNvSpPr>
+            <a:spLocks noGrp="1"/>
+          </p:cNvSpPr>
+          <p:nvPr>
+            <p:ph type="dt" idx="1"/>
+          </p:nvPr>
+        </p:nvSpPr>
+        <p:spPr>
+          <a:xfrm>
+            <a:off x="3884613" y="0"/>
+            <a:ext cx="2971800" cy="458788"/>
+          </a:xfrm>
+          <a:prstGeom prst="rect">
+            <a:avLst/>
+          </a:prstGeom>
+        </p:spPr>
+        <p:txBody>
+          <a:bodyPr vert="horz" lIns="91440" tIns="45720" rIns="91440" bIns="45720" rtlCol="0"/>
+          <a:lstStyle>
+            <a:lvl1pPr algn="r">
+              <a:defRPr sz="1200"/>
+            </a:lvl1pPr>
+          </a:lstStyle>
+          <a:p>
+            <a:fld id="{3478607F-DE2C-4FAA-A9C0-BF42B3D5BD02}" type="datetimeFigureOut">
+              <a:rPr lang="da-DK" smtClean="0"/>
+              <a:t>14-08-2017</a:t>
+            </a:fld>
+            <a:endParaRPr lang="da-DK"/>
+          </a:p>
+        </p:txBody>
+      </p:sp>
+      <p:sp>
+        <p:nvSpPr>
+          <p:cNvPr id="4" name="Pladsholder til slidebillede 3"/>
+          <p:cNvSpPr>
+            <a:spLocks noGrp="1" noRot="1" noChangeAspect="1"/>
+          </p:cNvSpPr>
+          <p:nvPr>
+            <p:ph type="sldImg" idx="2"/>
+          </p:nvPr>
+        </p:nvSpPr>
+        <p:spPr>
+          <a:xfrm>
+            <a:off x="1371600" y="1143000"/>
+            <a:ext cx="4114800" cy="3086100"/>
+          </a:xfrm>
+          <a:prstGeom prst="rect">
+            <a:avLst/>
+          </a:prstGeom>
+          <a:noFill/>
+          <a:ln w="12700">
+            <a:solidFill>
+              <a:prstClr val="black"/>
+            </a:solidFill>
+          </a:ln>
+        </p:spPr>
+        <p:txBody>
+          <a:bodyPr vert="horz" lIns="91440" tIns="45720" rIns="91440" bIns="45720" rtlCol="0" anchor="ctr"/>
+          <a:lstStyle/>
+          <a:p>
+            <a:endParaRPr lang="da-DK"/>
+          </a:p>
+        </p:txBody>
+      </p:sp>
+      <p:sp>
+        <p:nvSpPr>
+          <p:cNvPr id="5" name="Pladsholder til noter 4"/>
+          <p:cNvSpPr>
+            <a:spLocks noGrp="1"/>
+          </p:cNvSpPr>
+          <p:nvPr>
+            <p:ph type="body" sz="quarter" idx="3"/>
+          </p:nvPr>
+        </p:nvSpPr>
+        <p:spPr>
+          <a:xfrm>
+            <a:off x="685800" y="4400550"/>
+            <a:ext cx="5486400" cy="3600450"/>
+          </a:xfrm>
+          <a:prstGeom prst="rect">
+            <a:avLst/>
+          </a:prstGeom>
+        </p:spPr>
+        <p:txBody>
+          <a:bodyPr vert="horz" lIns="91440" tIns="45720" rIns="91440" bIns="45720" rtlCol="0"/>
+          <a:lstStyle/>
+          <a:p>
+            <a:pPr lvl="0"/>
+            <a:r>
+              <a:rPr lang="da-DK"/>
+              <a:t>Rediger typografien i masterens</a:t>
+            </a:r>
+          </a:p>
+          <a:p>
+            <a:pPr lvl="1"/>
+            <a:r>
+              <a:rPr lang="da-DK"/>
+              <a:t>Andet niveau</a:t>
+            </a:r>
+          </a:p>
+          <a:p>
+            <a:pPr lvl="2"/>
+            <a:r>
+              <a:rPr lang="da-DK"/>
+              <a:t>Tredje niveau</a:t>
+            </a:r>
+          </a:p>
+          <a:p>
+            <a:pPr lvl="3"/>
+            <a:r>
+              <a:rPr lang="da-DK"/>
+              <a:t>Fjerde niveau</a:t>
+            </a:r>
+          </a:p>
+          <a:p>
+            <a:pPr lvl="4"/>
+            <a:r>
+              <a:rPr lang="da-DK"/>
+              <a:t>Femte niveau</a:t>
+            </a:r>
+          </a:p>
+        </p:txBody>
+      </p:sp>
+      <p:sp>
+        <p:nvSpPr>
+          <p:cNvPr id="6" name="Pladsholder til sidefod 5"/>
+          <p:cNvSpPr>
+            <a:spLocks noGrp="1"/>
+          </p:cNvSpPr>
+          <p:nvPr>
+            <p:ph type="ftr" sz="quarter" idx="4"/>
+          </p:nvPr>
+        </p:nvSpPr>
+        <p:spPr>
+          <a:xfrm>
+            <a:off x="0" y="8685213"/>
+            <a:ext cx="2971800" cy="458787"/>
+          </a:xfrm>
+          <a:prstGeom prst="rect">
+            <a:avLst/>
+          </a:prstGeom>
+        </p:spPr>
+        <p:txBody>
+          <a:bodyPr vert="horz" lIns="91440" tIns="45720" rIns="91440" bIns="45720" rtlCol="0" anchor="b"/>
+          <a:lstStyle>
+            <a:lvl1pPr algn="l">
+              <a:defRPr sz="1200"/>
+            </a:lvl1pPr>
+          </a:lstStyle>
+          <a:p>
+            <a:endParaRPr lang="da-DK"/>
+          </a:p>
+        </p:txBody>
+      </p:sp>
+      <p:sp>
+        <p:nvSpPr>
+          <p:cNvPr id="7" name="Pladsholder til slidenummer 6"/>
+          <p:cNvSpPr>
+            <a:spLocks noGrp="1"/>
+          </p:cNvSpPr>
+          <p:nvPr>
+            <p:ph type="sldNum" sz="quarter" idx="5"/>
+          </p:nvPr>
+        </p:nvSpPr>
+        <p:spPr>
+          <a:xfrm>
+            <a:off x="3884613" y="8685213"/>
+            <a:ext cx="2971800" cy="458787"/>
+          </a:xfrm>
+          <a:prstGeom prst="rect">
+            <a:avLst/>
+          </a:prstGeom>
+        </p:spPr>
+        <p:txBody>
+          <a:bodyPr vert="horz" lIns="91440" tIns="45720" rIns="91440" bIns="45720" rtlCol="0" anchor="b"/>
+          <a:lstStyle>
+            <a:lvl1pPr algn="r">
+              <a:defRPr sz="1200"/>
+            </a:lvl1pPr>
+          </a:lstStyle>
+          <a:p>
+            <a:fld id="{98D83480-A6BC-4F00-9732-1C51E2014B72}" type="slidenum">
+              <a:rPr lang="da-DK" smtClean="0"/>
+              <a:t>‹nr.›</a:t>
+            </a:fld>
+            <a:endParaRPr lang="da-DK"/>
+          </a:p>
+        </p:txBody>
+      </p:sp>
+    </p:spTree>
+    <p:extLst>
+      <p:ext uri="{BB962C8B-B14F-4D97-AF65-F5344CB8AC3E}">
+        <p14:creationId xmlns:p14="http://schemas.microsoft.com/office/powerpoint/2010/main" val="1160768102"/>
+      </p:ext>
+    </p:extLst>
+  </p:cSld>
+  <p:clrMap bg1="lt1" tx1="dk1" bg2="lt2" tx2="dk2" accent1="accent1" accent2="accent2" accent3="accent3" accent4="accent4" accent5="accent5" accent6="accent6" hlink="hlink" folHlink="folHlink"/>
+  <p:notesStyle>
+    <a:lvl1pPr marL="0" algn="l" defTabSz="914400" rtl="0" eaLnBrk="1" latinLnBrk="0" hangingPunct="1">
+      <a:defRPr sz="1200" kern="1200">
+        <a:solidFill>
+          <a:schemeClr val="tx1"/>
+        </a:solidFill>
+        <a:latin typeface="+mn-lt"/>
+        <a:ea typeface="+mn-ea"/>
+        <a:cs typeface="+mn-cs"/>
+      </a:defRPr>
+    </a:lvl1pPr>
+    <a:lvl2pPr marL="457200" algn="l" defTabSz="914400" rtl="0" eaLnBrk="1" latinLnBrk="0" hangingPunct="1">
+      <a:defRPr sz="1200" kern="1200">
+        <a:solidFill>
+          <a:schemeClr val="tx1"/>
+        </a:solidFill>
+        <a:latin typeface="+mn-lt"/>
+        <a:ea typeface="+mn-ea"/>
+        <a:cs typeface="+mn-cs"/>
+      </a:defRPr>
+    </a:lvl2pPr>
+    <a:lvl3pPr marL="914400" algn="l" defTabSz="914400" rtl="0" eaLnBrk="1" latinLnBrk="0" hangingPunct="1">
+      <a:defRPr sz="1200" kern="1200">
+        <a:solidFill>
+          <a:schemeClr val="tx1"/>
+        </a:solidFill>
+        <a:latin typeface="+mn-lt"/>
+        <a:ea typeface="+mn-ea"/>
+        <a:cs typeface="+mn-cs"/>
+      </a:defRPr>
+    </a:lvl3pPr>
+    <a:lvl4pPr marL="1371600" algn="l" defTabSz="914400" rtl="0" eaLnBrk="1" latinLnBrk="0" hangingPunct="1">
+      <a:defRPr sz="1200" kern="1200">
+        <a:solidFill>
+          <a:schemeClr val="tx1"/>
+        </a:solidFill>
+        <a:latin typeface="+mn-lt"/>
+        <a:ea typeface="+mn-ea"/>
+        <a:cs typeface="+mn-cs"/>
+      </a:defRPr>
+    </a:lvl4pPr>
+    <a:lvl5pPr marL="1828800" algn="l" defTabSz="914400" rtl="0" eaLnBrk="1" latinLnBrk="0" hangingPunct="1">
+      <a:defRPr sz="1200" kern="1200">
+        <a:solidFill>
+          <a:schemeClr val="tx1"/>
+        </a:solidFill>
+        <a:latin typeface="+mn-lt"/>
+        <a:ea typeface="+mn-ea"/>
+        <a:cs typeface="+mn-cs"/>
+      </a:defRPr>
+    </a:lvl5pPr>
+    <a:lvl6pPr marL="2286000" algn="l" defTabSz="914400" rtl="0" eaLnBrk="1" latinLnBrk="0" hangingPunct="1">
+      <a:defRPr sz="1200" kern="1200">
+        <a:solidFill>
+          <a:schemeClr val="tx1"/>
+        </a:solidFill>
+        <a:latin typeface="+mn-lt"/>
+        <a:ea typeface="+mn-ea"/>
+        <a:cs typeface="+mn-cs"/>
+      </a:defRPr>
+    </a:lvl6pPr>
+    <a:lvl7pPr marL="2743200" algn="l" defTabSz="914400" rtl="0" eaLnBrk="1" latinLnBrk="0" hangingPunct="1">
+      <a:defRPr sz="1200" kern="1200">
+        <a:solidFill>
+          <a:schemeClr val="tx1"/>
+        </a:solidFill>
+        <a:latin typeface="+mn-lt"/>
+        <a:ea typeface="+mn-ea"/>
+        <a:cs typeface="+mn-cs"/>
+      </a:defRPr>
+    </a:lvl7pPr>
+    <a:lvl8pPr marL="3200400" algn="l" defTabSz="914400" rtl="0" eaLnBrk="1" latinLnBrk="0" hangingPunct="1">
+      <a:defRPr sz="1200" kern="1200">
+        <a:solidFill>
+          <a:schemeClr val="tx1"/>
+        </a:solidFill>
+        <a:latin typeface="+mn-lt"/>
+        <a:ea typeface="+mn-ea"/>
+        <a:cs typeface="+mn-cs"/>
+      </a:defRPr>
+    </a:lvl8pPr>
+    <a:lvl9pPr marL="3657600" algn="l" defTabSz="914400" rtl="0" eaLnBrk="1" latinLnBrk="0" hangingPunct="1">
+      <a:defRPr sz="1200" kern="1200">
+        <a:solidFill>
+          <a:schemeClr val="tx1"/>
+        </a:solidFill>
+        <a:latin typeface="+mn-lt"/>
+        <a:ea typeface="+mn-ea"/>
+        <a:cs typeface="+mn-cs"/>
+      </a:defRPr>
+    </a:lvl9pPr>
+  </p:notesStyle>
+</p:notesMaster>
+</file>
+
+<file path=ppt/notesSlides/notesSlide1.xml><?xml version="1.0" encoding="utf-8"?>
+<p:notes xmlns:a="http://schemas.openxmlformats.org/drawingml/2006/main" xmlns:r="http://schemas.openxmlformats.org/officeDocument/2006/relationships" xmlns:p="http://schemas.openxmlformats.org/presentationml/2006/main">
+  <p:cSld>
+    <p:spTree>
+      <p:nvGrpSpPr>
+        <p:cNvPr id="1" name=""/>
+        <p:cNvGrpSpPr/>
+        <p:nvPr/>
+      </p:nvGrpSpPr>
+      <p:grpSpPr>
+        <a:xfrm>
+          <a:off x="0" y="0"/>
+          <a:ext cx="0" cy="0"/>
+          <a:chOff x="0" y="0"/>
+          <a:chExt cx="0" cy="0"/>
+        </a:xfrm>
+      </p:grpSpPr>
+      <p:sp>
+        <p:nvSpPr>
+          <p:cNvPr id="2" name="Pladsholder til slidebillede 1"/>
+          <p:cNvSpPr>
+            <a:spLocks noGrp="1" noRot="1" noChangeAspect="1"/>
+          </p:cNvSpPr>
+          <p:nvPr>
+            <p:ph type="sldImg"/>
+          </p:nvPr>
+        </p:nvSpPr>
+        <p:spPr/>
+      </p:sp>
+      <p:sp>
+        <p:nvSpPr>
+          <p:cNvPr id="3" name="Pladsholder til noter 2"/>
+          <p:cNvSpPr>
+            <a:spLocks noGrp="1"/>
+          </p:cNvSpPr>
+          <p:nvPr>
+            <p:ph type="body" idx="1"/>
+          </p:nvPr>
+        </p:nvSpPr>
+        <p:spPr/>
+        <p:txBody>
+          <a:bodyPr/>
+          <a:lstStyle/>
+          <a:p>
+            <a:r>
+              <a:rPr lang="da-DK" dirty="0"/>
+              <a:t>Ref.: IT </a:t>
+            </a:r>
+            <a:r>
+              <a:rPr lang="da-DK" dirty="0" err="1"/>
+              <a:t>Infrastructure</a:t>
+            </a:r>
+            <a:r>
+              <a:rPr lang="da-DK" dirty="0"/>
+              <a:t>, p 104</a:t>
+            </a:r>
+          </a:p>
+        </p:txBody>
+      </p:sp>
+      <p:sp>
+        <p:nvSpPr>
+          <p:cNvPr id="4" name="Pladsholder til slidenummer 3"/>
+          <p:cNvSpPr>
+            <a:spLocks noGrp="1"/>
+          </p:cNvSpPr>
+          <p:nvPr>
+            <p:ph type="sldNum" sz="quarter" idx="10"/>
+          </p:nvPr>
+        </p:nvSpPr>
+        <p:spPr/>
+        <p:txBody>
+          <a:bodyPr/>
+          <a:lstStyle/>
+          <a:p>
+            <a:fld id="{98D83480-A6BC-4F00-9732-1C51E2014B72}" type="slidenum">
+              <a:rPr lang="da-DK" smtClean="0"/>
+              <a:t>7</a:t>
+            </a:fld>
+            <a:endParaRPr lang="da-DK"/>
+          </a:p>
+        </p:txBody>
+      </p:sp>
+    </p:spTree>
+    <p:extLst>
+      <p:ext uri="{BB962C8B-B14F-4D97-AF65-F5344CB8AC3E}">
+        <p14:creationId xmlns:p14="http://schemas.microsoft.com/office/powerpoint/2010/main" val="3260762763"/>
+      </p:ext>
+    </p:extLst>
+  </p:cSld>
+  <p:clrMapOvr>
+    <a:masterClrMapping/>
+  </p:clrMapOvr>
+</p:notes>
+</file>
+
+<file path=ppt/notesSlides/notesSlide2.xml><?xml version="1.0" encoding="utf-8"?>
+<p:notes xmlns:a="http://schemas.openxmlformats.org/drawingml/2006/main" xmlns:r="http://schemas.openxmlformats.org/officeDocument/2006/relationships" xmlns:p="http://schemas.openxmlformats.org/presentationml/2006/main">
+  <p:cSld>
+    <p:spTree>
+      <p:nvGrpSpPr>
+        <p:cNvPr id="1" name=""/>
+        <p:cNvGrpSpPr/>
+        <p:nvPr/>
+      </p:nvGrpSpPr>
+      <p:grpSpPr>
+        <a:xfrm>
+          <a:off x="0" y="0"/>
+          <a:ext cx="0" cy="0"/>
+          <a:chOff x="0" y="0"/>
+          <a:chExt cx="0" cy="0"/>
+        </a:xfrm>
+      </p:grpSpPr>
+      <p:sp>
+        <p:nvSpPr>
+          <p:cNvPr id="2" name="Pladsholder til slidebillede 1"/>
+          <p:cNvSpPr>
+            <a:spLocks noGrp="1" noRot="1" noChangeAspect="1"/>
+          </p:cNvSpPr>
+          <p:nvPr>
+            <p:ph type="sldImg"/>
+          </p:nvPr>
+        </p:nvSpPr>
+        <p:spPr/>
+      </p:sp>
+      <p:sp>
+        <p:nvSpPr>
+          <p:cNvPr id="3" name="Pladsholder til noter 2"/>
+          <p:cNvSpPr>
+            <a:spLocks noGrp="1"/>
+          </p:cNvSpPr>
+          <p:nvPr>
+            <p:ph type="body" idx="1"/>
+          </p:nvPr>
+        </p:nvSpPr>
+        <p:spPr/>
+        <p:txBody>
+          <a:bodyPr/>
+          <a:lstStyle/>
+          <a:p>
+            <a:r>
+              <a:rPr lang="da-DK" dirty="0"/>
+              <a:t>Ref.: IT </a:t>
+            </a:r>
+            <a:r>
+              <a:rPr lang="da-DK" dirty="0" err="1"/>
+              <a:t>Infrastructure</a:t>
+            </a:r>
+            <a:r>
+              <a:rPr lang="da-DK" dirty="0"/>
+              <a:t>, p 106</a:t>
+            </a:r>
+          </a:p>
+        </p:txBody>
+      </p:sp>
+      <p:sp>
+        <p:nvSpPr>
+          <p:cNvPr id="4" name="Pladsholder til slidenummer 3"/>
+          <p:cNvSpPr>
+            <a:spLocks noGrp="1"/>
+          </p:cNvSpPr>
+          <p:nvPr>
+            <p:ph type="sldNum" sz="quarter" idx="10"/>
+          </p:nvPr>
+        </p:nvSpPr>
+        <p:spPr/>
+        <p:txBody>
+          <a:bodyPr/>
+          <a:lstStyle/>
+          <a:p>
+            <a:fld id="{98D83480-A6BC-4F00-9732-1C51E2014B72}" type="slidenum">
+              <a:rPr lang="da-DK" smtClean="0"/>
+              <a:t>8</a:t>
+            </a:fld>
+            <a:endParaRPr lang="da-DK"/>
+          </a:p>
+        </p:txBody>
+      </p:sp>
+    </p:spTree>
+    <p:extLst>
+      <p:ext uri="{BB962C8B-B14F-4D97-AF65-F5344CB8AC3E}">
+        <p14:creationId xmlns:p14="http://schemas.microsoft.com/office/powerpoint/2010/main" val="2976948852"/>
+      </p:ext>
+    </p:extLst>
+  </p:cSld>
+  <p:clrMapOvr>
+    <a:masterClrMapping/>
+  </p:clrMapOvr>
+</p:notes>
+</file>
+
 <file path=ppt/slideLayouts/slideLayout1.xml><?xml version="1.0" encoding="utf-8"?>
 <p:sldLayout xmlns:a="http://schemas.openxmlformats.org/drawingml/2006/main" xmlns:r="http://schemas.openxmlformats.org/officeDocument/2006/relationships" xmlns:p="http://schemas.openxmlformats.org/presentationml/2006/main" type="title" preserve="1">
   <p:cSld name="Title Slide">
@@ -4935,7 +5857,7 @@
             <a:fld id="{1D8BD707-D9CF-40AE-B4C6-C98DA3205C09}" type="datetimeFigureOut">
               <a:rPr lang="en-US" smtClean="0"/>
               <a:pPr/>
-              <a:t>8/2/2017</a:t>
+              <a:t>8/14/2017</a:t>
             </a:fld>
             <a:endParaRPr lang="en-US"/>
           </a:p>
@@ -4978,7 +5900,7 @@
             <a:fld id="{B6F15528-21DE-4FAA-801E-634DDDAF4B2B}" type="slidenum">
               <a:rPr lang="en-US" smtClean="0"/>
               <a:pPr/>
-              <a:t>‹#›</a:t>
+              <a:t>‹nr.›</a:t>
             </a:fld>
             <a:endParaRPr lang="en-US"/>
           </a:p>
@@ -5100,7 +6022,7 @@
             <a:fld id="{1D8BD707-D9CF-40AE-B4C6-C98DA3205C09}" type="datetimeFigureOut">
               <a:rPr lang="en-US" smtClean="0"/>
               <a:pPr/>
-              <a:t>8/2/2017</a:t>
+              <a:t>8/14/2017</a:t>
             </a:fld>
             <a:endParaRPr lang="en-US"/>
           </a:p>
@@ -5143,7 +6065,7 @@
             <a:fld id="{B6F15528-21DE-4FAA-801E-634DDDAF4B2B}" type="slidenum">
               <a:rPr lang="en-US" smtClean="0"/>
               <a:pPr/>
-              <a:t>‹#›</a:t>
+              <a:t>‹nr.›</a:t>
             </a:fld>
             <a:endParaRPr lang="en-US"/>
           </a:p>
@@ -5275,7 +6197,7 @@
             <a:fld id="{1D8BD707-D9CF-40AE-B4C6-C98DA3205C09}" type="datetimeFigureOut">
               <a:rPr lang="en-US" smtClean="0"/>
               <a:pPr/>
-              <a:t>8/2/2017</a:t>
+              <a:t>8/14/2017</a:t>
             </a:fld>
             <a:endParaRPr lang="en-US"/>
           </a:p>
@@ -5318,7 +6240,7 @@
             <a:fld id="{B6F15528-21DE-4FAA-801E-634DDDAF4B2B}" type="slidenum">
               <a:rPr lang="en-US" smtClean="0"/>
               <a:pPr/>
-              <a:t>‹#›</a:t>
+              <a:t>‹nr.›</a:t>
             </a:fld>
             <a:endParaRPr lang="en-US"/>
           </a:p>
@@ -5440,7 +6362,7 @@
             <a:fld id="{1D8BD707-D9CF-40AE-B4C6-C98DA3205C09}" type="datetimeFigureOut">
               <a:rPr lang="en-US" smtClean="0"/>
               <a:pPr/>
-              <a:t>8/2/2017</a:t>
+              <a:t>8/14/2017</a:t>
             </a:fld>
             <a:endParaRPr lang="en-US"/>
           </a:p>
@@ -5483,7 +6405,7 @@
             <a:fld id="{B6F15528-21DE-4FAA-801E-634DDDAF4B2B}" type="slidenum">
               <a:rPr lang="en-US" smtClean="0"/>
               <a:pPr/>
-              <a:t>‹#›</a:t>
+              <a:t>‹nr.›</a:t>
             </a:fld>
             <a:endParaRPr lang="en-US"/>
           </a:p>
@@ -5682,7 +6604,7 @@
             <a:fld id="{1D8BD707-D9CF-40AE-B4C6-C98DA3205C09}" type="datetimeFigureOut">
               <a:rPr lang="en-US" smtClean="0"/>
               <a:pPr/>
-              <a:t>8/2/2017</a:t>
+              <a:t>8/14/2017</a:t>
             </a:fld>
             <a:endParaRPr lang="en-US"/>
           </a:p>
@@ -5725,7 +6647,7 @@
             <a:fld id="{B6F15528-21DE-4FAA-801E-634DDDAF4B2B}" type="slidenum">
               <a:rPr lang="en-US" smtClean="0"/>
               <a:pPr/>
-              <a:t>‹#›</a:t>
+              <a:t>‹nr.›</a:t>
             </a:fld>
             <a:endParaRPr lang="en-US"/>
           </a:p>
@@ -5964,7 +6886,7 @@
             <a:fld id="{1D8BD707-D9CF-40AE-B4C6-C98DA3205C09}" type="datetimeFigureOut">
               <a:rPr lang="en-US" smtClean="0"/>
               <a:pPr/>
-              <a:t>8/2/2017</a:t>
+              <a:t>8/14/2017</a:t>
             </a:fld>
             <a:endParaRPr lang="en-US"/>
           </a:p>
@@ -6007,7 +6929,7 @@
             <a:fld id="{B6F15528-21DE-4FAA-801E-634DDDAF4B2B}" type="slidenum">
               <a:rPr lang="en-US" smtClean="0"/>
               <a:pPr/>
-              <a:t>‹#›</a:t>
+              <a:t>‹nr.›</a:t>
             </a:fld>
             <a:endParaRPr lang="en-US"/>
           </a:p>
@@ -6380,7 +7302,7 @@
             <a:fld id="{1D8BD707-D9CF-40AE-B4C6-C98DA3205C09}" type="datetimeFigureOut">
               <a:rPr lang="en-US" smtClean="0"/>
               <a:pPr/>
-              <a:t>8/2/2017</a:t>
+              <a:t>8/14/2017</a:t>
             </a:fld>
             <a:endParaRPr lang="en-US"/>
           </a:p>
@@ -6423,7 +7345,7 @@
             <a:fld id="{B6F15528-21DE-4FAA-801E-634DDDAF4B2B}" type="slidenum">
               <a:rPr lang="en-US" smtClean="0"/>
               <a:pPr/>
-              <a:t>‹#›</a:t>
+              <a:t>‹nr.›</a:t>
             </a:fld>
             <a:endParaRPr lang="en-US"/>
           </a:p>
@@ -6494,7 +7416,7 @@
             <a:fld id="{1D8BD707-D9CF-40AE-B4C6-C98DA3205C09}" type="datetimeFigureOut">
               <a:rPr lang="en-US" smtClean="0"/>
               <a:pPr/>
-              <a:t>8/2/2017</a:t>
+              <a:t>8/14/2017</a:t>
             </a:fld>
             <a:endParaRPr lang="en-US"/>
           </a:p>
@@ -6537,7 +7459,7 @@
             <a:fld id="{B6F15528-21DE-4FAA-801E-634DDDAF4B2B}" type="slidenum">
               <a:rPr lang="en-US" smtClean="0"/>
               <a:pPr/>
-              <a:t>‹#›</a:t>
+              <a:t>‹nr.›</a:t>
             </a:fld>
             <a:endParaRPr lang="en-US"/>
           </a:p>
@@ -6586,7 +7508,7 @@
             <a:fld id="{1D8BD707-D9CF-40AE-B4C6-C98DA3205C09}" type="datetimeFigureOut">
               <a:rPr lang="en-US" smtClean="0"/>
               <a:pPr/>
-              <a:t>8/2/2017</a:t>
+              <a:t>8/14/2017</a:t>
             </a:fld>
             <a:endParaRPr lang="en-US"/>
           </a:p>
@@ -6629,7 +7551,7 @@
             <a:fld id="{B6F15528-21DE-4FAA-801E-634DDDAF4B2B}" type="slidenum">
               <a:rPr lang="en-US" smtClean="0"/>
               <a:pPr/>
-              <a:t>‹#›</a:t>
+              <a:t>‹nr.›</a:t>
             </a:fld>
             <a:endParaRPr lang="en-US"/>
           </a:p>
@@ -6858,7 +7780,7 @@
             <a:fld id="{1D8BD707-D9CF-40AE-B4C6-C98DA3205C09}" type="datetimeFigureOut">
               <a:rPr lang="en-US" smtClean="0"/>
               <a:pPr/>
-              <a:t>8/2/2017</a:t>
+              <a:t>8/14/2017</a:t>
             </a:fld>
             <a:endParaRPr lang="en-US"/>
           </a:p>
@@ -6901,7 +7823,7 @@
             <a:fld id="{B6F15528-21DE-4FAA-801E-634DDDAF4B2B}" type="slidenum">
               <a:rPr lang="en-US" smtClean="0"/>
               <a:pPr/>
-              <a:t>‹#›</a:t>
+              <a:t>‹nr.›</a:t>
             </a:fld>
             <a:endParaRPr lang="en-US"/>
           </a:p>
@@ -7107,7 +8029,7 @@
             <a:fld id="{1D8BD707-D9CF-40AE-B4C6-C98DA3205C09}" type="datetimeFigureOut">
               <a:rPr lang="en-US" smtClean="0"/>
               <a:pPr/>
-              <a:t>8/2/2017</a:t>
+              <a:t>8/14/2017</a:t>
             </a:fld>
             <a:endParaRPr lang="en-US"/>
           </a:p>
@@ -7150,7 +8072,7 @@
             <a:fld id="{B6F15528-21DE-4FAA-801E-634DDDAF4B2B}" type="slidenum">
               <a:rPr lang="en-US" smtClean="0"/>
               <a:pPr/>
-              <a:t>‹#›</a:t>
+              <a:t>‹nr.›</a:t>
             </a:fld>
             <a:endParaRPr lang="en-US"/>
           </a:p>
@@ -7315,7 +8237,7 @@
             <a:fld id="{1D8BD707-D9CF-40AE-B4C6-C98DA3205C09}" type="datetimeFigureOut">
               <a:rPr lang="en-US" smtClean="0"/>
               <a:pPr/>
-              <a:t>8/2/2017</a:t>
+              <a:t>8/14/2017</a:t>
             </a:fld>
             <a:endParaRPr lang="en-US"/>
           </a:p>
@@ -7394,7 +8316,7 @@
             <a:fld id="{B6F15528-21DE-4FAA-801E-634DDDAF4B2B}" type="slidenum">
               <a:rPr lang="en-US" smtClean="0"/>
               <a:pPr/>
-              <a:t>‹#›</a:t>
+              <a:t>‹nr.›</a:t>
             </a:fld>
             <a:endParaRPr lang="en-US"/>
           </a:p>
@@ -7921,7 +8843,7 @@
             <p:ph idx="1"/>
             <p:extLst>
               <p:ext uri="{D42A27DB-BD31-4B8C-83A1-F6EECF244321}">
-                <p14:modId xmlns:p14="http://schemas.microsoft.com/office/powerpoint/2010/main" val="776713360"/>
+                <p14:modId xmlns:p14="http://schemas.microsoft.com/office/powerpoint/2010/main" val="3752126811"/>
               </p:ext>
             </p:extLst>
           </p:nvPr>
@@ -8018,9 +8940,9 @@
           <p:nvPr/>
         </p:nvGrpSpPr>
         <p:grpSpPr>
-          <a:xfrm>
-            <a:off x="990600" y="5029200"/>
-            <a:ext cx="151437" cy="188910"/>
+          <a:xfrm rot="13237825">
+            <a:off x="1262393" y="5088377"/>
+            <a:ext cx="1369714" cy="205419"/>
             <a:chOff x="938725" y="1932668"/>
             <a:chExt cx="151437" cy="188910"/>
           </a:xfrm>
@@ -8153,8 +9075,8 @@
           <p:nvPr/>
         </p:nvGrpSpPr>
         <p:grpSpPr>
-          <a:xfrm rot="14630857">
-            <a:off x="2086699" y="4942660"/>
+          <a:xfrm rot="13644078">
+            <a:off x="2205305" y="4863583"/>
             <a:ext cx="724984" cy="188910"/>
             <a:chOff x="938725" y="1932668"/>
             <a:chExt cx="151437" cy="188910"/>
@@ -8558,9 +9480,9 @@
           <p:nvPr/>
         </p:nvGrpSpPr>
         <p:grpSpPr>
-          <a:xfrm>
-            <a:off x="5753100" y="4934745"/>
-            <a:ext cx="151437" cy="188910"/>
+          <a:xfrm rot="16939038">
+            <a:off x="5417311" y="4808736"/>
+            <a:ext cx="498163" cy="188910"/>
             <a:chOff x="938725" y="1932668"/>
             <a:chExt cx="151437" cy="188910"/>
           </a:xfrm>
@@ -8693,9 +9615,9 @@
           <p:nvPr/>
         </p:nvGrpSpPr>
         <p:grpSpPr>
-          <a:xfrm>
-            <a:off x="7020470" y="4962857"/>
-            <a:ext cx="151437" cy="188910"/>
+          <a:xfrm rot="18503074">
+            <a:off x="5902694" y="5021127"/>
+            <a:ext cx="1280965" cy="188910"/>
             <a:chOff x="938725" y="1932668"/>
             <a:chExt cx="151437" cy="188910"/>
           </a:xfrm>
@@ -8828,9 +9750,9 @@
           <p:nvPr/>
         </p:nvGrpSpPr>
         <p:grpSpPr>
-          <a:xfrm>
-            <a:off x="8166690" y="4962857"/>
-            <a:ext cx="151437" cy="188910"/>
+          <a:xfrm rot="19641489">
+            <a:off x="6049407" y="5138657"/>
+            <a:ext cx="2243867" cy="188910"/>
             <a:chOff x="938725" y="1932668"/>
             <a:chExt cx="151437" cy="188910"/>
           </a:xfrm>
@@ -9026,7 +9948,9 @@
         </p:nvSpPr>
         <p:spPr/>
         <p:txBody>
-          <a:bodyPr/>
+          <a:bodyPr>
+            <a:normAutofit fontScale="92500" lnSpcReduction="10000"/>
+          </a:bodyPr>
           <a:lstStyle/>
           <a:p>
             <a:r>
@@ -9068,6 +9992,22 @@
               <a:rPr lang="da-DK" dirty="0"/>
               <a:t>Customer test scripts</a:t>
             </a:r>
+          </a:p>
+          <a:p>
+            <a:pPr lvl="1"/>
+            <a:r>
+              <a:rPr lang="da-DK" dirty="0" err="1"/>
+              <a:t>Get</a:t>
+            </a:r>
+            <a:endParaRPr lang="da-DK" dirty="0"/>
+          </a:p>
+          <a:p>
+            <a:pPr lvl="1"/>
+            <a:r>
+              <a:rPr lang="da-DK" dirty="0" err="1"/>
+              <a:t>Verify</a:t>
+            </a:r>
+            <a:endParaRPr lang="da-DK" dirty="0"/>
           </a:p>
         </p:txBody>
       </p:sp>
@@ -9342,7 +10282,7 @@
             <a:pPr lvl="1"/>
             <a:r>
               <a:rPr lang="da-DK" dirty="0"/>
-              <a:t>Customer test</a:t>
+              <a:t>Customer test (script)</a:t>
             </a:r>
           </a:p>
           <a:p>
@@ -9703,15 +10643,6 @@
             </a:pPr>
             <a:endParaRPr lang="da-DK" dirty="0"/>
           </a:p>
-          <a:p>
-            <a:pPr marL="0" indent="0">
-              <a:buNone/>
-            </a:pPr>
-            <a:r>
-              <a:rPr lang="da-DK" dirty="0"/>
-              <a:t>ref.: IT Infrastructure, sec 7.2</a:t>
-            </a:r>
-          </a:p>
         </p:txBody>
       </p:sp>
     </p:spTree>
@@ -9790,7 +10721,9 @@
         </p:nvSpPr>
         <p:spPr/>
         <p:txBody>
-          <a:bodyPr/>
+          <a:bodyPr>
+            <a:normAutofit lnSpcReduction="10000"/>
+          </a:bodyPr>
           <a:lstStyle/>
           <a:p>
             <a:r>
@@ -9832,6 +10765,20 @@
             <a:r>
               <a:rPr lang="da-DK" dirty="0"/>
               <a:t>MDS</a:t>
+            </a:r>
+          </a:p>
+          <a:p>
+            <a:r>
+              <a:rPr lang="da-DK" dirty="0"/>
+              <a:t>Reporting Services; </a:t>
+            </a:r>
+            <a:r>
+              <a:rPr lang="da-DK" dirty="0" err="1"/>
+              <a:t>reports</a:t>
+            </a:r>
+            <a:r>
+              <a:rPr lang="da-DK" dirty="0"/>
+              <a:t> &amp; cache</a:t>
             </a:r>
           </a:p>
         </p:txBody>
@@ -10130,4 +11077,299 @@
   <a:objectDefaults/>
   <a:extraClrSchemeLst/>
 </a:theme>
+</file>
+
+<file path=ppt/theme/theme2.xml><?xml version="1.0" encoding="utf-8"?>
+<a:theme xmlns:a="http://schemas.openxmlformats.org/drawingml/2006/main" name="Office-tema">
+  <a:themeElements>
+    <a:clrScheme name="Kontor">
+      <a:dk1>
+        <a:sysClr val="windowText" lastClr="000000"/>
+      </a:dk1>
+      <a:lt1>
+        <a:sysClr val="window" lastClr="FFFFFF"/>
+      </a:lt1>
+      <a:dk2>
+        <a:srgbClr val="44546A"/>
+      </a:dk2>
+      <a:lt2>
+        <a:srgbClr val="E7E6E6"/>
+      </a:lt2>
+      <a:accent1>
+        <a:srgbClr val="4472C4"/>
+      </a:accent1>
+      <a:accent2>
+        <a:srgbClr val="ED7D31"/>
+      </a:accent2>
+      <a:accent3>
+        <a:srgbClr val="A5A5A5"/>
+      </a:accent3>
+      <a:accent4>
+        <a:srgbClr val="FFC000"/>
+      </a:accent4>
+      <a:accent5>
+        <a:srgbClr val="5B9BD5"/>
+      </a:accent5>
+      <a:accent6>
+        <a:srgbClr val="70AD47"/>
+      </a:accent6>
+      <a:hlink>
+        <a:srgbClr val="0563C1"/>
+      </a:hlink>
+      <a:folHlink>
+        <a:srgbClr val="954F72"/>
+      </a:folHlink>
+    </a:clrScheme>
+    <a:fontScheme name="Kontor">
+      <a:majorFont>
+        <a:latin typeface="Calibri Light" panose="020F0302020204030204"/>
+        <a:ea typeface=""/>
+        <a:cs typeface=""/>
+        <a:font script="Jpan" typeface="游ゴシック Light"/>
+        <a:font script="Hang" typeface="맑은 고딕"/>
+        <a:font script="Hans" typeface="等线 Light"/>
+        <a:font script="Hant" typeface="新細明體"/>
+        <a:font script="Arab" typeface="Times New Roman"/>
+        <a:font script="Hebr" typeface="Times New Roman"/>
+        <a:font script="Thai" typeface="Angsana New"/>
+        <a:font script="Ethi" typeface="Nyala"/>
+        <a:font script="Beng" typeface="Vrinda"/>
+        <a:font script="Gujr" typeface="Shruti"/>
+        <a:font script="Khmr" typeface="MoolBoran"/>
+        <a:font script="Knda" typeface="Tunga"/>
+        <a:font script="Guru" typeface="Raavi"/>
+        <a:font script="Cans" typeface="Euphemia"/>
+        <a:font script="Cher" typeface="Plantagenet Cherokee"/>
+        <a:font script="Yiii" typeface="Microsoft Yi Baiti"/>
+        <a:font script="Tibt" typeface="Microsoft Himalaya"/>
+        <a:font script="Thaa" typeface="MV Boli"/>
+        <a:font script="Deva" typeface="Mangal"/>
+        <a:font script="Telu" typeface="Gautami"/>
+        <a:font script="Taml" typeface="Latha"/>
+        <a:font script="Syrc" typeface="Estrangelo Edessa"/>
+        <a:font script="Orya" typeface="Kalinga"/>
+        <a:font script="Mlym" typeface="Kartika"/>
+        <a:font script="Laoo" typeface="DokChampa"/>
+        <a:font script="Sinh" typeface="Iskoola Pota"/>
+        <a:font script="Mong" typeface="Mongolian Baiti"/>
+        <a:font script="Viet" typeface="Times New Roman"/>
+        <a:font script="Uigh" typeface="Microsoft Uighur"/>
+        <a:font script="Geor" typeface="Sylfaen"/>
+        <a:font script="Armn" typeface="Arial"/>
+        <a:font script="Bugi" typeface="Leelawadee UI"/>
+        <a:font script="Bopo" typeface="Microsoft JhengHei"/>
+        <a:font script="Java" typeface="Javanese Text"/>
+        <a:font script="Lisu" typeface="Segoe UI"/>
+        <a:font script="Mymr" typeface="Myanmar Text"/>
+        <a:font script="Nkoo" typeface="Ebrima"/>
+        <a:font script="Olck" typeface="Nirmala UI"/>
+        <a:font script="Osma" typeface="Ebrima"/>
+        <a:font script="Phag" typeface="Phagspa"/>
+        <a:font script="Syrn" typeface="Estrangelo Edessa"/>
+        <a:font script="Syrj" typeface="Estrangelo Edessa"/>
+        <a:font script="Syre" typeface="Estrangelo Edessa"/>
+        <a:font script="Sora" typeface="Nirmala UI"/>
+        <a:font script="Tale" typeface="Microsoft Tai Le"/>
+        <a:font script="Talu" typeface="Microsoft New Tai Lue"/>
+        <a:font script="Tfng" typeface="Ebrima"/>
+      </a:majorFont>
+      <a:minorFont>
+        <a:latin typeface="Calibri" panose="020F0502020204030204"/>
+        <a:ea typeface=""/>
+        <a:cs typeface=""/>
+        <a:font script="Jpan" typeface="游ゴシック"/>
+        <a:font script="Hang" typeface="맑은 고딕"/>
+        <a:font script="Hans" typeface="等线"/>
+        <a:font script="Hant" typeface="新細明體"/>
+        <a:font script="Arab" typeface="Arial"/>
+        <a:font script="Hebr" typeface="Arial"/>
+        <a:font script="Thai" typeface="Cordia New"/>
+        <a:font script="Ethi" typeface="Nyala"/>
+        <a:font script="Beng" typeface="Vrinda"/>
+        <a:font script="Gujr" typeface="Shruti"/>
+        <a:font script="Khmr" typeface="DaunPenh"/>
+        <a:font script="Knda" typeface="Tunga"/>
+        <a:font script="Guru" typeface="Raavi"/>
+        <a:font script="Cans" typeface="Euphemia"/>
+        <a:font script="Cher" typeface="Plantagenet Cherokee"/>
+        <a:font script="Yiii" typeface="Microsoft Yi Baiti"/>
+        <a:font script="Tibt" typeface="Microsoft Himalaya"/>
+        <a:font script="Thaa" typeface="MV Boli"/>
+        <a:font script="Deva" typeface="Mangal"/>
+        <a:font script="Telu" typeface="Gautami"/>
+        <a:font script="Taml" typeface="Latha"/>
+        <a:font script="Syrc" typeface="Estrangelo Edessa"/>
+        <a:font script="Orya" typeface="Kalinga"/>
+        <a:font script="Mlym" typeface="Kartika"/>
+        <a:font script="Laoo" typeface="DokChampa"/>
+        <a:font script="Sinh" typeface="Iskoola Pota"/>
+        <a:font script="Mong" typeface="Mongolian Baiti"/>
+        <a:font script="Viet" typeface="Arial"/>
+        <a:font script="Uigh" typeface="Microsoft Uighur"/>
+        <a:font script="Geor" typeface="Sylfaen"/>
+        <a:font script="Armn" typeface="Arial"/>
+        <a:font script="Bugi" typeface="Leelawadee UI"/>
+        <a:font script="Bopo" typeface="Microsoft JhengHei"/>
+        <a:font script="Java" typeface="Javanese Text"/>
+        <a:font script="Lisu" typeface="Segoe UI"/>
+        <a:font script="Mymr" typeface="Myanmar Text"/>
+        <a:font script="Nkoo" typeface="Ebrima"/>
+        <a:font script="Olck" typeface="Nirmala UI"/>
+        <a:font script="Osma" typeface="Ebrima"/>
+        <a:font script="Phag" typeface="Phagspa"/>
+        <a:font script="Syrn" typeface="Estrangelo Edessa"/>
+        <a:font script="Syrj" typeface="Estrangelo Edessa"/>
+        <a:font script="Syre" typeface="Estrangelo Edessa"/>
+        <a:font script="Sora" typeface="Nirmala UI"/>
+        <a:font script="Tale" typeface="Microsoft Tai Le"/>
+        <a:font script="Talu" typeface="Microsoft New Tai Lue"/>
+        <a:font script="Tfng" typeface="Ebrima"/>
+      </a:minorFont>
+    </a:fontScheme>
+    <a:fmtScheme name="Kontor">
+      <a:fillStyleLst>
+        <a:solidFill>
+          <a:schemeClr val="phClr"/>
+        </a:solidFill>
+        <a:gradFill rotWithShape="1">
+          <a:gsLst>
+            <a:gs pos="0">
+              <a:schemeClr val="phClr">
+                <a:lumMod val="110000"/>
+                <a:satMod val="105000"/>
+                <a:tint val="67000"/>
+              </a:schemeClr>
+            </a:gs>
+            <a:gs pos="50000">
+              <a:schemeClr val="phClr">
+                <a:lumMod val="105000"/>
+                <a:satMod val="103000"/>
+                <a:tint val="73000"/>
+              </a:schemeClr>
+            </a:gs>
+            <a:gs pos="100000">
+              <a:schemeClr val="phClr">
+                <a:lumMod val="105000"/>
+                <a:satMod val="109000"/>
+                <a:tint val="81000"/>
+              </a:schemeClr>
+            </a:gs>
+          </a:gsLst>
+          <a:lin ang="5400000" scaled="0"/>
+        </a:gradFill>
+        <a:gradFill rotWithShape="1">
+          <a:gsLst>
+            <a:gs pos="0">
+              <a:schemeClr val="phClr">
+                <a:satMod val="103000"/>
+                <a:lumMod val="102000"/>
+                <a:tint val="94000"/>
+              </a:schemeClr>
+            </a:gs>
+            <a:gs pos="50000">
+              <a:schemeClr val="phClr">
+                <a:satMod val="110000"/>
+                <a:lumMod val="100000"/>
+                <a:shade val="100000"/>
+              </a:schemeClr>
+            </a:gs>
+            <a:gs pos="100000">
+              <a:schemeClr val="phClr">
+                <a:lumMod val="99000"/>
+                <a:satMod val="120000"/>
+                <a:shade val="78000"/>
+              </a:schemeClr>
+            </a:gs>
+          </a:gsLst>
+          <a:lin ang="5400000" scaled="0"/>
+        </a:gradFill>
+      </a:fillStyleLst>
+      <a:lnStyleLst>
+        <a:ln w="6350" cap="flat" cmpd="sng" algn="ctr">
+          <a:solidFill>
+            <a:schemeClr val="phClr"/>
+          </a:solidFill>
+          <a:prstDash val="solid"/>
+          <a:miter lim="800000"/>
+        </a:ln>
+        <a:ln w="12700" cap="flat" cmpd="sng" algn="ctr">
+          <a:solidFill>
+            <a:schemeClr val="phClr"/>
+          </a:solidFill>
+          <a:prstDash val="solid"/>
+          <a:miter lim="800000"/>
+        </a:ln>
+        <a:ln w="19050" cap="flat" cmpd="sng" algn="ctr">
+          <a:solidFill>
+            <a:schemeClr val="phClr"/>
+          </a:solidFill>
+          <a:prstDash val="solid"/>
+          <a:miter lim="800000"/>
+        </a:ln>
+      </a:lnStyleLst>
+      <a:effectStyleLst>
+        <a:effectStyle>
+          <a:effectLst/>
+        </a:effectStyle>
+        <a:effectStyle>
+          <a:effectLst/>
+        </a:effectStyle>
+        <a:effectStyle>
+          <a:effectLst>
+            <a:outerShdw blurRad="57150" dist="19050" dir="5400000" algn="ctr" rotWithShape="0">
+              <a:srgbClr val="000000">
+                <a:alpha val="63000"/>
+              </a:srgbClr>
+            </a:outerShdw>
+          </a:effectLst>
+        </a:effectStyle>
+      </a:effectStyleLst>
+      <a:bgFillStyleLst>
+        <a:solidFill>
+          <a:schemeClr val="phClr"/>
+        </a:solidFill>
+        <a:solidFill>
+          <a:schemeClr val="phClr">
+            <a:tint val="95000"/>
+            <a:satMod val="170000"/>
+          </a:schemeClr>
+        </a:solidFill>
+        <a:gradFill rotWithShape="1">
+          <a:gsLst>
+            <a:gs pos="0">
+              <a:schemeClr val="phClr">
+                <a:tint val="93000"/>
+                <a:satMod val="150000"/>
+                <a:shade val="98000"/>
+                <a:lumMod val="102000"/>
+              </a:schemeClr>
+            </a:gs>
+            <a:gs pos="50000">
+              <a:schemeClr val="phClr">
+                <a:tint val="98000"/>
+                <a:satMod val="130000"/>
+                <a:shade val="90000"/>
+                <a:lumMod val="103000"/>
+              </a:schemeClr>
+            </a:gs>
+            <a:gs pos="100000">
+              <a:schemeClr val="phClr">
+                <a:shade val="63000"/>
+                <a:satMod val="120000"/>
+              </a:schemeClr>
+            </a:gs>
+          </a:gsLst>
+          <a:lin ang="5400000" scaled="0"/>
+        </a:gradFill>
+      </a:bgFillStyleLst>
+    </a:fmtScheme>
+  </a:themeElements>
+  <a:objectDefaults/>
+  <a:extraClrSchemeLst/>
+  <a:extLst>
+    <a:ext uri="{05A4C25C-085E-4340-85A3-A5531E510DB2}">
+      <thm15:themeFamily xmlns:thm15="http://schemas.microsoft.com/office/thememl/2012/main" name="Office Theme" id="{62F939B6-93AF-4DB8-9C6B-D6C7DFDC589F}" vid="{4A3C46E8-61CC-4603-A589-7422A47A8E4A}"/>
+    </a:ext>
+  </a:extLst>
+</a:theme>
 </file>